--- a/PPT/TypeScriptv7.pptx
+++ b/PPT/TypeScriptv7.pptx
@@ -5,7 +5,7 @@
     <p:sldMasterId id="2147483660" r:id="rId1"/>
   </p:sldMasterIdLst>
   <p:notesMasterIdLst>
-    <p:notesMasterId r:id="rId82"/>
+    <p:notesMasterId r:id="rId86"/>
   </p:notesMasterIdLst>
   <p:sldIdLst>
     <p:sldId id="256" r:id="rId2"/>
@@ -87,7 +87,11 @@
     <p:sldId id="435" r:id="rId78"/>
     <p:sldId id="436" r:id="rId79"/>
     <p:sldId id="437" r:id="rId80"/>
-    <p:sldId id="268" r:id="rId81"/>
+    <p:sldId id="439" r:id="rId81"/>
+    <p:sldId id="440" r:id="rId82"/>
+    <p:sldId id="441" r:id="rId83"/>
+    <p:sldId id="438" r:id="rId84"/>
+    <p:sldId id="268" r:id="rId85"/>
   </p:sldIdLst>
   <p:sldSz cx="12192000" cy="6858000"/>
   <p:notesSz cx="6858000" cy="9144000"/>
@@ -3466,6 +3470,1152 @@
     <p:extLst>
       <p:ext uri="{BB962C8B-B14F-4D97-AF65-F5344CB8AC3E}">
         <p14:creationId xmlns:p14="http://schemas.microsoft.com/office/powerpoint/2010/main" val="1820275927"/>
+      </p:ext>
+    </p:extLst>
+  </p:cSld>
+  <p:clrMapOvr>
+    <a:masterClrMapping/>
+  </p:clrMapOvr>
+</p:notes>
+</file>
+
+<file path=ppt/notesSlides/notesSlide28.xml><?xml version="1.0" encoding="utf-8"?>
+<p:notes xmlns:a="http://schemas.openxmlformats.org/drawingml/2006/main" xmlns:r="http://schemas.openxmlformats.org/officeDocument/2006/relationships" xmlns:p="http://schemas.openxmlformats.org/presentationml/2006/main">
+  <p:cSld>
+    <p:spTree>
+      <p:nvGrpSpPr>
+        <p:cNvPr id="1" name=""/>
+        <p:cNvGrpSpPr/>
+        <p:nvPr/>
+      </p:nvGrpSpPr>
+      <p:grpSpPr>
+        <a:xfrm>
+          <a:off x="0" y="0"/>
+          <a:ext cx="0" cy="0"/>
+          <a:chOff x="0" y="0"/>
+          <a:chExt cx="0" cy="0"/>
+        </a:xfrm>
+      </p:grpSpPr>
+      <p:sp>
+        <p:nvSpPr>
+          <p:cNvPr id="2" name="Slide Image Placeholder 1"/>
+          <p:cNvSpPr>
+            <a:spLocks noGrp="1" noRot="1" noChangeAspect="1"/>
+          </p:cNvSpPr>
+          <p:nvPr>
+            <p:ph type="sldImg"/>
+          </p:nvPr>
+        </p:nvSpPr>
+        <p:spPr/>
+      </p:sp>
+      <p:sp>
+        <p:nvSpPr>
+          <p:cNvPr id="3" name="Notes Placeholder 2"/>
+          <p:cNvSpPr>
+            <a:spLocks noGrp="1"/>
+          </p:cNvSpPr>
+          <p:nvPr>
+            <p:ph type="body" idx="1"/>
+          </p:nvPr>
+        </p:nvSpPr>
+        <p:spPr/>
+        <p:txBody>
+          <a:bodyPr/>
+          <a:lstStyle/>
+          <a:p>
+            <a:r>
+              <a:rPr lang="en-IN" dirty="0" smtClean="0"/>
+              <a:t>(Click)</a:t>
+            </a:r>
+          </a:p>
+          <a:p>
+            <a:r>
+              <a:rPr lang="en-IN" dirty="0" smtClean="0"/>
+              <a:t>There might be some operations which take longer than usual </a:t>
+            </a:r>
+          </a:p>
+          <a:p>
+            <a:pPr marL="0" marR="0" lvl="0" indent="0" algn="l" defTabSz="914400" rtl="0" eaLnBrk="1" fontAlgn="auto" latinLnBrk="0" hangingPunct="1">
+              <a:lnSpc>
+                <a:spcPct val="100000"/>
+              </a:lnSpc>
+              <a:spcBef>
+                <a:spcPts val="0"/>
+              </a:spcBef>
+              <a:spcAft>
+                <a:spcPts val="0"/>
+              </a:spcAft>
+              <a:buClrTx/>
+              <a:buSzTx/>
+              <a:buFontTx/>
+              <a:buNone/>
+              <a:tabLst/>
+              <a:defRPr/>
+            </a:pPr>
+            <a:r>
+              <a:rPr lang="en-IN" dirty="0" smtClean="0"/>
+              <a:t>(Click)</a:t>
+            </a:r>
+            <a:endParaRPr lang="en-IN" dirty="0" smtClean="0"/>
+          </a:p>
+          <a:p>
+            <a:r>
+              <a:rPr lang="en-IN" dirty="0" smtClean="0"/>
+              <a:t>like </a:t>
+            </a:r>
+            <a:r>
+              <a:rPr lang="en-IN" dirty="0" err="1" smtClean="0"/>
+              <a:t>setTimeout</a:t>
+            </a:r>
+            <a:r>
+              <a:rPr lang="en-IN" baseline="0" dirty="0" smtClean="0"/>
+              <a:t> so we need to wait till it completes as </a:t>
+            </a:r>
+            <a:r>
+              <a:rPr lang="en-IN" baseline="0" dirty="0" err="1" smtClean="0"/>
+              <a:t>js</a:t>
+            </a:r>
+            <a:r>
+              <a:rPr lang="en-IN" baseline="0" dirty="0" smtClean="0"/>
+              <a:t> works synchronously</a:t>
+            </a:r>
+          </a:p>
+          <a:p>
+            <a:r>
+              <a:rPr lang="en-IN" baseline="0" dirty="0" smtClean="0"/>
+              <a:t>But that might not always be the case .</a:t>
+            </a:r>
+          </a:p>
+          <a:p>
+            <a:pPr marL="0" marR="0" lvl="0" indent="0" algn="l" defTabSz="914400" rtl="0" eaLnBrk="1" fontAlgn="auto" latinLnBrk="0" hangingPunct="1">
+              <a:lnSpc>
+                <a:spcPct val="100000"/>
+              </a:lnSpc>
+              <a:spcBef>
+                <a:spcPts val="0"/>
+              </a:spcBef>
+              <a:spcAft>
+                <a:spcPts val="0"/>
+              </a:spcAft>
+              <a:buClrTx/>
+              <a:buSzTx/>
+              <a:buFontTx/>
+              <a:buNone/>
+              <a:tabLst/>
+              <a:defRPr/>
+            </a:pPr>
+            <a:r>
+              <a:rPr lang="en-IN" dirty="0" smtClean="0"/>
+              <a:t>(Click)</a:t>
+            </a:r>
+            <a:endParaRPr lang="en-IN" baseline="0" dirty="0" smtClean="0"/>
+          </a:p>
+          <a:p>
+            <a:r>
+              <a:rPr lang="en-IN" baseline="0" dirty="0" smtClean="0"/>
+              <a:t>Sometimes we do not need the script to block till our long operation finishes.</a:t>
+            </a:r>
+          </a:p>
+          <a:p>
+            <a:pPr marL="0" marR="0" lvl="0" indent="0" algn="l" defTabSz="914400" rtl="0" eaLnBrk="1" fontAlgn="auto" latinLnBrk="0" hangingPunct="1">
+              <a:lnSpc>
+                <a:spcPct val="100000"/>
+              </a:lnSpc>
+              <a:spcBef>
+                <a:spcPts val="0"/>
+              </a:spcBef>
+              <a:spcAft>
+                <a:spcPts val="0"/>
+              </a:spcAft>
+              <a:buClrTx/>
+              <a:buSzTx/>
+              <a:buFontTx/>
+              <a:buNone/>
+              <a:tabLst/>
+              <a:defRPr/>
+            </a:pPr>
+            <a:r>
+              <a:rPr lang="en-IN" dirty="0" smtClean="0"/>
+              <a:t>(Click)</a:t>
+            </a:r>
+            <a:endParaRPr lang="en-IN" baseline="0" dirty="0" smtClean="0"/>
+          </a:p>
+          <a:p>
+            <a:r>
+              <a:rPr lang="en-IN" baseline="0" dirty="0" smtClean="0"/>
+              <a:t>We can have other examples also like http request  ,getting user location waiting for a button click etc.</a:t>
+            </a:r>
+          </a:p>
+          <a:p>
+            <a:r>
+              <a:rPr lang="en-IN" baseline="0" dirty="0" smtClean="0"/>
+              <a:t>We may have other parts of code that we don’t want to wait for our longer running code</a:t>
+            </a:r>
+          </a:p>
+          <a:p>
+            <a:pPr marL="0" marR="0" lvl="0" indent="0" algn="l" defTabSz="914400" rtl="0" eaLnBrk="1" fontAlgn="auto" latinLnBrk="0" hangingPunct="1">
+              <a:lnSpc>
+                <a:spcPct val="100000"/>
+              </a:lnSpc>
+              <a:spcBef>
+                <a:spcPts val="0"/>
+              </a:spcBef>
+              <a:spcAft>
+                <a:spcPts val="0"/>
+              </a:spcAft>
+              <a:buClrTx/>
+              <a:buSzTx/>
+              <a:buFontTx/>
+              <a:buNone/>
+              <a:tabLst/>
+              <a:defRPr/>
+            </a:pPr>
+            <a:r>
+              <a:rPr lang="en-IN" dirty="0" smtClean="0"/>
+              <a:t>(Click)</a:t>
+            </a:r>
+          </a:p>
+          <a:p>
+            <a:r>
+              <a:rPr lang="en-IN" baseline="0" dirty="0" smtClean="0"/>
+              <a:t>Thankfully </a:t>
+            </a:r>
+            <a:r>
+              <a:rPr lang="en-IN" baseline="0" dirty="0" err="1" smtClean="0"/>
+              <a:t>js</a:t>
+            </a:r>
+            <a:r>
+              <a:rPr lang="en-IN" baseline="0" dirty="0" smtClean="0"/>
+              <a:t> and browsers have a solution for that we have  asynchronous code execution</a:t>
+            </a:r>
+          </a:p>
+          <a:p>
+            <a:pPr marL="0" marR="0" lvl="0" indent="0" algn="l" defTabSz="914400" rtl="0" eaLnBrk="1" fontAlgn="auto" latinLnBrk="0" hangingPunct="1">
+              <a:lnSpc>
+                <a:spcPct val="100000"/>
+              </a:lnSpc>
+              <a:spcBef>
+                <a:spcPts val="0"/>
+              </a:spcBef>
+              <a:spcAft>
+                <a:spcPts val="0"/>
+              </a:spcAft>
+              <a:buClrTx/>
+              <a:buSzTx/>
+              <a:buFontTx/>
+              <a:buNone/>
+              <a:tabLst/>
+              <a:defRPr/>
+            </a:pPr>
+            <a:r>
+              <a:rPr lang="en-IN" dirty="0" smtClean="0"/>
+              <a:t>(Click)</a:t>
+            </a:r>
+          </a:p>
+          <a:p>
+            <a:r>
+              <a:rPr lang="en-IN" baseline="0" dirty="0" smtClean="0"/>
+              <a:t>If we have any time taking operation we can offload them to the browser</a:t>
+            </a:r>
+          </a:p>
+          <a:p>
+            <a:pPr marL="0" marR="0" lvl="0" indent="0" algn="l" defTabSz="914400" rtl="0" eaLnBrk="1" fontAlgn="auto" latinLnBrk="0" hangingPunct="1">
+              <a:lnSpc>
+                <a:spcPct val="100000"/>
+              </a:lnSpc>
+              <a:spcBef>
+                <a:spcPts val="0"/>
+              </a:spcBef>
+              <a:spcAft>
+                <a:spcPts val="0"/>
+              </a:spcAft>
+              <a:buClrTx/>
+              <a:buSzTx/>
+              <a:buFontTx/>
+              <a:buNone/>
+              <a:tabLst/>
+              <a:defRPr/>
+            </a:pPr>
+            <a:r>
+              <a:rPr lang="en-IN" dirty="0" smtClean="0"/>
+              <a:t>(Click)</a:t>
+            </a:r>
+            <a:endParaRPr lang="en-IN" baseline="0" dirty="0" smtClean="0"/>
+          </a:p>
+          <a:p>
+            <a:r>
+              <a:rPr lang="en-IN" baseline="0" dirty="0" smtClean="0"/>
+              <a:t>The browser then is able to execute that part in a separate thread and our script doesn’t block</a:t>
+            </a:r>
+          </a:p>
+          <a:p>
+            <a:r>
+              <a:rPr lang="en-IN" baseline="0" dirty="0" smtClean="0"/>
+              <a:t>Now the browser needs a way to communicate the result back to our </a:t>
+            </a:r>
+            <a:r>
+              <a:rPr lang="en-IN" baseline="0" dirty="0" err="1" smtClean="0"/>
+              <a:t>js</a:t>
+            </a:r>
+            <a:r>
+              <a:rPr lang="en-IN" baseline="0" dirty="0" smtClean="0"/>
+              <a:t> script and for that we typically use </a:t>
+            </a:r>
+            <a:r>
+              <a:rPr lang="en-IN" baseline="0" dirty="0" err="1" smtClean="0"/>
+              <a:t>callback</a:t>
+            </a:r>
+            <a:r>
+              <a:rPr lang="en-IN" baseline="0" dirty="0" smtClean="0"/>
+              <a:t> functions</a:t>
+            </a:r>
+          </a:p>
+          <a:p>
+            <a:pPr marL="0" marR="0" lvl="0" indent="0" algn="l" defTabSz="914400" rtl="0" eaLnBrk="1" fontAlgn="auto" latinLnBrk="0" hangingPunct="1">
+              <a:lnSpc>
+                <a:spcPct val="100000"/>
+              </a:lnSpc>
+              <a:spcBef>
+                <a:spcPts val="0"/>
+              </a:spcBef>
+              <a:spcAft>
+                <a:spcPts val="0"/>
+              </a:spcAft>
+              <a:buClrTx/>
+              <a:buSzTx/>
+              <a:buFontTx/>
+              <a:buNone/>
+              <a:tabLst/>
+              <a:defRPr/>
+            </a:pPr>
+            <a:r>
+              <a:rPr lang="en-IN" dirty="0" smtClean="0"/>
+              <a:t>(Click)</a:t>
+            </a:r>
+          </a:p>
+          <a:p>
+            <a:r>
+              <a:rPr lang="en-IN" baseline="0" dirty="0" smtClean="0"/>
+              <a:t>For example when we add an click handler to a button typically it should block the whole script and wait for the  button to be clicked</a:t>
+            </a:r>
+          </a:p>
+          <a:p>
+            <a:r>
+              <a:rPr lang="en-IN" baseline="0" dirty="0" smtClean="0"/>
+              <a:t>But instead this is executed by browsers in a separate thread where an infinite loop runs waiting for the button click and script </a:t>
+            </a:r>
+            <a:r>
+              <a:rPr lang="en-IN" baseline="0" dirty="0" err="1" smtClean="0"/>
+              <a:t>ddoesnt</a:t>
+            </a:r>
+            <a:r>
+              <a:rPr lang="en-IN" baseline="0" dirty="0" smtClean="0"/>
+              <a:t> block</a:t>
+            </a:r>
+          </a:p>
+          <a:p>
+            <a:r>
+              <a:rPr lang="en-IN" baseline="0" dirty="0" smtClean="0"/>
+              <a:t>When the button is actually clicked the browser taps into our script and executes the </a:t>
+            </a:r>
+            <a:r>
+              <a:rPr lang="en-IN" baseline="0" dirty="0" err="1" smtClean="0"/>
+              <a:t>callback</a:t>
+            </a:r>
+            <a:r>
+              <a:rPr lang="en-IN" baseline="0" dirty="0" smtClean="0"/>
+              <a:t> associated with the click handler</a:t>
+            </a:r>
+          </a:p>
+          <a:p>
+            <a:endParaRPr lang="en-GB" dirty="0"/>
+          </a:p>
+        </p:txBody>
+      </p:sp>
+      <p:sp>
+        <p:nvSpPr>
+          <p:cNvPr id="4" name="Slide Number Placeholder 3"/>
+          <p:cNvSpPr>
+            <a:spLocks noGrp="1"/>
+          </p:cNvSpPr>
+          <p:nvPr>
+            <p:ph type="sldNum" sz="quarter" idx="10"/>
+          </p:nvPr>
+        </p:nvSpPr>
+        <p:spPr/>
+        <p:txBody>
+          <a:bodyPr/>
+          <a:lstStyle/>
+          <a:p>
+            <a:fld id="{D3B79ED6-4970-4D84-B25C-F520A9D9210C}" type="slidenum">
+              <a:rPr lang="en-GB" smtClean="0"/>
+              <a:t>81</a:t>
+            </a:fld>
+            <a:endParaRPr lang="en-GB"/>
+          </a:p>
+        </p:txBody>
+      </p:sp>
+    </p:spTree>
+    <p:extLst>
+      <p:ext uri="{BB962C8B-B14F-4D97-AF65-F5344CB8AC3E}">
+        <p14:creationId xmlns:p14="http://schemas.microsoft.com/office/powerpoint/2010/main" val="2866615148"/>
+      </p:ext>
+    </p:extLst>
+  </p:cSld>
+  <p:clrMapOvr>
+    <a:masterClrMapping/>
+  </p:clrMapOvr>
+</p:notes>
+</file>
+
+<file path=ppt/notesSlides/notesSlide29.xml><?xml version="1.0" encoding="utf-8"?>
+<p:notes xmlns:a="http://schemas.openxmlformats.org/drawingml/2006/main" xmlns:r="http://schemas.openxmlformats.org/officeDocument/2006/relationships" xmlns:p="http://schemas.openxmlformats.org/presentationml/2006/main">
+  <p:cSld>
+    <p:spTree>
+      <p:nvGrpSpPr>
+        <p:cNvPr id="1" name=""/>
+        <p:cNvGrpSpPr/>
+        <p:nvPr/>
+      </p:nvGrpSpPr>
+      <p:grpSpPr>
+        <a:xfrm>
+          <a:off x="0" y="0"/>
+          <a:ext cx="0" cy="0"/>
+          <a:chOff x="0" y="0"/>
+          <a:chExt cx="0" cy="0"/>
+        </a:xfrm>
+      </p:grpSpPr>
+      <p:sp>
+        <p:nvSpPr>
+          <p:cNvPr id="2" name="Slide Image Placeholder 1"/>
+          <p:cNvSpPr>
+            <a:spLocks noGrp="1" noRot="1" noChangeAspect="1"/>
+          </p:cNvSpPr>
+          <p:nvPr>
+            <p:ph type="sldImg"/>
+          </p:nvPr>
+        </p:nvSpPr>
+        <p:spPr/>
+      </p:sp>
+      <p:sp>
+        <p:nvSpPr>
+          <p:cNvPr id="3" name="Notes Placeholder 2"/>
+          <p:cNvSpPr>
+            <a:spLocks noGrp="1"/>
+          </p:cNvSpPr>
+          <p:nvPr>
+            <p:ph type="body" idx="1"/>
+          </p:nvPr>
+        </p:nvSpPr>
+        <p:spPr/>
+        <p:txBody>
+          <a:bodyPr/>
+          <a:lstStyle/>
+          <a:p>
+            <a:r>
+              <a:rPr lang="en-IN" dirty="0" smtClean="0"/>
+              <a:t>Event loop helps us to deal with execution of </a:t>
+            </a:r>
+            <a:r>
+              <a:rPr lang="en-IN" dirty="0" err="1" smtClean="0"/>
+              <a:t>async</a:t>
+            </a:r>
+            <a:r>
+              <a:rPr lang="en-IN" dirty="0" smtClean="0"/>
+              <a:t> code</a:t>
+            </a:r>
+          </a:p>
+          <a:p>
+            <a:r>
+              <a:rPr lang="en-IN" dirty="0" smtClean="0"/>
+              <a:t>Click</a:t>
+            </a:r>
+          </a:p>
+          <a:p>
+            <a:r>
+              <a:rPr lang="en-IN" dirty="0" smtClean="0"/>
+              <a:t>Now consider we have the following code</a:t>
+            </a:r>
+          </a:p>
+          <a:p>
+            <a:r>
+              <a:rPr lang="en-IN" dirty="0" smtClean="0"/>
+              <a:t>We have a greet function that logs hi to the console</a:t>
+            </a:r>
+          </a:p>
+          <a:p>
+            <a:r>
+              <a:rPr lang="en-IN" dirty="0" smtClean="0"/>
+              <a:t>We have a </a:t>
+            </a:r>
+            <a:r>
+              <a:rPr lang="en-IN" dirty="0" err="1" smtClean="0"/>
+              <a:t>showAlert</a:t>
+            </a:r>
+            <a:r>
+              <a:rPr lang="en-IN" dirty="0" smtClean="0"/>
+              <a:t> function that alerts danger</a:t>
+            </a:r>
+          </a:p>
+          <a:p>
+            <a:r>
+              <a:rPr lang="en-IN" dirty="0" smtClean="0"/>
+              <a:t>We then call a </a:t>
+            </a:r>
+            <a:r>
+              <a:rPr lang="en-IN" dirty="0" err="1" smtClean="0"/>
+              <a:t>setTimeout</a:t>
+            </a:r>
+            <a:r>
+              <a:rPr lang="en-IN" dirty="0" smtClean="0"/>
+              <a:t> method</a:t>
+            </a:r>
+            <a:r>
+              <a:rPr lang="en-IN" baseline="0" dirty="0" smtClean="0"/>
+              <a:t> passing </a:t>
+            </a:r>
+            <a:r>
+              <a:rPr lang="en-IN" baseline="0" dirty="0" err="1" smtClean="0"/>
+              <a:t>showAlert</a:t>
+            </a:r>
+            <a:r>
+              <a:rPr lang="en-IN" baseline="0" dirty="0" smtClean="0"/>
+              <a:t> and 2000 ,so browser starts a timer and once the timer completes displays the alert</a:t>
+            </a:r>
+          </a:p>
+          <a:p>
+            <a:r>
+              <a:rPr lang="en-IN" baseline="0" dirty="0" smtClean="0"/>
+              <a:t>We then call our greet method</a:t>
+            </a:r>
+          </a:p>
+          <a:p>
+            <a:endParaRPr lang="en-IN" baseline="0" dirty="0" smtClean="0"/>
+          </a:p>
+          <a:p>
+            <a:r>
+              <a:rPr lang="en-IN" baseline="0" dirty="0" smtClean="0"/>
+              <a:t>Click</a:t>
+            </a:r>
+          </a:p>
+          <a:p>
+            <a:r>
+              <a:rPr lang="en-IN" baseline="0" dirty="0" smtClean="0"/>
+              <a:t>Then we have the stack that is part of the </a:t>
+            </a:r>
+            <a:r>
+              <a:rPr lang="en-IN" baseline="0" dirty="0" err="1" smtClean="0"/>
+              <a:t>js</a:t>
+            </a:r>
+            <a:r>
+              <a:rPr lang="en-IN" baseline="0" dirty="0" smtClean="0"/>
+              <a:t> engine</a:t>
+            </a:r>
+          </a:p>
+          <a:p>
+            <a:endParaRPr lang="en-IN" baseline="0" dirty="0" smtClean="0"/>
+          </a:p>
+          <a:p>
+            <a:r>
+              <a:rPr lang="en-IN" baseline="0" dirty="0" smtClean="0"/>
+              <a:t>Click</a:t>
+            </a:r>
+          </a:p>
+          <a:p>
+            <a:r>
+              <a:rPr lang="en-IN" baseline="0" dirty="0" smtClean="0"/>
+              <a:t>Then we have the browser </a:t>
+            </a:r>
+            <a:r>
+              <a:rPr lang="en-IN" baseline="0" dirty="0" err="1" smtClean="0"/>
+              <a:t>api’s</a:t>
+            </a:r>
+            <a:endParaRPr lang="en-IN" baseline="0" dirty="0" smtClean="0"/>
+          </a:p>
+          <a:p>
+            <a:r>
+              <a:rPr lang="en-IN" baseline="0" dirty="0" smtClean="0"/>
+              <a:t>Now lets say the code executes and two functions greet and </a:t>
+            </a:r>
+            <a:r>
+              <a:rPr lang="en-IN" baseline="0" dirty="0" err="1" smtClean="0"/>
+              <a:t>showAlert</a:t>
+            </a:r>
+            <a:r>
+              <a:rPr lang="en-IN" baseline="0" dirty="0" smtClean="0"/>
+              <a:t> are created</a:t>
+            </a:r>
+          </a:p>
+          <a:p>
+            <a:r>
+              <a:rPr lang="en-IN" baseline="0" dirty="0" smtClean="0"/>
+              <a:t>Now the first function that executes is the built in function </a:t>
+            </a:r>
+            <a:r>
+              <a:rPr lang="en-IN" baseline="0" dirty="0" err="1" smtClean="0"/>
+              <a:t>setTimeout</a:t>
+            </a:r>
+            <a:endParaRPr lang="en-IN" baseline="0" dirty="0" smtClean="0"/>
+          </a:p>
+          <a:p>
+            <a:r>
+              <a:rPr lang="en-IN" baseline="0" dirty="0" smtClean="0"/>
+              <a:t>Click</a:t>
+            </a:r>
+          </a:p>
+          <a:p>
+            <a:r>
+              <a:rPr lang="en-IN" baseline="0" dirty="0" smtClean="0"/>
+              <a:t>It then reaches out t the browser as </a:t>
+            </a:r>
+            <a:r>
+              <a:rPr lang="en-IN" baseline="0" dirty="0" err="1" smtClean="0"/>
+              <a:t>setTimeout</a:t>
+            </a:r>
+            <a:r>
+              <a:rPr lang="en-IN" baseline="0" dirty="0" smtClean="0"/>
+              <a:t> is a function made available to </a:t>
+            </a:r>
+            <a:r>
+              <a:rPr lang="en-IN" baseline="0" dirty="0" err="1" smtClean="0"/>
+              <a:t>js</a:t>
+            </a:r>
+            <a:r>
+              <a:rPr lang="en-IN" baseline="0" dirty="0" smtClean="0"/>
+              <a:t> by the browser and sets the ongoing timer there</a:t>
+            </a:r>
+          </a:p>
+          <a:p>
+            <a:r>
+              <a:rPr lang="en-IN" baseline="0" dirty="0" smtClean="0"/>
+              <a:t>Click</a:t>
+            </a:r>
+          </a:p>
+          <a:p>
+            <a:r>
+              <a:rPr lang="en-IN" baseline="0" dirty="0" smtClean="0"/>
+              <a:t>Then in </a:t>
+            </a:r>
+            <a:r>
+              <a:rPr lang="en-IN" baseline="0" dirty="0" err="1" smtClean="0"/>
+              <a:t>js</a:t>
+            </a:r>
+            <a:r>
+              <a:rPr lang="en-IN" baseline="0" dirty="0" smtClean="0"/>
+              <a:t> this function is done the timer is still there in browser but the </a:t>
+            </a:r>
+            <a:r>
+              <a:rPr lang="en-IN" baseline="0" dirty="0" err="1" smtClean="0"/>
+              <a:t>js</a:t>
+            </a:r>
+            <a:r>
+              <a:rPr lang="en-IN" baseline="0" dirty="0" smtClean="0"/>
+              <a:t> code is done</a:t>
+            </a:r>
+          </a:p>
+          <a:p>
+            <a:r>
+              <a:rPr lang="en-IN" baseline="0" dirty="0" smtClean="0"/>
+              <a:t>Click</a:t>
+            </a:r>
+          </a:p>
+          <a:p>
+            <a:r>
+              <a:rPr lang="en-IN" baseline="0" dirty="0" smtClean="0"/>
+              <a:t>The next thing that happens is not that the </a:t>
+            </a:r>
+            <a:r>
+              <a:rPr lang="en-IN" baseline="0" dirty="0" err="1" smtClean="0"/>
+              <a:t>showAlert</a:t>
+            </a:r>
+            <a:r>
+              <a:rPr lang="en-IN" baseline="0" dirty="0" smtClean="0"/>
+              <a:t> function runs as the timer takes two seconds and </a:t>
+            </a:r>
+            <a:r>
+              <a:rPr lang="en-IN" baseline="0" dirty="0" err="1" smtClean="0"/>
+              <a:t>js</a:t>
+            </a:r>
+            <a:r>
+              <a:rPr lang="en-IN" baseline="0" dirty="0" smtClean="0"/>
+              <a:t> does not wait for it</a:t>
+            </a:r>
+          </a:p>
+          <a:p>
+            <a:r>
+              <a:rPr lang="en-IN" baseline="0" dirty="0" smtClean="0"/>
+              <a:t>It runs the script further executing the greet method</a:t>
+            </a:r>
+          </a:p>
+          <a:p>
+            <a:r>
+              <a:rPr lang="en-IN" baseline="0" dirty="0" smtClean="0"/>
+              <a:t>Click</a:t>
+            </a:r>
+          </a:p>
+          <a:p>
+            <a:r>
+              <a:rPr lang="en-IN" baseline="0" dirty="0" err="1" smtClean="0"/>
+              <a:t>ie</a:t>
+            </a:r>
+            <a:r>
+              <a:rPr lang="en-IN" baseline="0" dirty="0" smtClean="0"/>
+              <a:t> </a:t>
+            </a:r>
+            <a:r>
+              <a:rPr lang="en-IN" baseline="0" dirty="0" err="1" smtClean="0"/>
+              <a:t>setTimeout</a:t>
+            </a:r>
+            <a:r>
+              <a:rPr lang="en-IN" baseline="0" dirty="0" smtClean="0"/>
+              <a:t> is called it is offloaded to browser and then greet executes</a:t>
+            </a:r>
+          </a:p>
+          <a:p>
+            <a:r>
+              <a:rPr lang="en-IN" baseline="0" dirty="0" smtClean="0"/>
+              <a:t>Greet internally calls console.log </a:t>
+            </a:r>
+          </a:p>
+          <a:p>
+            <a:r>
+              <a:rPr lang="en-IN" baseline="0" dirty="0" smtClean="0"/>
+              <a:t>click</a:t>
+            </a:r>
+          </a:p>
+          <a:p>
+            <a:r>
+              <a:rPr lang="en-IN" baseline="0" dirty="0" smtClean="0"/>
+              <a:t>and then we are basically done with the code on left</a:t>
+            </a:r>
+          </a:p>
+          <a:p>
+            <a:r>
+              <a:rPr lang="en-IN" baseline="0" dirty="0" smtClean="0"/>
+              <a:t>Now lets say at </a:t>
+            </a:r>
+            <a:r>
+              <a:rPr lang="en-IN" baseline="0" dirty="0" err="1" smtClean="0"/>
+              <a:t>somepoint</a:t>
+            </a:r>
+            <a:r>
+              <a:rPr lang="en-IN" baseline="0" dirty="0" smtClean="0"/>
+              <a:t> the timer completes</a:t>
+            </a:r>
+          </a:p>
+          <a:p>
+            <a:r>
+              <a:rPr lang="en-IN" baseline="0" dirty="0" smtClean="0"/>
+              <a:t>And maybe it completes when our greet method was still executing</a:t>
+            </a:r>
+          </a:p>
+          <a:p>
+            <a:r>
+              <a:rPr lang="en-IN" baseline="0" dirty="0" smtClean="0"/>
+              <a:t>Now we need some way to tell </a:t>
+            </a:r>
+            <a:r>
+              <a:rPr lang="en-IN" baseline="0" dirty="0" err="1" smtClean="0"/>
+              <a:t>js</a:t>
+            </a:r>
+            <a:r>
+              <a:rPr lang="en-IN" baseline="0" dirty="0" smtClean="0"/>
+              <a:t> that the </a:t>
+            </a:r>
+            <a:r>
+              <a:rPr lang="en-IN" baseline="0" dirty="0" err="1" smtClean="0"/>
+              <a:t>showAlert</a:t>
+            </a:r>
+            <a:r>
+              <a:rPr lang="en-IN" baseline="0" dirty="0" smtClean="0"/>
+              <a:t> function that was registered as a </a:t>
+            </a:r>
+            <a:r>
+              <a:rPr lang="en-IN" baseline="0" dirty="0" err="1" smtClean="0"/>
+              <a:t>callback</a:t>
+            </a:r>
+            <a:r>
+              <a:rPr lang="en-IN" baseline="0" dirty="0" smtClean="0"/>
+              <a:t> to </a:t>
+            </a:r>
+            <a:r>
+              <a:rPr lang="en-IN" baseline="0" dirty="0" err="1" smtClean="0"/>
+              <a:t>setTimeout</a:t>
+            </a:r>
+            <a:r>
+              <a:rPr lang="en-IN" baseline="0" dirty="0" smtClean="0"/>
+              <a:t> should be executed</a:t>
+            </a:r>
+          </a:p>
+          <a:p>
+            <a:r>
+              <a:rPr lang="en-IN" baseline="0" dirty="0" smtClean="0"/>
+              <a:t>Click</a:t>
+            </a:r>
+          </a:p>
+          <a:p>
+            <a:r>
+              <a:rPr lang="en-IN" baseline="0" dirty="0" smtClean="0"/>
+              <a:t>For this purpose a message queue is used.</a:t>
+            </a:r>
+          </a:p>
+          <a:p>
+            <a:r>
+              <a:rPr lang="en-IN" baseline="0" dirty="0" smtClean="0"/>
+              <a:t>A message queue is made available to us by the browser and </a:t>
+            </a:r>
+            <a:r>
+              <a:rPr lang="en-IN" baseline="0" dirty="0" err="1" smtClean="0"/>
+              <a:t>js</a:t>
+            </a:r>
+            <a:r>
+              <a:rPr lang="en-IN" baseline="0" dirty="0" smtClean="0"/>
+              <a:t> also has access to it.</a:t>
+            </a:r>
+          </a:p>
+          <a:p>
+            <a:r>
+              <a:rPr lang="en-IN" baseline="0" dirty="0" smtClean="0"/>
+              <a:t>Now in this message queue the browser places any code that should be executed when we have time for it.</a:t>
+            </a:r>
+          </a:p>
+          <a:p>
+            <a:r>
+              <a:rPr lang="en-IN" baseline="0" dirty="0" smtClean="0"/>
+              <a:t>Click</a:t>
+            </a:r>
+          </a:p>
+          <a:p>
+            <a:r>
+              <a:rPr lang="en-IN" baseline="0" dirty="0" smtClean="0"/>
+              <a:t>In this case it is the </a:t>
+            </a:r>
+            <a:r>
+              <a:rPr lang="en-IN" baseline="0" dirty="0" err="1" smtClean="0"/>
+              <a:t>showAlert</a:t>
+            </a:r>
+            <a:r>
+              <a:rPr lang="en-IN" baseline="0" dirty="0" smtClean="0"/>
+              <a:t> function</a:t>
+            </a:r>
+          </a:p>
+          <a:p>
+            <a:r>
+              <a:rPr lang="en-IN" baseline="0" dirty="0" smtClean="0"/>
+              <a:t>So the Timer exits now </a:t>
+            </a:r>
+          </a:p>
+          <a:p>
+            <a:r>
+              <a:rPr lang="en-IN" baseline="0" dirty="0" smtClean="0"/>
+              <a:t>click</a:t>
+            </a:r>
+          </a:p>
+          <a:p>
+            <a:r>
+              <a:rPr lang="en-IN" baseline="0" dirty="0" smtClean="0"/>
+              <a:t>At this point the </a:t>
+            </a:r>
+            <a:r>
+              <a:rPr lang="en-IN" baseline="0" dirty="0" err="1" smtClean="0"/>
+              <a:t>showAlert</a:t>
+            </a:r>
+            <a:r>
+              <a:rPr lang="en-IN" baseline="0" dirty="0" smtClean="0"/>
+              <a:t> is not executed it is just registered as a To do</a:t>
+            </a:r>
+          </a:p>
+          <a:p>
+            <a:r>
+              <a:rPr lang="en-IN" baseline="0" dirty="0" smtClean="0"/>
+              <a:t>As at this point we are executing greet and console.log</a:t>
+            </a:r>
+          </a:p>
+          <a:p>
+            <a:r>
+              <a:rPr lang="en-IN" baseline="0" dirty="0" smtClean="0"/>
+              <a:t>Now lets say greet and console.log finishes</a:t>
+            </a:r>
+          </a:p>
+          <a:p>
+            <a:r>
+              <a:rPr lang="en-IN" baseline="0" dirty="0" smtClean="0"/>
+              <a:t>Click</a:t>
+            </a:r>
+          </a:p>
+          <a:p>
+            <a:r>
+              <a:rPr lang="en-IN" baseline="0" dirty="0" smtClean="0"/>
+              <a:t>Click</a:t>
+            </a:r>
+          </a:p>
+          <a:p>
+            <a:r>
+              <a:rPr lang="en-IN" baseline="0" dirty="0" smtClean="0"/>
+              <a:t>Now we need to get that </a:t>
+            </a:r>
+            <a:r>
+              <a:rPr lang="en-IN" baseline="0" dirty="0" err="1" smtClean="0"/>
+              <a:t>showAlert</a:t>
+            </a:r>
+            <a:r>
+              <a:rPr lang="en-IN" baseline="0" dirty="0" smtClean="0"/>
+              <a:t> in our call stack.</a:t>
+            </a:r>
+          </a:p>
+          <a:p>
+            <a:r>
+              <a:rPr lang="en-IN" baseline="0" dirty="0" smtClean="0"/>
+              <a:t>We know it is a function defined in our </a:t>
+            </a:r>
+            <a:r>
+              <a:rPr lang="en-IN" baseline="0" dirty="0" err="1" smtClean="0"/>
+              <a:t>js</a:t>
+            </a:r>
+            <a:r>
+              <a:rPr lang="en-IN" baseline="0" dirty="0" smtClean="0"/>
+              <a:t> code which should now be executed for this we use the event loop</a:t>
+            </a:r>
+          </a:p>
+          <a:p>
+            <a:r>
+              <a:rPr lang="en-IN" baseline="0" dirty="0" smtClean="0"/>
+              <a:t>Click</a:t>
+            </a:r>
+          </a:p>
+          <a:p>
+            <a:r>
+              <a:rPr lang="en-IN" baseline="0" dirty="0" smtClean="0"/>
+              <a:t>Event loop just like message queue is built into the browser and most </a:t>
+            </a:r>
+            <a:r>
+              <a:rPr lang="en-IN" baseline="0" dirty="0" err="1" smtClean="0"/>
+              <a:t>js</a:t>
+            </a:r>
+            <a:r>
+              <a:rPr lang="en-IN" baseline="0" dirty="0" smtClean="0"/>
+              <a:t> environments like </a:t>
+            </a:r>
+            <a:r>
+              <a:rPr lang="en-IN" baseline="0" dirty="0" err="1" smtClean="0"/>
+              <a:t>nodejs</a:t>
+            </a:r>
+            <a:r>
+              <a:rPr lang="en-IN" baseline="0" dirty="0" smtClean="0"/>
+              <a:t> have the concept of event loop</a:t>
+            </a:r>
+          </a:p>
+          <a:p>
+            <a:r>
+              <a:rPr lang="en-IN" baseline="0" dirty="0" smtClean="0"/>
+              <a:t>Event loop is not a part of </a:t>
+            </a:r>
+            <a:r>
+              <a:rPr lang="en-IN" baseline="0" dirty="0" err="1" smtClean="0"/>
+              <a:t>js</a:t>
+            </a:r>
+            <a:r>
+              <a:rPr lang="en-IN" baseline="0" dirty="0" smtClean="0"/>
+              <a:t> it is actually the part of the host environment of </a:t>
+            </a:r>
+            <a:r>
+              <a:rPr lang="en-IN" baseline="0" dirty="0" err="1" smtClean="0"/>
+              <a:t>js</a:t>
+            </a:r>
+            <a:r>
+              <a:rPr lang="en-IN" baseline="0" dirty="0" smtClean="0"/>
+              <a:t> in this case the browser</a:t>
+            </a:r>
+          </a:p>
+          <a:p>
+            <a:r>
+              <a:rPr lang="en-IN" baseline="0" dirty="0" smtClean="0"/>
+              <a:t>The job of the event loop is in the end to synchronize our call stack and engine with the tasks in the message queue</a:t>
+            </a:r>
+          </a:p>
+          <a:p>
+            <a:r>
+              <a:rPr lang="en-IN" baseline="0" dirty="0" smtClean="0"/>
+              <a:t>So basically what the event loop does it runs all the time and checks whether the call stack is empty and do we have pending TO do’s</a:t>
+            </a:r>
+          </a:p>
+          <a:p>
+            <a:r>
+              <a:rPr lang="en-IN" baseline="0" dirty="0" smtClean="0"/>
+              <a:t>And if the stack is empty and we have messages in the message queue it pushes them into the call stack</a:t>
+            </a:r>
+          </a:p>
+          <a:p>
+            <a:r>
+              <a:rPr lang="en-IN" baseline="0" dirty="0" smtClean="0"/>
+              <a:t>Click</a:t>
+            </a:r>
+          </a:p>
+          <a:p>
+            <a:r>
+              <a:rPr lang="en-IN" baseline="0" dirty="0" smtClean="0"/>
+              <a:t>Now the message queue is empty </a:t>
+            </a:r>
+          </a:p>
+          <a:p>
+            <a:r>
+              <a:rPr lang="en-IN" baseline="0" dirty="0" smtClean="0"/>
+              <a:t>click</a:t>
+            </a:r>
+          </a:p>
+          <a:p>
+            <a:r>
+              <a:rPr lang="en-IN" baseline="0" dirty="0" smtClean="0"/>
+              <a:t>And this function runs in our </a:t>
+            </a:r>
+            <a:r>
+              <a:rPr lang="en-IN" baseline="0" dirty="0" err="1" smtClean="0"/>
+              <a:t>js</a:t>
+            </a:r>
+            <a:r>
+              <a:rPr lang="en-IN" baseline="0" dirty="0" smtClean="0"/>
+              <a:t> code</a:t>
+            </a:r>
+          </a:p>
+          <a:p>
+            <a:r>
+              <a:rPr lang="en-IN" baseline="0" dirty="0" smtClean="0"/>
+              <a:t>Click</a:t>
+            </a:r>
+          </a:p>
+          <a:p>
+            <a:r>
+              <a:rPr lang="en-IN" baseline="0" dirty="0" smtClean="0"/>
+              <a:t>So </a:t>
+            </a:r>
+            <a:r>
+              <a:rPr lang="en-IN" baseline="0" dirty="0" err="1" smtClean="0"/>
+              <a:t>showAlert</a:t>
+            </a:r>
+            <a:r>
+              <a:rPr lang="en-IN" baseline="0" dirty="0" smtClean="0"/>
+              <a:t> function runs</a:t>
+            </a:r>
+          </a:p>
+          <a:p>
+            <a:r>
+              <a:rPr lang="en-IN" baseline="0" dirty="0" smtClean="0"/>
+              <a:t>click</a:t>
+            </a:r>
+          </a:p>
+          <a:p>
+            <a:r>
+              <a:rPr lang="en-IN" baseline="0" dirty="0" smtClean="0"/>
+              <a:t>It calls the built in alert function</a:t>
+            </a:r>
+          </a:p>
+          <a:p>
+            <a:r>
+              <a:rPr lang="en-IN" baseline="0" dirty="0" smtClean="0"/>
+              <a:t>click</a:t>
+            </a:r>
+          </a:p>
+          <a:p>
+            <a:r>
+              <a:rPr lang="en-IN" baseline="0" dirty="0" smtClean="0"/>
+              <a:t>Then alert function completes execution</a:t>
+            </a:r>
+          </a:p>
+          <a:p>
+            <a:r>
+              <a:rPr lang="en-IN" baseline="0" dirty="0" smtClean="0"/>
+              <a:t>Click</a:t>
+            </a:r>
+          </a:p>
+          <a:p>
+            <a:r>
+              <a:rPr lang="en-IN" baseline="0" dirty="0" smtClean="0"/>
+              <a:t>Then </a:t>
+            </a:r>
+            <a:r>
+              <a:rPr lang="en-IN" baseline="0" dirty="0" err="1" smtClean="0"/>
+              <a:t>showAlert</a:t>
+            </a:r>
+            <a:r>
+              <a:rPr lang="en-IN" baseline="0" dirty="0" smtClean="0"/>
+              <a:t> function completes execution</a:t>
+            </a:r>
+          </a:p>
+          <a:p>
+            <a:r>
+              <a:rPr lang="en-IN" baseline="0" dirty="0" smtClean="0"/>
+              <a:t>Click</a:t>
+            </a:r>
+          </a:p>
+          <a:p>
+            <a:r>
+              <a:rPr lang="en-IN" baseline="0" dirty="0" smtClean="0"/>
+              <a:t>The call stack is empty again</a:t>
+            </a:r>
+          </a:p>
+          <a:p>
+            <a:r>
+              <a:rPr lang="en-IN" baseline="0" dirty="0" smtClean="0"/>
+              <a:t>This is the pattern that is typically used for </a:t>
+            </a:r>
+            <a:r>
+              <a:rPr lang="en-IN" baseline="0" dirty="0" err="1" smtClean="0"/>
+              <a:t>callback</a:t>
+            </a:r>
+            <a:r>
+              <a:rPr lang="en-IN" baseline="0" dirty="0" smtClean="0"/>
+              <a:t> functions and </a:t>
+            </a:r>
+            <a:r>
+              <a:rPr lang="en-IN" baseline="0" dirty="0" err="1" smtClean="0"/>
+              <a:t>async</a:t>
+            </a:r>
+            <a:r>
+              <a:rPr lang="en-IN" baseline="0" dirty="0" smtClean="0"/>
+              <a:t> code</a:t>
+            </a:r>
+          </a:p>
+          <a:p>
+            <a:endParaRPr lang="en-IN" baseline="0" dirty="0" smtClean="0"/>
+          </a:p>
+          <a:p>
+            <a:endParaRPr lang="en-IN" baseline="0" dirty="0" smtClean="0"/>
+          </a:p>
+          <a:p>
+            <a:endParaRPr lang="en-IN" baseline="0" dirty="0" smtClean="0"/>
+          </a:p>
+          <a:p>
+            <a:endParaRPr lang="en-GB" dirty="0"/>
+          </a:p>
+        </p:txBody>
+      </p:sp>
+      <p:sp>
+        <p:nvSpPr>
+          <p:cNvPr id="4" name="Slide Number Placeholder 3"/>
+          <p:cNvSpPr>
+            <a:spLocks noGrp="1"/>
+          </p:cNvSpPr>
+          <p:nvPr>
+            <p:ph type="sldNum" sz="quarter" idx="10"/>
+          </p:nvPr>
+        </p:nvSpPr>
+        <p:spPr/>
+        <p:txBody>
+          <a:bodyPr/>
+          <a:lstStyle/>
+          <a:p>
+            <a:fld id="{D3B79ED6-4970-4D84-B25C-F520A9D9210C}" type="slidenum">
+              <a:rPr lang="en-GB" smtClean="0"/>
+              <a:t>82</a:t>
+            </a:fld>
+            <a:endParaRPr lang="en-GB"/>
+          </a:p>
+        </p:txBody>
+      </p:sp>
+    </p:spTree>
+    <p:extLst>
+      <p:ext uri="{BB962C8B-B14F-4D97-AF65-F5344CB8AC3E}">
+        <p14:creationId xmlns:p14="http://schemas.microsoft.com/office/powerpoint/2010/main" val="679412587"/>
       </p:ext>
     </p:extLst>
   </p:cSld>
@@ -35398,7 +36548,7 @@
           <a:graphicData uri="http://schemas.openxmlformats.org/presentationml/2006/ole">
             <mc:AlternateContent xmlns:mc="http://schemas.openxmlformats.org/markup-compatibility/2006">
               <mc:Choice xmlns:v="urn:schemas-microsoft-com:vml" Requires="v">
-                <p:oleObj spid="_x0000_s1049" name="Документ" showAsIcon="1" r:id="rId3" imgW="914400" imgH="792360" progId="Word.Document.12">
+                <p:oleObj spid="_x0000_s1064" name="Документ" showAsIcon="1" r:id="rId3" imgW="914400" imgH="792360" progId="Word.Document.12">
                   <p:embed/>
                 </p:oleObj>
               </mc:Choice>
@@ -39908,11 +41058,7 @@
           <a:p>
             <a:r>
               <a:rPr lang="en-IN" dirty="0" smtClean="0"/>
-              <a:t>Section </a:t>
-            </a:r>
-            <a:r>
-              <a:rPr lang="en-IN" dirty="0" smtClean="0"/>
-              <a:t>-7 </a:t>
+              <a:t>Section -7 </a:t>
             </a:r>
             <a:r>
               <a:rPr lang="en-IN" smtClean="0"/>
@@ -40144,6 +41290,7485 @@
 </file>
 
 <file path=ppt/slides/slide80.xml><?xml version="1.0" encoding="utf-8"?>
+<p:sld xmlns:a="http://schemas.openxmlformats.org/drawingml/2006/main" xmlns:r="http://schemas.openxmlformats.org/officeDocument/2006/relationships" xmlns:p="http://schemas.openxmlformats.org/presentationml/2006/main" showMasterSp="0">
+  <p:cSld>
+    <p:spTree>
+      <p:nvGrpSpPr>
+        <p:cNvPr id="1" name=""/>
+        <p:cNvGrpSpPr/>
+        <p:nvPr/>
+      </p:nvGrpSpPr>
+      <p:grpSpPr>
+        <a:xfrm>
+          <a:off x="0" y="0"/>
+          <a:ext cx="0" cy="0"/>
+          <a:chOff x="0" y="0"/>
+          <a:chExt cx="0" cy="0"/>
+        </a:xfrm>
+      </p:grpSpPr>
+      <p:sp>
+        <p:nvSpPr>
+          <p:cNvPr id="2" name="Title 1"/>
+          <p:cNvSpPr>
+            <a:spLocks noGrp="1"/>
+          </p:cNvSpPr>
+          <p:nvPr>
+            <p:ph type="title"/>
+          </p:nvPr>
+        </p:nvSpPr>
+        <p:spPr>
+          <a:xfrm>
+            <a:off x="677334" y="98855"/>
+            <a:ext cx="8596668" cy="601362"/>
+          </a:xfrm>
+        </p:spPr>
+        <p:txBody>
+          <a:bodyPr>
+            <a:normAutofit fontScale="90000"/>
+          </a:bodyPr>
+          <a:lstStyle/>
+          <a:p>
+            <a:r>
+              <a:rPr lang="en-GB" b="1" dirty="0" smtClean="0"/>
+              <a:t>JavaScript is Single Threaded</a:t>
+            </a:r>
+            <a:endParaRPr lang="en-GB" dirty="0"/>
+          </a:p>
+        </p:txBody>
+      </p:sp>
+      <p:sp>
+        <p:nvSpPr>
+          <p:cNvPr id="3" name="Content Placeholder 2"/>
+          <p:cNvSpPr>
+            <a:spLocks noGrp="1"/>
+          </p:cNvSpPr>
+          <p:nvPr>
+            <p:ph idx="1"/>
+          </p:nvPr>
+        </p:nvSpPr>
+        <p:spPr>
+          <a:xfrm>
+            <a:off x="291402" y="700217"/>
+            <a:ext cx="11900598" cy="6162805"/>
+          </a:xfrm>
+        </p:spPr>
+        <p:txBody>
+          <a:bodyPr/>
+          <a:lstStyle/>
+          <a:p>
+            <a:r>
+              <a:rPr lang="en-IN" dirty="0" smtClean="0"/>
+              <a:t>JavaScript is single threaded </a:t>
+            </a:r>
+            <a:r>
+              <a:rPr lang="en-IN" dirty="0" err="1" smtClean="0"/>
+              <a:t>ie</a:t>
+            </a:r>
+            <a:r>
+              <a:rPr lang="en-IN" dirty="0" smtClean="0"/>
+              <a:t> tasks run one after the other in same thread</a:t>
+            </a:r>
+          </a:p>
+          <a:p>
+            <a:pPr marL="0" indent="0" algn="ctr">
+              <a:buNone/>
+            </a:pPr>
+            <a:r>
+              <a:rPr lang="en-IN" dirty="0" smtClean="0">
+                <a:solidFill>
+                  <a:srgbClr val="7030A0"/>
+                </a:solidFill>
+              </a:rPr>
+              <a:t>Code executes step by step , in order</a:t>
+            </a:r>
+          </a:p>
+          <a:p>
+            <a:pPr marL="0" indent="0" algn="ctr">
+              <a:buNone/>
+            </a:pPr>
+            <a:endParaRPr lang="en-IN" dirty="0"/>
+          </a:p>
+          <a:p>
+            <a:pPr marL="0" indent="0" algn="ctr">
+              <a:buNone/>
+            </a:pPr>
+            <a:endParaRPr lang="en-IN" dirty="0" smtClean="0"/>
+          </a:p>
+          <a:p>
+            <a:pPr marL="0" indent="0" algn="ctr">
+              <a:buNone/>
+            </a:pPr>
+            <a:endParaRPr lang="en-IN" dirty="0"/>
+          </a:p>
+          <a:p>
+            <a:pPr marL="0" indent="0">
+              <a:buNone/>
+            </a:pPr>
+            <a:endParaRPr lang="en-IN" dirty="0"/>
+          </a:p>
+          <a:p>
+            <a:endParaRPr lang="en-IN" dirty="0" smtClean="0"/>
+          </a:p>
+          <a:p>
+            <a:endParaRPr lang="en-IN" dirty="0" smtClean="0"/>
+          </a:p>
+          <a:p>
+            <a:endParaRPr lang="en-IN" dirty="0" smtClean="0"/>
+          </a:p>
+          <a:p>
+            <a:endParaRPr lang="en-IN" dirty="0"/>
+          </a:p>
+          <a:p>
+            <a:endParaRPr lang="en-IN" dirty="0" smtClean="0"/>
+          </a:p>
+          <a:p>
+            <a:endParaRPr lang="en-IN" dirty="0"/>
+          </a:p>
+          <a:p>
+            <a:r>
+              <a:rPr lang="en-IN" dirty="0" smtClean="0"/>
+              <a:t>This is a desired behaviour because consider we are selecting a button and then adding a click handler to it, if this was not executed sequentially it might have executed the code to add click handler before actually selecting the button resulting in a null access</a:t>
+            </a:r>
+          </a:p>
+        </p:txBody>
+      </p:sp>
+      <p:sp>
+        <p:nvSpPr>
+          <p:cNvPr id="4" name="Rectangle 3"/>
+          <p:cNvSpPr/>
+          <p:nvPr/>
+        </p:nvSpPr>
+        <p:spPr>
+          <a:xfrm>
+            <a:off x="807308" y="2595278"/>
+            <a:ext cx="2679470" cy="403654"/>
+          </a:xfrm>
+          <a:prstGeom prst="rect">
+            <a:avLst/>
+          </a:prstGeom>
+          <a:solidFill>
+            <a:srgbClr val="FDE7FC"/>
+          </a:solidFill>
+        </p:spPr>
+        <p:style>
+          <a:lnRef idx="2">
+            <a:schemeClr val="accent1">
+              <a:shade val="50000"/>
+            </a:schemeClr>
+          </a:lnRef>
+          <a:fillRef idx="1">
+            <a:schemeClr val="accent1"/>
+          </a:fillRef>
+          <a:effectRef idx="0">
+            <a:schemeClr val="accent1"/>
+          </a:effectRef>
+          <a:fontRef idx="minor">
+            <a:schemeClr val="lt1"/>
+          </a:fontRef>
+        </p:style>
+        <p:txBody>
+          <a:bodyPr rtlCol="0" anchor="ctr"/>
+          <a:lstStyle/>
+          <a:p>
+            <a:pPr algn="ctr"/>
+            <a:r>
+              <a:rPr lang="en-IN" dirty="0" smtClean="0">
+                <a:solidFill>
+                  <a:srgbClr val="DE0AD4"/>
+                </a:solidFill>
+              </a:rPr>
+              <a:t>Console.log()</a:t>
+            </a:r>
+            <a:endParaRPr lang="en-GB" dirty="0">
+              <a:solidFill>
+                <a:srgbClr val="DE0AD4"/>
+              </a:solidFill>
+            </a:endParaRPr>
+          </a:p>
+        </p:txBody>
+      </p:sp>
+      <p:sp>
+        <p:nvSpPr>
+          <p:cNvPr id="5" name="Rectangle 4"/>
+          <p:cNvSpPr/>
+          <p:nvPr/>
+        </p:nvSpPr>
+        <p:spPr>
+          <a:xfrm>
+            <a:off x="3616752" y="2595278"/>
+            <a:ext cx="2774000" cy="403654"/>
+          </a:xfrm>
+          <a:prstGeom prst="rect">
+            <a:avLst/>
+          </a:prstGeom>
+          <a:solidFill>
+            <a:srgbClr val="FDE7FC"/>
+          </a:solidFill>
+        </p:spPr>
+        <p:style>
+          <a:lnRef idx="2">
+            <a:schemeClr val="accent1">
+              <a:shade val="50000"/>
+            </a:schemeClr>
+          </a:lnRef>
+          <a:fillRef idx="1">
+            <a:schemeClr val="accent1"/>
+          </a:fillRef>
+          <a:effectRef idx="0">
+            <a:schemeClr val="accent1"/>
+          </a:effectRef>
+          <a:fontRef idx="minor">
+            <a:schemeClr val="lt1"/>
+          </a:fontRef>
+        </p:style>
+        <p:txBody>
+          <a:bodyPr rtlCol="0" anchor="ctr"/>
+          <a:lstStyle/>
+          <a:p>
+            <a:pPr algn="ctr"/>
+            <a:r>
+              <a:rPr lang="en-IN" dirty="0" err="1">
+                <a:solidFill>
+                  <a:srgbClr val="DE0AD4"/>
+                </a:solidFill>
+              </a:rPr>
+              <a:t>someFunction</a:t>
+            </a:r>
+            <a:r>
+              <a:rPr lang="en-IN" dirty="0">
+                <a:solidFill>
+                  <a:srgbClr val="DE0AD4"/>
+                </a:solidFill>
+              </a:rPr>
+              <a:t>()</a:t>
+            </a:r>
+            <a:endParaRPr lang="en-GB" dirty="0">
+              <a:solidFill>
+                <a:srgbClr val="DE0AD4"/>
+              </a:solidFill>
+            </a:endParaRPr>
+          </a:p>
+        </p:txBody>
+      </p:sp>
+      <p:sp>
+        <p:nvSpPr>
+          <p:cNvPr id="6" name="Rectangle 5"/>
+          <p:cNvSpPr/>
+          <p:nvPr/>
+        </p:nvSpPr>
+        <p:spPr>
+          <a:xfrm>
+            <a:off x="6495002" y="2595278"/>
+            <a:ext cx="3050931" cy="403654"/>
+          </a:xfrm>
+          <a:prstGeom prst="rect">
+            <a:avLst/>
+          </a:prstGeom>
+          <a:solidFill>
+            <a:srgbClr val="FDE7FC"/>
+          </a:solidFill>
+        </p:spPr>
+        <p:style>
+          <a:lnRef idx="2">
+            <a:schemeClr val="accent1">
+              <a:shade val="50000"/>
+            </a:schemeClr>
+          </a:lnRef>
+          <a:fillRef idx="1">
+            <a:schemeClr val="accent1"/>
+          </a:fillRef>
+          <a:effectRef idx="0">
+            <a:schemeClr val="accent1"/>
+          </a:effectRef>
+          <a:fontRef idx="minor">
+            <a:schemeClr val="lt1"/>
+          </a:fontRef>
+        </p:style>
+        <p:txBody>
+          <a:bodyPr rtlCol="0" anchor="ctr"/>
+          <a:lstStyle/>
+          <a:p>
+            <a:pPr algn="ctr"/>
+            <a:r>
+              <a:rPr lang="en-IN" dirty="0" err="1">
+                <a:solidFill>
+                  <a:srgbClr val="DE0AD4"/>
+                </a:solidFill>
+              </a:rPr>
+              <a:t>Button.disabled</a:t>
+            </a:r>
+            <a:r>
+              <a:rPr lang="en-IN" dirty="0">
+                <a:solidFill>
+                  <a:srgbClr val="DE0AD4"/>
+                </a:solidFill>
+              </a:rPr>
+              <a:t> = true</a:t>
+            </a:r>
+            <a:endParaRPr lang="en-GB" dirty="0">
+              <a:solidFill>
+                <a:srgbClr val="DE0AD4"/>
+              </a:solidFill>
+            </a:endParaRPr>
+          </a:p>
+        </p:txBody>
+      </p:sp>
+      <p:sp>
+        <p:nvSpPr>
+          <p:cNvPr id="7" name="Rectangle 6"/>
+          <p:cNvSpPr/>
+          <p:nvPr/>
+        </p:nvSpPr>
+        <p:spPr>
+          <a:xfrm>
+            <a:off x="9669892" y="2595278"/>
+            <a:ext cx="2428323" cy="403654"/>
+          </a:xfrm>
+          <a:prstGeom prst="rect">
+            <a:avLst/>
+          </a:prstGeom>
+          <a:solidFill>
+            <a:srgbClr val="FDE7FC"/>
+          </a:solidFill>
+        </p:spPr>
+        <p:style>
+          <a:lnRef idx="2">
+            <a:schemeClr val="accent1">
+              <a:shade val="50000"/>
+            </a:schemeClr>
+          </a:lnRef>
+          <a:fillRef idx="1">
+            <a:schemeClr val="accent1"/>
+          </a:fillRef>
+          <a:effectRef idx="0">
+            <a:schemeClr val="accent1"/>
+          </a:effectRef>
+          <a:fontRef idx="minor">
+            <a:schemeClr val="lt1"/>
+          </a:fontRef>
+        </p:style>
+        <p:txBody>
+          <a:bodyPr rtlCol="0" anchor="ctr"/>
+          <a:lstStyle/>
+          <a:p>
+            <a:pPr algn="ctr"/>
+            <a:r>
+              <a:rPr lang="en-IN" dirty="0" err="1">
+                <a:solidFill>
+                  <a:srgbClr val="DE0AD4"/>
+                </a:solidFill>
+              </a:rPr>
+              <a:t>moreCode</a:t>
+            </a:r>
+            <a:r>
+              <a:rPr lang="en-IN" dirty="0">
+                <a:solidFill>
+                  <a:srgbClr val="DE0AD4"/>
+                </a:solidFill>
+              </a:rPr>
+              <a:t>()</a:t>
+            </a:r>
+            <a:endParaRPr lang="en-GB" dirty="0">
+              <a:solidFill>
+                <a:srgbClr val="DE0AD4"/>
+              </a:solidFill>
+            </a:endParaRPr>
+          </a:p>
+        </p:txBody>
+      </p:sp>
+      <p:sp>
+        <p:nvSpPr>
+          <p:cNvPr id="8" name="Right Arrow 7"/>
+          <p:cNvSpPr/>
+          <p:nvPr/>
+        </p:nvSpPr>
+        <p:spPr>
+          <a:xfrm>
+            <a:off x="934497" y="1457775"/>
+            <a:ext cx="10912510" cy="836822"/>
+          </a:xfrm>
+          <a:prstGeom prst="rightArrow">
+            <a:avLst/>
+          </a:prstGeom>
+          <a:solidFill>
+            <a:srgbClr val="7030A0"/>
+          </a:solidFill>
+        </p:spPr>
+        <p:style>
+          <a:lnRef idx="2">
+            <a:schemeClr val="accent1">
+              <a:shade val="50000"/>
+            </a:schemeClr>
+          </a:lnRef>
+          <a:fillRef idx="1">
+            <a:schemeClr val="accent1"/>
+          </a:fillRef>
+          <a:effectRef idx="0">
+            <a:schemeClr val="accent1"/>
+          </a:effectRef>
+          <a:fontRef idx="minor">
+            <a:schemeClr val="lt1"/>
+          </a:fontRef>
+        </p:style>
+        <p:txBody>
+          <a:bodyPr rtlCol="0" anchor="ctr"/>
+          <a:lstStyle/>
+          <a:p>
+            <a:pPr algn="ctr"/>
+            <a:endParaRPr lang="en-GB"/>
+          </a:p>
+        </p:txBody>
+      </p:sp>
+      <p:sp>
+        <p:nvSpPr>
+          <p:cNvPr id="9" name="Rectangle 8"/>
+          <p:cNvSpPr/>
+          <p:nvPr/>
+        </p:nvSpPr>
+        <p:spPr>
+          <a:xfrm>
+            <a:off x="1808703" y="2140301"/>
+            <a:ext cx="462224" cy="434882"/>
+          </a:xfrm>
+          <a:prstGeom prst="rect">
+            <a:avLst/>
+          </a:prstGeom>
+          <a:solidFill>
+            <a:schemeClr val="accent3"/>
+          </a:solidFill>
+        </p:spPr>
+        <p:style>
+          <a:lnRef idx="2">
+            <a:schemeClr val="accent1">
+              <a:shade val="50000"/>
+            </a:schemeClr>
+          </a:lnRef>
+          <a:fillRef idx="1">
+            <a:schemeClr val="accent1"/>
+          </a:fillRef>
+          <a:effectRef idx="0">
+            <a:schemeClr val="accent1"/>
+          </a:effectRef>
+          <a:fontRef idx="minor">
+            <a:schemeClr val="lt1"/>
+          </a:fontRef>
+        </p:style>
+        <p:txBody>
+          <a:bodyPr rtlCol="0" anchor="ctr"/>
+          <a:lstStyle/>
+          <a:p>
+            <a:pPr algn="ctr"/>
+            <a:r>
+              <a:rPr lang="en-IN" dirty="0" smtClean="0"/>
+              <a:t>A</a:t>
+            </a:r>
+            <a:endParaRPr lang="en-GB" dirty="0"/>
+          </a:p>
+        </p:txBody>
+      </p:sp>
+      <p:sp>
+        <p:nvSpPr>
+          <p:cNvPr id="10" name="Rectangle 9"/>
+          <p:cNvSpPr/>
+          <p:nvPr/>
+        </p:nvSpPr>
+        <p:spPr>
+          <a:xfrm>
+            <a:off x="4654061" y="2127044"/>
+            <a:ext cx="462224" cy="434882"/>
+          </a:xfrm>
+          <a:prstGeom prst="rect">
+            <a:avLst/>
+          </a:prstGeom>
+          <a:solidFill>
+            <a:schemeClr val="accent3"/>
+          </a:solidFill>
+        </p:spPr>
+        <p:style>
+          <a:lnRef idx="2">
+            <a:schemeClr val="accent1">
+              <a:shade val="50000"/>
+            </a:schemeClr>
+          </a:lnRef>
+          <a:fillRef idx="1">
+            <a:schemeClr val="accent1"/>
+          </a:fillRef>
+          <a:effectRef idx="0">
+            <a:schemeClr val="accent1"/>
+          </a:effectRef>
+          <a:fontRef idx="minor">
+            <a:schemeClr val="lt1"/>
+          </a:fontRef>
+        </p:style>
+        <p:txBody>
+          <a:bodyPr rtlCol="0" anchor="ctr"/>
+          <a:lstStyle/>
+          <a:p>
+            <a:pPr algn="ctr"/>
+            <a:r>
+              <a:rPr lang="en-IN" dirty="0" smtClean="0"/>
+              <a:t>B</a:t>
+            </a:r>
+            <a:endParaRPr lang="en-GB" dirty="0"/>
+          </a:p>
+        </p:txBody>
+      </p:sp>
+      <p:sp>
+        <p:nvSpPr>
+          <p:cNvPr id="11" name="Rectangle 10"/>
+          <p:cNvSpPr/>
+          <p:nvPr/>
+        </p:nvSpPr>
+        <p:spPr>
+          <a:xfrm>
+            <a:off x="7650141" y="2128724"/>
+            <a:ext cx="462224" cy="434882"/>
+          </a:xfrm>
+          <a:prstGeom prst="rect">
+            <a:avLst/>
+          </a:prstGeom>
+          <a:solidFill>
+            <a:schemeClr val="accent3"/>
+          </a:solidFill>
+        </p:spPr>
+        <p:style>
+          <a:lnRef idx="2">
+            <a:schemeClr val="accent1">
+              <a:shade val="50000"/>
+            </a:schemeClr>
+          </a:lnRef>
+          <a:fillRef idx="1">
+            <a:schemeClr val="accent1"/>
+          </a:fillRef>
+          <a:effectRef idx="0">
+            <a:schemeClr val="accent1"/>
+          </a:effectRef>
+          <a:fontRef idx="minor">
+            <a:schemeClr val="lt1"/>
+          </a:fontRef>
+        </p:style>
+        <p:txBody>
+          <a:bodyPr rtlCol="0" anchor="ctr"/>
+          <a:lstStyle/>
+          <a:p>
+            <a:pPr algn="ctr"/>
+            <a:r>
+              <a:rPr lang="en-IN" dirty="0" smtClean="0"/>
+              <a:t>C</a:t>
+            </a:r>
+            <a:endParaRPr lang="en-GB" dirty="0"/>
+          </a:p>
+        </p:txBody>
+      </p:sp>
+      <p:sp>
+        <p:nvSpPr>
+          <p:cNvPr id="12" name="Rectangle 11"/>
+          <p:cNvSpPr/>
+          <p:nvPr/>
+        </p:nvSpPr>
+        <p:spPr>
+          <a:xfrm>
+            <a:off x="10505549" y="2130402"/>
+            <a:ext cx="462224" cy="434882"/>
+          </a:xfrm>
+          <a:prstGeom prst="rect">
+            <a:avLst/>
+          </a:prstGeom>
+          <a:solidFill>
+            <a:schemeClr val="accent3"/>
+          </a:solidFill>
+        </p:spPr>
+        <p:style>
+          <a:lnRef idx="2">
+            <a:schemeClr val="accent1">
+              <a:shade val="50000"/>
+            </a:schemeClr>
+          </a:lnRef>
+          <a:fillRef idx="1">
+            <a:schemeClr val="accent1"/>
+          </a:fillRef>
+          <a:effectRef idx="0">
+            <a:schemeClr val="accent1"/>
+          </a:effectRef>
+          <a:fontRef idx="minor">
+            <a:schemeClr val="lt1"/>
+          </a:fontRef>
+        </p:style>
+        <p:txBody>
+          <a:bodyPr rtlCol="0" anchor="ctr"/>
+          <a:lstStyle/>
+          <a:p>
+            <a:pPr algn="ctr"/>
+            <a:r>
+              <a:rPr lang="en-IN" dirty="0" smtClean="0"/>
+              <a:t>D</a:t>
+            </a:r>
+            <a:endParaRPr lang="en-GB" dirty="0"/>
+          </a:p>
+        </p:txBody>
+      </p:sp>
+      <p:sp>
+        <p:nvSpPr>
+          <p:cNvPr id="13" name="Up Arrow 12"/>
+          <p:cNvSpPr/>
+          <p:nvPr/>
+        </p:nvSpPr>
+        <p:spPr>
+          <a:xfrm>
+            <a:off x="4705976" y="3153597"/>
+            <a:ext cx="602901" cy="1256044"/>
+          </a:xfrm>
+          <a:prstGeom prst="upArrow">
+            <a:avLst/>
+          </a:prstGeom>
+          <a:solidFill>
+            <a:schemeClr val="accent3"/>
+          </a:solidFill>
+        </p:spPr>
+        <p:style>
+          <a:lnRef idx="2">
+            <a:schemeClr val="accent1">
+              <a:shade val="50000"/>
+            </a:schemeClr>
+          </a:lnRef>
+          <a:fillRef idx="1">
+            <a:schemeClr val="accent1"/>
+          </a:fillRef>
+          <a:effectRef idx="0">
+            <a:schemeClr val="accent1"/>
+          </a:effectRef>
+          <a:fontRef idx="minor">
+            <a:schemeClr val="lt1"/>
+          </a:fontRef>
+        </p:style>
+        <p:txBody>
+          <a:bodyPr rtlCol="0" anchor="ctr"/>
+          <a:lstStyle/>
+          <a:p>
+            <a:pPr algn="ctr"/>
+            <a:endParaRPr lang="en-GB"/>
+          </a:p>
+        </p:txBody>
+      </p:sp>
+      <p:sp>
+        <p:nvSpPr>
+          <p:cNvPr id="14" name="Rectangle 13"/>
+          <p:cNvSpPr/>
+          <p:nvPr/>
+        </p:nvSpPr>
+        <p:spPr>
+          <a:xfrm>
+            <a:off x="3567675" y="4564306"/>
+            <a:ext cx="2872154" cy="983062"/>
+          </a:xfrm>
+          <a:prstGeom prst="rect">
+            <a:avLst/>
+          </a:prstGeom>
+          <a:solidFill>
+            <a:schemeClr val="accent3"/>
+          </a:solidFill>
+        </p:spPr>
+        <p:style>
+          <a:lnRef idx="2">
+            <a:schemeClr val="accent1">
+              <a:shade val="50000"/>
+            </a:schemeClr>
+          </a:lnRef>
+          <a:fillRef idx="1">
+            <a:schemeClr val="accent1"/>
+          </a:fillRef>
+          <a:effectRef idx="0">
+            <a:schemeClr val="accent1"/>
+          </a:effectRef>
+          <a:fontRef idx="minor">
+            <a:schemeClr val="lt1"/>
+          </a:fontRef>
+        </p:style>
+        <p:txBody>
+          <a:bodyPr rtlCol="0" anchor="ctr"/>
+          <a:lstStyle/>
+          <a:p>
+            <a:pPr algn="ctr"/>
+            <a:r>
+              <a:rPr lang="en-IN" dirty="0" smtClean="0"/>
+              <a:t>This code runs after </a:t>
+            </a:r>
+            <a:r>
+              <a:rPr lang="en-IN" dirty="0" smtClean="0">
+                <a:solidFill>
+                  <a:srgbClr val="7030A0"/>
+                </a:solidFill>
+              </a:rPr>
+              <a:t>A </a:t>
+            </a:r>
+            <a:r>
+              <a:rPr lang="en-IN" dirty="0" smtClean="0"/>
+              <a:t>but </a:t>
+            </a:r>
+            <a:r>
+              <a:rPr lang="en-IN" dirty="0" smtClean="0">
+                <a:solidFill>
+                  <a:srgbClr val="7030A0"/>
+                </a:solidFill>
+              </a:rPr>
+              <a:t>blocks C</a:t>
+            </a:r>
+            <a:r>
+              <a:rPr lang="en-IN" dirty="0" smtClean="0"/>
+              <a:t> from running until it’s finished</a:t>
+            </a:r>
+            <a:endParaRPr lang="en-GB" dirty="0"/>
+          </a:p>
+        </p:txBody>
+      </p:sp>
+    </p:spTree>
+    <p:extLst>
+      <p:ext uri="{BB962C8B-B14F-4D97-AF65-F5344CB8AC3E}">
+        <p14:creationId xmlns:p14="http://schemas.microsoft.com/office/powerpoint/2010/main" val="3131552593"/>
+      </p:ext>
+    </p:extLst>
+  </p:cSld>
+  <p:clrMapOvr>
+    <a:masterClrMapping/>
+  </p:clrMapOvr>
+  <p:timing>
+    <p:tnLst>
+      <p:par>
+        <p:cTn id="1" dur="indefinite" restart="never" nodeType="tmRoot">
+          <p:childTnLst>
+            <p:seq concurrent="1" nextAc="seek">
+              <p:cTn id="2" dur="indefinite" nodeType="mainSeq">
+                <p:childTnLst>
+                  <p:par>
+                    <p:cTn id="3" fill="hold">
+                      <p:stCondLst>
+                        <p:cond delay="indefinite"/>
+                      </p:stCondLst>
+                      <p:childTnLst>
+                        <p:par>
+                          <p:cTn id="4" fill="hold">
+                            <p:stCondLst>
+                              <p:cond delay="0"/>
+                            </p:stCondLst>
+                            <p:childTnLst>
+                              <p:par>
+                                <p:cTn id="5" presetID="2" presetClass="entr" presetSubtype="4" fill="hold" grpId="0" nodeType="clickEffect">
+                                  <p:stCondLst>
+                                    <p:cond delay="0"/>
+                                  </p:stCondLst>
+                                  <p:childTnLst>
+                                    <p:set>
+                                      <p:cBhvr>
+                                        <p:cTn id="6" dur="1" fill="hold">
+                                          <p:stCondLst>
+                                            <p:cond delay="0"/>
+                                          </p:stCondLst>
+                                        </p:cTn>
+                                        <p:tgtEl>
+                                          <p:spTgt spid="3">
+                                            <p:txEl>
+                                              <p:pRg st="0" end="0"/>
+                                            </p:txEl>
+                                          </p:spTgt>
+                                        </p:tgtEl>
+                                        <p:attrNameLst>
+                                          <p:attrName>style.visibility</p:attrName>
+                                        </p:attrNameLst>
+                                      </p:cBhvr>
+                                      <p:to>
+                                        <p:strVal val="visible"/>
+                                      </p:to>
+                                    </p:set>
+                                    <p:anim calcmode="lin" valueType="num">
+                                      <p:cBhvr additive="base">
+                                        <p:cTn id="7" dur="500" fill="hold"/>
+                                        <p:tgtEl>
+                                          <p:spTgt spid="3">
+                                            <p:txEl>
+                                              <p:pRg st="0" end="0"/>
+                                            </p:txEl>
+                                          </p:spTgt>
+                                        </p:tgtEl>
+                                        <p:attrNameLst>
+                                          <p:attrName>ppt_x</p:attrName>
+                                        </p:attrNameLst>
+                                      </p:cBhvr>
+                                      <p:tavLst>
+                                        <p:tav tm="0">
+                                          <p:val>
+                                            <p:strVal val="#ppt_x"/>
+                                          </p:val>
+                                        </p:tav>
+                                        <p:tav tm="100000">
+                                          <p:val>
+                                            <p:strVal val="#ppt_x"/>
+                                          </p:val>
+                                        </p:tav>
+                                      </p:tavLst>
+                                    </p:anim>
+                                    <p:anim calcmode="lin" valueType="num">
+                                      <p:cBhvr additive="base">
+                                        <p:cTn id="8" dur="500" fill="hold"/>
+                                        <p:tgtEl>
+                                          <p:spTgt spid="3">
+                                            <p:txEl>
+                                              <p:pRg st="0" end="0"/>
+                                            </p:txEl>
+                                          </p:spTgt>
+                                        </p:tgtEl>
+                                        <p:attrNameLst>
+                                          <p:attrName>ppt_y</p:attrName>
+                                        </p:attrNameLst>
+                                      </p:cBhvr>
+                                      <p:tavLst>
+                                        <p:tav tm="0">
+                                          <p:val>
+                                            <p:strVal val="1+#ppt_h/2"/>
+                                          </p:val>
+                                        </p:tav>
+                                        <p:tav tm="100000">
+                                          <p:val>
+                                            <p:strVal val="#ppt_y"/>
+                                          </p:val>
+                                        </p:tav>
+                                      </p:tavLst>
+                                    </p:anim>
+                                  </p:childTnLst>
+                                </p:cTn>
+                              </p:par>
+                            </p:childTnLst>
+                          </p:cTn>
+                        </p:par>
+                      </p:childTnLst>
+                    </p:cTn>
+                  </p:par>
+                  <p:par>
+                    <p:cTn id="9" fill="hold">
+                      <p:stCondLst>
+                        <p:cond delay="indefinite"/>
+                      </p:stCondLst>
+                      <p:childTnLst>
+                        <p:par>
+                          <p:cTn id="10" fill="hold">
+                            <p:stCondLst>
+                              <p:cond delay="0"/>
+                            </p:stCondLst>
+                            <p:childTnLst>
+                              <p:par>
+                                <p:cTn id="11" presetID="2" presetClass="entr" presetSubtype="4" fill="hold" grpId="0" nodeType="clickEffect">
+                                  <p:stCondLst>
+                                    <p:cond delay="0"/>
+                                  </p:stCondLst>
+                                  <p:childTnLst>
+                                    <p:set>
+                                      <p:cBhvr>
+                                        <p:cTn id="12" dur="1" fill="hold">
+                                          <p:stCondLst>
+                                            <p:cond delay="0"/>
+                                          </p:stCondLst>
+                                        </p:cTn>
+                                        <p:tgtEl>
+                                          <p:spTgt spid="4"/>
+                                        </p:tgtEl>
+                                        <p:attrNameLst>
+                                          <p:attrName>style.visibility</p:attrName>
+                                        </p:attrNameLst>
+                                      </p:cBhvr>
+                                      <p:to>
+                                        <p:strVal val="visible"/>
+                                      </p:to>
+                                    </p:set>
+                                    <p:anim calcmode="lin" valueType="num">
+                                      <p:cBhvr additive="base">
+                                        <p:cTn id="13" dur="500" fill="hold"/>
+                                        <p:tgtEl>
+                                          <p:spTgt spid="4"/>
+                                        </p:tgtEl>
+                                        <p:attrNameLst>
+                                          <p:attrName>ppt_x</p:attrName>
+                                        </p:attrNameLst>
+                                      </p:cBhvr>
+                                      <p:tavLst>
+                                        <p:tav tm="0">
+                                          <p:val>
+                                            <p:strVal val="#ppt_x"/>
+                                          </p:val>
+                                        </p:tav>
+                                        <p:tav tm="100000">
+                                          <p:val>
+                                            <p:strVal val="#ppt_x"/>
+                                          </p:val>
+                                        </p:tav>
+                                      </p:tavLst>
+                                    </p:anim>
+                                    <p:anim calcmode="lin" valueType="num">
+                                      <p:cBhvr additive="base">
+                                        <p:cTn id="14" dur="500" fill="hold"/>
+                                        <p:tgtEl>
+                                          <p:spTgt spid="4"/>
+                                        </p:tgtEl>
+                                        <p:attrNameLst>
+                                          <p:attrName>ppt_y</p:attrName>
+                                        </p:attrNameLst>
+                                      </p:cBhvr>
+                                      <p:tavLst>
+                                        <p:tav tm="0">
+                                          <p:val>
+                                            <p:strVal val="1+#ppt_h/2"/>
+                                          </p:val>
+                                        </p:tav>
+                                        <p:tav tm="100000">
+                                          <p:val>
+                                            <p:strVal val="#ppt_y"/>
+                                          </p:val>
+                                        </p:tav>
+                                      </p:tavLst>
+                                    </p:anim>
+                                  </p:childTnLst>
+                                </p:cTn>
+                              </p:par>
+                            </p:childTnLst>
+                          </p:cTn>
+                        </p:par>
+                      </p:childTnLst>
+                    </p:cTn>
+                  </p:par>
+                  <p:par>
+                    <p:cTn id="15" fill="hold">
+                      <p:stCondLst>
+                        <p:cond delay="indefinite"/>
+                      </p:stCondLst>
+                      <p:childTnLst>
+                        <p:par>
+                          <p:cTn id="16" fill="hold">
+                            <p:stCondLst>
+                              <p:cond delay="0"/>
+                            </p:stCondLst>
+                            <p:childTnLst>
+                              <p:par>
+                                <p:cTn id="17" presetID="2" presetClass="entr" presetSubtype="4" fill="hold" grpId="0" nodeType="clickEffect">
+                                  <p:stCondLst>
+                                    <p:cond delay="0"/>
+                                  </p:stCondLst>
+                                  <p:childTnLst>
+                                    <p:set>
+                                      <p:cBhvr>
+                                        <p:cTn id="18" dur="1" fill="hold">
+                                          <p:stCondLst>
+                                            <p:cond delay="0"/>
+                                          </p:stCondLst>
+                                        </p:cTn>
+                                        <p:tgtEl>
+                                          <p:spTgt spid="5"/>
+                                        </p:tgtEl>
+                                        <p:attrNameLst>
+                                          <p:attrName>style.visibility</p:attrName>
+                                        </p:attrNameLst>
+                                      </p:cBhvr>
+                                      <p:to>
+                                        <p:strVal val="visible"/>
+                                      </p:to>
+                                    </p:set>
+                                    <p:anim calcmode="lin" valueType="num">
+                                      <p:cBhvr additive="base">
+                                        <p:cTn id="19" dur="500" fill="hold"/>
+                                        <p:tgtEl>
+                                          <p:spTgt spid="5"/>
+                                        </p:tgtEl>
+                                        <p:attrNameLst>
+                                          <p:attrName>ppt_x</p:attrName>
+                                        </p:attrNameLst>
+                                      </p:cBhvr>
+                                      <p:tavLst>
+                                        <p:tav tm="0">
+                                          <p:val>
+                                            <p:strVal val="#ppt_x"/>
+                                          </p:val>
+                                        </p:tav>
+                                        <p:tav tm="100000">
+                                          <p:val>
+                                            <p:strVal val="#ppt_x"/>
+                                          </p:val>
+                                        </p:tav>
+                                      </p:tavLst>
+                                    </p:anim>
+                                    <p:anim calcmode="lin" valueType="num">
+                                      <p:cBhvr additive="base">
+                                        <p:cTn id="20" dur="500" fill="hold"/>
+                                        <p:tgtEl>
+                                          <p:spTgt spid="5"/>
+                                        </p:tgtEl>
+                                        <p:attrNameLst>
+                                          <p:attrName>ppt_y</p:attrName>
+                                        </p:attrNameLst>
+                                      </p:cBhvr>
+                                      <p:tavLst>
+                                        <p:tav tm="0">
+                                          <p:val>
+                                            <p:strVal val="1+#ppt_h/2"/>
+                                          </p:val>
+                                        </p:tav>
+                                        <p:tav tm="100000">
+                                          <p:val>
+                                            <p:strVal val="#ppt_y"/>
+                                          </p:val>
+                                        </p:tav>
+                                      </p:tavLst>
+                                    </p:anim>
+                                  </p:childTnLst>
+                                </p:cTn>
+                              </p:par>
+                            </p:childTnLst>
+                          </p:cTn>
+                        </p:par>
+                      </p:childTnLst>
+                    </p:cTn>
+                  </p:par>
+                  <p:par>
+                    <p:cTn id="21" fill="hold">
+                      <p:stCondLst>
+                        <p:cond delay="indefinite"/>
+                      </p:stCondLst>
+                      <p:childTnLst>
+                        <p:par>
+                          <p:cTn id="22" fill="hold">
+                            <p:stCondLst>
+                              <p:cond delay="0"/>
+                            </p:stCondLst>
+                            <p:childTnLst>
+                              <p:par>
+                                <p:cTn id="23" presetID="2" presetClass="entr" presetSubtype="4" fill="hold" grpId="0" nodeType="clickEffect">
+                                  <p:stCondLst>
+                                    <p:cond delay="0"/>
+                                  </p:stCondLst>
+                                  <p:childTnLst>
+                                    <p:set>
+                                      <p:cBhvr>
+                                        <p:cTn id="24" dur="1" fill="hold">
+                                          <p:stCondLst>
+                                            <p:cond delay="0"/>
+                                          </p:stCondLst>
+                                        </p:cTn>
+                                        <p:tgtEl>
+                                          <p:spTgt spid="6"/>
+                                        </p:tgtEl>
+                                        <p:attrNameLst>
+                                          <p:attrName>style.visibility</p:attrName>
+                                        </p:attrNameLst>
+                                      </p:cBhvr>
+                                      <p:to>
+                                        <p:strVal val="visible"/>
+                                      </p:to>
+                                    </p:set>
+                                    <p:anim calcmode="lin" valueType="num">
+                                      <p:cBhvr additive="base">
+                                        <p:cTn id="25" dur="500" fill="hold"/>
+                                        <p:tgtEl>
+                                          <p:spTgt spid="6"/>
+                                        </p:tgtEl>
+                                        <p:attrNameLst>
+                                          <p:attrName>ppt_x</p:attrName>
+                                        </p:attrNameLst>
+                                      </p:cBhvr>
+                                      <p:tavLst>
+                                        <p:tav tm="0">
+                                          <p:val>
+                                            <p:strVal val="#ppt_x"/>
+                                          </p:val>
+                                        </p:tav>
+                                        <p:tav tm="100000">
+                                          <p:val>
+                                            <p:strVal val="#ppt_x"/>
+                                          </p:val>
+                                        </p:tav>
+                                      </p:tavLst>
+                                    </p:anim>
+                                    <p:anim calcmode="lin" valueType="num">
+                                      <p:cBhvr additive="base">
+                                        <p:cTn id="26" dur="500" fill="hold"/>
+                                        <p:tgtEl>
+                                          <p:spTgt spid="6"/>
+                                        </p:tgtEl>
+                                        <p:attrNameLst>
+                                          <p:attrName>ppt_y</p:attrName>
+                                        </p:attrNameLst>
+                                      </p:cBhvr>
+                                      <p:tavLst>
+                                        <p:tav tm="0">
+                                          <p:val>
+                                            <p:strVal val="1+#ppt_h/2"/>
+                                          </p:val>
+                                        </p:tav>
+                                        <p:tav tm="100000">
+                                          <p:val>
+                                            <p:strVal val="#ppt_y"/>
+                                          </p:val>
+                                        </p:tav>
+                                      </p:tavLst>
+                                    </p:anim>
+                                  </p:childTnLst>
+                                </p:cTn>
+                              </p:par>
+                            </p:childTnLst>
+                          </p:cTn>
+                        </p:par>
+                      </p:childTnLst>
+                    </p:cTn>
+                  </p:par>
+                  <p:par>
+                    <p:cTn id="27" fill="hold">
+                      <p:stCondLst>
+                        <p:cond delay="indefinite"/>
+                      </p:stCondLst>
+                      <p:childTnLst>
+                        <p:par>
+                          <p:cTn id="28" fill="hold">
+                            <p:stCondLst>
+                              <p:cond delay="0"/>
+                            </p:stCondLst>
+                            <p:childTnLst>
+                              <p:par>
+                                <p:cTn id="29" presetID="2" presetClass="entr" presetSubtype="4" fill="hold" grpId="0" nodeType="clickEffect">
+                                  <p:stCondLst>
+                                    <p:cond delay="0"/>
+                                  </p:stCondLst>
+                                  <p:childTnLst>
+                                    <p:set>
+                                      <p:cBhvr>
+                                        <p:cTn id="30" dur="1" fill="hold">
+                                          <p:stCondLst>
+                                            <p:cond delay="0"/>
+                                          </p:stCondLst>
+                                        </p:cTn>
+                                        <p:tgtEl>
+                                          <p:spTgt spid="7"/>
+                                        </p:tgtEl>
+                                        <p:attrNameLst>
+                                          <p:attrName>style.visibility</p:attrName>
+                                        </p:attrNameLst>
+                                      </p:cBhvr>
+                                      <p:to>
+                                        <p:strVal val="visible"/>
+                                      </p:to>
+                                    </p:set>
+                                    <p:anim calcmode="lin" valueType="num">
+                                      <p:cBhvr additive="base">
+                                        <p:cTn id="31" dur="500" fill="hold"/>
+                                        <p:tgtEl>
+                                          <p:spTgt spid="7"/>
+                                        </p:tgtEl>
+                                        <p:attrNameLst>
+                                          <p:attrName>ppt_x</p:attrName>
+                                        </p:attrNameLst>
+                                      </p:cBhvr>
+                                      <p:tavLst>
+                                        <p:tav tm="0">
+                                          <p:val>
+                                            <p:strVal val="#ppt_x"/>
+                                          </p:val>
+                                        </p:tav>
+                                        <p:tav tm="100000">
+                                          <p:val>
+                                            <p:strVal val="#ppt_x"/>
+                                          </p:val>
+                                        </p:tav>
+                                      </p:tavLst>
+                                    </p:anim>
+                                    <p:anim calcmode="lin" valueType="num">
+                                      <p:cBhvr additive="base">
+                                        <p:cTn id="32" dur="500" fill="hold"/>
+                                        <p:tgtEl>
+                                          <p:spTgt spid="7"/>
+                                        </p:tgtEl>
+                                        <p:attrNameLst>
+                                          <p:attrName>ppt_y</p:attrName>
+                                        </p:attrNameLst>
+                                      </p:cBhvr>
+                                      <p:tavLst>
+                                        <p:tav tm="0">
+                                          <p:val>
+                                            <p:strVal val="1+#ppt_h/2"/>
+                                          </p:val>
+                                        </p:tav>
+                                        <p:tav tm="100000">
+                                          <p:val>
+                                            <p:strVal val="#ppt_y"/>
+                                          </p:val>
+                                        </p:tav>
+                                      </p:tavLst>
+                                    </p:anim>
+                                  </p:childTnLst>
+                                </p:cTn>
+                              </p:par>
+                            </p:childTnLst>
+                          </p:cTn>
+                        </p:par>
+                      </p:childTnLst>
+                    </p:cTn>
+                  </p:par>
+                  <p:par>
+                    <p:cTn id="33" fill="hold">
+                      <p:stCondLst>
+                        <p:cond delay="indefinite"/>
+                      </p:stCondLst>
+                      <p:childTnLst>
+                        <p:par>
+                          <p:cTn id="34" fill="hold">
+                            <p:stCondLst>
+                              <p:cond delay="0"/>
+                            </p:stCondLst>
+                            <p:childTnLst>
+                              <p:par>
+                                <p:cTn id="35" presetID="2" presetClass="entr" presetSubtype="8" fill="hold" grpId="0" nodeType="clickEffect">
+                                  <p:stCondLst>
+                                    <p:cond delay="0"/>
+                                  </p:stCondLst>
+                                  <p:childTnLst>
+                                    <p:set>
+                                      <p:cBhvr>
+                                        <p:cTn id="36" dur="1" fill="hold">
+                                          <p:stCondLst>
+                                            <p:cond delay="0"/>
+                                          </p:stCondLst>
+                                        </p:cTn>
+                                        <p:tgtEl>
+                                          <p:spTgt spid="8"/>
+                                        </p:tgtEl>
+                                        <p:attrNameLst>
+                                          <p:attrName>style.visibility</p:attrName>
+                                        </p:attrNameLst>
+                                      </p:cBhvr>
+                                      <p:to>
+                                        <p:strVal val="visible"/>
+                                      </p:to>
+                                    </p:set>
+                                    <p:anim calcmode="lin" valueType="num">
+                                      <p:cBhvr additive="base">
+                                        <p:cTn id="37" dur="500" fill="hold"/>
+                                        <p:tgtEl>
+                                          <p:spTgt spid="8"/>
+                                        </p:tgtEl>
+                                        <p:attrNameLst>
+                                          <p:attrName>ppt_x</p:attrName>
+                                        </p:attrNameLst>
+                                      </p:cBhvr>
+                                      <p:tavLst>
+                                        <p:tav tm="0">
+                                          <p:val>
+                                            <p:strVal val="0-#ppt_w/2"/>
+                                          </p:val>
+                                        </p:tav>
+                                        <p:tav tm="100000">
+                                          <p:val>
+                                            <p:strVal val="#ppt_x"/>
+                                          </p:val>
+                                        </p:tav>
+                                      </p:tavLst>
+                                    </p:anim>
+                                    <p:anim calcmode="lin" valueType="num">
+                                      <p:cBhvr additive="base">
+                                        <p:cTn id="38" dur="500" fill="hold"/>
+                                        <p:tgtEl>
+                                          <p:spTgt spid="8"/>
+                                        </p:tgtEl>
+                                        <p:attrNameLst>
+                                          <p:attrName>ppt_y</p:attrName>
+                                        </p:attrNameLst>
+                                      </p:cBhvr>
+                                      <p:tavLst>
+                                        <p:tav tm="0">
+                                          <p:val>
+                                            <p:strVal val="#ppt_y"/>
+                                          </p:val>
+                                        </p:tav>
+                                        <p:tav tm="100000">
+                                          <p:val>
+                                            <p:strVal val="#ppt_y"/>
+                                          </p:val>
+                                        </p:tav>
+                                      </p:tavLst>
+                                    </p:anim>
+                                  </p:childTnLst>
+                                </p:cTn>
+                              </p:par>
+                            </p:childTnLst>
+                          </p:cTn>
+                        </p:par>
+                      </p:childTnLst>
+                    </p:cTn>
+                  </p:par>
+                  <p:par>
+                    <p:cTn id="39" fill="hold">
+                      <p:stCondLst>
+                        <p:cond delay="indefinite"/>
+                      </p:stCondLst>
+                      <p:childTnLst>
+                        <p:par>
+                          <p:cTn id="40" fill="hold">
+                            <p:stCondLst>
+                              <p:cond delay="0"/>
+                            </p:stCondLst>
+                            <p:childTnLst>
+                              <p:par>
+                                <p:cTn id="41" presetID="2" presetClass="entr" presetSubtype="4" fill="hold" nodeType="clickEffect">
+                                  <p:stCondLst>
+                                    <p:cond delay="0"/>
+                                  </p:stCondLst>
+                                  <p:childTnLst>
+                                    <p:set>
+                                      <p:cBhvr>
+                                        <p:cTn id="42" dur="1" fill="hold">
+                                          <p:stCondLst>
+                                            <p:cond delay="0"/>
+                                          </p:stCondLst>
+                                        </p:cTn>
+                                        <p:tgtEl>
+                                          <p:spTgt spid="3">
+                                            <p:txEl>
+                                              <p:pRg st="1" end="1"/>
+                                            </p:txEl>
+                                          </p:spTgt>
+                                        </p:tgtEl>
+                                        <p:attrNameLst>
+                                          <p:attrName>style.visibility</p:attrName>
+                                        </p:attrNameLst>
+                                      </p:cBhvr>
+                                      <p:to>
+                                        <p:strVal val="visible"/>
+                                      </p:to>
+                                    </p:set>
+                                    <p:anim calcmode="lin" valueType="num">
+                                      <p:cBhvr additive="base">
+                                        <p:cTn id="43" dur="500" fill="hold"/>
+                                        <p:tgtEl>
+                                          <p:spTgt spid="3">
+                                            <p:txEl>
+                                              <p:pRg st="1" end="1"/>
+                                            </p:txEl>
+                                          </p:spTgt>
+                                        </p:tgtEl>
+                                        <p:attrNameLst>
+                                          <p:attrName>ppt_x</p:attrName>
+                                        </p:attrNameLst>
+                                      </p:cBhvr>
+                                      <p:tavLst>
+                                        <p:tav tm="0">
+                                          <p:val>
+                                            <p:strVal val="#ppt_x"/>
+                                          </p:val>
+                                        </p:tav>
+                                        <p:tav tm="100000">
+                                          <p:val>
+                                            <p:strVal val="#ppt_x"/>
+                                          </p:val>
+                                        </p:tav>
+                                      </p:tavLst>
+                                    </p:anim>
+                                    <p:anim calcmode="lin" valueType="num">
+                                      <p:cBhvr additive="base">
+                                        <p:cTn id="44" dur="500" fill="hold"/>
+                                        <p:tgtEl>
+                                          <p:spTgt spid="3">
+                                            <p:txEl>
+                                              <p:pRg st="1" end="1"/>
+                                            </p:txEl>
+                                          </p:spTgt>
+                                        </p:tgtEl>
+                                        <p:attrNameLst>
+                                          <p:attrName>ppt_y</p:attrName>
+                                        </p:attrNameLst>
+                                      </p:cBhvr>
+                                      <p:tavLst>
+                                        <p:tav tm="0">
+                                          <p:val>
+                                            <p:strVal val="1+#ppt_h/2"/>
+                                          </p:val>
+                                        </p:tav>
+                                        <p:tav tm="100000">
+                                          <p:val>
+                                            <p:strVal val="#ppt_y"/>
+                                          </p:val>
+                                        </p:tav>
+                                      </p:tavLst>
+                                    </p:anim>
+                                  </p:childTnLst>
+                                </p:cTn>
+                              </p:par>
+                            </p:childTnLst>
+                          </p:cTn>
+                        </p:par>
+                      </p:childTnLst>
+                    </p:cTn>
+                  </p:par>
+                  <p:par>
+                    <p:cTn id="45" fill="hold">
+                      <p:stCondLst>
+                        <p:cond delay="indefinite"/>
+                      </p:stCondLst>
+                      <p:childTnLst>
+                        <p:par>
+                          <p:cTn id="46" fill="hold">
+                            <p:stCondLst>
+                              <p:cond delay="0"/>
+                            </p:stCondLst>
+                            <p:childTnLst>
+                              <p:par>
+                                <p:cTn id="47" presetID="2" presetClass="entr" presetSubtype="4" fill="hold" nodeType="clickEffect">
+                                  <p:stCondLst>
+                                    <p:cond delay="0"/>
+                                  </p:stCondLst>
+                                  <p:childTnLst>
+                                    <p:set>
+                                      <p:cBhvr>
+                                        <p:cTn id="48" dur="1" fill="hold">
+                                          <p:stCondLst>
+                                            <p:cond delay="0"/>
+                                          </p:stCondLst>
+                                        </p:cTn>
+                                        <p:tgtEl>
+                                          <p:spTgt spid="3">
+                                            <p:txEl>
+                                              <p:pRg st="12" end="12"/>
+                                            </p:txEl>
+                                          </p:spTgt>
+                                        </p:tgtEl>
+                                        <p:attrNameLst>
+                                          <p:attrName>style.visibility</p:attrName>
+                                        </p:attrNameLst>
+                                      </p:cBhvr>
+                                      <p:to>
+                                        <p:strVal val="visible"/>
+                                      </p:to>
+                                    </p:set>
+                                    <p:anim calcmode="lin" valueType="num">
+                                      <p:cBhvr additive="base">
+                                        <p:cTn id="49" dur="500" fill="hold"/>
+                                        <p:tgtEl>
+                                          <p:spTgt spid="3">
+                                            <p:txEl>
+                                              <p:pRg st="12" end="12"/>
+                                            </p:txEl>
+                                          </p:spTgt>
+                                        </p:tgtEl>
+                                        <p:attrNameLst>
+                                          <p:attrName>ppt_x</p:attrName>
+                                        </p:attrNameLst>
+                                      </p:cBhvr>
+                                      <p:tavLst>
+                                        <p:tav tm="0">
+                                          <p:val>
+                                            <p:strVal val="#ppt_x"/>
+                                          </p:val>
+                                        </p:tav>
+                                        <p:tav tm="100000">
+                                          <p:val>
+                                            <p:strVal val="#ppt_x"/>
+                                          </p:val>
+                                        </p:tav>
+                                      </p:tavLst>
+                                    </p:anim>
+                                    <p:anim calcmode="lin" valueType="num">
+                                      <p:cBhvr additive="base">
+                                        <p:cTn id="50" dur="500" fill="hold"/>
+                                        <p:tgtEl>
+                                          <p:spTgt spid="3">
+                                            <p:txEl>
+                                              <p:pRg st="12" end="12"/>
+                                            </p:txEl>
+                                          </p:spTgt>
+                                        </p:tgtEl>
+                                        <p:attrNameLst>
+                                          <p:attrName>ppt_y</p:attrName>
+                                        </p:attrNameLst>
+                                      </p:cBhvr>
+                                      <p:tavLst>
+                                        <p:tav tm="0">
+                                          <p:val>
+                                            <p:strVal val="1+#ppt_h/2"/>
+                                          </p:val>
+                                        </p:tav>
+                                        <p:tav tm="100000">
+                                          <p:val>
+                                            <p:strVal val="#ppt_y"/>
+                                          </p:val>
+                                        </p:tav>
+                                      </p:tavLst>
+                                    </p:anim>
+                                  </p:childTnLst>
+                                </p:cTn>
+                              </p:par>
+                            </p:childTnLst>
+                          </p:cTn>
+                        </p:par>
+                      </p:childTnLst>
+                    </p:cTn>
+                  </p:par>
+                  <p:par>
+                    <p:cTn id="51" fill="hold">
+                      <p:stCondLst>
+                        <p:cond delay="indefinite"/>
+                      </p:stCondLst>
+                      <p:childTnLst>
+                        <p:par>
+                          <p:cTn id="52" fill="hold">
+                            <p:stCondLst>
+                              <p:cond delay="0"/>
+                            </p:stCondLst>
+                            <p:childTnLst>
+                              <p:par>
+                                <p:cTn id="53" presetID="1" presetClass="entr" presetSubtype="0" fill="hold" grpId="0" nodeType="clickEffect">
+                                  <p:stCondLst>
+                                    <p:cond delay="0"/>
+                                  </p:stCondLst>
+                                  <p:childTnLst>
+                                    <p:set>
+                                      <p:cBhvr>
+                                        <p:cTn id="54" dur="1" fill="hold">
+                                          <p:stCondLst>
+                                            <p:cond delay="0"/>
+                                          </p:stCondLst>
+                                        </p:cTn>
+                                        <p:tgtEl>
+                                          <p:spTgt spid="9"/>
+                                        </p:tgtEl>
+                                        <p:attrNameLst>
+                                          <p:attrName>style.visibility</p:attrName>
+                                        </p:attrNameLst>
+                                      </p:cBhvr>
+                                      <p:to>
+                                        <p:strVal val="visible"/>
+                                      </p:to>
+                                    </p:set>
+                                  </p:childTnLst>
+                                </p:cTn>
+                              </p:par>
+                              <p:par>
+                                <p:cTn id="55" presetID="1" presetClass="entr" presetSubtype="0" fill="hold" grpId="0" nodeType="withEffect">
+                                  <p:stCondLst>
+                                    <p:cond delay="0"/>
+                                  </p:stCondLst>
+                                  <p:childTnLst>
+                                    <p:set>
+                                      <p:cBhvr>
+                                        <p:cTn id="56" dur="1" fill="hold">
+                                          <p:stCondLst>
+                                            <p:cond delay="0"/>
+                                          </p:stCondLst>
+                                        </p:cTn>
+                                        <p:tgtEl>
+                                          <p:spTgt spid="10"/>
+                                        </p:tgtEl>
+                                        <p:attrNameLst>
+                                          <p:attrName>style.visibility</p:attrName>
+                                        </p:attrNameLst>
+                                      </p:cBhvr>
+                                      <p:to>
+                                        <p:strVal val="visible"/>
+                                      </p:to>
+                                    </p:set>
+                                  </p:childTnLst>
+                                </p:cTn>
+                              </p:par>
+                              <p:par>
+                                <p:cTn id="57" presetID="1" presetClass="entr" presetSubtype="0" fill="hold" grpId="0" nodeType="withEffect">
+                                  <p:stCondLst>
+                                    <p:cond delay="0"/>
+                                  </p:stCondLst>
+                                  <p:childTnLst>
+                                    <p:set>
+                                      <p:cBhvr>
+                                        <p:cTn id="58" dur="1" fill="hold">
+                                          <p:stCondLst>
+                                            <p:cond delay="0"/>
+                                          </p:stCondLst>
+                                        </p:cTn>
+                                        <p:tgtEl>
+                                          <p:spTgt spid="11"/>
+                                        </p:tgtEl>
+                                        <p:attrNameLst>
+                                          <p:attrName>style.visibility</p:attrName>
+                                        </p:attrNameLst>
+                                      </p:cBhvr>
+                                      <p:to>
+                                        <p:strVal val="visible"/>
+                                      </p:to>
+                                    </p:set>
+                                  </p:childTnLst>
+                                </p:cTn>
+                              </p:par>
+                              <p:par>
+                                <p:cTn id="59" presetID="1" presetClass="entr" presetSubtype="0" fill="hold" grpId="0" nodeType="withEffect">
+                                  <p:stCondLst>
+                                    <p:cond delay="0"/>
+                                  </p:stCondLst>
+                                  <p:childTnLst>
+                                    <p:set>
+                                      <p:cBhvr>
+                                        <p:cTn id="60" dur="1" fill="hold">
+                                          <p:stCondLst>
+                                            <p:cond delay="0"/>
+                                          </p:stCondLst>
+                                        </p:cTn>
+                                        <p:tgtEl>
+                                          <p:spTgt spid="12"/>
+                                        </p:tgtEl>
+                                        <p:attrNameLst>
+                                          <p:attrName>style.visibility</p:attrName>
+                                        </p:attrNameLst>
+                                      </p:cBhvr>
+                                      <p:to>
+                                        <p:strVal val="visible"/>
+                                      </p:to>
+                                    </p:set>
+                                  </p:childTnLst>
+                                </p:cTn>
+                              </p:par>
+                            </p:childTnLst>
+                          </p:cTn>
+                        </p:par>
+                      </p:childTnLst>
+                    </p:cTn>
+                  </p:par>
+                  <p:par>
+                    <p:cTn id="61" fill="hold">
+                      <p:stCondLst>
+                        <p:cond delay="indefinite"/>
+                      </p:stCondLst>
+                      <p:childTnLst>
+                        <p:par>
+                          <p:cTn id="62" fill="hold">
+                            <p:stCondLst>
+                              <p:cond delay="0"/>
+                            </p:stCondLst>
+                            <p:childTnLst>
+                              <p:par>
+                                <p:cTn id="63" presetID="2" presetClass="entr" presetSubtype="4" fill="hold" grpId="0" nodeType="clickEffect">
+                                  <p:stCondLst>
+                                    <p:cond delay="0"/>
+                                  </p:stCondLst>
+                                  <p:childTnLst>
+                                    <p:set>
+                                      <p:cBhvr>
+                                        <p:cTn id="64" dur="1" fill="hold">
+                                          <p:stCondLst>
+                                            <p:cond delay="0"/>
+                                          </p:stCondLst>
+                                        </p:cTn>
+                                        <p:tgtEl>
+                                          <p:spTgt spid="13"/>
+                                        </p:tgtEl>
+                                        <p:attrNameLst>
+                                          <p:attrName>style.visibility</p:attrName>
+                                        </p:attrNameLst>
+                                      </p:cBhvr>
+                                      <p:to>
+                                        <p:strVal val="visible"/>
+                                      </p:to>
+                                    </p:set>
+                                    <p:anim calcmode="lin" valueType="num">
+                                      <p:cBhvr additive="base">
+                                        <p:cTn id="65" dur="500" fill="hold"/>
+                                        <p:tgtEl>
+                                          <p:spTgt spid="13"/>
+                                        </p:tgtEl>
+                                        <p:attrNameLst>
+                                          <p:attrName>ppt_x</p:attrName>
+                                        </p:attrNameLst>
+                                      </p:cBhvr>
+                                      <p:tavLst>
+                                        <p:tav tm="0">
+                                          <p:val>
+                                            <p:strVal val="#ppt_x"/>
+                                          </p:val>
+                                        </p:tav>
+                                        <p:tav tm="100000">
+                                          <p:val>
+                                            <p:strVal val="#ppt_x"/>
+                                          </p:val>
+                                        </p:tav>
+                                      </p:tavLst>
+                                    </p:anim>
+                                    <p:anim calcmode="lin" valueType="num">
+                                      <p:cBhvr additive="base">
+                                        <p:cTn id="66" dur="500" fill="hold"/>
+                                        <p:tgtEl>
+                                          <p:spTgt spid="13"/>
+                                        </p:tgtEl>
+                                        <p:attrNameLst>
+                                          <p:attrName>ppt_y</p:attrName>
+                                        </p:attrNameLst>
+                                      </p:cBhvr>
+                                      <p:tavLst>
+                                        <p:tav tm="0">
+                                          <p:val>
+                                            <p:strVal val="1+#ppt_h/2"/>
+                                          </p:val>
+                                        </p:tav>
+                                        <p:tav tm="100000">
+                                          <p:val>
+                                            <p:strVal val="#ppt_y"/>
+                                          </p:val>
+                                        </p:tav>
+                                      </p:tavLst>
+                                    </p:anim>
+                                  </p:childTnLst>
+                                </p:cTn>
+                              </p:par>
+                              <p:par>
+                                <p:cTn id="67" presetID="2" presetClass="entr" presetSubtype="4" fill="hold" grpId="0" nodeType="withEffect">
+                                  <p:stCondLst>
+                                    <p:cond delay="0"/>
+                                  </p:stCondLst>
+                                  <p:childTnLst>
+                                    <p:set>
+                                      <p:cBhvr>
+                                        <p:cTn id="68" dur="1" fill="hold">
+                                          <p:stCondLst>
+                                            <p:cond delay="0"/>
+                                          </p:stCondLst>
+                                        </p:cTn>
+                                        <p:tgtEl>
+                                          <p:spTgt spid="14"/>
+                                        </p:tgtEl>
+                                        <p:attrNameLst>
+                                          <p:attrName>style.visibility</p:attrName>
+                                        </p:attrNameLst>
+                                      </p:cBhvr>
+                                      <p:to>
+                                        <p:strVal val="visible"/>
+                                      </p:to>
+                                    </p:set>
+                                    <p:anim calcmode="lin" valueType="num">
+                                      <p:cBhvr additive="base">
+                                        <p:cTn id="69" dur="500" fill="hold"/>
+                                        <p:tgtEl>
+                                          <p:spTgt spid="14"/>
+                                        </p:tgtEl>
+                                        <p:attrNameLst>
+                                          <p:attrName>ppt_x</p:attrName>
+                                        </p:attrNameLst>
+                                      </p:cBhvr>
+                                      <p:tavLst>
+                                        <p:tav tm="0">
+                                          <p:val>
+                                            <p:strVal val="#ppt_x"/>
+                                          </p:val>
+                                        </p:tav>
+                                        <p:tav tm="100000">
+                                          <p:val>
+                                            <p:strVal val="#ppt_x"/>
+                                          </p:val>
+                                        </p:tav>
+                                      </p:tavLst>
+                                    </p:anim>
+                                    <p:anim calcmode="lin" valueType="num">
+                                      <p:cBhvr additive="base">
+                                        <p:cTn id="70" dur="500" fill="hold"/>
+                                        <p:tgtEl>
+                                          <p:spTgt spid="14"/>
+                                        </p:tgtEl>
+                                        <p:attrNameLst>
+                                          <p:attrName>ppt_y</p:attrName>
+                                        </p:attrNameLst>
+                                      </p:cBhvr>
+                                      <p:tavLst>
+                                        <p:tav tm="0">
+                                          <p:val>
+                                            <p:strVal val="1+#ppt_h/2"/>
+                                          </p:val>
+                                        </p:tav>
+                                        <p:tav tm="100000">
+                                          <p:val>
+                                            <p:strVal val="#ppt_y"/>
+                                          </p:val>
+                                        </p:tav>
+                                      </p:tavLst>
+                                    </p:anim>
+                                  </p:childTnLst>
+                                </p:cTn>
+                              </p:par>
+                            </p:childTnLst>
+                          </p:cTn>
+                        </p:par>
+                      </p:childTnLst>
+                    </p:cTn>
+                  </p:par>
+                </p:childTnLst>
+              </p:cTn>
+              <p:prevCondLst>
+                <p:cond evt="onPrev" delay="0">
+                  <p:tgtEl>
+                    <p:sldTgt/>
+                  </p:tgtEl>
+                </p:cond>
+              </p:prevCondLst>
+              <p:nextCondLst>
+                <p:cond evt="onNext" delay="0">
+                  <p:tgtEl>
+                    <p:sldTgt/>
+                  </p:tgtEl>
+                </p:cond>
+              </p:nextCondLst>
+            </p:seq>
+          </p:childTnLst>
+        </p:cTn>
+      </p:par>
+    </p:tnLst>
+    <p:bldLst>
+      <p:bldP spid="3" grpId="0" uiExpand="1" build="p"/>
+      <p:bldP spid="4" grpId="0" animBg="1"/>
+      <p:bldP spid="5" grpId="0" animBg="1"/>
+      <p:bldP spid="6" grpId="0" animBg="1"/>
+      <p:bldP spid="7" grpId="0" animBg="1"/>
+      <p:bldP spid="8" grpId="0" animBg="1"/>
+      <p:bldP spid="9" grpId="0" animBg="1"/>
+      <p:bldP spid="10" grpId="0" animBg="1"/>
+      <p:bldP spid="11" grpId="0" animBg="1"/>
+      <p:bldP spid="12" grpId="0" animBg="1"/>
+      <p:bldP spid="13" grpId="0" animBg="1"/>
+      <p:bldP spid="14" grpId="0" animBg="1"/>
+    </p:bldLst>
+  </p:timing>
+</p:sld>
+</file>
+
+<file path=ppt/slides/slide81.xml><?xml version="1.0" encoding="utf-8"?>
+<p:sld xmlns:a="http://schemas.openxmlformats.org/drawingml/2006/main" xmlns:r="http://schemas.openxmlformats.org/officeDocument/2006/relationships" xmlns:p="http://schemas.openxmlformats.org/presentationml/2006/main" showMasterSp="0">
+  <p:cSld>
+    <p:spTree>
+      <p:nvGrpSpPr>
+        <p:cNvPr id="1" name=""/>
+        <p:cNvGrpSpPr/>
+        <p:nvPr/>
+      </p:nvGrpSpPr>
+      <p:grpSpPr>
+        <a:xfrm>
+          <a:off x="0" y="0"/>
+          <a:ext cx="0" cy="0"/>
+          <a:chOff x="0" y="0"/>
+          <a:chExt cx="0" cy="0"/>
+        </a:xfrm>
+      </p:grpSpPr>
+      <p:sp>
+        <p:nvSpPr>
+          <p:cNvPr id="2" name="Title 1"/>
+          <p:cNvSpPr>
+            <a:spLocks noGrp="1"/>
+          </p:cNvSpPr>
+          <p:nvPr>
+            <p:ph type="title"/>
+          </p:nvPr>
+        </p:nvSpPr>
+        <p:spPr>
+          <a:xfrm>
+            <a:off x="529053" y="115330"/>
+            <a:ext cx="8596668" cy="564292"/>
+          </a:xfrm>
+        </p:spPr>
+        <p:txBody>
+          <a:bodyPr>
+            <a:normAutofit fontScale="90000"/>
+          </a:bodyPr>
+          <a:lstStyle/>
+          <a:p>
+            <a:r>
+              <a:rPr lang="en-GB" dirty="0"/>
+              <a:t>Asynchronous Code Execution </a:t>
+            </a:r>
+            <a:endParaRPr lang="en-GB" dirty="0"/>
+          </a:p>
+        </p:txBody>
+      </p:sp>
+      <p:sp>
+        <p:nvSpPr>
+          <p:cNvPr id="3" name="Content Placeholder 2"/>
+          <p:cNvSpPr>
+            <a:spLocks noGrp="1"/>
+          </p:cNvSpPr>
+          <p:nvPr>
+            <p:ph idx="1"/>
+          </p:nvPr>
+        </p:nvSpPr>
+        <p:spPr>
+          <a:xfrm>
+            <a:off x="677333" y="815546"/>
+            <a:ext cx="9619963" cy="5836463"/>
+          </a:xfrm>
+        </p:spPr>
+        <p:txBody>
+          <a:bodyPr/>
+          <a:lstStyle/>
+          <a:p>
+            <a:r>
+              <a:rPr lang="en-IN" dirty="0" smtClean="0"/>
+              <a:t>Certain Operations  take a bit longer </a:t>
+            </a:r>
+            <a:endParaRPr lang="en-GB" dirty="0"/>
+          </a:p>
+        </p:txBody>
+      </p:sp>
+      <p:sp>
+        <p:nvSpPr>
+          <p:cNvPr id="4" name="Rectangle 3"/>
+          <p:cNvSpPr/>
+          <p:nvPr/>
+        </p:nvSpPr>
+        <p:spPr>
+          <a:xfrm>
+            <a:off x="677333" y="1589903"/>
+            <a:ext cx="2148245" cy="337751"/>
+          </a:xfrm>
+          <a:prstGeom prst="rect">
+            <a:avLst/>
+          </a:prstGeom>
+          <a:solidFill>
+            <a:srgbClr val="F470EE">
+              <a:alpha val="39000"/>
+            </a:srgbClr>
+          </a:solidFill>
+        </p:spPr>
+        <p:style>
+          <a:lnRef idx="2">
+            <a:schemeClr val="accent1">
+              <a:shade val="50000"/>
+            </a:schemeClr>
+          </a:lnRef>
+          <a:fillRef idx="1">
+            <a:schemeClr val="accent1"/>
+          </a:fillRef>
+          <a:effectRef idx="0">
+            <a:schemeClr val="accent1"/>
+          </a:effectRef>
+          <a:fontRef idx="minor">
+            <a:schemeClr val="lt1"/>
+          </a:fontRef>
+        </p:style>
+        <p:txBody>
+          <a:bodyPr rtlCol="0" anchor="ctr"/>
+          <a:lstStyle/>
+          <a:p>
+            <a:pPr algn="ctr"/>
+            <a:r>
+              <a:rPr lang="en-IN" dirty="0" smtClean="0">
+                <a:solidFill>
+                  <a:srgbClr val="7030A0"/>
+                </a:solidFill>
+              </a:rPr>
+              <a:t>Console.log()</a:t>
+            </a:r>
+            <a:endParaRPr lang="en-GB" dirty="0">
+              <a:solidFill>
+                <a:srgbClr val="7030A0"/>
+              </a:solidFill>
+            </a:endParaRPr>
+          </a:p>
+        </p:txBody>
+      </p:sp>
+      <p:sp>
+        <p:nvSpPr>
+          <p:cNvPr id="5" name="Rectangle 4"/>
+          <p:cNvSpPr/>
+          <p:nvPr/>
+        </p:nvSpPr>
+        <p:spPr>
+          <a:xfrm>
+            <a:off x="2916010" y="1589903"/>
+            <a:ext cx="4621427" cy="337751"/>
+          </a:xfrm>
+          <a:prstGeom prst="rect">
+            <a:avLst/>
+          </a:prstGeom>
+          <a:solidFill>
+            <a:srgbClr val="FFC000"/>
+          </a:solidFill>
+        </p:spPr>
+        <p:style>
+          <a:lnRef idx="2">
+            <a:schemeClr val="accent1">
+              <a:shade val="50000"/>
+            </a:schemeClr>
+          </a:lnRef>
+          <a:fillRef idx="1">
+            <a:schemeClr val="accent1"/>
+          </a:fillRef>
+          <a:effectRef idx="0">
+            <a:schemeClr val="accent1"/>
+          </a:effectRef>
+          <a:fontRef idx="minor">
+            <a:schemeClr val="lt1"/>
+          </a:fontRef>
+        </p:style>
+        <p:txBody>
+          <a:bodyPr rtlCol="0" anchor="ctr"/>
+          <a:lstStyle/>
+          <a:p>
+            <a:pPr algn="ctr"/>
+            <a:r>
+              <a:rPr lang="en-IN" dirty="0" err="1" smtClean="0"/>
+              <a:t>setTimeout</a:t>
+            </a:r>
+            <a:r>
+              <a:rPr lang="en-IN" dirty="0" smtClean="0"/>
+              <a:t>()</a:t>
+            </a:r>
+            <a:endParaRPr lang="en-GB" dirty="0"/>
+          </a:p>
+        </p:txBody>
+      </p:sp>
+      <p:sp>
+        <p:nvSpPr>
+          <p:cNvPr id="6" name="Rectangle 5"/>
+          <p:cNvSpPr/>
+          <p:nvPr/>
+        </p:nvSpPr>
+        <p:spPr>
+          <a:xfrm>
+            <a:off x="7669061" y="1589903"/>
+            <a:ext cx="2429532" cy="337751"/>
+          </a:xfrm>
+          <a:prstGeom prst="rect">
+            <a:avLst/>
+          </a:prstGeom>
+          <a:solidFill>
+            <a:srgbClr val="F470EE">
+              <a:alpha val="39000"/>
+            </a:srgbClr>
+          </a:solidFill>
+        </p:spPr>
+        <p:style>
+          <a:lnRef idx="2">
+            <a:schemeClr val="accent1">
+              <a:shade val="50000"/>
+            </a:schemeClr>
+          </a:lnRef>
+          <a:fillRef idx="1">
+            <a:schemeClr val="accent1"/>
+          </a:fillRef>
+          <a:effectRef idx="0">
+            <a:schemeClr val="accent1"/>
+          </a:effectRef>
+          <a:fontRef idx="minor">
+            <a:schemeClr val="lt1"/>
+          </a:fontRef>
+        </p:style>
+        <p:txBody>
+          <a:bodyPr rtlCol="0" anchor="ctr"/>
+          <a:lstStyle/>
+          <a:p>
+            <a:pPr algn="ctr"/>
+            <a:r>
+              <a:rPr lang="en-IN" dirty="0" err="1" smtClean="0">
+                <a:solidFill>
+                  <a:srgbClr val="7030A0"/>
+                </a:solidFill>
+              </a:rPr>
+              <a:t>moreCode</a:t>
+            </a:r>
+            <a:r>
+              <a:rPr lang="en-IN" dirty="0" smtClean="0">
+                <a:solidFill>
+                  <a:srgbClr val="7030A0"/>
+                </a:solidFill>
+              </a:rPr>
+              <a:t>()</a:t>
+            </a:r>
+            <a:endParaRPr lang="en-GB" dirty="0">
+              <a:solidFill>
+                <a:srgbClr val="7030A0"/>
+              </a:solidFill>
+            </a:endParaRPr>
+          </a:p>
+        </p:txBody>
+      </p:sp>
+      <p:sp>
+        <p:nvSpPr>
+          <p:cNvPr id="7" name="Up Arrow 6"/>
+          <p:cNvSpPr/>
+          <p:nvPr/>
+        </p:nvSpPr>
+        <p:spPr>
+          <a:xfrm>
+            <a:off x="4994031" y="2200589"/>
+            <a:ext cx="572756" cy="834013"/>
+          </a:xfrm>
+          <a:prstGeom prst="upArrow">
+            <a:avLst/>
+          </a:prstGeom>
+          <a:solidFill>
+            <a:srgbClr val="FFC000"/>
+          </a:solidFill>
+        </p:spPr>
+        <p:style>
+          <a:lnRef idx="2">
+            <a:schemeClr val="accent1">
+              <a:shade val="50000"/>
+            </a:schemeClr>
+          </a:lnRef>
+          <a:fillRef idx="1">
+            <a:schemeClr val="accent1"/>
+          </a:fillRef>
+          <a:effectRef idx="0">
+            <a:schemeClr val="accent1"/>
+          </a:effectRef>
+          <a:fontRef idx="minor">
+            <a:schemeClr val="lt1"/>
+          </a:fontRef>
+        </p:style>
+        <p:txBody>
+          <a:bodyPr rtlCol="0" anchor="ctr"/>
+          <a:lstStyle/>
+          <a:p>
+            <a:pPr algn="ctr"/>
+            <a:endParaRPr lang="en-GB"/>
+          </a:p>
+        </p:txBody>
+      </p:sp>
+      <p:sp>
+        <p:nvSpPr>
+          <p:cNvPr id="8" name="Rectangle 7"/>
+          <p:cNvSpPr/>
+          <p:nvPr/>
+        </p:nvSpPr>
+        <p:spPr>
+          <a:xfrm>
+            <a:off x="3934843" y="3170526"/>
+            <a:ext cx="3104941" cy="1145512"/>
+          </a:xfrm>
+          <a:prstGeom prst="rect">
+            <a:avLst/>
+          </a:prstGeom>
+          <a:solidFill>
+            <a:schemeClr val="accent3"/>
+          </a:solidFill>
+        </p:spPr>
+        <p:style>
+          <a:lnRef idx="2">
+            <a:schemeClr val="accent1">
+              <a:shade val="50000"/>
+            </a:schemeClr>
+          </a:lnRef>
+          <a:fillRef idx="1">
+            <a:schemeClr val="accent1"/>
+          </a:fillRef>
+          <a:effectRef idx="0">
+            <a:schemeClr val="accent1"/>
+          </a:effectRef>
+          <a:fontRef idx="minor">
+            <a:schemeClr val="lt1"/>
+          </a:fontRef>
+        </p:style>
+        <p:txBody>
+          <a:bodyPr rtlCol="0" anchor="ctr"/>
+          <a:lstStyle/>
+          <a:p>
+            <a:pPr algn="ctr"/>
+            <a:r>
+              <a:rPr lang="en-IN" dirty="0" smtClean="0"/>
+              <a:t>This operation </a:t>
+            </a:r>
+            <a:r>
+              <a:rPr lang="en-IN" dirty="0" smtClean="0">
+                <a:solidFill>
+                  <a:srgbClr val="7030A0"/>
+                </a:solidFill>
+              </a:rPr>
+              <a:t>could take a bit longer</a:t>
+            </a:r>
+            <a:r>
+              <a:rPr lang="en-IN" dirty="0" smtClean="0"/>
+              <a:t> (wait until time expired)</a:t>
+            </a:r>
+            <a:endParaRPr lang="en-GB" dirty="0"/>
+          </a:p>
+        </p:txBody>
+      </p:sp>
+      <p:sp>
+        <p:nvSpPr>
+          <p:cNvPr id="9" name="Rectangle 8"/>
+          <p:cNvSpPr/>
+          <p:nvPr/>
+        </p:nvSpPr>
+        <p:spPr>
+          <a:xfrm>
+            <a:off x="3828422" y="4692580"/>
+            <a:ext cx="3211362" cy="1457011"/>
+          </a:xfrm>
+          <a:prstGeom prst="rect">
+            <a:avLst/>
+          </a:prstGeom>
+          <a:solidFill>
+            <a:schemeClr val="accent3">
+              <a:lumMod val="20000"/>
+              <a:lumOff val="80000"/>
+            </a:schemeClr>
+          </a:solidFill>
+        </p:spPr>
+        <p:style>
+          <a:lnRef idx="2">
+            <a:schemeClr val="accent1">
+              <a:shade val="50000"/>
+            </a:schemeClr>
+          </a:lnRef>
+          <a:fillRef idx="1">
+            <a:schemeClr val="accent1"/>
+          </a:fillRef>
+          <a:effectRef idx="0">
+            <a:schemeClr val="accent1"/>
+          </a:effectRef>
+          <a:fontRef idx="minor">
+            <a:schemeClr val="lt1"/>
+          </a:fontRef>
+        </p:style>
+        <p:txBody>
+          <a:bodyPr rtlCol="0" anchor="ctr"/>
+          <a:lstStyle/>
+          <a:p>
+            <a:pPr algn="ctr"/>
+            <a:r>
+              <a:rPr lang="en-IN" dirty="0" smtClean="0">
+                <a:solidFill>
+                  <a:schemeClr val="accent3"/>
+                </a:solidFill>
+              </a:rPr>
+              <a:t>Other examples could be HTTP Request</a:t>
+            </a:r>
+          </a:p>
+          <a:p>
+            <a:pPr algn="ctr"/>
+            <a:r>
+              <a:rPr lang="en-IN" dirty="0">
+                <a:solidFill>
+                  <a:schemeClr val="accent3"/>
+                </a:solidFill>
+              </a:rPr>
+              <a:t>(</a:t>
+            </a:r>
+            <a:r>
+              <a:rPr lang="en-IN" dirty="0" smtClean="0">
+                <a:solidFill>
+                  <a:schemeClr val="accent3"/>
+                </a:solidFill>
+              </a:rPr>
+              <a:t>waiting for response) , getting user location </a:t>
+            </a:r>
+            <a:r>
+              <a:rPr lang="en-IN" dirty="0" err="1" smtClean="0">
+                <a:solidFill>
+                  <a:schemeClr val="accent3"/>
+                </a:solidFill>
+              </a:rPr>
+              <a:t>etc</a:t>
+            </a:r>
+            <a:endParaRPr lang="en-GB" dirty="0">
+              <a:solidFill>
+                <a:schemeClr val="accent3"/>
+              </a:solidFill>
+            </a:endParaRPr>
+          </a:p>
+        </p:txBody>
+      </p:sp>
+      <p:sp>
+        <p:nvSpPr>
+          <p:cNvPr id="10" name="Up Arrow 9"/>
+          <p:cNvSpPr/>
+          <p:nvPr/>
+        </p:nvSpPr>
+        <p:spPr>
+          <a:xfrm>
+            <a:off x="8502584" y="2111830"/>
+            <a:ext cx="572756" cy="834013"/>
+          </a:xfrm>
+          <a:prstGeom prst="upArrow">
+            <a:avLst/>
+          </a:prstGeom>
+          <a:solidFill>
+            <a:srgbClr val="FFC000"/>
+          </a:solidFill>
+        </p:spPr>
+        <p:style>
+          <a:lnRef idx="2">
+            <a:schemeClr val="accent1">
+              <a:shade val="50000"/>
+            </a:schemeClr>
+          </a:lnRef>
+          <a:fillRef idx="1">
+            <a:schemeClr val="accent1"/>
+          </a:fillRef>
+          <a:effectRef idx="0">
+            <a:schemeClr val="accent1"/>
+          </a:effectRef>
+          <a:fontRef idx="minor">
+            <a:schemeClr val="lt1"/>
+          </a:fontRef>
+        </p:style>
+        <p:txBody>
+          <a:bodyPr rtlCol="0" anchor="ctr"/>
+          <a:lstStyle/>
+          <a:p>
+            <a:pPr algn="ctr"/>
+            <a:endParaRPr lang="en-GB"/>
+          </a:p>
+        </p:txBody>
+      </p:sp>
+      <p:sp>
+        <p:nvSpPr>
+          <p:cNvPr id="11" name="Rectangle 10"/>
+          <p:cNvSpPr/>
+          <p:nvPr/>
+        </p:nvSpPr>
+        <p:spPr>
+          <a:xfrm>
+            <a:off x="7443396" y="3081767"/>
+            <a:ext cx="3104941" cy="1145512"/>
+          </a:xfrm>
+          <a:prstGeom prst="rect">
+            <a:avLst/>
+          </a:prstGeom>
+          <a:solidFill>
+            <a:schemeClr val="accent3"/>
+          </a:solidFill>
+        </p:spPr>
+        <p:style>
+          <a:lnRef idx="2">
+            <a:schemeClr val="accent1">
+              <a:shade val="50000"/>
+            </a:schemeClr>
+          </a:lnRef>
+          <a:fillRef idx="1">
+            <a:schemeClr val="accent1"/>
+          </a:fillRef>
+          <a:effectRef idx="0">
+            <a:schemeClr val="accent1"/>
+          </a:effectRef>
+          <a:fontRef idx="minor">
+            <a:schemeClr val="lt1"/>
+          </a:fontRef>
+        </p:style>
+        <p:txBody>
+          <a:bodyPr rtlCol="0" anchor="ctr"/>
+          <a:lstStyle/>
+          <a:p>
+            <a:pPr algn="ctr"/>
+            <a:r>
+              <a:rPr lang="en-IN" dirty="0" smtClean="0"/>
+              <a:t>This operation shouldn’t need to wait for the previous one to finish</a:t>
+            </a:r>
+            <a:endParaRPr lang="en-GB" dirty="0"/>
+          </a:p>
+        </p:txBody>
+      </p:sp>
+      <p:sp>
+        <p:nvSpPr>
+          <p:cNvPr id="13" name="Rectangle 12"/>
+          <p:cNvSpPr/>
+          <p:nvPr/>
+        </p:nvSpPr>
+        <p:spPr>
+          <a:xfrm>
+            <a:off x="2916011" y="2200589"/>
+            <a:ext cx="4621426" cy="378760"/>
+          </a:xfrm>
+          <a:prstGeom prst="rect">
+            <a:avLst/>
+          </a:prstGeom>
+          <a:solidFill>
+            <a:srgbClr val="FFC000"/>
+          </a:solidFill>
+        </p:spPr>
+        <p:style>
+          <a:lnRef idx="2">
+            <a:schemeClr val="accent1">
+              <a:shade val="50000"/>
+            </a:schemeClr>
+          </a:lnRef>
+          <a:fillRef idx="1">
+            <a:schemeClr val="accent1"/>
+          </a:fillRef>
+          <a:effectRef idx="0">
+            <a:schemeClr val="accent1"/>
+          </a:effectRef>
+          <a:fontRef idx="minor">
+            <a:schemeClr val="lt1"/>
+          </a:fontRef>
+        </p:style>
+        <p:txBody>
+          <a:bodyPr rtlCol="0" anchor="ctr"/>
+          <a:lstStyle/>
+          <a:p>
+            <a:pPr algn="ctr"/>
+            <a:r>
+              <a:rPr lang="en-IN" dirty="0" err="1" smtClean="0"/>
+              <a:t>setTimeout</a:t>
+            </a:r>
+            <a:r>
+              <a:rPr lang="en-IN" dirty="0" smtClean="0"/>
+              <a:t>()</a:t>
+            </a:r>
+            <a:endParaRPr lang="en-GB" dirty="0"/>
+          </a:p>
+        </p:txBody>
+      </p:sp>
+      <p:sp>
+        <p:nvSpPr>
+          <p:cNvPr id="14" name="Rectangle 13"/>
+          <p:cNvSpPr/>
+          <p:nvPr/>
+        </p:nvSpPr>
+        <p:spPr>
+          <a:xfrm>
+            <a:off x="2916010" y="1566346"/>
+            <a:ext cx="1992746" cy="370702"/>
+          </a:xfrm>
+          <a:prstGeom prst="rect">
+            <a:avLst/>
+          </a:prstGeom>
+          <a:solidFill>
+            <a:srgbClr val="F470EE">
+              <a:alpha val="39000"/>
+            </a:srgbClr>
+          </a:solidFill>
+        </p:spPr>
+        <p:style>
+          <a:lnRef idx="2">
+            <a:schemeClr val="accent1">
+              <a:shade val="50000"/>
+            </a:schemeClr>
+          </a:lnRef>
+          <a:fillRef idx="1">
+            <a:schemeClr val="accent1"/>
+          </a:fillRef>
+          <a:effectRef idx="0">
+            <a:schemeClr val="accent1"/>
+          </a:effectRef>
+          <a:fontRef idx="minor">
+            <a:schemeClr val="lt1"/>
+          </a:fontRef>
+        </p:style>
+        <p:txBody>
+          <a:bodyPr rtlCol="0" anchor="ctr"/>
+          <a:lstStyle/>
+          <a:p>
+            <a:pPr algn="ctr"/>
+            <a:r>
+              <a:rPr lang="en-IN" dirty="0" err="1" smtClean="0">
+                <a:solidFill>
+                  <a:srgbClr val="7030A0"/>
+                </a:solidFill>
+              </a:rPr>
+              <a:t>moreCode</a:t>
+            </a:r>
+            <a:r>
+              <a:rPr lang="en-IN" dirty="0" smtClean="0">
+                <a:solidFill>
+                  <a:srgbClr val="7030A0"/>
+                </a:solidFill>
+              </a:rPr>
+              <a:t>()</a:t>
+            </a:r>
+            <a:endParaRPr lang="en-GB" dirty="0">
+              <a:solidFill>
+                <a:srgbClr val="7030A0"/>
+              </a:solidFill>
+            </a:endParaRPr>
+          </a:p>
+        </p:txBody>
+      </p:sp>
+      <p:sp>
+        <p:nvSpPr>
+          <p:cNvPr id="15" name="Up Arrow 14"/>
+          <p:cNvSpPr/>
+          <p:nvPr/>
+        </p:nvSpPr>
+        <p:spPr>
+          <a:xfrm>
+            <a:off x="5015540" y="2634321"/>
+            <a:ext cx="558412" cy="936487"/>
+          </a:xfrm>
+          <a:prstGeom prst="upArrow">
+            <a:avLst/>
+          </a:prstGeom>
+          <a:solidFill>
+            <a:srgbClr val="FFC000"/>
+          </a:solidFill>
+        </p:spPr>
+        <p:style>
+          <a:lnRef idx="2">
+            <a:schemeClr val="accent1">
+              <a:shade val="50000"/>
+            </a:schemeClr>
+          </a:lnRef>
+          <a:fillRef idx="1">
+            <a:schemeClr val="accent1"/>
+          </a:fillRef>
+          <a:effectRef idx="0">
+            <a:schemeClr val="accent1"/>
+          </a:effectRef>
+          <a:fontRef idx="minor">
+            <a:schemeClr val="lt1"/>
+          </a:fontRef>
+        </p:style>
+        <p:txBody>
+          <a:bodyPr rtlCol="0" anchor="ctr"/>
+          <a:lstStyle/>
+          <a:p>
+            <a:pPr algn="ctr"/>
+            <a:endParaRPr lang="en-GB"/>
+          </a:p>
+        </p:txBody>
+      </p:sp>
+      <p:sp>
+        <p:nvSpPr>
+          <p:cNvPr id="16" name="Rectangle 15"/>
+          <p:cNvSpPr/>
+          <p:nvPr/>
+        </p:nvSpPr>
+        <p:spPr>
+          <a:xfrm>
+            <a:off x="4040660" y="3682529"/>
+            <a:ext cx="3151696" cy="1196840"/>
+          </a:xfrm>
+          <a:prstGeom prst="rect">
+            <a:avLst/>
+          </a:prstGeom>
+          <a:solidFill>
+            <a:schemeClr val="accent3"/>
+          </a:solidFill>
+        </p:spPr>
+        <p:style>
+          <a:lnRef idx="2">
+            <a:schemeClr val="accent1">
+              <a:shade val="50000"/>
+            </a:schemeClr>
+          </a:lnRef>
+          <a:fillRef idx="1">
+            <a:schemeClr val="accent1"/>
+          </a:fillRef>
+          <a:effectRef idx="0">
+            <a:schemeClr val="accent1"/>
+          </a:effectRef>
+          <a:fontRef idx="minor">
+            <a:schemeClr val="lt1"/>
+          </a:fontRef>
+        </p:style>
+        <p:txBody>
+          <a:bodyPr rtlCol="0" anchor="ctr"/>
+          <a:lstStyle/>
+          <a:p>
+            <a:pPr algn="ctr"/>
+            <a:r>
+              <a:rPr lang="en-IN" dirty="0" smtClean="0"/>
+              <a:t>This operation is handed off to the browser which uses multiple threads</a:t>
+            </a:r>
+            <a:endParaRPr lang="en-GB" dirty="0"/>
+          </a:p>
+        </p:txBody>
+      </p:sp>
+      <p:sp>
+        <p:nvSpPr>
+          <p:cNvPr id="17" name="Rectangle 16"/>
+          <p:cNvSpPr/>
+          <p:nvPr/>
+        </p:nvSpPr>
+        <p:spPr>
+          <a:xfrm>
+            <a:off x="4994031" y="1579029"/>
+            <a:ext cx="2253415" cy="383059"/>
+          </a:xfrm>
+          <a:prstGeom prst="rect">
+            <a:avLst/>
+          </a:prstGeom>
+          <a:solidFill>
+            <a:srgbClr val="F470EE">
+              <a:alpha val="39000"/>
+            </a:srgbClr>
+          </a:solidFill>
+        </p:spPr>
+        <p:style>
+          <a:lnRef idx="2">
+            <a:schemeClr val="accent1">
+              <a:shade val="50000"/>
+            </a:schemeClr>
+          </a:lnRef>
+          <a:fillRef idx="1">
+            <a:schemeClr val="accent1"/>
+          </a:fillRef>
+          <a:effectRef idx="0">
+            <a:schemeClr val="accent1"/>
+          </a:effectRef>
+          <a:fontRef idx="minor">
+            <a:schemeClr val="lt1"/>
+          </a:fontRef>
+        </p:style>
+        <p:txBody>
+          <a:bodyPr rtlCol="0" anchor="ctr"/>
+          <a:lstStyle/>
+          <a:p>
+            <a:pPr algn="ctr"/>
+            <a:r>
+              <a:rPr lang="en-IN" dirty="0" err="1" smtClean="0">
+                <a:solidFill>
+                  <a:srgbClr val="7030A0"/>
+                </a:solidFill>
+              </a:rPr>
+              <a:t>callBack</a:t>
+            </a:r>
+            <a:r>
+              <a:rPr lang="en-IN" dirty="0" smtClean="0">
+                <a:solidFill>
+                  <a:srgbClr val="7030A0"/>
+                </a:solidFill>
+              </a:rPr>
+              <a:t>()</a:t>
+            </a:r>
+            <a:endParaRPr lang="en-GB" dirty="0">
+              <a:solidFill>
+                <a:srgbClr val="7030A0"/>
+              </a:solidFill>
+            </a:endParaRPr>
+          </a:p>
+        </p:txBody>
+      </p:sp>
+      <p:sp>
+        <p:nvSpPr>
+          <p:cNvPr id="18" name="Up Arrow 17"/>
+          <p:cNvSpPr/>
+          <p:nvPr/>
+        </p:nvSpPr>
+        <p:spPr>
+          <a:xfrm>
+            <a:off x="6700937" y="1797571"/>
+            <a:ext cx="430574" cy="552133"/>
+          </a:xfrm>
+          <a:prstGeom prst="upArrow">
+            <a:avLst/>
+          </a:prstGeom>
+          <a:solidFill>
+            <a:srgbClr val="FFC000"/>
+          </a:solidFill>
+        </p:spPr>
+        <p:style>
+          <a:lnRef idx="2">
+            <a:schemeClr val="accent1">
+              <a:shade val="50000"/>
+            </a:schemeClr>
+          </a:lnRef>
+          <a:fillRef idx="1">
+            <a:schemeClr val="accent1"/>
+          </a:fillRef>
+          <a:effectRef idx="0">
+            <a:schemeClr val="accent1"/>
+          </a:effectRef>
+          <a:fontRef idx="minor">
+            <a:schemeClr val="lt1"/>
+          </a:fontRef>
+        </p:style>
+        <p:txBody>
+          <a:bodyPr rtlCol="0" anchor="ctr"/>
+          <a:lstStyle/>
+          <a:p>
+            <a:pPr algn="ctr"/>
+            <a:endParaRPr lang="en-GB"/>
+          </a:p>
+        </p:txBody>
+      </p:sp>
+    </p:spTree>
+    <p:extLst>
+      <p:ext uri="{BB962C8B-B14F-4D97-AF65-F5344CB8AC3E}">
+        <p14:creationId xmlns:p14="http://schemas.microsoft.com/office/powerpoint/2010/main" val="2255191176"/>
+      </p:ext>
+    </p:extLst>
+  </p:cSld>
+  <p:clrMapOvr>
+    <a:masterClrMapping/>
+  </p:clrMapOvr>
+  <p:timing>
+    <p:tnLst>
+      <p:par>
+        <p:cTn id="1" dur="indefinite" restart="never" nodeType="tmRoot">
+          <p:childTnLst>
+            <p:seq concurrent="1" nextAc="seek">
+              <p:cTn id="2" dur="indefinite" nodeType="mainSeq">
+                <p:childTnLst>
+                  <p:par>
+                    <p:cTn id="3" fill="hold">
+                      <p:stCondLst>
+                        <p:cond delay="indefinite"/>
+                      </p:stCondLst>
+                      <p:childTnLst>
+                        <p:par>
+                          <p:cTn id="4" fill="hold">
+                            <p:stCondLst>
+                              <p:cond delay="0"/>
+                            </p:stCondLst>
+                            <p:childTnLst>
+                              <p:par>
+                                <p:cTn id="5" presetID="2" presetClass="entr" presetSubtype="4" fill="hold" nodeType="clickEffect">
+                                  <p:stCondLst>
+                                    <p:cond delay="0"/>
+                                  </p:stCondLst>
+                                  <p:childTnLst>
+                                    <p:set>
+                                      <p:cBhvr>
+                                        <p:cTn id="6" dur="1" fill="hold">
+                                          <p:stCondLst>
+                                            <p:cond delay="0"/>
+                                          </p:stCondLst>
+                                        </p:cTn>
+                                        <p:tgtEl>
+                                          <p:spTgt spid="3">
+                                            <p:txEl>
+                                              <p:pRg st="0" end="0"/>
+                                            </p:txEl>
+                                          </p:spTgt>
+                                        </p:tgtEl>
+                                        <p:attrNameLst>
+                                          <p:attrName>style.visibility</p:attrName>
+                                        </p:attrNameLst>
+                                      </p:cBhvr>
+                                      <p:to>
+                                        <p:strVal val="visible"/>
+                                      </p:to>
+                                    </p:set>
+                                    <p:anim calcmode="lin" valueType="num">
+                                      <p:cBhvr additive="base">
+                                        <p:cTn id="7" dur="500" fill="hold"/>
+                                        <p:tgtEl>
+                                          <p:spTgt spid="3">
+                                            <p:txEl>
+                                              <p:pRg st="0" end="0"/>
+                                            </p:txEl>
+                                          </p:spTgt>
+                                        </p:tgtEl>
+                                        <p:attrNameLst>
+                                          <p:attrName>ppt_x</p:attrName>
+                                        </p:attrNameLst>
+                                      </p:cBhvr>
+                                      <p:tavLst>
+                                        <p:tav tm="0">
+                                          <p:val>
+                                            <p:strVal val="#ppt_x"/>
+                                          </p:val>
+                                        </p:tav>
+                                        <p:tav tm="100000">
+                                          <p:val>
+                                            <p:strVal val="#ppt_x"/>
+                                          </p:val>
+                                        </p:tav>
+                                      </p:tavLst>
+                                    </p:anim>
+                                    <p:anim calcmode="lin" valueType="num">
+                                      <p:cBhvr additive="base">
+                                        <p:cTn id="8" dur="500" fill="hold"/>
+                                        <p:tgtEl>
+                                          <p:spTgt spid="3">
+                                            <p:txEl>
+                                              <p:pRg st="0" end="0"/>
+                                            </p:txEl>
+                                          </p:spTgt>
+                                        </p:tgtEl>
+                                        <p:attrNameLst>
+                                          <p:attrName>ppt_y</p:attrName>
+                                        </p:attrNameLst>
+                                      </p:cBhvr>
+                                      <p:tavLst>
+                                        <p:tav tm="0">
+                                          <p:val>
+                                            <p:strVal val="1+#ppt_h/2"/>
+                                          </p:val>
+                                        </p:tav>
+                                        <p:tav tm="100000">
+                                          <p:val>
+                                            <p:strVal val="#ppt_y"/>
+                                          </p:val>
+                                        </p:tav>
+                                      </p:tavLst>
+                                    </p:anim>
+                                  </p:childTnLst>
+                                </p:cTn>
+                              </p:par>
+                            </p:childTnLst>
+                          </p:cTn>
+                        </p:par>
+                      </p:childTnLst>
+                    </p:cTn>
+                  </p:par>
+                  <p:par>
+                    <p:cTn id="9" fill="hold">
+                      <p:stCondLst>
+                        <p:cond delay="indefinite"/>
+                      </p:stCondLst>
+                      <p:childTnLst>
+                        <p:par>
+                          <p:cTn id="10" fill="hold">
+                            <p:stCondLst>
+                              <p:cond delay="0"/>
+                            </p:stCondLst>
+                            <p:childTnLst>
+                              <p:par>
+                                <p:cTn id="11" presetID="2" presetClass="entr" presetSubtype="8" fill="hold" grpId="0" nodeType="clickEffect">
+                                  <p:stCondLst>
+                                    <p:cond delay="0"/>
+                                  </p:stCondLst>
+                                  <p:childTnLst>
+                                    <p:set>
+                                      <p:cBhvr>
+                                        <p:cTn id="12" dur="1" fill="hold">
+                                          <p:stCondLst>
+                                            <p:cond delay="0"/>
+                                          </p:stCondLst>
+                                        </p:cTn>
+                                        <p:tgtEl>
+                                          <p:spTgt spid="4"/>
+                                        </p:tgtEl>
+                                        <p:attrNameLst>
+                                          <p:attrName>style.visibility</p:attrName>
+                                        </p:attrNameLst>
+                                      </p:cBhvr>
+                                      <p:to>
+                                        <p:strVal val="visible"/>
+                                      </p:to>
+                                    </p:set>
+                                    <p:anim calcmode="lin" valueType="num">
+                                      <p:cBhvr additive="base">
+                                        <p:cTn id="13" dur="500" fill="hold"/>
+                                        <p:tgtEl>
+                                          <p:spTgt spid="4"/>
+                                        </p:tgtEl>
+                                        <p:attrNameLst>
+                                          <p:attrName>ppt_x</p:attrName>
+                                        </p:attrNameLst>
+                                      </p:cBhvr>
+                                      <p:tavLst>
+                                        <p:tav tm="0">
+                                          <p:val>
+                                            <p:strVal val="0-#ppt_w/2"/>
+                                          </p:val>
+                                        </p:tav>
+                                        <p:tav tm="100000">
+                                          <p:val>
+                                            <p:strVal val="#ppt_x"/>
+                                          </p:val>
+                                        </p:tav>
+                                      </p:tavLst>
+                                    </p:anim>
+                                    <p:anim calcmode="lin" valueType="num">
+                                      <p:cBhvr additive="base">
+                                        <p:cTn id="14" dur="500" fill="hold"/>
+                                        <p:tgtEl>
+                                          <p:spTgt spid="4"/>
+                                        </p:tgtEl>
+                                        <p:attrNameLst>
+                                          <p:attrName>ppt_y</p:attrName>
+                                        </p:attrNameLst>
+                                      </p:cBhvr>
+                                      <p:tavLst>
+                                        <p:tav tm="0">
+                                          <p:val>
+                                            <p:strVal val="#ppt_y"/>
+                                          </p:val>
+                                        </p:tav>
+                                        <p:tav tm="100000">
+                                          <p:val>
+                                            <p:strVal val="#ppt_y"/>
+                                          </p:val>
+                                        </p:tav>
+                                      </p:tavLst>
+                                    </p:anim>
+                                  </p:childTnLst>
+                                </p:cTn>
+                              </p:par>
+                              <p:par>
+                                <p:cTn id="15" presetID="2" presetClass="entr" presetSubtype="8" fill="hold" grpId="0" nodeType="withEffect">
+                                  <p:stCondLst>
+                                    <p:cond delay="0"/>
+                                  </p:stCondLst>
+                                  <p:childTnLst>
+                                    <p:set>
+                                      <p:cBhvr>
+                                        <p:cTn id="16" dur="1" fill="hold">
+                                          <p:stCondLst>
+                                            <p:cond delay="0"/>
+                                          </p:stCondLst>
+                                        </p:cTn>
+                                        <p:tgtEl>
+                                          <p:spTgt spid="5"/>
+                                        </p:tgtEl>
+                                        <p:attrNameLst>
+                                          <p:attrName>style.visibility</p:attrName>
+                                        </p:attrNameLst>
+                                      </p:cBhvr>
+                                      <p:to>
+                                        <p:strVal val="visible"/>
+                                      </p:to>
+                                    </p:set>
+                                    <p:anim calcmode="lin" valueType="num">
+                                      <p:cBhvr additive="base">
+                                        <p:cTn id="17" dur="500" fill="hold"/>
+                                        <p:tgtEl>
+                                          <p:spTgt spid="5"/>
+                                        </p:tgtEl>
+                                        <p:attrNameLst>
+                                          <p:attrName>ppt_x</p:attrName>
+                                        </p:attrNameLst>
+                                      </p:cBhvr>
+                                      <p:tavLst>
+                                        <p:tav tm="0">
+                                          <p:val>
+                                            <p:strVal val="0-#ppt_w/2"/>
+                                          </p:val>
+                                        </p:tav>
+                                        <p:tav tm="100000">
+                                          <p:val>
+                                            <p:strVal val="#ppt_x"/>
+                                          </p:val>
+                                        </p:tav>
+                                      </p:tavLst>
+                                    </p:anim>
+                                    <p:anim calcmode="lin" valueType="num">
+                                      <p:cBhvr additive="base">
+                                        <p:cTn id="18" dur="500" fill="hold"/>
+                                        <p:tgtEl>
+                                          <p:spTgt spid="5"/>
+                                        </p:tgtEl>
+                                        <p:attrNameLst>
+                                          <p:attrName>ppt_y</p:attrName>
+                                        </p:attrNameLst>
+                                      </p:cBhvr>
+                                      <p:tavLst>
+                                        <p:tav tm="0">
+                                          <p:val>
+                                            <p:strVal val="#ppt_y"/>
+                                          </p:val>
+                                        </p:tav>
+                                        <p:tav tm="100000">
+                                          <p:val>
+                                            <p:strVal val="#ppt_y"/>
+                                          </p:val>
+                                        </p:tav>
+                                      </p:tavLst>
+                                    </p:anim>
+                                  </p:childTnLst>
+                                </p:cTn>
+                              </p:par>
+                              <p:par>
+                                <p:cTn id="19" presetID="2" presetClass="entr" presetSubtype="8" fill="hold" grpId="0" nodeType="withEffect">
+                                  <p:stCondLst>
+                                    <p:cond delay="0"/>
+                                  </p:stCondLst>
+                                  <p:childTnLst>
+                                    <p:set>
+                                      <p:cBhvr>
+                                        <p:cTn id="20" dur="1" fill="hold">
+                                          <p:stCondLst>
+                                            <p:cond delay="0"/>
+                                          </p:stCondLst>
+                                        </p:cTn>
+                                        <p:tgtEl>
+                                          <p:spTgt spid="6"/>
+                                        </p:tgtEl>
+                                        <p:attrNameLst>
+                                          <p:attrName>style.visibility</p:attrName>
+                                        </p:attrNameLst>
+                                      </p:cBhvr>
+                                      <p:to>
+                                        <p:strVal val="visible"/>
+                                      </p:to>
+                                    </p:set>
+                                    <p:anim calcmode="lin" valueType="num">
+                                      <p:cBhvr additive="base">
+                                        <p:cTn id="21" dur="500" fill="hold"/>
+                                        <p:tgtEl>
+                                          <p:spTgt spid="6"/>
+                                        </p:tgtEl>
+                                        <p:attrNameLst>
+                                          <p:attrName>ppt_x</p:attrName>
+                                        </p:attrNameLst>
+                                      </p:cBhvr>
+                                      <p:tavLst>
+                                        <p:tav tm="0">
+                                          <p:val>
+                                            <p:strVal val="0-#ppt_w/2"/>
+                                          </p:val>
+                                        </p:tav>
+                                        <p:tav tm="100000">
+                                          <p:val>
+                                            <p:strVal val="#ppt_x"/>
+                                          </p:val>
+                                        </p:tav>
+                                      </p:tavLst>
+                                    </p:anim>
+                                    <p:anim calcmode="lin" valueType="num">
+                                      <p:cBhvr additive="base">
+                                        <p:cTn id="22" dur="500" fill="hold"/>
+                                        <p:tgtEl>
+                                          <p:spTgt spid="6"/>
+                                        </p:tgtEl>
+                                        <p:attrNameLst>
+                                          <p:attrName>ppt_y</p:attrName>
+                                        </p:attrNameLst>
+                                      </p:cBhvr>
+                                      <p:tavLst>
+                                        <p:tav tm="0">
+                                          <p:val>
+                                            <p:strVal val="#ppt_y"/>
+                                          </p:val>
+                                        </p:tav>
+                                        <p:tav tm="100000">
+                                          <p:val>
+                                            <p:strVal val="#ppt_y"/>
+                                          </p:val>
+                                        </p:tav>
+                                      </p:tavLst>
+                                    </p:anim>
+                                  </p:childTnLst>
+                                </p:cTn>
+                              </p:par>
+                            </p:childTnLst>
+                          </p:cTn>
+                        </p:par>
+                      </p:childTnLst>
+                    </p:cTn>
+                  </p:par>
+                  <p:par>
+                    <p:cTn id="23" fill="hold">
+                      <p:stCondLst>
+                        <p:cond delay="indefinite"/>
+                      </p:stCondLst>
+                      <p:childTnLst>
+                        <p:par>
+                          <p:cTn id="24" fill="hold">
+                            <p:stCondLst>
+                              <p:cond delay="0"/>
+                            </p:stCondLst>
+                            <p:childTnLst>
+                              <p:par>
+                                <p:cTn id="25" presetID="2" presetClass="entr" presetSubtype="4" fill="hold" grpId="0" nodeType="clickEffect">
+                                  <p:stCondLst>
+                                    <p:cond delay="0"/>
+                                  </p:stCondLst>
+                                  <p:childTnLst>
+                                    <p:set>
+                                      <p:cBhvr>
+                                        <p:cTn id="26" dur="1" fill="hold">
+                                          <p:stCondLst>
+                                            <p:cond delay="0"/>
+                                          </p:stCondLst>
+                                        </p:cTn>
+                                        <p:tgtEl>
+                                          <p:spTgt spid="7"/>
+                                        </p:tgtEl>
+                                        <p:attrNameLst>
+                                          <p:attrName>style.visibility</p:attrName>
+                                        </p:attrNameLst>
+                                      </p:cBhvr>
+                                      <p:to>
+                                        <p:strVal val="visible"/>
+                                      </p:to>
+                                    </p:set>
+                                    <p:anim calcmode="lin" valueType="num">
+                                      <p:cBhvr additive="base">
+                                        <p:cTn id="27" dur="500" fill="hold"/>
+                                        <p:tgtEl>
+                                          <p:spTgt spid="7"/>
+                                        </p:tgtEl>
+                                        <p:attrNameLst>
+                                          <p:attrName>ppt_x</p:attrName>
+                                        </p:attrNameLst>
+                                      </p:cBhvr>
+                                      <p:tavLst>
+                                        <p:tav tm="0">
+                                          <p:val>
+                                            <p:strVal val="#ppt_x"/>
+                                          </p:val>
+                                        </p:tav>
+                                        <p:tav tm="100000">
+                                          <p:val>
+                                            <p:strVal val="#ppt_x"/>
+                                          </p:val>
+                                        </p:tav>
+                                      </p:tavLst>
+                                    </p:anim>
+                                    <p:anim calcmode="lin" valueType="num">
+                                      <p:cBhvr additive="base">
+                                        <p:cTn id="28" dur="500" fill="hold"/>
+                                        <p:tgtEl>
+                                          <p:spTgt spid="7"/>
+                                        </p:tgtEl>
+                                        <p:attrNameLst>
+                                          <p:attrName>ppt_y</p:attrName>
+                                        </p:attrNameLst>
+                                      </p:cBhvr>
+                                      <p:tavLst>
+                                        <p:tav tm="0">
+                                          <p:val>
+                                            <p:strVal val="1+#ppt_h/2"/>
+                                          </p:val>
+                                        </p:tav>
+                                        <p:tav tm="100000">
+                                          <p:val>
+                                            <p:strVal val="#ppt_y"/>
+                                          </p:val>
+                                        </p:tav>
+                                      </p:tavLst>
+                                    </p:anim>
+                                  </p:childTnLst>
+                                </p:cTn>
+                              </p:par>
+                              <p:par>
+                                <p:cTn id="29" presetID="2" presetClass="entr" presetSubtype="4" fill="hold" grpId="0" nodeType="withEffect">
+                                  <p:stCondLst>
+                                    <p:cond delay="0"/>
+                                  </p:stCondLst>
+                                  <p:childTnLst>
+                                    <p:set>
+                                      <p:cBhvr>
+                                        <p:cTn id="30" dur="1" fill="hold">
+                                          <p:stCondLst>
+                                            <p:cond delay="0"/>
+                                          </p:stCondLst>
+                                        </p:cTn>
+                                        <p:tgtEl>
+                                          <p:spTgt spid="8"/>
+                                        </p:tgtEl>
+                                        <p:attrNameLst>
+                                          <p:attrName>style.visibility</p:attrName>
+                                        </p:attrNameLst>
+                                      </p:cBhvr>
+                                      <p:to>
+                                        <p:strVal val="visible"/>
+                                      </p:to>
+                                    </p:set>
+                                    <p:anim calcmode="lin" valueType="num">
+                                      <p:cBhvr additive="base">
+                                        <p:cTn id="31" dur="500" fill="hold"/>
+                                        <p:tgtEl>
+                                          <p:spTgt spid="8"/>
+                                        </p:tgtEl>
+                                        <p:attrNameLst>
+                                          <p:attrName>ppt_x</p:attrName>
+                                        </p:attrNameLst>
+                                      </p:cBhvr>
+                                      <p:tavLst>
+                                        <p:tav tm="0">
+                                          <p:val>
+                                            <p:strVal val="#ppt_x"/>
+                                          </p:val>
+                                        </p:tav>
+                                        <p:tav tm="100000">
+                                          <p:val>
+                                            <p:strVal val="#ppt_x"/>
+                                          </p:val>
+                                        </p:tav>
+                                      </p:tavLst>
+                                    </p:anim>
+                                    <p:anim calcmode="lin" valueType="num">
+                                      <p:cBhvr additive="base">
+                                        <p:cTn id="32" dur="500" fill="hold"/>
+                                        <p:tgtEl>
+                                          <p:spTgt spid="8"/>
+                                        </p:tgtEl>
+                                        <p:attrNameLst>
+                                          <p:attrName>ppt_y</p:attrName>
+                                        </p:attrNameLst>
+                                      </p:cBhvr>
+                                      <p:tavLst>
+                                        <p:tav tm="0">
+                                          <p:val>
+                                            <p:strVal val="1+#ppt_h/2"/>
+                                          </p:val>
+                                        </p:tav>
+                                        <p:tav tm="100000">
+                                          <p:val>
+                                            <p:strVal val="#ppt_y"/>
+                                          </p:val>
+                                        </p:tav>
+                                      </p:tavLst>
+                                    </p:anim>
+                                  </p:childTnLst>
+                                </p:cTn>
+                              </p:par>
+                            </p:childTnLst>
+                          </p:cTn>
+                        </p:par>
+                      </p:childTnLst>
+                    </p:cTn>
+                  </p:par>
+                  <p:par>
+                    <p:cTn id="33" fill="hold">
+                      <p:stCondLst>
+                        <p:cond delay="indefinite"/>
+                      </p:stCondLst>
+                      <p:childTnLst>
+                        <p:par>
+                          <p:cTn id="34" fill="hold">
+                            <p:stCondLst>
+                              <p:cond delay="0"/>
+                            </p:stCondLst>
+                            <p:childTnLst>
+                              <p:par>
+                                <p:cTn id="35" presetID="2" presetClass="entr" presetSubtype="4" fill="hold" grpId="0" nodeType="clickEffect">
+                                  <p:stCondLst>
+                                    <p:cond delay="0"/>
+                                  </p:stCondLst>
+                                  <p:childTnLst>
+                                    <p:set>
+                                      <p:cBhvr>
+                                        <p:cTn id="36" dur="1" fill="hold">
+                                          <p:stCondLst>
+                                            <p:cond delay="0"/>
+                                          </p:stCondLst>
+                                        </p:cTn>
+                                        <p:tgtEl>
+                                          <p:spTgt spid="9"/>
+                                        </p:tgtEl>
+                                        <p:attrNameLst>
+                                          <p:attrName>style.visibility</p:attrName>
+                                        </p:attrNameLst>
+                                      </p:cBhvr>
+                                      <p:to>
+                                        <p:strVal val="visible"/>
+                                      </p:to>
+                                    </p:set>
+                                    <p:anim calcmode="lin" valueType="num">
+                                      <p:cBhvr additive="base">
+                                        <p:cTn id="37" dur="500" fill="hold"/>
+                                        <p:tgtEl>
+                                          <p:spTgt spid="9"/>
+                                        </p:tgtEl>
+                                        <p:attrNameLst>
+                                          <p:attrName>ppt_x</p:attrName>
+                                        </p:attrNameLst>
+                                      </p:cBhvr>
+                                      <p:tavLst>
+                                        <p:tav tm="0">
+                                          <p:val>
+                                            <p:strVal val="#ppt_x"/>
+                                          </p:val>
+                                        </p:tav>
+                                        <p:tav tm="100000">
+                                          <p:val>
+                                            <p:strVal val="#ppt_x"/>
+                                          </p:val>
+                                        </p:tav>
+                                      </p:tavLst>
+                                    </p:anim>
+                                    <p:anim calcmode="lin" valueType="num">
+                                      <p:cBhvr additive="base">
+                                        <p:cTn id="38" dur="500" fill="hold"/>
+                                        <p:tgtEl>
+                                          <p:spTgt spid="9"/>
+                                        </p:tgtEl>
+                                        <p:attrNameLst>
+                                          <p:attrName>ppt_y</p:attrName>
+                                        </p:attrNameLst>
+                                      </p:cBhvr>
+                                      <p:tavLst>
+                                        <p:tav tm="0">
+                                          <p:val>
+                                            <p:strVal val="1+#ppt_h/2"/>
+                                          </p:val>
+                                        </p:tav>
+                                        <p:tav tm="100000">
+                                          <p:val>
+                                            <p:strVal val="#ppt_y"/>
+                                          </p:val>
+                                        </p:tav>
+                                      </p:tavLst>
+                                    </p:anim>
+                                  </p:childTnLst>
+                                </p:cTn>
+                              </p:par>
+                            </p:childTnLst>
+                          </p:cTn>
+                        </p:par>
+                      </p:childTnLst>
+                    </p:cTn>
+                  </p:par>
+                  <p:par>
+                    <p:cTn id="39" fill="hold">
+                      <p:stCondLst>
+                        <p:cond delay="indefinite"/>
+                      </p:stCondLst>
+                      <p:childTnLst>
+                        <p:par>
+                          <p:cTn id="40" fill="hold">
+                            <p:stCondLst>
+                              <p:cond delay="0"/>
+                            </p:stCondLst>
+                            <p:childTnLst>
+                              <p:par>
+                                <p:cTn id="41" presetID="2" presetClass="entr" presetSubtype="4" fill="hold" grpId="0" nodeType="clickEffect">
+                                  <p:stCondLst>
+                                    <p:cond delay="0"/>
+                                  </p:stCondLst>
+                                  <p:childTnLst>
+                                    <p:set>
+                                      <p:cBhvr>
+                                        <p:cTn id="42" dur="1" fill="hold">
+                                          <p:stCondLst>
+                                            <p:cond delay="0"/>
+                                          </p:stCondLst>
+                                        </p:cTn>
+                                        <p:tgtEl>
+                                          <p:spTgt spid="10"/>
+                                        </p:tgtEl>
+                                        <p:attrNameLst>
+                                          <p:attrName>style.visibility</p:attrName>
+                                        </p:attrNameLst>
+                                      </p:cBhvr>
+                                      <p:to>
+                                        <p:strVal val="visible"/>
+                                      </p:to>
+                                    </p:set>
+                                    <p:anim calcmode="lin" valueType="num">
+                                      <p:cBhvr additive="base">
+                                        <p:cTn id="43" dur="500" fill="hold"/>
+                                        <p:tgtEl>
+                                          <p:spTgt spid="10"/>
+                                        </p:tgtEl>
+                                        <p:attrNameLst>
+                                          <p:attrName>ppt_x</p:attrName>
+                                        </p:attrNameLst>
+                                      </p:cBhvr>
+                                      <p:tavLst>
+                                        <p:tav tm="0">
+                                          <p:val>
+                                            <p:strVal val="#ppt_x"/>
+                                          </p:val>
+                                        </p:tav>
+                                        <p:tav tm="100000">
+                                          <p:val>
+                                            <p:strVal val="#ppt_x"/>
+                                          </p:val>
+                                        </p:tav>
+                                      </p:tavLst>
+                                    </p:anim>
+                                    <p:anim calcmode="lin" valueType="num">
+                                      <p:cBhvr additive="base">
+                                        <p:cTn id="44" dur="500" fill="hold"/>
+                                        <p:tgtEl>
+                                          <p:spTgt spid="10"/>
+                                        </p:tgtEl>
+                                        <p:attrNameLst>
+                                          <p:attrName>ppt_y</p:attrName>
+                                        </p:attrNameLst>
+                                      </p:cBhvr>
+                                      <p:tavLst>
+                                        <p:tav tm="0">
+                                          <p:val>
+                                            <p:strVal val="1+#ppt_h/2"/>
+                                          </p:val>
+                                        </p:tav>
+                                        <p:tav tm="100000">
+                                          <p:val>
+                                            <p:strVal val="#ppt_y"/>
+                                          </p:val>
+                                        </p:tav>
+                                      </p:tavLst>
+                                    </p:anim>
+                                  </p:childTnLst>
+                                </p:cTn>
+                              </p:par>
+                              <p:par>
+                                <p:cTn id="45" presetID="2" presetClass="entr" presetSubtype="4" fill="hold" grpId="0" nodeType="withEffect">
+                                  <p:stCondLst>
+                                    <p:cond delay="0"/>
+                                  </p:stCondLst>
+                                  <p:childTnLst>
+                                    <p:set>
+                                      <p:cBhvr>
+                                        <p:cTn id="46" dur="1" fill="hold">
+                                          <p:stCondLst>
+                                            <p:cond delay="0"/>
+                                          </p:stCondLst>
+                                        </p:cTn>
+                                        <p:tgtEl>
+                                          <p:spTgt spid="11"/>
+                                        </p:tgtEl>
+                                        <p:attrNameLst>
+                                          <p:attrName>style.visibility</p:attrName>
+                                        </p:attrNameLst>
+                                      </p:cBhvr>
+                                      <p:to>
+                                        <p:strVal val="visible"/>
+                                      </p:to>
+                                    </p:set>
+                                    <p:anim calcmode="lin" valueType="num">
+                                      <p:cBhvr additive="base">
+                                        <p:cTn id="47" dur="500" fill="hold"/>
+                                        <p:tgtEl>
+                                          <p:spTgt spid="11"/>
+                                        </p:tgtEl>
+                                        <p:attrNameLst>
+                                          <p:attrName>ppt_x</p:attrName>
+                                        </p:attrNameLst>
+                                      </p:cBhvr>
+                                      <p:tavLst>
+                                        <p:tav tm="0">
+                                          <p:val>
+                                            <p:strVal val="#ppt_x"/>
+                                          </p:val>
+                                        </p:tav>
+                                        <p:tav tm="100000">
+                                          <p:val>
+                                            <p:strVal val="#ppt_x"/>
+                                          </p:val>
+                                        </p:tav>
+                                      </p:tavLst>
+                                    </p:anim>
+                                    <p:anim calcmode="lin" valueType="num">
+                                      <p:cBhvr additive="base">
+                                        <p:cTn id="48" dur="500" fill="hold"/>
+                                        <p:tgtEl>
+                                          <p:spTgt spid="11"/>
+                                        </p:tgtEl>
+                                        <p:attrNameLst>
+                                          <p:attrName>ppt_y</p:attrName>
+                                        </p:attrNameLst>
+                                      </p:cBhvr>
+                                      <p:tavLst>
+                                        <p:tav tm="0">
+                                          <p:val>
+                                            <p:strVal val="1+#ppt_h/2"/>
+                                          </p:val>
+                                        </p:tav>
+                                        <p:tav tm="100000">
+                                          <p:val>
+                                            <p:strVal val="#ppt_y"/>
+                                          </p:val>
+                                        </p:tav>
+                                      </p:tavLst>
+                                    </p:anim>
+                                  </p:childTnLst>
+                                </p:cTn>
+                              </p:par>
+                            </p:childTnLst>
+                          </p:cTn>
+                        </p:par>
+                      </p:childTnLst>
+                    </p:cTn>
+                  </p:par>
+                  <p:par>
+                    <p:cTn id="49" fill="hold">
+                      <p:stCondLst>
+                        <p:cond delay="indefinite"/>
+                      </p:stCondLst>
+                      <p:childTnLst>
+                        <p:par>
+                          <p:cTn id="50" fill="hold">
+                            <p:stCondLst>
+                              <p:cond delay="0"/>
+                            </p:stCondLst>
+                            <p:childTnLst>
+                              <p:par>
+                                <p:cTn id="51" presetID="1" presetClass="exit" presetSubtype="0" fill="hold" grpId="1" nodeType="clickEffect">
+                                  <p:stCondLst>
+                                    <p:cond delay="0"/>
+                                  </p:stCondLst>
+                                  <p:childTnLst>
+                                    <p:set>
+                                      <p:cBhvr>
+                                        <p:cTn id="52" dur="1" fill="hold">
+                                          <p:stCondLst>
+                                            <p:cond delay="0"/>
+                                          </p:stCondLst>
+                                        </p:cTn>
+                                        <p:tgtEl>
+                                          <p:spTgt spid="7"/>
+                                        </p:tgtEl>
+                                        <p:attrNameLst>
+                                          <p:attrName>style.visibility</p:attrName>
+                                        </p:attrNameLst>
+                                      </p:cBhvr>
+                                      <p:to>
+                                        <p:strVal val="hidden"/>
+                                      </p:to>
+                                    </p:set>
+                                  </p:childTnLst>
+                                </p:cTn>
+                              </p:par>
+                              <p:par>
+                                <p:cTn id="53" presetID="1" presetClass="exit" presetSubtype="0" fill="hold" grpId="1" nodeType="withEffect">
+                                  <p:stCondLst>
+                                    <p:cond delay="0"/>
+                                  </p:stCondLst>
+                                  <p:childTnLst>
+                                    <p:set>
+                                      <p:cBhvr>
+                                        <p:cTn id="54" dur="1" fill="hold">
+                                          <p:stCondLst>
+                                            <p:cond delay="0"/>
+                                          </p:stCondLst>
+                                        </p:cTn>
+                                        <p:tgtEl>
+                                          <p:spTgt spid="8"/>
+                                        </p:tgtEl>
+                                        <p:attrNameLst>
+                                          <p:attrName>style.visibility</p:attrName>
+                                        </p:attrNameLst>
+                                      </p:cBhvr>
+                                      <p:to>
+                                        <p:strVal val="hidden"/>
+                                      </p:to>
+                                    </p:set>
+                                  </p:childTnLst>
+                                </p:cTn>
+                              </p:par>
+                              <p:par>
+                                <p:cTn id="55" presetID="1" presetClass="exit" presetSubtype="0" fill="hold" grpId="1" nodeType="withEffect">
+                                  <p:stCondLst>
+                                    <p:cond delay="0"/>
+                                  </p:stCondLst>
+                                  <p:childTnLst>
+                                    <p:set>
+                                      <p:cBhvr>
+                                        <p:cTn id="56" dur="1" fill="hold">
+                                          <p:stCondLst>
+                                            <p:cond delay="0"/>
+                                          </p:stCondLst>
+                                        </p:cTn>
+                                        <p:tgtEl>
+                                          <p:spTgt spid="9"/>
+                                        </p:tgtEl>
+                                        <p:attrNameLst>
+                                          <p:attrName>style.visibility</p:attrName>
+                                        </p:attrNameLst>
+                                      </p:cBhvr>
+                                      <p:to>
+                                        <p:strVal val="hidden"/>
+                                      </p:to>
+                                    </p:set>
+                                  </p:childTnLst>
+                                </p:cTn>
+                              </p:par>
+                              <p:par>
+                                <p:cTn id="57" presetID="1" presetClass="exit" presetSubtype="0" fill="hold" grpId="1" nodeType="withEffect">
+                                  <p:stCondLst>
+                                    <p:cond delay="0"/>
+                                  </p:stCondLst>
+                                  <p:childTnLst>
+                                    <p:set>
+                                      <p:cBhvr>
+                                        <p:cTn id="58" dur="1" fill="hold">
+                                          <p:stCondLst>
+                                            <p:cond delay="0"/>
+                                          </p:stCondLst>
+                                        </p:cTn>
+                                        <p:tgtEl>
+                                          <p:spTgt spid="10"/>
+                                        </p:tgtEl>
+                                        <p:attrNameLst>
+                                          <p:attrName>style.visibility</p:attrName>
+                                        </p:attrNameLst>
+                                      </p:cBhvr>
+                                      <p:to>
+                                        <p:strVal val="hidden"/>
+                                      </p:to>
+                                    </p:set>
+                                  </p:childTnLst>
+                                </p:cTn>
+                              </p:par>
+                              <p:par>
+                                <p:cTn id="59" presetID="1" presetClass="exit" presetSubtype="0" fill="hold" grpId="1" nodeType="withEffect">
+                                  <p:stCondLst>
+                                    <p:cond delay="0"/>
+                                  </p:stCondLst>
+                                  <p:childTnLst>
+                                    <p:set>
+                                      <p:cBhvr>
+                                        <p:cTn id="60" dur="1" fill="hold">
+                                          <p:stCondLst>
+                                            <p:cond delay="0"/>
+                                          </p:stCondLst>
+                                        </p:cTn>
+                                        <p:tgtEl>
+                                          <p:spTgt spid="11"/>
+                                        </p:tgtEl>
+                                        <p:attrNameLst>
+                                          <p:attrName>style.visibility</p:attrName>
+                                        </p:attrNameLst>
+                                      </p:cBhvr>
+                                      <p:to>
+                                        <p:strVal val="hidden"/>
+                                      </p:to>
+                                    </p:set>
+                                  </p:childTnLst>
+                                </p:cTn>
+                              </p:par>
+                            </p:childTnLst>
+                          </p:cTn>
+                        </p:par>
+                        <p:par>
+                          <p:cTn id="61" fill="hold">
+                            <p:stCondLst>
+                              <p:cond delay="0"/>
+                            </p:stCondLst>
+                            <p:childTnLst>
+                              <p:par>
+                                <p:cTn id="62" presetID="1" presetClass="exit" presetSubtype="0" fill="hold" grpId="1" nodeType="afterEffect">
+                                  <p:stCondLst>
+                                    <p:cond delay="0"/>
+                                  </p:stCondLst>
+                                  <p:childTnLst>
+                                    <p:set>
+                                      <p:cBhvr>
+                                        <p:cTn id="63" dur="1" fill="hold">
+                                          <p:stCondLst>
+                                            <p:cond delay="0"/>
+                                          </p:stCondLst>
+                                        </p:cTn>
+                                        <p:tgtEl>
+                                          <p:spTgt spid="5"/>
+                                        </p:tgtEl>
+                                        <p:attrNameLst>
+                                          <p:attrName>style.visibility</p:attrName>
+                                        </p:attrNameLst>
+                                      </p:cBhvr>
+                                      <p:to>
+                                        <p:strVal val="hidden"/>
+                                      </p:to>
+                                    </p:set>
+                                  </p:childTnLst>
+                                </p:cTn>
+                              </p:par>
+                              <p:par>
+                                <p:cTn id="64" presetID="1" presetClass="exit" presetSubtype="0" fill="hold" grpId="1" nodeType="withEffect">
+                                  <p:stCondLst>
+                                    <p:cond delay="0"/>
+                                  </p:stCondLst>
+                                  <p:childTnLst>
+                                    <p:set>
+                                      <p:cBhvr>
+                                        <p:cTn id="65" dur="1" fill="hold">
+                                          <p:stCondLst>
+                                            <p:cond delay="0"/>
+                                          </p:stCondLst>
+                                        </p:cTn>
+                                        <p:tgtEl>
+                                          <p:spTgt spid="6"/>
+                                        </p:tgtEl>
+                                        <p:attrNameLst>
+                                          <p:attrName>style.visibility</p:attrName>
+                                        </p:attrNameLst>
+                                      </p:cBhvr>
+                                      <p:to>
+                                        <p:strVal val="hidden"/>
+                                      </p:to>
+                                    </p:set>
+                                  </p:childTnLst>
+                                </p:cTn>
+                              </p:par>
+                              <p:par>
+                                <p:cTn id="66" presetID="1" presetClass="entr" presetSubtype="0" fill="hold" grpId="0" nodeType="withEffect">
+                                  <p:stCondLst>
+                                    <p:cond delay="0"/>
+                                  </p:stCondLst>
+                                  <p:childTnLst>
+                                    <p:set>
+                                      <p:cBhvr>
+                                        <p:cTn id="67" dur="1" fill="hold">
+                                          <p:stCondLst>
+                                            <p:cond delay="0"/>
+                                          </p:stCondLst>
+                                        </p:cTn>
+                                        <p:tgtEl>
+                                          <p:spTgt spid="14"/>
+                                        </p:tgtEl>
+                                        <p:attrNameLst>
+                                          <p:attrName>style.visibility</p:attrName>
+                                        </p:attrNameLst>
+                                      </p:cBhvr>
+                                      <p:to>
+                                        <p:strVal val="visible"/>
+                                      </p:to>
+                                    </p:set>
+                                  </p:childTnLst>
+                                </p:cTn>
+                              </p:par>
+                              <p:par>
+                                <p:cTn id="68" presetID="1" presetClass="entr" presetSubtype="0" fill="hold" grpId="0" nodeType="withEffect">
+                                  <p:stCondLst>
+                                    <p:cond delay="0"/>
+                                  </p:stCondLst>
+                                  <p:childTnLst>
+                                    <p:set>
+                                      <p:cBhvr>
+                                        <p:cTn id="69" dur="1" fill="hold">
+                                          <p:stCondLst>
+                                            <p:cond delay="0"/>
+                                          </p:stCondLst>
+                                        </p:cTn>
+                                        <p:tgtEl>
+                                          <p:spTgt spid="13"/>
+                                        </p:tgtEl>
+                                        <p:attrNameLst>
+                                          <p:attrName>style.visibility</p:attrName>
+                                        </p:attrNameLst>
+                                      </p:cBhvr>
+                                      <p:to>
+                                        <p:strVal val="visible"/>
+                                      </p:to>
+                                    </p:set>
+                                  </p:childTnLst>
+                                </p:cTn>
+                              </p:par>
+                            </p:childTnLst>
+                          </p:cTn>
+                        </p:par>
+                      </p:childTnLst>
+                    </p:cTn>
+                  </p:par>
+                  <p:par>
+                    <p:cTn id="70" fill="hold">
+                      <p:stCondLst>
+                        <p:cond delay="indefinite"/>
+                      </p:stCondLst>
+                      <p:childTnLst>
+                        <p:par>
+                          <p:cTn id="71" fill="hold">
+                            <p:stCondLst>
+                              <p:cond delay="0"/>
+                            </p:stCondLst>
+                            <p:childTnLst>
+                              <p:par>
+                                <p:cTn id="72" presetID="1" presetClass="entr" presetSubtype="0" fill="hold" grpId="0" nodeType="clickEffect">
+                                  <p:stCondLst>
+                                    <p:cond delay="0"/>
+                                  </p:stCondLst>
+                                  <p:childTnLst>
+                                    <p:set>
+                                      <p:cBhvr>
+                                        <p:cTn id="73" dur="1" fill="hold">
+                                          <p:stCondLst>
+                                            <p:cond delay="0"/>
+                                          </p:stCondLst>
+                                        </p:cTn>
+                                        <p:tgtEl>
+                                          <p:spTgt spid="15"/>
+                                        </p:tgtEl>
+                                        <p:attrNameLst>
+                                          <p:attrName>style.visibility</p:attrName>
+                                        </p:attrNameLst>
+                                      </p:cBhvr>
+                                      <p:to>
+                                        <p:strVal val="visible"/>
+                                      </p:to>
+                                    </p:set>
+                                  </p:childTnLst>
+                                </p:cTn>
+                              </p:par>
+                              <p:par>
+                                <p:cTn id="74" presetID="1" presetClass="entr" presetSubtype="0" fill="hold" grpId="0" nodeType="withEffect">
+                                  <p:stCondLst>
+                                    <p:cond delay="0"/>
+                                  </p:stCondLst>
+                                  <p:childTnLst>
+                                    <p:set>
+                                      <p:cBhvr>
+                                        <p:cTn id="75" dur="1" fill="hold">
+                                          <p:stCondLst>
+                                            <p:cond delay="0"/>
+                                          </p:stCondLst>
+                                        </p:cTn>
+                                        <p:tgtEl>
+                                          <p:spTgt spid="16"/>
+                                        </p:tgtEl>
+                                        <p:attrNameLst>
+                                          <p:attrName>style.visibility</p:attrName>
+                                        </p:attrNameLst>
+                                      </p:cBhvr>
+                                      <p:to>
+                                        <p:strVal val="visible"/>
+                                      </p:to>
+                                    </p:set>
+                                  </p:childTnLst>
+                                </p:cTn>
+                              </p:par>
+                            </p:childTnLst>
+                          </p:cTn>
+                        </p:par>
+                      </p:childTnLst>
+                    </p:cTn>
+                  </p:par>
+                  <p:par>
+                    <p:cTn id="76" fill="hold">
+                      <p:stCondLst>
+                        <p:cond delay="indefinite"/>
+                      </p:stCondLst>
+                      <p:childTnLst>
+                        <p:par>
+                          <p:cTn id="77" fill="hold">
+                            <p:stCondLst>
+                              <p:cond delay="0"/>
+                            </p:stCondLst>
+                            <p:childTnLst>
+                              <p:par>
+                                <p:cTn id="78" presetID="1" presetClass="entr" presetSubtype="0" fill="hold" grpId="0" nodeType="clickEffect">
+                                  <p:stCondLst>
+                                    <p:cond delay="0"/>
+                                  </p:stCondLst>
+                                  <p:childTnLst>
+                                    <p:set>
+                                      <p:cBhvr>
+                                        <p:cTn id="79" dur="1" fill="hold">
+                                          <p:stCondLst>
+                                            <p:cond delay="0"/>
+                                          </p:stCondLst>
+                                        </p:cTn>
+                                        <p:tgtEl>
+                                          <p:spTgt spid="17"/>
+                                        </p:tgtEl>
+                                        <p:attrNameLst>
+                                          <p:attrName>style.visibility</p:attrName>
+                                        </p:attrNameLst>
+                                      </p:cBhvr>
+                                      <p:to>
+                                        <p:strVal val="visible"/>
+                                      </p:to>
+                                    </p:set>
+                                  </p:childTnLst>
+                                </p:cTn>
+                              </p:par>
+                              <p:par>
+                                <p:cTn id="80" presetID="1" presetClass="entr" presetSubtype="0" fill="hold" grpId="0" nodeType="withEffect">
+                                  <p:stCondLst>
+                                    <p:cond delay="0"/>
+                                  </p:stCondLst>
+                                  <p:childTnLst>
+                                    <p:set>
+                                      <p:cBhvr>
+                                        <p:cTn id="81" dur="1" fill="hold">
+                                          <p:stCondLst>
+                                            <p:cond delay="0"/>
+                                          </p:stCondLst>
+                                        </p:cTn>
+                                        <p:tgtEl>
+                                          <p:spTgt spid="18"/>
+                                        </p:tgtEl>
+                                        <p:attrNameLst>
+                                          <p:attrName>style.visibility</p:attrName>
+                                        </p:attrNameLst>
+                                      </p:cBhvr>
+                                      <p:to>
+                                        <p:strVal val="visible"/>
+                                      </p:to>
+                                    </p:set>
+                                  </p:childTnLst>
+                                </p:cTn>
+                              </p:par>
+                            </p:childTnLst>
+                          </p:cTn>
+                        </p:par>
+                      </p:childTnLst>
+                    </p:cTn>
+                  </p:par>
+                </p:childTnLst>
+              </p:cTn>
+              <p:prevCondLst>
+                <p:cond evt="onPrev" delay="0">
+                  <p:tgtEl>
+                    <p:sldTgt/>
+                  </p:tgtEl>
+                </p:cond>
+              </p:prevCondLst>
+              <p:nextCondLst>
+                <p:cond evt="onNext" delay="0">
+                  <p:tgtEl>
+                    <p:sldTgt/>
+                  </p:tgtEl>
+                </p:cond>
+              </p:nextCondLst>
+            </p:seq>
+          </p:childTnLst>
+        </p:cTn>
+      </p:par>
+    </p:tnLst>
+    <p:bldLst>
+      <p:bldP spid="4" grpId="0" animBg="1"/>
+      <p:bldP spid="5" grpId="0" animBg="1"/>
+      <p:bldP spid="5" grpId="1" animBg="1"/>
+      <p:bldP spid="6" grpId="0" animBg="1"/>
+      <p:bldP spid="6" grpId="1" animBg="1"/>
+      <p:bldP spid="7" grpId="0" animBg="1"/>
+      <p:bldP spid="7" grpId="1" animBg="1"/>
+      <p:bldP spid="8" grpId="0" animBg="1"/>
+      <p:bldP spid="8" grpId="1" animBg="1"/>
+      <p:bldP spid="9" grpId="0" animBg="1"/>
+      <p:bldP spid="9" grpId="1" animBg="1"/>
+      <p:bldP spid="10" grpId="0" animBg="1"/>
+      <p:bldP spid="10" grpId="1" animBg="1"/>
+      <p:bldP spid="11" grpId="0" animBg="1"/>
+      <p:bldP spid="11" grpId="1" animBg="1"/>
+      <p:bldP spid="13" grpId="0" animBg="1"/>
+      <p:bldP spid="14" grpId="0" animBg="1"/>
+      <p:bldP spid="15" grpId="0" animBg="1"/>
+      <p:bldP spid="16" grpId="0" animBg="1"/>
+      <p:bldP spid="17" grpId="0" animBg="1"/>
+      <p:bldP spid="18" grpId="0" animBg="1"/>
+    </p:bldLst>
+  </p:timing>
+</p:sld>
+</file>
+
+<file path=ppt/slides/slide82.xml><?xml version="1.0" encoding="utf-8"?>
+<p:sld xmlns:a="http://schemas.openxmlformats.org/drawingml/2006/main" xmlns:r="http://schemas.openxmlformats.org/officeDocument/2006/relationships" xmlns:p="http://schemas.openxmlformats.org/presentationml/2006/main" showMasterSp="0">
+  <p:cSld>
+    <p:spTree>
+      <p:nvGrpSpPr>
+        <p:cNvPr id="1" name=""/>
+        <p:cNvGrpSpPr/>
+        <p:nvPr/>
+      </p:nvGrpSpPr>
+      <p:grpSpPr>
+        <a:xfrm>
+          <a:off x="0" y="0"/>
+          <a:ext cx="0" cy="0"/>
+          <a:chOff x="0" y="0"/>
+          <a:chExt cx="0" cy="0"/>
+        </a:xfrm>
+      </p:grpSpPr>
+      <p:sp>
+        <p:nvSpPr>
+          <p:cNvPr id="2" name="Title 1"/>
+          <p:cNvSpPr>
+            <a:spLocks noGrp="1"/>
+          </p:cNvSpPr>
+          <p:nvPr>
+            <p:ph type="title"/>
+          </p:nvPr>
+        </p:nvSpPr>
+        <p:spPr>
+          <a:xfrm>
+            <a:off x="399729" y="115556"/>
+            <a:ext cx="8596668" cy="457200"/>
+          </a:xfrm>
+        </p:spPr>
+        <p:txBody>
+          <a:bodyPr>
+            <a:normAutofit fontScale="90000"/>
+          </a:bodyPr>
+          <a:lstStyle/>
+          <a:p>
+            <a:r>
+              <a:rPr lang="en-IN" dirty="0" smtClean="0"/>
+              <a:t>Blocking Code and Event Loop</a:t>
+            </a:r>
+            <a:endParaRPr lang="en-GB" dirty="0"/>
+          </a:p>
+        </p:txBody>
+      </p:sp>
+      <p:grpSp>
+        <p:nvGrpSpPr>
+          <p:cNvPr id="11" name="Group 10"/>
+          <p:cNvGrpSpPr/>
+          <p:nvPr/>
+        </p:nvGrpSpPr>
+        <p:grpSpPr>
+          <a:xfrm>
+            <a:off x="442127" y="1045029"/>
+            <a:ext cx="2944168" cy="4149969"/>
+            <a:chOff x="442127" y="1045029"/>
+            <a:chExt cx="2944168" cy="4149969"/>
+          </a:xfrm>
+        </p:grpSpPr>
+        <p:sp>
+          <p:nvSpPr>
+            <p:cNvPr id="4" name="Rectangle 3"/>
+            <p:cNvSpPr/>
+            <p:nvPr/>
+          </p:nvSpPr>
+          <p:spPr>
+            <a:xfrm>
+              <a:off x="442127" y="1045029"/>
+              <a:ext cx="2944168" cy="4149969"/>
+            </a:xfrm>
+            <a:prstGeom prst="rect">
+              <a:avLst/>
+            </a:prstGeom>
+            <a:solidFill>
+              <a:srgbClr val="F470EE">
+                <a:alpha val="30000"/>
+              </a:srgbClr>
+            </a:solidFill>
+          </p:spPr>
+          <p:style>
+            <a:lnRef idx="2">
+              <a:schemeClr val="accent1">
+                <a:shade val="50000"/>
+              </a:schemeClr>
+            </a:lnRef>
+            <a:fillRef idx="1">
+              <a:schemeClr val="accent1"/>
+            </a:fillRef>
+            <a:effectRef idx="0">
+              <a:schemeClr val="accent1"/>
+            </a:effectRef>
+            <a:fontRef idx="minor">
+              <a:schemeClr val="lt1"/>
+            </a:fontRef>
+          </p:style>
+          <p:txBody>
+            <a:bodyPr rtlCol="0" anchor="ctr"/>
+            <a:lstStyle/>
+            <a:p>
+              <a:r>
+                <a:rPr lang="en-IN" dirty="0" err="1">
+                  <a:solidFill>
+                    <a:srgbClr val="7131A1"/>
+                  </a:solidFill>
+                </a:rPr>
+                <a:t>c</a:t>
+              </a:r>
+              <a:r>
+                <a:rPr lang="en-IN" dirty="0" err="1" smtClean="0">
+                  <a:solidFill>
+                    <a:srgbClr val="7131A1"/>
+                  </a:solidFill>
+                </a:rPr>
+                <a:t>onst</a:t>
+              </a:r>
+              <a:r>
+                <a:rPr lang="en-IN" dirty="0" smtClean="0">
+                  <a:solidFill>
+                    <a:srgbClr val="7131A1"/>
+                  </a:solidFill>
+                </a:rPr>
+                <a:t> greet = () =&gt;{</a:t>
+              </a:r>
+            </a:p>
+            <a:p>
+              <a:r>
+                <a:rPr lang="en-IN" dirty="0" smtClean="0">
+                  <a:solidFill>
+                    <a:srgbClr val="7131A1"/>
+                  </a:solidFill>
+                </a:rPr>
+                <a:t>console.log(‘HI’);</a:t>
+              </a:r>
+            </a:p>
+            <a:p>
+              <a:r>
+                <a:rPr lang="en-IN" dirty="0" smtClean="0">
+                  <a:solidFill>
+                    <a:srgbClr val="7131A1"/>
+                  </a:solidFill>
+                </a:rPr>
+                <a:t>};</a:t>
+              </a:r>
+            </a:p>
+            <a:p>
+              <a:endParaRPr lang="en-IN" dirty="0">
+                <a:solidFill>
+                  <a:srgbClr val="7131A1"/>
+                </a:solidFill>
+              </a:endParaRPr>
+            </a:p>
+            <a:p>
+              <a:r>
+                <a:rPr lang="en-IN" dirty="0" err="1" smtClean="0">
+                  <a:solidFill>
+                    <a:srgbClr val="7131A1"/>
+                  </a:solidFill>
+                </a:rPr>
+                <a:t>const</a:t>
+              </a:r>
+              <a:r>
+                <a:rPr lang="en-IN" dirty="0" smtClean="0">
+                  <a:solidFill>
+                    <a:srgbClr val="7131A1"/>
+                  </a:solidFill>
+                </a:rPr>
+                <a:t> </a:t>
+              </a:r>
+              <a:r>
+                <a:rPr lang="en-IN" dirty="0" err="1" smtClean="0">
+                  <a:solidFill>
+                    <a:srgbClr val="7131A1"/>
+                  </a:solidFill>
+                </a:rPr>
+                <a:t>showAlert</a:t>
+              </a:r>
+              <a:r>
+                <a:rPr lang="en-IN" dirty="0">
+                  <a:solidFill>
+                    <a:srgbClr val="7131A1"/>
+                  </a:solidFill>
+                </a:rPr>
+                <a:t> </a:t>
+              </a:r>
+              <a:r>
+                <a:rPr lang="en-IN" dirty="0" smtClean="0">
+                  <a:solidFill>
+                    <a:srgbClr val="7131A1"/>
+                  </a:solidFill>
+                </a:rPr>
+                <a:t>=() =&gt;{</a:t>
+              </a:r>
+            </a:p>
+            <a:p>
+              <a:r>
+                <a:rPr lang="en-IN" dirty="0">
+                  <a:solidFill>
+                    <a:srgbClr val="7131A1"/>
+                  </a:solidFill>
+                </a:rPr>
+                <a:t>a</a:t>
+              </a:r>
+              <a:r>
+                <a:rPr lang="en-IN" dirty="0" smtClean="0">
+                  <a:solidFill>
+                    <a:srgbClr val="7131A1"/>
+                  </a:solidFill>
+                </a:rPr>
+                <a:t>lert(‘Danger!’);</a:t>
+              </a:r>
+            </a:p>
+            <a:p>
+              <a:r>
+                <a:rPr lang="en-IN" dirty="0" smtClean="0">
+                  <a:solidFill>
+                    <a:srgbClr val="7131A1"/>
+                  </a:solidFill>
+                </a:rPr>
+                <a:t>};</a:t>
+              </a:r>
+            </a:p>
+            <a:p>
+              <a:endParaRPr lang="en-IN" dirty="0">
+                <a:solidFill>
+                  <a:srgbClr val="7131A1"/>
+                </a:solidFill>
+              </a:endParaRPr>
+            </a:p>
+            <a:p>
+              <a:r>
+                <a:rPr lang="en-IN" dirty="0" err="1" smtClean="0">
+                  <a:solidFill>
+                    <a:srgbClr val="7131A1"/>
+                  </a:solidFill>
+                </a:rPr>
+                <a:t>setTimeout</a:t>
+              </a:r>
+              <a:r>
+                <a:rPr lang="en-IN" dirty="0" smtClean="0">
+                  <a:solidFill>
+                    <a:srgbClr val="7131A1"/>
+                  </a:solidFill>
+                </a:rPr>
+                <a:t>(</a:t>
+              </a:r>
+              <a:r>
+                <a:rPr lang="en-IN" dirty="0" err="1" smtClean="0">
+                  <a:solidFill>
+                    <a:srgbClr val="7131A1"/>
+                  </a:solidFill>
+                </a:rPr>
+                <a:t>showAlert</a:t>
+              </a:r>
+              <a:r>
+                <a:rPr lang="en-IN" dirty="0" smtClean="0">
+                  <a:solidFill>
+                    <a:srgbClr val="7131A1"/>
+                  </a:solidFill>
+                </a:rPr>
+                <a:t>, 2000);</a:t>
+              </a:r>
+            </a:p>
+            <a:p>
+              <a:endParaRPr lang="en-IN" dirty="0">
+                <a:solidFill>
+                  <a:srgbClr val="7131A1"/>
+                </a:solidFill>
+              </a:endParaRPr>
+            </a:p>
+            <a:p>
+              <a:r>
+                <a:rPr lang="en-IN" dirty="0" smtClean="0">
+                  <a:solidFill>
+                    <a:srgbClr val="7131A1"/>
+                  </a:solidFill>
+                </a:rPr>
+                <a:t>Greet();</a:t>
+              </a:r>
+            </a:p>
+            <a:p>
+              <a:endParaRPr lang="en-IN" dirty="0">
+                <a:solidFill>
+                  <a:srgbClr val="7131A1"/>
+                </a:solidFill>
+              </a:endParaRPr>
+            </a:p>
+            <a:p>
+              <a:endParaRPr lang="en-IN" dirty="0" smtClean="0">
+                <a:solidFill>
+                  <a:srgbClr val="7131A1"/>
+                </a:solidFill>
+              </a:endParaRPr>
+            </a:p>
+            <a:p>
+              <a:endParaRPr lang="en-GB" dirty="0">
+                <a:solidFill>
+                  <a:srgbClr val="7131A1"/>
+                </a:solidFill>
+              </a:endParaRPr>
+            </a:p>
+          </p:txBody>
+        </p:sp>
+        <p:sp>
+          <p:nvSpPr>
+            <p:cNvPr id="7" name="Rectangle 6"/>
+            <p:cNvSpPr/>
+            <p:nvPr/>
+          </p:nvSpPr>
+          <p:spPr>
+            <a:xfrm>
+              <a:off x="442127" y="4531807"/>
+              <a:ext cx="2944168" cy="663191"/>
+            </a:xfrm>
+            <a:prstGeom prst="rect">
+              <a:avLst/>
+            </a:prstGeom>
+            <a:solidFill>
+              <a:srgbClr val="7131A1"/>
+            </a:solidFill>
+          </p:spPr>
+          <p:style>
+            <a:lnRef idx="2">
+              <a:schemeClr val="accent1">
+                <a:shade val="50000"/>
+              </a:schemeClr>
+            </a:lnRef>
+            <a:fillRef idx="1">
+              <a:schemeClr val="accent1"/>
+            </a:fillRef>
+            <a:effectRef idx="0">
+              <a:schemeClr val="accent1"/>
+            </a:effectRef>
+            <a:fontRef idx="minor">
+              <a:schemeClr val="lt1"/>
+            </a:fontRef>
+          </p:style>
+          <p:txBody>
+            <a:bodyPr rtlCol="0" anchor="ctr"/>
+            <a:lstStyle/>
+            <a:p>
+              <a:pPr algn="ctr"/>
+              <a:r>
+                <a:rPr lang="en-IN" dirty="0" smtClean="0"/>
+                <a:t>Code</a:t>
+              </a:r>
+              <a:endParaRPr lang="en-GB" dirty="0"/>
+            </a:p>
+          </p:txBody>
+        </p:sp>
+      </p:grpSp>
+      <p:grpSp>
+        <p:nvGrpSpPr>
+          <p:cNvPr id="10" name="Group 9"/>
+          <p:cNvGrpSpPr/>
+          <p:nvPr/>
+        </p:nvGrpSpPr>
+        <p:grpSpPr>
+          <a:xfrm>
+            <a:off x="3587262" y="713432"/>
+            <a:ext cx="3768131" cy="4602146"/>
+            <a:chOff x="3587262" y="713432"/>
+            <a:chExt cx="3768131" cy="4602146"/>
+          </a:xfrm>
+        </p:grpSpPr>
+        <p:sp>
+          <p:nvSpPr>
+            <p:cNvPr id="9" name="Rectangle 8"/>
+            <p:cNvSpPr/>
+            <p:nvPr/>
+          </p:nvSpPr>
+          <p:spPr>
+            <a:xfrm>
+              <a:off x="3587262" y="713432"/>
+              <a:ext cx="3768131" cy="4602146"/>
+            </a:xfrm>
+            <a:prstGeom prst="rect">
+              <a:avLst/>
+            </a:prstGeom>
+            <a:solidFill>
+              <a:schemeClr val="accent3">
+                <a:lumMod val="20000"/>
+                <a:lumOff val="80000"/>
+              </a:schemeClr>
+            </a:solidFill>
+          </p:spPr>
+          <p:style>
+            <a:lnRef idx="2">
+              <a:schemeClr val="accent1">
+                <a:shade val="50000"/>
+              </a:schemeClr>
+            </a:lnRef>
+            <a:fillRef idx="1">
+              <a:schemeClr val="accent1"/>
+            </a:fillRef>
+            <a:effectRef idx="0">
+              <a:schemeClr val="accent1"/>
+            </a:effectRef>
+            <a:fontRef idx="minor">
+              <a:schemeClr val="lt1"/>
+            </a:fontRef>
+          </p:style>
+          <p:txBody>
+            <a:bodyPr rtlCol="0" anchor="ctr"/>
+            <a:lstStyle/>
+            <a:p>
+              <a:pPr algn="ctr"/>
+              <a:r>
+                <a:rPr lang="en-IN" dirty="0" smtClean="0">
+                  <a:solidFill>
+                    <a:srgbClr val="7131A1"/>
+                  </a:solidFill>
+                </a:rPr>
+                <a:t>JavaScript Engine</a:t>
+              </a:r>
+            </a:p>
+            <a:p>
+              <a:pPr algn="ctr"/>
+              <a:endParaRPr lang="en-IN" dirty="0" smtClean="0">
+                <a:solidFill>
+                  <a:srgbClr val="7131A1"/>
+                </a:solidFill>
+              </a:endParaRPr>
+            </a:p>
+            <a:p>
+              <a:pPr algn="ctr"/>
+              <a:endParaRPr lang="en-IN" dirty="0">
+                <a:solidFill>
+                  <a:srgbClr val="7131A1"/>
+                </a:solidFill>
+              </a:endParaRPr>
+            </a:p>
+            <a:p>
+              <a:pPr algn="ctr"/>
+              <a:endParaRPr lang="en-IN" dirty="0" smtClean="0">
+                <a:solidFill>
+                  <a:srgbClr val="7131A1"/>
+                </a:solidFill>
+              </a:endParaRPr>
+            </a:p>
+            <a:p>
+              <a:pPr algn="ctr"/>
+              <a:endParaRPr lang="en-IN" dirty="0">
+                <a:solidFill>
+                  <a:srgbClr val="7131A1"/>
+                </a:solidFill>
+              </a:endParaRPr>
+            </a:p>
+            <a:p>
+              <a:pPr algn="ctr"/>
+              <a:endParaRPr lang="en-IN" dirty="0" smtClean="0">
+                <a:solidFill>
+                  <a:srgbClr val="7131A1"/>
+                </a:solidFill>
+              </a:endParaRPr>
+            </a:p>
+            <a:p>
+              <a:pPr algn="ctr"/>
+              <a:endParaRPr lang="en-IN" dirty="0">
+                <a:solidFill>
+                  <a:srgbClr val="7131A1"/>
+                </a:solidFill>
+              </a:endParaRPr>
+            </a:p>
+            <a:p>
+              <a:pPr algn="ctr"/>
+              <a:endParaRPr lang="en-IN" dirty="0" smtClean="0">
+                <a:solidFill>
+                  <a:srgbClr val="7131A1"/>
+                </a:solidFill>
+              </a:endParaRPr>
+            </a:p>
+            <a:p>
+              <a:pPr algn="ctr"/>
+              <a:endParaRPr lang="en-IN" dirty="0">
+                <a:solidFill>
+                  <a:srgbClr val="7131A1"/>
+                </a:solidFill>
+              </a:endParaRPr>
+            </a:p>
+            <a:p>
+              <a:pPr algn="ctr"/>
+              <a:endParaRPr lang="en-IN" dirty="0" smtClean="0">
+                <a:solidFill>
+                  <a:srgbClr val="7131A1"/>
+                </a:solidFill>
+              </a:endParaRPr>
+            </a:p>
+            <a:p>
+              <a:pPr algn="ctr"/>
+              <a:endParaRPr lang="en-IN" dirty="0">
+                <a:solidFill>
+                  <a:srgbClr val="7131A1"/>
+                </a:solidFill>
+              </a:endParaRPr>
+            </a:p>
+            <a:p>
+              <a:pPr algn="ctr"/>
+              <a:endParaRPr lang="en-IN" dirty="0" smtClean="0">
+                <a:solidFill>
+                  <a:srgbClr val="7131A1"/>
+                </a:solidFill>
+              </a:endParaRPr>
+            </a:p>
+            <a:p>
+              <a:pPr algn="ctr"/>
+              <a:endParaRPr lang="en-IN" dirty="0">
+                <a:solidFill>
+                  <a:srgbClr val="7131A1"/>
+                </a:solidFill>
+              </a:endParaRPr>
+            </a:p>
+            <a:p>
+              <a:pPr algn="ctr"/>
+              <a:endParaRPr lang="en-IN" dirty="0" smtClean="0">
+                <a:solidFill>
+                  <a:srgbClr val="7131A1"/>
+                </a:solidFill>
+              </a:endParaRPr>
+            </a:p>
+            <a:p>
+              <a:pPr algn="ctr"/>
+              <a:endParaRPr lang="en-IN" dirty="0">
+                <a:solidFill>
+                  <a:srgbClr val="7131A1"/>
+                </a:solidFill>
+              </a:endParaRPr>
+            </a:p>
+            <a:p>
+              <a:pPr algn="ctr"/>
+              <a:endParaRPr lang="en-GB" dirty="0">
+                <a:solidFill>
+                  <a:srgbClr val="7131A1"/>
+                </a:solidFill>
+              </a:endParaRPr>
+            </a:p>
+          </p:txBody>
+        </p:sp>
+        <p:sp>
+          <p:nvSpPr>
+            <p:cNvPr id="5" name="Rectangle 4"/>
+            <p:cNvSpPr/>
+            <p:nvPr/>
+          </p:nvSpPr>
+          <p:spPr>
+            <a:xfrm>
+              <a:off x="3729612" y="1185704"/>
+              <a:ext cx="3424813" cy="4009293"/>
+            </a:xfrm>
+            <a:prstGeom prst="rect">
+              <a:avLst/>
+            </a:prstGeom>
+            <a:solidFill>
+              <a:schemeClr val="accent3">
+                <a:lumMod val="40000"/>
+                <a:lumOff val="60000"/>
+              </a:schemeClr>
+            </a:solidFill>
+          </p:spPr>
+          <p:style>
+            <a:lnRef idx="2">
+              <a:schemeClr val="accent1">
+                <a:shade val="50000"/>
+              </a:schemeClr>
+            </a:lnRef>
+            <a:fillRef idx="1">
+              <a:schemeClr val="accent1"/>
+            </a:fillRef>
+            <a:effectRef idx="0">
+              <a:schemeClr val="accent1"/>
+            </a:effectRef>
+            <a:fontRef idx="minor">
+              <a:schemeClr val="lt1"/>
+            </a:fontRef>
+          </p:style>
+          <p:txBody>
+            <a:bodyPr rtlCol="0" anchor="ctr"/>
+            <a:lstStyle/>
+            <a:p>
+              <a:pPr algn="ctr"/>
+              <a:endParaRPr lang="en-GB" dirty="0"/>
+            </a:p>
+          </p:txBody>
+        </p:sp>
+        <p:sp>
+          <p:nvSpPr>
+            <p:cNvPr id="8" name="Rectangle 7"/>
+            <p:cNvSpPr/>
+            <p:nvPr/>
+          </p:nvSpPr>
+          <p:spPr>
+            <a:xfrm>
+              <a:off x="3729611" y="4531807"/>
+              <a:ext cx="3424813" cy="663191"/>
+            </a:xfrm>
+            <a:prstGeom prst="rect">
+              <a:avLst/>
+            </a:prstGeom>
+            <a:solidFill>
+              <a:schemeClr val="accent3"/>
+            </a:solidFill>
+          </p:spPr>
+          <p:style>
+            <a:lnRef idx="2">
+              <a:schemeClr val="accent1">
+                <a:shade val="50000"/>
+              </a:schemeClr>
+            </a:lnRef>
+            <a:fillRef idx="1">
+              <a:schemeClr val="accent1"/>
+            </a:fillRef>
+            <a:effectRef idx="0">
+              <a:schemeClr val="accent1"/>
+            </a:effectRef>
+            <a:fontRef idx="minor">
+              <a:schemeClr val="lt1"/>
+            </a:fontRef>
+          </p:style>
+          <p:txBody>
+            <a:bodyPr rtlCol="0" anchor="ctr"/>
+            <a:lstStyle/>
+            <a:p>
+              <a:pPr algn="ctr"/>
+              <a:r>
+                <a:rPr lang="en-IN" dirty="0" smtClean="0"/>
+                <a:t>Stack</a:t>
+              </a:r>
+              <a:endParaRPr lang="en-GB" dirty="0"/>
+            </a:p>
+          </p:txBody>
+        </p:sp>
+      </p:grpSp>
+      <p:grpSp>
+        <p:nvGrpSpPr>
+          <p:cNvPr id="13" name="Group 12"/>
+          <p:cNvGrpSpPr/>
+          <p:nvPr/>
+        </p:nvGrpSpPr>
+        <p:grpSpPr>
+          <a:xfrm>
+            <a:off x="7710434" y="1045028"/>
+            <a:ext cx="4196863" cy="4149970"/>
+            <a:chOff x="7710434" y="1045028"/>
+            <a:chExt cx="4196863" cy="4149970"/>
+          </a:xfrm>
+        </p:grpSpPr>
+        <p:sp>
+          <p:nvSpPr>
+            <p:cNvPr id="6" name="Rectangle 5"/>
+            <p:cNvSpPr/>
+            <p:nvPr/>
+          </p:nvSpPr>
+          <p:spPr>
+            <a:xfrm>
+              <a:off x="7710434" y="1045028"/>
+              <a:ext cx="4196863" cy="4149970"/>
+            </a:xfrm>
+            <a:prstGeom prst="rect">
+              <a:avLst/>
+            </a:prstGeom>
+            <a:solidFill>
+              <a:schemeClr val="bg2">
+                <a:lumMod val="90000"/>
+              </a:schemeClr>
+            </a:solidFill>
+          </p:spPr>
+          <p:style>
+            <a:lnRef idx="2">
+              <a:schemeClr val="accent1">
+                <a:shade val="50000"/>
+              </a:schemeClr>
+            </a:lnRef>
+            <a:fillRef idx="1">
+              <a:schemeClr val="accent1"/>
+            </a:fillRef>
+            <a:effectRef idx="0">
+              <a:schemeClr val="accent1"/>
+            </a:effectRef>
+            <a:fontRef idx="minor">
+              <a:schemeClr val="lt1"/>
+            </a:fontRef>
+          </p:style>
+          <p:txBody>
+            <a:bodyPr rtlCol="0" anchor="ctr"/>
+            <a:lstStyle/>
+            <a:p>
+              <a:pPr algn="ctr"/>
+              <a:r>
+                <a:rPr lang="en-IN" dirty="0" smtClean="0">
+                  <a:solidFill>
+                    <a:schemeClr val="tx1"/>
+                  </a:solidFill>
+                </a:rPr>
+                <a:t>Dom API</a:t>
+              </a:r>
+            </a:p>
+            <a:p>
+              <a:pPr algn="ctr"/>
+              <a:r>
+                <a:rPr lang="en-IN" dirty="0" smtClean="0">
+                  <a:solidFill>
+                    <a:schemeClr val="tx1"/>
+                  </a:solidFill>
+                </a:rPr>
+                <a:t>…</a:t>
+              </a:r>
+            </a:p>
+            <a:p>
+              <a:pPr algn="ctr"/>
+              <a:r>
+                <a:rPr lang="en-IN" dirty="0" err="1" smtClean="0">
+                  <a:solidFill>
+                    <a:schemeClr val="tx1"/>
+                  </a:solidFill>
+                </a:rPr>
+                <a:t>Navigator.geolocation</a:t>
+              </a:r>
+              <a:endParaRPr lang="en-IN" dirty="0" smtClean="0">
+                <a:solidFill>
+                  <a:schemeClr val="tx1"/>
+                </a:solidFill>
+              </a:endParaRPr>
+            </a:p>
+            <a:p>
+              <a:pPr algn="ctr"/>
+              <a:endParaRPr lang="en-IN" dirty="0">
+                <a:solidFill>
+                  <a:schemeClr val="tx1"/>
+                </a:solidFill>
+              </a:endParaRPr>
+            </a:p>
+            <a:p>
+              <a:pPr algn="ctr"/>
+              <a:r>
+                <a:rPr lang="en-IN" dirty="0" smtClean="0">
+                  <a:solidFill>
+                    <a:schemeClr val="tx1"/>
+                  </a:solidFill>
+                </a:rPr>
+                <a:t>…</a:t>
+              </a:r>
+            </a:p>
+            <a:p>
+              <a:pPr algn="ctr"/>
+              <a:endParaRPr lang="en-IN" dirty="0">
+                <a:solidFill>
+                  <a:schemeClr val="tx1"/>
+                </a:solidFill>
+              </a:endParaRPr>
+            </a:p>
+            <a:p>
+              <a:pPr algn="ctr"/>
+              <a:r>
+                <a:rPr lang="en-IN" dirty="0" err="1" smtClean="0">
+                  <a:solidFill>
+                    <a:schemeClr val="tx1"/>
+                  </a:solidFill>
+                </a:rPr>
+                <a:t>setTimeout</a:t>
+              </a:r>
+              <a:endParaRPr lang="en-IN" dirty="0" smtClean="0">
+                <a:solidFill>
+                  <a:schemeClr val="tx1"/>
+                </a:solidFill>
+              </a:endParaRPr>
+            </a:p>
+            <a:p>
+              <a:pPr algn="ctr"/>
+              <a:r>
+                <a:rPr lang="en-IN" dirty="0" smtClean="0">
+                  <a:solidFill>
+                    <a:schemeClr val="tx1"/>
+                  </a:solidFill>
+                </a:rPr>
+                <a:t>…</a:t>
+              </a:r>
+            </a:p>
+            <a:p>
+              <a:pPr algn="ctr"/>
+              <a:r>
+                <a:rPr lang="en-IN" dirty="0" smtClean="0">
+                  <a:solidFill>
+                    <a:schemeClr val="tx1"/>
+                  </a:solidFill>
+                </a:rPr>
+                <a:t>alert</a:t>
+              </a:r>
+              <a:endParaRPr lang="en-IN" dirty="0">
+                <a:solidFill>
+                  <a:schemeClr val="tx1"/>
+                </a:solidFill>
+              </a:endParaRPr>
+            </a:p>
+            <a:p>
+              <a:pPr algn="ctr"/>
+              <a:endParaRPr lang="en-IN" dirty="0" smtClean="0">
+                <a:solidFill>
+                  <a:schemeClr val="tx1"/>
+                </a:solidFill>
+              </a:endParaRPr>
+            </a:p>
+            <a:p>
+              <a:pPr algn="ctr"/>
+              <a:endParaRPr lang="en-IN" dirty="0">
+                <a:solidFill>
+                  <a:schemeClr val="tx1"/>
+                </a:solidFill>
+              </a:endParaRPr>
+            </a:p>
+            <a:p>
+              <a:pPr algn="ctr"/>
+              <a:endParaRPr lang="en-GB" dirty="0">
+                <a:solidFill>
+                  <a:schemeClr val="tx1"/>
+                </a:solidFill>
+              </a:endParaRPr>
+            </a:p>
+          </p:txBody>
+        </p:sp>
+        <p:sp>
+          <p:nvSpPr>
+            <p:cNvPr id="12" name="Rectangle 11"/>
+            <p:cNvSpPr/>
+            <p:nvPr/>
+          </p:nvSpPr>
+          <p:spPr>
+            <a:xfrm>
+              <a:off x="7710434" y="4531807"/>
+              <a:ext cx="4196863" cy="663190"/>
+            </a:xfrm>
+            <a:prstGeom prst="rect">
+              <a:avLst/>
+            </a:prstGeom>
+            <a:solidFill>
+              <a:schemeClr val="tx1"/>
+            </a:solidFill>
+          </p:spPr>
+          <p:style>
+            <a:lnRef idx="2">
+              <a:schemeClr val="accent1">
+                <a:shade val="50000"/>
+              </a:schemeClr>
+            </a:lnRef>
+            <a:fillRef idx="1">
+              <a:schemeClr val="accent1"/>
+            </a:fillRef>
+            <a:effectRef idx="0">
+              <a:schemeClr val="accent1"/>
+            </a:effectRef>
+            <a:fontRef idx="minor">
+              <a:schemeClr val="lt1"/>
+            </a:fontRef>
+          </p:style>
+          <p:txBody>
+            <a:bodyPr rtlCol="0" anchor="ctr"/>
+            <a:lstStyle/>
+            <a:p>
+              <a:pPr algn="ctr"/>
+              <a:r>
+                <a:rPr lang="en-IN" dirty="0" smtClean="0"/>
+                <a:t>(Browser) API’s</a:t>
+              </a:r>
+              <a:endParaRPr lang="en-GB" dirty="0"/>
+            </a:p>
+          </p:txBody>
+        </p:sp>
+      </p:grpSp>
+      <p:sp>
+        <p:nvSpPr>
+          <p:cNvPr id="14" name="Rectangle 13"/>
+          <p:cNvSpPr/>
+          <p:nvPr/>
+        </p:nvSpPr>
+        <p:spPr>
+          <a:xfrm>
+            <a:off x="3979147" y="3848519"/>
+            <a:ext cx="2803490" cy="542611"/>
+          </a:xfrm>
+          <a:prstGeom prst="rect">
+            <a:avLst/>
+          </a:prstGeom>
+          <a:solidFill>
+            <a:schemeClr val="accent3"/>
+          </a:solidFill>
+        </p:spPr>
+        <p:style>
+          <a:lnRef idx="2">
+            <a:schemeClr val="accent1">
+              <a:shade val="50000"/>
+            </a:schemeClr>
+          </a:lnRef>
+          <a:fillRef idx="1">
+            <a:schemeClr val="accent1"/>
+          </a:fillRef>
+          <a:effectRef idx="0">
+            <a:schemeClr val="accent1"/>
+          </a:effectRef>
+          <a:fontRef idx="minor">
+            <a:schemeClr val="lt1"/>
+          </a:fontRef>
+        </p:style>
+        <p:txBody>
+          <a:bodyPr rtlCol="0" anchor="ctr"/>
+          <a:lstStyle/>
+          <a:p>
+            <a:pPr algn="ctr"/>
+            <a:r>
+              <a:rPr lang="en-IN" dirty="0" err="1" smtClean="0"/>
+              <a:t>setTimeout</a:t>
+            </a:r>
+            <a:r>
+              <a:rPr lang="en-IN" dirty="0" smtClean="0"/>
+              <a:t>()</a:t>
+            </a:r>
+            <a:endParaRPr lang="en-GB" dirty="0"/>
+          </a:p>
+        </p:txBody>
+      </p:sp>
+      <p:sp>
+        <p:nvSpPr>
+          <p:cNvPr id="15" name="Rectangle 14"/>
+          <p:cNvSpPr/>
+          <p:nvPr/>
+        </p:nvSpPr>
+        <p:spPr>
+          <a:xfrm>
+            <a:off x="7899678" y="3656205"/>
+            <a:ext cx="3818374" cy="683288"/>
+          </a:xfrm>
+          <a:prstGeom prst="rect">
+            <a:avLst/>
+          </a:prstGeom>
+          <a:solidFill>
+            <a:schemeClr val="tx1"/>
+          </a:solidFill>
+        </p:spPr>
+        <p:style>
+          <a:lnRef idx="2">
+            <a:schemeClr val="accent1">
+              <a:shade val="50000"/>
+            </a:schemeClr>
+          </a:lnRef>
+          <a:fillRef idx="1">
+            <a:schemeClr val="accent1"/>
+          </a:fillRef>
+          <a:effectRef idx="0">
+            <a:schemeClr val="accent1"/>
+          </a:effectRef>
+          <a:fontRef idx="minor">
+            <a:schemeClr val="lt1"/>
+          </a:fontRef>
+        </p:style>
+        <p:txBody>
+          <a:bodyPr rtlCol="0" anchor="ctr"/>
+          <a:lstStyle/>
+          <a:p>
+            <a:pPr algn="ctr"/>
+            <a:r>
+              <a:rPr lang="en-IN" dirty="0" smtClean="0"/>
+              <a:t>Ongoing Timer …</a:t>
+            </a:r>
+            <a:endParaRPr lang="en-GB" dirty="0"/>
+          </a:p>
+        </p:txBody>
+      </p:sp>
+      <p:sp>
+        <p:nvSpPr>
+          <p:cNvPr id="16" name="Right Arrow 15"/>
+          <p:cNvSpPr/>
+          <p:nvPr/>
+        </p:nvSpPr>
+        <p:spPr>
+          <a:xfrm>
+            <a:off x="6719415" y="3873640"/>
+            <a:ext cx="1241808" cy="391886"/>
+          </a:xfrm>
+          <a:prstGeom prst="rightArrow">
+            <a:avLst>
+              <a:gd name="adj1" fmla="val 44872"/>
+              <a:gd name="adj2" fmla="val 50000"/>
+            </a:avLst>
+          </a:prstGeom>
+          <a:solidFill>
+            <a:srgbClr val="FFFF00"/>
+          </a:solidFill>
+        </p:spPr>
+        <p:style>
+          <a:lnRef idx="2">
+            <a:schemeClr val="accent1">
+              <a:shade val="50000"/>
+            </a:schemeClr>
+          </a:lnRef>
+          <a:fillRef idx="1">
+            <a:schemeClr val="accent1"/>
+          </a:fillRef>
+          <a:effectRef idx="0">
+            <a:schemeClr val="accent1"/>
+          </a:effectRef>
+          <a:fontRef idx="minor">
+            <a:schemeClr val="lt1"/>
+          </a:fontRef>
+        </p:style>
+        <p:txBody>
+          <a:bodyPr rtlCol="0" anchor="ctr"/>
+          <a:lstStyle/>
+          <a:p>
+            <a:pPr algn="ctr"/>
+            <a:endParaRPr lang="en-GB"/>
+          </a:p>
+        </p:txBody>
+      </p:sp>
+      <p:sp>
+        <p:nvSpPr>
+          <p:cNvPr id="17" name="Rectangle 16"/>
+          <p:cNvSpPr/>
+          <p:nvPr/>
+        </p:nvSpPr>
+        <p:spPr>
+          <a:xfrm>
+            <a:off x="3888712" y="3848518"/>
+            <a:ext cx="2893925" cy="542611"/>
+          </a:xfrm>
+          <a:prstGeom prst="rect">
+            <a:avLst/>
+          </a:prstGeom>
+          <a:solidFill>
+            <a:schemeClr val="accent3"/>
+          </a:solidFill>
+        </p:spPr>
+        <p:style>
+          <a:lnRef idx="2">
+            <a:schemeClr val="accent1">
+              <a:shade val="50000"/>
+            </a:schemeClr>
+          </a:lnRef>
+          <a:fillRef idx="1">
+            <a:schemeClr val="accent1"/>
+          </a:fillRef>
+          <a:effectRef idx="0">
+            <a:schemeClr val="accent1"/>
+          </a:effectRef>
+          <a:fontRef idx="minor">
+            <a:schemeClr val="lt1"/>
+          </a:fontRef>
+        </p:style>
+        <p:txBody>
+          <a:bodyPr rtlCol="0" anchor="ctr"/>
+          <a:lstStyle/>
+          <a:p>
+            <a:pPr algn="ctr"/>
+            <a:r>
+              <a:rPr lang="en-IN" dirty="0" smtClean="0"/>
+              <a:t>Greet()</a:t>
+            </a:r>
+            <a:endParaRPr lang="en-GB" dirty="0"/>
+          </a:p>
+        </p:txBody>
+      </p:sp>
+      <p:sp>
+        <p:nvSpPr>
+          <p:cNvPr id="18" name="Rectangle 17"/>
+          <p:cNvSpPr/>
+          <p:nvPr/>
+        </p:nvSpPr>
+        <p:spPr>
+          <a:xfrm>
+            <a:off x="4190163" y="3084844"/>
+            <a:ext cx="2090057" cy="571361"/>
+          </a:xfrm>
+          <a:prstGeom prst="rect">
+            <a:avLst/>
+          </a:prstGeom>
+          <a:solidFill>
+            <a:schemeClr val="accent3"/>
+          </a:solidFill>
+        </p:spPr>
+        <p:style>
+          <a:lnRef idx="2">
+            <a:schemeClr val="accent1">
+              <a:shade val="50000"/>
+            </a:schemeClr>
+          </a:lnRef>
+          <a:fillRef idx="1">
+            <a:schemeClr val="accent1"/>
+          </a:fillRef>
+          <a:effectRef idx="0">
+            <a:schemeClr val="accent1"/>
+          </a:effectRef>
+          <a:fontRef idx="minor">
+            <a:schemeClr val="lt1"/>
+          </a:fontRef>
+        </p:style>
+        <p:txBody>
+          <a:bodyPr rtlCol="0" anchor="ctr"/>
+          <a:lstStyle/>
+          <a:p>
+            <a:pPr algn="ctr"/>
+            <a:r>
+              <a:rPr lang="en-IN" dirty="0" smtClean="0"/>
+              <a:t>Console.log()</a:t>
+            </a:r>
+            <a:endParaRPr lang="en-GB" dirty="0"/>
+          </a:p>
+        </p:txBody>
+      </p:sp>
+      <p:grpSp>
+        <p:nvGrpSpPr>
+          <p:cNvPr id="21" name="Group 20"/>
+          <p:cNvGrpSpPr/>
+          <p:nvPr/>
+        </p:nvGrpSpPr>
+        <p:grpSpPr>
+          <a:xfrm>
+            <a:off x="442127" y="5787851"/>
+            <a:ext cx="5838093" cy="864158"/>
+            <a:chOff x="442127" y="5787851"/>
+            <a:chExt cx="5838093" cy="864158"/>
+          </a:xfrm>
+        </p:grpSpPr>
+        <p:sp>
+          <p:nvSpPr>
+            <p:cNvPr id="19" name="Rectangle 18"/>
+            <p:cNvSpPr/>
+            <p:nvPr/>
+          </p:nvSpPr>
+          <p:spPr>
+            <a:xfrm>
+              <a:off x="442127" y="5807947"/>
+              <a:ext cx="5838093" cy="844062"/>
+            </a:xfrm>
+            <a:prstGeom prst="rect">
+              <a:avLst/>
+            </a:prstGeom>
+            <a:solidFill>
+              <a:schemeClr val="accent3">
+                <a:lumMod val="40000"/>
+                <a:lumOff val="60000"/>
+              </a:schemeClr>
+            </a:solidFill>
+          </p:spPr>
+          <p:style>
+            <a:lnRef idx="2">
+              <a:schemeClr val="accent1">
+                <a:shade val="50000"/>
+              </a:schemeClr>
+            </a:lnRef>
+            <a:fillRef idx="1">
+              <a:schemeClr val="accent1"/>
+            </a:fillRef>
+            <a:effectRef idx="0">
+              <a:schemeClr val="accent1"/>
+            </a:effectRef>
+            <a:fontRef idx="minor">
+              <a:schemeClr val="lt1"/>
+            </a:fontRef>
+          </p:style>
+          <p:txBody>
+            <a:bodyPr rtlCol="0" anchor="ctr"/>
+            <a:lstStyle/>
+            <a:p>
+              <a:pPr algn="ctr"/>
+              <a:endParaRPr lang="en-GB"/>
+            </a:p>
+          </p:txBody>
+        </p:sp>
+        <p:sp>
+          <p:nvSpPr>
+            <p:cNvPr id="20" name="Rectangle 19"/>
+            <p:cNvSpPr/>
+            <p:nvPr/>
+          </p:nvSpPr>
+          <p:spPr>
+            <a:xfrm>
+              <a:off x="442127" y="5787851"/>
+              <a:ext cx="1647930" cy="844061"/>
+            </a:xfrm>
+            <a:prstGeom prst="rect">
+              <a:avLst/>
+            </a:prstGeom>
+            <a:solidFill>
+              <a:srgbClr val="B89514"/>
+            </a:solidFill>
+          </p:spPr>
+          <p:style>
+            <a:lnRef idx="2">
+              <a:schemeClr val="accent1">
+                <a:shade val="50000"/>
+              </a:schemeClr>
+            </a:lnRef>
+            <a:fillRef idx="1">
+              <a:schemeClr val="accent1"/>
+            </a:fillRef>
+            <a:effectRef idx="0">
+              <a:schemeClr val="accent1"/>
+            </a:effectRef>
+            <a:fontRef idx="minor">
+              <a:schemeClr val="lt1"/>
+            </a:fontRef>
+          </p:style>
+          <p:txBody>
+            <a:bodyPr rtlCol="0" anchor="ctr"/>
+            <a:lstStyle/>
+            <a:p>
+              <a:pPr algn="ctr"/>
+              <a:r>
+                <a:rPr lang="en-IN" dirty="0" smtClean="0"/>
+                <a:t>Message</a:t>
+              </a:r>
+            </a:p>
+            <a:p>
+              <a:pPr algn="ctr"/>
+              <a:r>
+                <a:rPr lang="en-IN" dirty="0" smtClean="0"/>
+                <a:t>Queue</a:t>
+              </a:r>
+              <a:endParaRPr lang="en-GB" dirty="0"/>
+            </a:p>
+          </p:txBody>
+        </p:sp>
+      </p:grpSp>
+      <p:sp>
+        <p:nvSpPr>
+          <p:cNvPr id="22" name="Rectangle 21"/>
+          <p:cNvSpPr/>
+          <p:nvPr/>
+        </p:nvSpPr>
+        <p:spPr>
+          <a:xfrm>
+            <a:off x="2260879" y="5928527"/>
+            <a:ext cx="1627833" cy="582805"/>
+          </a:xfrm>
+          <a:prstGeom prst="rect">
+            <a:avLst/>
+          </a:prstGeom>
+          <a:solidFill>
+            <a:srgbClr val="B89514"/>
+          </a:solidFill>
+        </p:spPr>
+        <p:style>
+          <a:lnRef idx="2">
+            <a:schemeClr val="accent1">
+              <a:shade val="50000"/>
+            </a:schemeClr>
+          </a:lnRef>
+          <a:fillRef idx="1">
+            <a:schemeClr val="accent1"/>
+          </a:fillRef>
+          <a:effectRef idx="0">
+            <a:schemeClr val="accent1"/>
+          </a:effectRef>
+          <a:fontRef idx="minor">
+            <a:schemeClr val="lt1"/>
+          </a:fontRef>
+        </p:style>
+        <p:txBody>
+          <a:bodyPr rtlCol="0" anchor="ctr"/>
+          <a:lstStyle/>
+          <a:p>
+            <a:pPr algn="ctr"/>
+            <a:r>
+              <a:rPr lang="en-IN" dirty="0" err="1" smtClean="0"/>
+              <a:t>showAlert</a:t>
+            </a:r>
+            <a:endParaRPr lang="en-GB" dirty="0"/>
+          </a:p>
+        </p:txBody>
+      </p:sp>
+      <p:sp>
+        <p:nvSpPr>
+          <p:cNvPr id="23" name="Left Arrow 22"/>
+          <p:cNvSpPr/>
+          <p:nvPr/>
+        </p:nvSpPr>
+        <p:spPr>
+          <a:xfrm rot="20218788">
+            <a:off x="3426035" y="4670001"/>
+            <a:ext cx="4629091" cy="696129"/>
+          </a:xfrm>
+          <a:prstGeom prst="leftArrow">
+            <a:avLst/>
+          </a:prstGeom>
+          <a:solidFill>
+            <a:srgbClr val="FFFF00">
+              <a:alpha val="67000"/>
+            </a:srgbClr>
+          </a:solidFill>
+        </p:spPr>
+        <p:style>
+          <a:lnRef idx="2">
+            <a:schemeClr val="accent1">
+              <a:shade val="50000"/>
+            </a:schemeClr>
+          </a:lnRef>
+          <a:fillRef idx="1">
+            <a:schemeClr val="accent1"/>
+          </a:fillRef>
+          <a:effectRef idx="0">
+            <a:schemeClr val="accent1"/>
+          </a:effectRef>
+          <a:fontRef idx="minor">
+            <a:schemeClr val="lt1"/>
+          </a:fontRef>
+        </p:style>
+        <p:txBody>
+          <a:bodyPr rtlCol="0" anchor="ctr"/>
+          <a:lstStyle/>
+          <a:p>
+            <a:pPr algn="ctr"/>
+            <a:endParaRPr lang="en-GB"/>
+          </a:p>
+        </p:txBody>
+      </p:sp>
+      <p:grpSp>
+        <p:nvGrpSpPr>
+          <p:cNvPr id="27" name="Group 26"/>
+          <p:cNvGrpSpPr/>
+          <p:nvPr/>
+        </p:nvGrpSpPr>
+        <p:grpSpPr>
+          <a:xfrm>
+            <a:off x="8657575" y="5481374"/>
+            <a:ext cx="3060477" cy="889280"/>
+            <a:chOff x="8657575" y="5481374"/>
+            <a:chExt cx="3060477" cy="889280"/>
+          </a:xfrm>
+        </p:grpSpPr>
+        <p:sp>
+          <p:nvSpPr>
+            <p:cNvPr id="24" name="Curved Right Arrow 23"/>
+            <p:cNvSpPr/>
+            <p:nvPr/>
+          </p:nvSpPr>
+          <p:spPr>
+            <a:xfrm>
+              <a:off x="8657575" y="5506496"/>
+              <a:ext cx="562707" cy="844062"/>
+            </a:xfrm>
+            <a:prstGeom prst="curvedRightArrow">
+              <a:avLst/>
+            </a:prstGeom>
+            <a:solidFill>
+              <a:schemeClr val="accent3"/>
+            </a:solidFill>
+          </p:spPr>
+          <p:style>
+            <a:lnRef idx="2">
+              <a:schemeClr val="accent1">
+                <a:shade val="50000"/>
+              </a:schemeClr>
+            </a:lnRef>
+            <a:fillRef idx="1">
+              <a:schemeClr val="accent1"/>
+            </a:fillRef>
+            <a:effectRef idx="0">
+              <a:schemeClr val="accent1"/>
+            </a:effectRef>
+            <a:fontRef idx="minor">
+              <a:schemeClr val="lt1"/>
+            </a:fontRef>
+          </p:style>
+          <p:txBody>
+            <a:bodyPr rtlCol="0" anchor="ctr"/>
+            <a:lstStyle/>
+            <a:p>
+              <a:pPr algn="ctr"/>
+              <a:endParaRPr lang="en-GB">
+                <a:solidFill>
+                  <a:schemeClr val="tx1"/>
+                </a:solidFill>
+              </a:endParaRPr>
+            </a:p>
+          </p:txBody>
+        </p:sp>
+        <p:sp>
+          <p:nvSpPr>
+            <p:cNvPr id="25" name="Curved Left Arrow 24"/>
+            <p:cNvSpPr/>
+            <p:nvPr/>
+          </p:nvSpPr>
+          <p:spPr>
+            <a:xfrm>
+              <a:off x="9391104" y="5481374"/>
+              <a:ext cx="536667" cy="889280"/>
+            </a:xfrm>
+            <a:prstGeom prst="curvedLeftArrow">
+              <a:avLst/>
+            </a:prstGeom>
+            <a:solidFill>
+              <a:schemeClr val="accent3"/>
+            </a:solidFill>
+          </p:spPr>
+          <p:style>
+            <a:lnRef idx="2">
+              <a:schemeClr val="accent1">
+                <a:shade val="50000"/>
+              </a:schemeClr>
+            </a:lnRef>
+            <a:fillRef idx="1">
+              <a:schemeClr val="accent1"/>
+            </a:fillRef>
+            <a:effectRef idx="0">
+              <a:schemeClr val="accent1"/>
+            </a:effectRef>
+            <a:fontRef idx="minor">
+              <a:schemeClr val="lt1"/>
+            </a:fontRef>
+          </p:style>
+          <p:txBody>
+            <a:bodyPr rtlCol="0" anchor="ctr"/>
+            <a:lstStyle/>
+            <a:p>
+              <a:pPr algn="ctr"/>
+              <a:endParaRPr lang="en-GB">
+                <a:solidFill>
+                  <a:schemeClr val="tx1"/>
+                </a:solidFill>
+              </a:endParaRPr>
+            </a:p>
+          </p:txBody>
+        </p:sp>
+        <p:sp>
+          <p:nvSpPr>
+            <p:cNvPr id="26" name="TextBox 25"/>
+            <p:cNvSpPr txBox="1"/>
+            <p:nvPr/>
+          </p:nvSpPr>
+          <p:spPr>
+            <a:xfrm>
+              <a:off x="10319657" y="5707464"/>
+              <a:ext cx="1398395" cy="369332"/>
+            </a:xfrm>
+            <a:prstGeom prst="rect">
+              <a:avLst/>
+            </a:prstGeom>
+            <a:noFill/>
+          </p:spPr>
+          <p:txBody>
+            <a:bodyPr wrap="square" rtlCol="0">
+              <a:spAutoFit/>
+            </a:bodyPr>
+            <a:lstStyle/>
+            <a:p>
+              <a:r>
+                <a:rPr lang="en-IN" dirty="0" smtClean="0">
+                  <a:solidFill>
+                    <a:schemeClr val="accent3"/>
+                  </a:solidFill>
+                </a:rPr>
+                <a:t>Event Loop</a:t>
+              </a:r>
+              <a:endParaRPr lang="en-GB" dirty="0">
+                <a:solidFill>
+                  <a:schemeClr val="accent3"/>
+                </a:solidFill>
+              </a:endParaRPr>
+            </a:p>
+          </p:txBody>
+        </p:sp>
+      </p:grpSp>
+      <p:sp>
+        <p:nvSpPr>
+          <p:cNvPr id="28" name="Rectangle 27"/>
+          <p:cNvSpPr/>
+          <p:nvPr/>
+        </p:nvSpPr>
+        <p:spPr>
+          <a:xfrm>
+            <a:off x="3888712" y="3848518"/>
+            <a:ext cx="2893925" cy="542611"/>
+          </a:xfrm>
+          <a:prstGeom prst="rect">
+            <a:avLst/>
+          </a:prstGeom>
+          <a:solidFill>
+            <a:schemeClr val="accent3"/>
+          </a:solidFill>
+        </p:spPr>
+        <p:style>
+          <a:lnRef idx="2">
+            <a:schemeClr val="accent1">
+              <a:shade val="50000"/>
+            </a:schemeClr>
+          </a:lnRef>
+          <a:fillRef idx="1">
+            <a:schemeClr val="accent1"/>
+          </a:fillRef>
+          <a:effectRef idx="0">
+            <a:schemeClr val="accent1"/>
+          </a:effectRef>
+          <a:fontRef idx="minor">
+            <a:schemeClr val="lt1"/>
+          </a:fontRef>
+        </p:style>
+        <p:txBody>
+          <a:bodyPr rtlCol="0" anchor="ctr"/>
+          <a:lstStyle/>
+          <a:p>
+            <a:pPr algn="ctr"/>
+            <a:r>
+              <a:rPr lang="en-IN" dirty="0" err="1" smtClean="0"/>
+              <a:t>showAlert</a:t>
+            </a:r>
+            <a:r>
+              <a:rPr lang="en-IN" dirty="0" smtClean="0"/>
+              <a:t>()</a:t>
+            </a:r>
+            <a:endParaRPr lang="en-GB" dirty="0"/>
+          </a:p>
+        </p:txBody>
+      </p:sp>
+      <p:sp>
+        <p:nvSpPr>
+          <p:cNvPr id="29" name="Up Arrow 28"/>
+          <p:cNvSpPr/>
+          <p:nvPr/>
+        </p:nvSpPr>
+        <p:spPr>
+          <a:xfrm rot="2538480">
+            <a:off x="3474073" y="4003476"/>
+            <a:ext cx="627163" cy="2246545"/>
+          </a:xfrm>
+          <a:prstGeom prst="upArrow">
+            <a:avLst/>
+          </a:prstGeom>
+          <a:solidFill>
+            <a:srgbClr val="FFFF00">
+              <a:alpha val="67000"/>
+            </a:srgbClr>
+          </a:solidFill>
+        </p:spPr>
+        <p:style>
+          <a:lnRef idx="2">
+            <a:schemeClr val="accent1">
+              <a:shade val="50000"/>
+            </a:schemeClr>
+          </a:lnRef>
+          <a:fillRef idx="1">
+            <a:schemeClr val="accent1"/>
+          </a:fillRef>
+          <a:effectRef idx="0">
+            <a:schemeClr val="accent1"/>
+          </a:effectRef>
+          <a:fontRef idx="minor">
+            <a:schemeClr val="lt1"/>
+          </a:fontRef>
+        </p:style>
+        <p:txBody>
+          <a:bodyPr rtlCol="0" anchor="ctr"/>
+          <a:lstStyle/>
+          <a:p>
+            <a:pPr algn="ctr"/>
+            <a:endParaRPr lang="en-GB"/>
+          </a:p>
+        </p:txBody>
+      </p:sp>
+      <p:sp>
+        <p:nvSpPr>
+          <p:cNvPr id="30" name="Rectangle 29"/>
+          <p:cNvSpPr/>
+          <p:nvPr/>
+        </p:nvSpPr>
+        <p:spPr>
+          <a:xfrm>
+            <a:off x="4196860" y="3084843"/>
+            <a:ext cx="2090057" cy="571361"/>
+          </a:xfrm>
+          <a:prstGeom prst="rect">
+            <a:avLst/>
+          </a:prstGeom>
+          <a:solidFill>
+            <a:schemeClr val="accent3"/>
+          </a:solidFill>
+        </p:spPr>
+        <p:style>
+          <a:lnRef idx="2">
+            <a:schemeClr val="accent1">
+              <a:shade val="50000"/>
+            </a:schemeClr>
+          </a:lnRef>
+          <a:fillRef idx="1">
+            <a:schemeClr val="accent1"/>
+          </a:fillRef>
+          <a:effectRef idx="0">
+            <a:schemeClr val="accent1"/>
+          </a:effectRef>
+          <a:fontRef idx="minor">
+            <a:schemeClr val="lt1"/>
+          </a:fontRef>
+        </p:style>
+        <p:txBody>
+          <a:bodyPr rtlCol="0" anchor="ctr"/>
+          <a:lstStyle/>
+          <a:p>
+            <a:pPr algn="ctr"/>
+            <a:r>
+              <a:rPr lang="en-IN" dirty="0"/>
+              <a:t>a</a:t>
+            </a:r>
+            <a:r>
+              <a:rPr lang="en-IN" dirty="0" smtClean="0"/>
+              <a:t>lert()</a:t>
+            </a:r>
+            <a:endParaRPr lang="en-GB" dirty="0"/>
+          </a:p>
+        </p:txBody>
+      </p:sp>
+    </p:spTree>
+    <p:extLst>
+      <p:ext uri="{BB962C8B-B14F-4D97-AF65-F5344CB8AC3E}">
+        <p14:creationId xmlns:p14="http://schemas.microsoft.com/office/powerpoint/2010/main" val="3999193455"/>
+      </p:ext>
+    </p:extLst>
+  </p:cSld>
+  <p:clrMapOvr>
+    <a:masterClrMapping/>
+  </p:clrMapOvr>
+  <p:timing>
+    <p:tnLst>
+      <p:par>
+        <p:cTn id="1" dur="indefinite" restart="never" nodeType="tmRoot">
+          <p:childTnLst>
+            <p:seq concurrent="1" nextAc="seek">
+              <p:cTn id="2" dur="indefinite" nodeType="mainSeq">
+                <p:childTnLst>
+                  <p:par>
+                    <p:cTn id="3" fill="hold">
+                      <p:stCondLst>
+                        <p:cond delay="indefinite"/>
+                      </p:stCondLst>
+                      <p:childTnLst>
+                        <p:par>
+                          <p:cTn id="4" fill="hold">
+                            <p:stCondLst>
+                              <p:cond delay="0"/>
+                            </p:stCondLst>
+                            <p:childTnLst>
+                              <p:par>
+                                <p:cTn id="5" presetID="2" presetClass="entr" presetSubtype="4" fill="hold" nodeType="clickEffect">
+                                  <p:stCondLst>
+                                    <p:cond delay="0"/>
+                                  </p:stCondLst>
+                                  <p:childTnLst>
+                                    <p:set>
+                                      <p:cBhvr>
+                                        <p:cTn id="6" dur="1" fill="hold">
+                                          <p:stCondLst>
+                                            <p:cond delay="0"/>
+                                          </p:stCondLst>
+                                        </p:cTn>
+                                        <p:tgtEl>
+                                          <p:spTgt spid="11"/>
+                                        </p:tgtEl>
+                                        <p:attrNameLst>
+                                          <p:attrName>style.visibility</p:attrName>
+                                        </p:attrNameLst>
+                                      </p:cBhvr>
+                                      <p:to>
+                                        <p:strVal val="visible"/>
+                                      </p:to>
+                                    </p:set>
+                                    <p:anim calcmode="lin" valueType="num">
+                                      <p:cBhvr additive="base">
+                                        <p:cTn id="7" dur="500" fill="hold"/>
+                                        <p:tgtEl>
+                                          <p:spTgt spid="11"/>
+                                        </p:tgtEl>
+                                        <p:attrNameLst>
+                                          <p:attrName>ppt_x</p:attrName>
+                                        </p:attrNameLst>
+                                      </p:cBhvr>
+                                      <p:tavLst>
+                                        <p:tav tm="0">
+                                          <p:val>
+                                            <p:strVal val="#ppt_x"/>
+                                          </p:val>
+                                        </p:tav>
+                                        <p:tav tm="100000">
+                                          <p:val>
+                                            <p:strVal val="#ppt_x"/>
+                                          </p:val>
+                                        </p:tav>
+                                      </p:tavLst>
+                                    </p:anim>
+                                    <p:anim calcmode="lin" valueType="num">
+                                      <p:cBhvr additive="base">
+                                        <p:cTn id="8" dur="500" fill="hold"/>
+                                        <p:tgtEl>
+                                          <p:spTgt spid="11"/>
+                                        </p:tgtEl>
+                                        <p:attrNameLst>
+                                          <p:attrName>ppt_y</p:attrName>
+                                        </p:attrNameLst>
+                                      </p:cBhvr>
+                                      <p:tavLst>
+                                        <p:tav tm="0">
+                                          <p:val>
+                                            <p:strVal val="1+#ppt_h/2"/>
+                                          </p:val>
+                                        </p:tav>
+                                        <p:tav tm="100000">
+                                          <p:val>
+                                            <p:strVal val="#ppt_y"/>
+                                          </p:val>
+                                        </p:tav>
+                                      </p:tavLst>
+                                    </p:anim>
+                                  </p:childTnLst>
+                                </p:cTn>
+                              </p:par>
+                            </p:childTnLst>
+                          </p:cTn>
+                        </p:par>
+                      </p:childTnLst>
+                    </p:cTn>
+                  </p:par>
+                  <p:par>
+                    <p:cTn id="9" fill="hold">
+                      <p:stCondLst>
+                        <p:cond delay="indefinite"/>
+                      </p:stCondLst>
+                      <p:childTnLst>
+                        <p:par>
+                          <p:cTn id="10" fill="hold">
+                            <p:stCondLst>
+                              <p:cond delay="0"/>
+                            </p:stCondLst>
+                            <p:childTnLst>
+                              <p:par>
+                                <p:cTn id="11" presetID="2" presetClass="entr" presetSubtype="4" fill="hold" nodeType="clickEffect">
+                                  <p:stCondLst>
+                                    <p:cond delay="0"/>
+                                  </p:stCondLst>
+                                  <p:childTnLst>
+                                    <p:set>
+                                      <p:cBhvr>
+                                        <p:cTn id="12" dur="1" fill="hold">
+                                          <p:stCondLst>
+                                            <p:cond delay="0"/>
+                                          </p:stCondLst>
+                                        </p:cTn>
+                                        <p:tgtEl>
+                                          <p:spTgt spid="10"/>
+                                        </p:tgtEl>
+                                        <p:attrNameLst>
+                                          <p:attrName>style.visibility</p:attrName>
+                                        </p:attrNameLst>
+                                      </p:cBhvr>
+                                      <p:to>
+                                        <p:strVal val="visible"/>
+                                      </p:to>
+                                    </p:set>
+                                    <p:anim calcmode="lin" valueType="num">
+                                      <p:cBhvr additive="base">
+                                        <p:cTn id="13" dur="500" fill="hold"/>
+                                        <p:tgtEl>
+                                          <p:spTgt spid="10"/>
+                                        </p:tgtEl>
+                                        <p:attrNameLst>
+                                          <p:attrName>ppt_x</p:attrName>
+                                        </p:attrNameLst>
+                                      </p:cBhvr>
+                                      <p:tavLst>
+                                        <p:tav tm="0">
+                                          <p:val>
+                                            <p:strVal val="#ppt_x"/>
+                                          </p:val>
+                                        </p:tav>
+                                        <p:tav tm="100000">
+                                          <p:val>
+                                            <p:strVal val="#ppt_x"/>
+                                          </p:val>
+                                        </p:tav>
+                                      </p:tavLst>
+                                    </p:anim>
+                                    <p:anim calcmode="lin" valueType="num">
+                                      <p:cBhvr additive="base">
+                                        <p:cTn id="14" dur="500" fill="hold"/>
+                                        <p:tgtEl>
+                                          <p:spTgt spid="10"/>
+                                        </p:tgtEl>
+                                        <p:attrNameLst>
+                                          <p:attrName>ppt_y</p:attrName>
+                                        </p:attrNameLst>
+                                      </p:cBhvr>
+                                      <p:tavLst>
+                                        <p:tav tm="0">
+                                          <p:val>
+                                            <p:strVal val="1+#ppt_h/2"/>
+                                          </p:val>
+                                        </p:tav>
+                                        <p:tav tm="100000">
+                                          <p:val>
+                                            <p:strVal val="#ppt_y"/>
+                                          </p:val>
+                                        </p:tav>
+                                      </p:tavLst>
+                                    </p:anim>
+                                  </p:childTnLst>
+                                </p:cTn>
+                              </p:par>
+                            </p:childTnLst>
+                          </p:cTn>
+                        </p:par>
+                      </p:childTnLst>
+                    </p:cTn>
+                  </p:par>
+                  <p:par>
+                    <p:cTn id="15" fill="hold">
+                      <p:stCondLst>
+                        <p:cond delay="indefinite"/>
+                      </p:stCondLst>
+                      <p:childTnLst>
+                        <p:par>
+                          <p:cTn id="16" fill="hold">
+                            <p:stCondLst>
+                              <p:cond delay="0"/>
+                            </p:stCondLst>
+                            <p:childTnLst>
+                              <p:par>
+                                <p:cTn id="17" presetID="2" presetClass="entr" presetSubtype="4" fill="hold" nodeType="clickEffect">
+                                  <p:stCondLst>
+                                    <p:cond delay="0"/>
+                                  </p:stCondLst>
+                                  <p:childTnLst>
+                                    <p:set>
+                                      <p:cBhvr>
+                                        <p:cTn id="18" dur="1" fill="hold">
+                                          <p:stCondLst>
+                                            <p:cond delay="0"/>
+                                          </p:stCondLst>
+                                        </p:cTn>
+                                        <p:tgtEl>
+                                          <p:spTgt spid="13"/>
+                                        </p:tgtEl>
+                                        <p:attrNameLst>
+                                          <p:attrName>style.visibility</p:attrName>
+                                        </p:attrNameLst>
+                                      </p:cBhvr>
+                                      <p:to>
+                                        <p:strVal val="visible"/>
+                                      </p:to>
+                                    </p:set>
+                                    <p:anim calcmode="lin" valueType="num">
+                                      <p:cBhvr additive="base">
+                                        <p:cTn id="19" dur="500" fill="hold"/>
+                                        <p:tgtEl>
+                                          <p:spTgt spid="13"/>
+                                        </p:tgtEl>
+                                        <p:attrNameLst>
+                                          <p:attrName>ppt_x</p:attrName>
+                                        </p:attrNameLst>
+                                      </p:cBhvr>
+                                      <p:tavLst>
+                                        <p:tav tm="0">
+                                          <p:val>
+                                            <p:strVal val="#ppt_x"/>
+                                          </p:val>
+                                        </p:tav>
+                                        <p:tav tm="100000">
+                                          <p:val>
+                                            <p:strVal val="#ppt_x"/>
+                                          </p:val>
+                                        </p:tav>
+                                      </p:tavLst>
+                                    </p:anim>
+                                    <p:anim calcmode="lin" valueType="num">
+                                      <p:cBhvr additive="base">
+                                        <p:cTn id="20" dur="500" fill="hold"/>
+                                        <p:tgtEl>
+                                          <p:spTgt spid="13"/>
+                                        </p:tgtEl>
+                                        <p:attrNameLst>
+                                          <p:attrName>ppt_y</p:attrName>
+                                        </p:attrNameLst>
+                                      </p:cBhvr>
+                                      <p:tavLst>
+                                        <p:tav tm="0">
+                                          <p:val>
+                                            <p:strVal val="1+#ppt_h/2"/>
+                                          </p:val>
+                                        </p:tav>
+                                        <p:tav tm="100000">
+                                          <p:val>
+                                            <p:strVal val="#ppt_y"/>
+                                          </p:val>
+                                        </p:tav>
+                                      </p:tavLst>
+                                    </p:anim>
+                                  </p:childTnLst>
+                                </p:cTn>
+                              </p:par>
+                            </p:childTnLst>
+                          </p:cTn>
+                        </p:par>
+                      </p:childTnLst>
+                    </p:cTn>
+                  </p:par>
+                  <p:par>
+                    <p:cTn id="21" fill="hold">
+                      <p:stCondLst>
+                        <p:cond delay="indefinite"/>
+                      </p:stCondLst>
+                      <p:childTnLst>
+                        <p:par>
+                          <p:cTn id="22" fill="hold">
+                            <p:stCondLst>
+                              <p:cond delay="0"/>
+                            </p:stCondLst>
+                            <p:childTnLst>
+                              <p:par>
+                                <p:cTn id="23" presetID="1" presetClass="entr" presetSubtype="0" fill="hold" grpId="0" nodeType="clickEffect">
+                                  <p:stCondLst>
+                                    <p:cond delay="0"/>
+                                  </p:stCondLst>
+                                  <p:childTnLst>
+                                    <p:set>
+                                      <p:cBhvr>
+                                        <p:cTn id="24" dur="1" fill="hold">
+                                          <p:stCondLst>
+                                            <p:cond delay="0"/>
+                                          </p:stCondLst>
+                                        </p:cTn>
+                                        <p:tgtEl>
+                                          <p:spTgt spid="14"/>
+                                        </p:tgtEl>
+                                        <p:attrNameLst>
+                                          <p:attrName>style.visibility</p:attrName>
+                                        </p:attrNameLst>
+                                      </p:cBhvr>
+                                      <p:to>
+                                        <p:strVal val="visible"/>
+                                      </p:to>
+                                    </p:set>
+                                  </p:childTnLst>
+                                </p:cTn>
+                              </p:par>
+                            </p:childTnLst>
+                          </p:cTn>
+                        </p:par>
+                      </p:childTnLst>
+                    </p:cTn>
+                  </p:par>
+                  <p:par>
+                    <p:cTn id="25" fill="hold">
+                      <p:stCondLst>
+                        <p:cond delay="indefinite"/>
+                      </p:stCondLst>
+                      <p:childTnLst>
+                        <p:par>
+                          <p:cTn id="26" fill="hold">
+                            <p:stCondLst>
+                              <p:cond delay="0"/>
+                            </p:stCondLst>
+                            <p:childTnLst>
+                              <p:par>
+                                <p:cTn id="27" presetID="2" presetClass="entr" presetSubtype="4" fill="hold" grpId="0" nodeType="clickEffect">
+                                  <p:stCondLst>
+                                    <p:cond delay="0"/>
+                                  </p:stCondLst>
+                                  <p:childTnLst>
+                                    <p:set>
+                                      <p:cBhvr>
+                                        <p:cTn id="28" dur="1" fill="hold">
+                                          <p:stCondLst>
+                                            <p:cond delay="0"/>
+                                          </p:stCondLst>
+                                        </p:cTn>
+                                        <p:tgtEl>
+                                          <p:spTgt spid="16"/>
+                                        </p:tgtEl>
+                                        <p:attrNameLst>
+                                          <p:attrName>style.visibility</p:attrName>
+                                        </p:attrNameLst>
+                                      </p:cBhvr>
+                                      <p:to>
+                                        <p:strVal val="visible"/>
+                                      </p:to>
+                                    </p:set>
+                                    <p:anim calcmode="lin" valueType="num">
+                                      <p:cBhvr additive="base">
+                                        <p:cTn id="29" dur="500" fill="hold"/>
+                                        <p:tgtEl>
+                                          <p:spTgt spid="16"/>
+                                        </p:tgtEl>
+                                        <p:attrNameLst>
+                                          <p:attrName>ppt_x</p:attrName>
+                                        </p:attrNameLst>
+                                      </p:cBhvr>
+                                      <p:tavLst>
+                                        <p:tav tm="0">
+                                          <p:val>
+                                            <p:strVal val="#ppt_x"/>
+                                          </p:val>
+                                        </p:tav>
+                                        <p:tav tm="100000">
+                                          <p:val>
+                                            <p:strVal val="#ppt_x"/>
+                                          </p:val>
+                                        </p:tav>
+                                      </p:tavLst>
+                                    </p:anim>
+                                    <p:anim calcmode="lin" valueType="num">
+                                      <p:cBhvr additive="base">
+                                        <p:cTn id="30" dur="500" fill="hold"/>
+                                        <p:tgtEl>
+                                          <p:spTgt spid="16"/>
+                                        </p:tgtEl>
+                                        <p:attrNameLst>
+                                          <p:attrName>ppt_y</p:attrName>
+                                        </p:attrNameLst>
+                                      </p:cBhvr>
+                                      <p:tavLst>
+                                        <p:tav tm="0">
+                                          <p:val>
+                                            <p:strVal val="1+#ppt_h/2"/>
+                                          </p:val>
+                                        </p:tav>
+                                        <p:tav tm="100000">
+                                          <p:val>
+                                            <p:strVal val="#ppt_y"/>
+                                          </p:val>
+                                        </p:tav>
+                                      </p:tavLst>
+                                    </p:anim>
+                                  </p:childTnLst>
+                                </p:cTn>
+                              </p:par>
+                              <p:par>
+                                <p:cTn id="31" presetID="2" presetClass="entr" presetSubtype="4" fill="hold" grpId="0" nodeType="withEffect">
+                                  <p:stCondLst>
+                                    <p:cond delay="0"/>
+                                  </p:stCondLst>
+                                  <p:childTnLst>
+                                    <p:set>
+                                      <p:cBhvr>
+                                        <p:cTn id="32" dur="1" fill="hold">
+                                          <p:stCondLst>
+                                            <p:cond delay="0"/>
+                                          </p:stCondLst>
+                                        </p:cTn>
+                                        <p:tgtEl>
+                                          <p:spTgt spid="15"/>
+                                        </p:tgtEl>
+                                        <p:attrNameLst>
+                                          <p:attrName>style.visibility</p:attrName>
+                                        </p:attrNameLst>
+                                      </p:cBhvr>
+                                      <p:to>
+                                        <p:strVal val="visible"/>
+                                      </p:to>
+                                    </p:set>
+                                    <p:anim calcmode="lin" valueType="num">
+                                      <p:cBhvr additive="base">
+                                        <p:cTn id="33" dur="500" fill="hold"/>
+                                        <p:tgtEl>
+                                          <p:spTgt spid="15"/>
+                                        </p:tgtEl>
+                                        <p:attrNameLst>
+                                          <p:attrName>ppt_x</p:attrName>
+                                        </p:attrNameLst>
+                                      </p:cBhvr>
+                                      <p:tavLst>
+                                        <p:tav tm="0">
+                                          <p:val>
+                                            <p:strVal val="#ppt_x"/>
+                                          </p:val>
+                                        </p:tav>
+                                        <p:tav tm="100000">
+                                          <p:val>
+                                            <p:strVal val="#ppt_x"/>
+                                          </p:val>
+                                        </p:tav>
+                                      </p:tavLst>
+                                    </p:anim>
+                                    <p:anim calcmode="lin" valueType="num">
+                                      <p:cBhvr additive="base">
+                                        <p:cTn id="34" dur="500" fill="hold"/>
+                                        <p:tgtEl>
+                                          <p:spTgt spid="15"/>
+                                        </p:tgtEl>
+                                        <p:attrNameLst>
+                                          <p:attrName>ppt_y</p:attrName>
+                                        </p:attrNameLst>
+                                      </p:cBhvr>
+                                      <p:tavLst>
+                                        <p:tav tm="0">
+                                          <p:val>
+                                            <p:strVal val="1+#ppt_h/2"/>
+                                          </p:val>
+                                        </p:tav>
+                                        <p:tav tm="100000">
+                                          <p:val>
+                                            <p:strVal val="#ppt_y"/>
+                                          </p:val>
+                                        </p:tav>
+                                      </p:tavLst>
+                                    </p:anim>
+                                  </p:childTnLst>
+                                </p:cTn>
+                              </p:par>
+                            </p:childTnLst>
+                          </p:cTn>
+                        </p:par>
+                      </p:childTnLst>
+                    </p:cTn>
+                  </p:par>
+                  <p:par>
+                    <p:cTn id="35" fill="hold">
+                      <p:stCondLst>
+                        <p:cond delay="indefinite"/>
+                      </p:stCondLst>
+                      <p:childTnLst>
+                        <p:par>
+                          <p:cTn id="36" fill="hold">
+                            <p:stCondLst>
+                              <p:cond delay="0"/>
+                            </p:stCondLst>
+                            <p:childTnLst>
+                              <p:par>
+                                <p:cTn id="37" presetID="1" presetClass="exit" presetSubtype="0" fill="hold" grpId="1" nodeType="clickEffect">
+                                  <p:stCondLst>
+                                    <p:cond delay="0"/>
+                                  </p:stCondLst>
+                                  <p:childTnLst>
+                                    <p:set>
+                                      <p:cBhvr>
+                                        <p:cTn id="38" dur="1" fill="hold">
+                                          <p:stCondLst>
+                                            <p:cond delay="0"/>
+                                          </p:stCondLst>
+                                        </p:cTn>
+                                        <p:tgtEl>
+                                          <p:spTgt spid="14"/>
+                                        </p:tgtEl>
+                                        <p:attrNameLst>
+                                          <p:attrName>style.visibility</p:attrName>
+                                        </p:attrNameLst>
+                                      </p:cBhvr>
+                                      <p:to>
+                                        <p:strVal val="hidden"/>
+                                      </p:to>
+                                    </p:set>
+                                  </p:childTnLst>
+                                </p:cTn>
+                              </p:par>
+                              <p:par>
+                                <p:cTn id="39" presetID="1" presetClass="exit" presetSubtype="0" fill="hold" grpId="1" nodeType="withEffect">
+                                  <p:stCondLst>
+                                    <p:cond delay="0"/>
+                                  </p:stCondLst>
+                                  <p:childTnLst>
+                                    <p:set>
+                                      <p:cBhvr>
+                                        <p:cTn id="40" dur="1" fill="hold">
+                                          <p:stCondLst>
+                                            <p:cond delay="0"/>
+                                          </p:stCondLst>
+                                        </p:cTn>
+                                        <p:tgtEl>
+                                          <p:spTgt spid="16"/>
+                                        </p:tgtEl>
+                                        <p:attrNameLst>
+                                          <p:attrName>style.visibility</p:attrName>
+                                        </p:attrNameLst>
+                                      </p:cBhvr>
+                                      <p:to>
+                                        <p:strVal val="hidden"/>
+                                      </p:to>
+                                    </p:set>
+                                  </p:childTnLst>
+                                </p:cTn>
+                              </p:par>
+                            </p:childTnLst>
+                          </p:cTn>
+                        </p:par>
+                      </p:childTnLst>
+                    </p:cTn>
+                  </p:par>
+                  <p:par>
+                    <p:cTn id="41" fill="hold">
+                      <p:stCondLst>
+                        <p:cond delay="indefinite"/>
+                      </p:stCondLst>
+                      <p:childTnLst>
+                        <p:par>
+                          <p:cTn id="42" fill="hold">
+                            <p:stCondLst>
+                              <p:cond delay="0"/>
+                            </p:stCondLst>
+                            <p:childTnLst>
+                              <p:par>
+                                <p:cTn id="43" presetID="1" presetClass="entr" presetSubtype="0" fill="hold" grpId="0" nodeType="clickEffect">
+                                  <p:stCondLst>
+                                    <p:cond delay="0"/>
+                                  </p:stCondLst>
+                                  <p:childTnLst>
+                                    <p:set>
+                                      <p:cBhvr>
+                                        <p:cTn id="44" dur="1" fill="hold">
+                                          <p:stCondLst>
+                                            <p:cond delay="0"/>
+                                          </p:stCondLst>
+                                        </p:cTn>
+                                        <p:tgtEl>
+                                          <p:spTgt spid="17"/>
+                                        </p:tgtEl>
+                                        <p:attrNameLst>
+                                          <p:attrName>style.visibility</p:attrName>
+                                        </p:attrNameLst>
+                                      </p:cBhvr>
+                                      <p:to>
+                                        <p:strVal val="visible"/>
+                                      </p:to>
+                                    </p:set>
+                                  </p:childTnLst>
+                                </p:cTn>
+                              </p:par>
+                            </p:childTnLst>
+                          </p:cTn>
+                        </p:par>
+                      </p:childTnLst>
+                    </p:cTn>
+                  </p:par>
+                  <p:par>
+                    <p:cTn id="45" fill="hold">
+                      <p:stCondLst>
+                        <p:cond delay="indefinite"/>
+                      </p:stCondLst>
+                      <p:childTnLst>
+                        <p:par>
+                          <p:cTn id="46" fill="hold">
+                            <p:stCondLst>
+                              <p:cond delay="0"/>
+                            </p:stCondLst>
+                            <p:childTnLst>
+                              <p:par>
+                                <p:cTn id="47" presetID="1" presetClass="entr" presetSubtype="0" fill="hold" grpId="0" nodeType="clickEffect">
+                                  <p:stCondLst>
+                                    <p:cond delay="0"/>
+                                  </p:stCondLst>
+                                  <p:childTnLst>
+                                    <p:set>
+                                      <p:cBhvr>
+                                        <p:cTn id="48" dur="1" fill="hold">
+                                          <p:stCondLst>
+                                            <p:cond delay="0"/>
+                                          </p:stCondLst>
+                                        </p:cTn>
+                                        <p:tgtEl>
+                                          <p:spTgt spid="18"/>
+                                        </p:tgtEl>
+                                        <p:attrNameLst>
+                                          <p:attrName>style.visibility</p:attrName>
+                                        </p:attrNameLst>
+                                      </p:cBhvr>
+                                      <p:to>
+                                        <p:strVal val="visible"/>
+                                      </p:to>
+                                    </p:set>
+                                  </p:childTnLst>
+                                </p:cTn>
+                              </p:par>
+                            </p:childTnLst>
+                          </p:cTn>
+                        </p:par>
+                      </p:childTnLst>
+                    </p:cTn>
+                  </p:par>
+                  <p:par>
+                    <p:cTn id="49" fill="hold">
+                      <p:stCondLst>
+                        <p:cond delay="indefinite"/>
+                      </p:stCondLst>
+                      <p:childTnLst>
+                        <p:par>
+                          <p:cTn id="50" fill="hold">
+                            <p:stCondLst>
+                              <p:cond delay="0"/>
+                            </p:stCondLst>
+                            <p:childTnLst>
+                              <p:par>
+                                <p:cTn id="51" presetID="2" presetClass="entr" presetSubtype="4" fill="hold" nodeType="clickEffect">
+                                  <p:stCondLst>
+                                    <p:cond delay="0"/>
+                                  </p:stCondLst>
+                                  <p:childTnLst>
+                                    <p:set>
+                                      <p:cBhvr>
+                                        <p:cTn id="52" dur="1" fill="hold">
+                                          <p:stCondLst>
+                                            <p:cond delay="0"/>
+                                          </p:stCondLst>
+                                        </p:cTn>
+                                        <p:tgtEl>
+                                          <p:spTgt spid="21"/>
+                                        </p:tgtEl>
+                                        <p:attrNameLst>
+                                          <p:attrName>style.visibility</p:attrName>
+                                        </p:attrNameLst>
+                                      </p:cBhvr>
+                                      <p:to>
+                                        <p:strVal val="visible"/>
+                                      </p:to>
+                                    </p:set>
+                                    <p:anim calcmode="lin" valueType="num">
+                                      <p:cBhvr additive="base">
+                                        <p:cTn id="53" dur="500" fill="hold"/>
+                                        <p:tgtEl>
+                                          <p:spTgt spid="21"/>
+                                        </p:tgtEl>
+                                        <p:attrNameLst>
+                                          <p:attrName>ppt_x</p:attrName>
+                                        </p:attrNameLst>
+                                      </p:cBhvr>
+                                      <p:tavLst>
+                                        <p:tav tm="0">
+                                          <p:val>
+                                            <p:strVal val="#ppt_x"/>
+                                          </p:val>
+                                        </p:tav>
+                                        <p:tav tm="100000">
+                                          <p:val>
+                                            <p:strVal val="#ppt_x"/>
+                                          </p:val>
+                                        </p:tav>
+                                      </p:tavLst>
+                                    </p:anim>
+                                    <p:anim calcmode="lin" valueType="num">
+                                      <p:cBhvr additive="base">
+                                        <p:cTn id="54" dur="500" fill="hold"/>
+                                        <p:tgtEl>
+                                          <p:spTgt spid="21"/>
+                                        </p:tgtEl>
+                                        <p:attrNameLst>
+                                          <p:attrName>ppt_y</p:attrName>
+                                        </p:attrNameLst>
+                                      </p:cBhvr>
+                                      <p:tavLst>
+                                        <p:tav tm="0">
+                                          <p:val>
+                                            <p:strVal val="1+#ppt_h/2"/>
+                                          </p:val>
+                                        </p:tav>
+                                        <p:tav tm="100000">
+                                          <p:val>
+                                            <p:strVal val="#ppt_y"/>
+                                          </p:val>
+                                        </p:tav>
+                                      </p:tavLst>
+                                    </p:anim>
+                                  </p:childTnLst>
+                                </p:cTn>
+                              </p:par>
+                            </p:childTnLst>
+                          </p:cTn>
+                        </p:par>
+                      </p:childTnLst>
+                    </p:cTn>
+                  </p:par>
+                  <p:par>
+                    <p:cTn id="55" fill="hold">
+                      <p:stCondLst>
+                        <p:cond delay="indefinite"/>
+                      </p:stCondLst>
+                      <p:childTnLst>
+                        <p:par>
+                          <p:cTn id="56" fill="hold">
+                            <p:stCondLst>
+                              <p:cond delay="0"/>
+                            </p:stCondLst>
+                            <p:childTnLst>
+                              <p:par>
+                                <p:cTn id="57" presetID="2" presetClass="entr" presetSubtype="4" fill="hold" grpId="0" nodeType="clickEffect">
+                                  <p:stCondLst>
+                                    <p:cond delay="0"/>
+                                  </p:stCondLst>
+                                  <p:childTnLst>
+                                    <p:set>
+                                      <p:cBhvr>
+                                        <p:cTn id="58" dur="1" fill="hold">
+                                          <p:stCondLst>
+                                            <p:cond delay="0"/>
+                                          </p:stCondLst>
+                                        </p:cTn>
+                                        <p:tgtEl>
+                                          <p:spTgt spid="23"/>
+                                        </p:tgtEl>
+                                        <p:attrNameLst>
+                                          <p:attrName>style.visibility</p:attrName>
+                                        </p:attrNameLst>
+                                      </p:cBhvr>
+                                      <p:to>
+                                        <p:strVal val="visible"/>
+                                      </p:to>
+                                    </p:set>
+                                    <p:anim calcmode="lin" valueType="num">
+                                      <p:cBhvr additive="base">
+                                        <p:cTn id="59" dur="500" fill="hold"/>
+                                        <p:tgtEl>
+                                          <p:spTgt spid="23"/>
+                                        </p:tgtEl>
+                                        <p:attrNameLst>
+                                          <p:attrName>ppt_x</p:attrName>
+                                        </p:attrNameLst>
+                                      </p:cBhvr>
+                                      <p:tavLst>
+                                        <p:tav tm="0">
+                                          <p:val>
+                                            <p:strVal val="#ppt_x"/>
+                                          </p:val>
+                                        </p:tav>
+                                        <p:tav tm="100000">
+                                          <p:val>
+                                            <p:strVal val="#ppt_x"/>
+                                          </p:val>
+                                        </p:tav>
+                                      </p:tavLst>
+                                    </p:anim>
+                                    <p:anim calcmode="lin" valueType="num">
+                                      <p:cBhvr additive="base">
+                                        <p:cTn id="60" dur="500" fill="hold"/>
+                                        <p:tgtEl>
+                                          <p:spTgt spid="23"/>
+                                        </p:tgtEl>
+                                        <p:attrNameLst>
+                                          <p:attrName>ppt_y</p:attrName>
+                                        </p:attrNameLst>
+                                      </p:cBhvr>
+                                      <p:tavLst>
+                                        <p:tav tm="0">
+                                          <p:val>
+                                            <p:strVal val="1+#ppt_h/2"/>
+                                          </p:val>
+                                        </p:tav>
+                                        <p:tav tm="100000">
+                                          <p:val>
+                                            <p:strVal val="#ppt_y"/>
+                                          </p:val>
+                                        </p:tav>
+                                      </p:tavLst>
+                                    </p:anim>
+                                  </p:childTnLst>
+                                </p:cTn>
+                              </p:par>
+                              <p:par>
+                                <p:cTn id="61" presetID="2" presetClass="entr" presetSubtype="4" fill="hold" grpId="0" nodeType="withEffect">
+                                  <p:stCondLst>
+                                    <p:cond delay="0"/>
+                                  </p:stCondLst>
+                                  <p:childTnLst>
+                                    <p:set>
+                                      <p:cBhvr>
+                                        <p:cTn id="62" dur="1" fill="hold">
+                                          <p:stCondLst>
+                                            <p:cond delay="0"/>
+                                          </p:stCondLst>
+                                        </p:cTn>
+                                        <p:tgtEl>
+                                          <p:spTgt spid="22"/>
+                                        </p:tgtEl>
+                                        <p:attrNameLst>
+                                          <p:attrName>style.visibility</p:attrName>
+                                        </p:attrNameLst>
+                                      </p:cBhvr>
+                                      <p:to>
+                                        <p:strVal val="visible"/>
+                                      </p:to>
+                                    </p:set>
+                                    <p:anim calcmode="lin" valueType="num">
+                                      <p:cBhvr additive="base">
+                                        <p:cTn id="63" dur="500" fill="hold"/>
+                                        <p:tgtEl>
+                                          <p:spTgt spid="22"/>
+                                        </p:tgtEl>
+                                        <p:attrNameLst>
+                                          <p:attrName>ppt_x</p:attrName>
+                                        </p:attrNameLst>
+                                      </p:cBhvr>
+                                      <p:tavLst>
+                                        <p:tav tm="0">
+                                          <p:val>
+                                            <p:strVal val="#ppt_x"/>
+                                          </p:val>
+                                        </p:tav>
+                                        <p:tav tm="100000">
+                                          <p:val>
+                                            <p:strVal val="#ppt_x"/>
+                                          </p:val>
+                                        </p:tav>
+                                      </p:tavLst>
+                                    </p:anim>
+                                    <p:anim calcmode="lin" valueType="num">
+                                      <p:cBhvr additive="base">
+                                        <p:cTn id="64" dur="500" fill="hold"/>
+                                        <p:tgtEl>
+                                          <p:spTgt spid="22"/>
+                                        </p:tgtEl>
+                                        <p:attrNameLst>
+                                          <p:attrName>ppt_y</p:attrName>
+                                        </p:attrNameLst>
+                                      </p:cBhvr>
+                                      <p:tavLst>
+                                        <p:tav tm="0">
+                                          <p:val>
+                                            <p:strVal val="1+#ppt_h/2"/>
+                                          </p:val>
+                                        </p:tav>
+                                        <p:tav tm="100000">
+                                          <p:val>
+                                            <p:strVal val="#ppt_y"/>
+                                          </p:val>
+                                        </p:tav>
+                                      </p:tavLst>
+                                    </p:anim>
+                                  </p:childTnLst>
+                                </p:cTn>
+                              </p:par>
+                            </p:childTnLst>
+                          </p:cTn>
+                        </p:par>
+                      </p:childTnLst>
+                    </p:cTn>
+                  </p:par>
+                  <p:par>
+                    <p:cTn id="65" fill="hold">
+                      <p:stCondLst>
+                        <p:cond delay="indefinite"/>
+                      </p:stCondLst>
+                      <p:childTnLst>
+                        <p:par>
+                          <p:cTn id="66" fill="hold">
+                            <p:stCondLst>
+                              <p:cond delay="0"/>
+                            </p:stCondLst>
+                            <p:childTnLst>
+                              <p:par>
+                                <p:cTn id="67" presetID="1" presetClass="exit" presetSubtype="0" fill="hold" grpId="1" nodeType="clickEffect">
+                                  <p:stCondLst>
+                                    <p:cond delay="0"/>
+                                  </p:stCondLst>
+                                  <p:childTnLst>
+                                    <p:set>
+                                      <p:cBhvr>
+                                        <p:cTn id="68" dur="1" fill="hold">
+                                          <p:stCondLst>
+                                            <p:cond delay="0"/>
+                                          </p:stCondLst>
+                                        </p:cTn>
+                                        <p:tgtEl>
+                                          <p:spTgt spid="15"/>
+                                        </p:tgtEl>
+                                        <p:attrNameLst>
+                                          <p:attrName>style.visibility</p:attrName>
+                                        </p:attrNameLst>
+                                      </p:cBhvr>
+                                      <p:to>
+                                        <p:strVal val="hidden"/>
+                                      </p:to>
+                                    </p:set>
+                                  </p:childTnLst>
+                                </p:cTn>
+                              </p:par>
+                              <p:par>
+                                <p:cTn id="69" presetID="1" presetClass="exit" presetSubtype="0" fill="hold" grpId="1" nodeType="withEffect">
+                                  <p:stCondLst>
+                                    <p:cond delay="0"/>
+                                  </p:stCondLst>
+                                  <p:childTnLst>
+                                    <p:set>
+                                      <p:cBhvr>
+                                        <p:cTn id="70" dur="1" fill="hold">
+                                          <p:stCondLst>
+                                            <p:cond delay="0"/>
+                                          </p:stCondLst>
+                                        </p:cTn>
+                                        <p:tgtEl>
+                                          <p:spTgt spid="23"/>
+                                        </p:tgtEl>
+                                        <p:attrNameLst>
+                                          <p:attrName>style.visibility</p:attrName>
+                                        </p:attrNameLst>
+                                      </p:cBhvr>
+                                      <p:to>
+                                        <p:strVal val="hidden"/>
+                                      </p:to>
+                                    </p:set>
+                                  </p:childTnLst>
+                                </p:cTn>
+                              </p:par>
+                            </p:childTnLst>
+                          </p:cTn>
+                        </p:par>
+                      </p:childTnLst>
+                    </p:cTn>
+                  </p:par>
+                  <p:par>
+                    <p:cTn id="71" fill="hold">
+                      <p:stCondLst>
+                        <p:cond delay="indefinite"/>
+                      </p:stCondLst>
+                      <p:childTnLst>
+                        <p:par>
+                          <p:cTn id="72" fill="hold">
+                            <p:stCondLst>
+                              <p:cond delay="0"/>
+                            </p:stCondLst>
+                            <p:childTnLst>
+                              <p:par>
+                                <p:cTn id="73" presetID="1" presetClass="exit" presetSubtype="0" fill="hold" grpId="1" nodeType="clickEffect">
+                                  <p:stCondLst>
+                                    <p:cond delay="0"/>
+                                  </p:stCondLst>
+                                  <p:childTnLst>
+                                    <p:set>
+                                      <p:cBhvr>
+                                        <p:cTn id="74" dur="1" fill="hold">
+                                          <p:stCondLst>
+                                            <p:cond delay="0"/>
+                                          </p:stCondLst>
+                                        </p:cTn>
+                                        <p:tgtEl>
+                                          <p:spTgt spid="18"/>
+                                        </p:tgtEl>
+                                        <p:attrNameLst>
+                                          <p:attrName>style.visibility</p:attrName>
+                                        </p:attrNameLst>
+                                      </p:cBhvr>
+                                      <p:to>
+                                        <p:strVal val="hidden"/>
+                                      </p:to>
+                                    </p:set>
+                                  </p:childTnLst>
+                                </p:cTn>
+                              </p:par>
+                            </p:childTnLst>
+                          </p:cTn>
+                        </p:par>
+                      </p:childTnLst>
+                    </p:cTn>
+                  </p:par>
+                  <p:par>
+                    <p:cTn id="75" fill="hold">
+                      <p:stCondLst>
+                        <p:cond delay="indefinite"/>
+                      </p:stCondLst>
+                      <p:childTnLst>
+                        <p:par>
+                          <p:cTn id="76" fill="hold">
+                            <p:stCondLst>
+                              <p:cond delay="0"/>
+                            </p:stCondLst>
+                            <p:childTnLst>
+                              <p:par>
+                                <p:cTn id="77" presetID="1" presetClass="exit" presetSubtype="0" fill="hold" grpId="1" nodeType="clickEffect">
+                                  <p:stCondLst>
+                                    <p:cond delay="0"/>
+                                  </p:stCondLst>
+                                  <p:childTnLst>
+                                    <p:set>
+                                      <p:cBhvr>
+                                        <p:cTn id="78" dur="1" fill="hold">
+                                          <p:stCondLst>
+                                            <p:cond delay="0"/>
+                                          </p:stCondLst>
+                                        </p:cTn>
+                                        <p:tgtEl>
+                                          <p:spTgt spid="17"/>
+                                        </p:tgtEl>
+                                        <p:attrNameLst>
+                                          <p:attrName>style.visibility</p:attrName>
+                                        </p:attrNameLst>
+                                      </p:cBhvr>
+                                      <p:to>
+                                        <p:strVal val="hidden"/>
+                                      </p:to>
+                                    </p:set>
+                                  </p:childTnLst>
+                                </p:cTn>
+                              </p:par>
+                            </p:childTnLst>
+                          </p:cTn>
+                        </p:par>
+                      </p:childTnLst>
+                    </p:cTn>
+                  </p:par>
+                  <p:par>
+                    <p:cTn id="79" fill="hold">
+                      <p:stCondLst>
+                        <p:cond delay="indefinite"/>
+                      </p:stCondLst>
+                      <p:childTnLst>
+                        <p:par>
+                          <p:cTn id="80" fill="hold">
+                            <p:stCondLst>
+                              <p:cond delay="0"/>
+                            </p:stCondLst>
+                            <p:childTnLst>
+                              <p:par>
+                                <p:cTn id="81" presetID="26" presetClass="entr" presetSubtype="0" fill="hold" nodeType="clickEffect">
+                                  <p:stCondLst>
+                                    <p:cond delay="0"/>
+                                  </p:stCondLst>
+                                  <p:childTnLst>
+                                    <p:set>
+                                      <p:cBhvr>
+                                        <p:cTn id="82" dur="1" fill="hold">
+                                          <p:stCondLst>
+                                            <p:cond delay="0"/>
+                                          </p:stCondLst>
+                                        </p:cTn>
+                                        <p:tgtEl>
+                                          <p:spTgt spid="27"/>
+                                        </p:tgtEl>
+                                        <p:attrNameLst>
+                                          <p:attrName>style.visibility</p:attrName>
+                                        </p:attrNameLst>
+                                      </p:cBhvr>
+                                      <p:to>
+                                        <p:strVal val="visible"/>
+                                      </p:to>
+                                    </p:set>
+                                    <p:animEffect transition="in" filter="wipe(down)">
+                                      <p:cBhvr>
+                                        <p:cTn id="83" dur="580">
+                                          <p:stCondLst>
+                                            <p:cond delay="0"/>
+                                          </p:stCondLst>
+                                        </p:cTn>
+                                        <p:tgtEl>
+                                          <p:spTgt spid="27"/>
+                                        </p:tgtEl>
+                                      </p:cBhvr>
+                                    </p:animEffect>
+                                    <p:anim calcmode="lin" valueType="num">
+                                      <p:cBhvr>
+                                        <p:cTn id="84" dur="1822" tmFilter="0,0; 0.14,0.36; 0.43,0.73; 0.71,0.91; 1.0,1.0">
+                                          <p:stCondLst>
+                                            <p:cond delay="0"/>
+                                          </p:stCondLst>
+                                        </p:cTn>
+                                        <p:tgtEl>
+                                          <p:spTgt spid="27"/>
+                                        </p:tgtEl>
+                                        <p:attrNameLst>
+                                          <p:attrName>ppt_x</p:attrName>
+                                        </p:attrNameLst>
+                                      </p:cBhvr>
+                                      <p:tavLst>
+                                        <p:tav tm="0">
+                                          <p:val>
+                                            <p:strVal val="#ppt_x-0.25"/>
+                                          </p:val>
+                                        </p:tav>
+                                        <p:tav tm="100000">
+                                          <p:val>
+                                            <p:strVal val="#ppt_x"/>
+                                          </p:val>
+                                        </p:tav>
+                                      </p:tavLst>
+                                    </p:anim>
+                                    <p:anim calcmode="lin" valueType="num">
+                                      <p:cBhvr>
+                                        <p:cTn id="85" dur="664" tmFilter="0.0,0.0; 0.25,0.07; 0.50,0.2; 0.75,0.467; 1.0,1.0">
+                                          <p:stCondLst>
+                                            <p:cond delay="0"/>
+                                          </p:stCondLst>
+                                        </p:cTn>
+                                        <p:tgtEl>
+                                          <p:spTgt spid="27"/>
+                                        </p:tgtEl>
+                                        <p:attrNameLst>
+                                          <p:attrName>ppt_y</p:attrName>
+                                        </p:attrNameLst>
+                                      </p:cBhvr>
+                                      <p:tavLst>
+                                        <p:tav tm="0" fmla="#ppt_y-sin(pi*$)/3">
+                                          <p:val>
+                                            <p:fltVal val="0.5"/>
+                                          </p:val>
+                                        </p:tav>
+                                        <p:tav tm="100000">
+                                          <p:val>
+                                            <p:fltVal val="1"/>
+                                          </p:val>
+                                        </p:tav>
+                                      </p:tavLst>
+                                    </p:anim>
+                                    <p:anim calcmode="lin" valueType="num">
+                                      <p:cBhvr>
+                                        <p:cTn id="86" dur="664" tmFilter="0, 0; 0.125,0.2665; 0.25,0.4; 0.375,0.465; 0.5,0.5;  0.625,0.535; 0.75,0.6; 0.875,0.7335; 1,1">
+                                          <p:stCondLst>
+                                            <p:cond delay="664"/>
+                                          </p:stCondLst>
+                                        </p:cTn>
+                                        <p:tgtEl>
+                                          <p:spTgt spid="27"/>
+                                        </p:tgtEl>
+                                        <p:attrNameLst>
+                                          <p:attrName>ppt_y</p:attrName>
+                                        </p:attrNameLst>
+                                      </p:cBhvr>
+                                      <p:tavLst>
+                                        <p:tav tm="0" fmla="#ppt_y-sin(pi*$)/9">
+                                          <p:val>
+                                            <p:fltVal val="0"/>
+                                          </p:val>
+                                        </p:tav>
+                                        <p:tav tm="100000">
+                                          <p:val>
+                                            <p:fltVal val="1"/>
+                                          </p:val>
+                                        </p:tav>
+                                      </p:tavLst>
+                                    </p:anim>
+                                    <p:anim calcmode="lin" valueType="num">
+                                      <p:cBhvr>
+                                        <p:cTn id="87" dur="332" tmFilter="0, 0; 0.125,0.2665; 0.25,0.4; 0.375,0.465; 0.5,0.5;  0.625,0.535; 0.75,0.6; 0.875,0.7335; 1,1">
+                                          <p:stCondLst>
+                                            <p:cond delay="1324"/>
+                                          </p:stCondLst>
+                                        </p:cTn>
+                                        <p:tgtEl>
+                                          <p:spTgt spid="27"/>
+                                        </p:tgtEl>
+                                        <p:attrNameLst>
+                                          <p:attrName>ppt_y</p:attrName>
+                                        </p:attrNameLst>
+                                      </p:cBhvr>
+                                      <p:tavLst>
+                                        <p:tav tm="0" fmla="#ppt_y-sin(pi*$)/27">
+                                          <p:val>
+                                            <p:fltVal val="0"/>
+                                          </p:val>
+                                        </p:tav>
+                                        <p:tav tm="100000">
+                                          <p:val>
+                                            <p:fltVal val="1"/>
+                                          </p:val>
+                                        </p:tav>
+                                      </p:tavLst>
+                                    </p:anim>
+                                    <p:anim calcmode="lin" valueType="num">
+                                      <p:cBhvr>
+                                        <p:cTn id="88" dur="164" tmFilter="0, 0; 0.125,0.2665; 0.25,0.4; 0.375,0.465; 0.5,0.5;  0.625,0.535; 0.75,0.6; 0.875,0.7335; 1,1">
+                                          <p:stCondLst>
+                                            <p:cond delay="1656"/>
+                                          </p:stCondLst>
+                                        </p:cTn>
+                                        <p:tgtEl>
+                                          <p:spTgt spid="27"/>
+                                        </p:tgtEl>
+                                        <p:attrNameLst>
+                                          <p:attrName>ppt_y</p:attrName>
+                                        </p:attrNameLst>
+                                      </p:cBhvr>
+                                      <p:tavLst>
+                                        <p:tav tm="0" fmla="#ppt_y-sin(pi*$)/81">
+                                          <p:val>
+                                            <p:fltVal val="0"/>
+                                          </p:val>
+                                        </p:tav>
+                                        <p:tav tm="100000">
+                                          <p:val>
+                                            <p:fltVal val="1"/>
+                                          </p:val>
+                                        </p:tav>
+                                      </p:tavLst>
+                                    </p:anim>
+                                    <p:animScale>
+                                      <p:cBhvr>
+                                        <p:cTn id="89" dur="26">
+                                          <p:stCondLst>
+                                            <p:cond delay="650"/>
+                                          </p:stCondLst>
+                                        </p:cTn>
+                                        <p:tgtEl>
+                                          <p:spTgt spid="27"/>
+                                        </p:tgtEl>
+                                      </p:cBhvr>
+                                      <p:to x="100000" y="60000"/>
+                                    </p:animScale>
+                                    <p:animScale>
+                                      <p:cBhvr>
+                                        <p:cTn id="90" dur="166" decel="50000">
+                                          <p:stCondLst>
+                                            <p:cond delay="676"/>
+                                          </p:stCondLst>
+                                        </p:cTn>
+                                        <p:tgtEl>
+                                          <p:spTgt spid="27"/>
+                                        </p:tgtEl>
+                                      </p:cBhvr>
+                                      <p:to x="100000" y="100000"/>
+                                    </p:animScale>
+                                    <p:animScale>
+                                      <p:cBhvr>
+                                        <p:cTn id="91" dur="26">
+                                          <p:stCondLst>
+                                            <p:cond delay="1312"/>
+                                          </p:stCondLst>
+                                        </p:cTn>
+                                        <p:tgtEl>
+                                          <p:spTgt spid="27"/>
+                                        </p:tgtEl>
+                                      </p:cBhvr>
+                                      <p:to x="100000" y="80000"/>
+                                    </p:animScale>
+                                    <p:animScale>
+                                      <p:cBhvr>
+                                        <p:cTn id="92" dur="166" decel="50000">
+                                          <p:stCondLst>
+                                            <p:cond delay="1338"/>
+                                          </p:stCondLst>
+                                        </p:cTn>
+                                        <p:tgtEl>
+                                          <p:spTgt spid="27"/>
+                                        </p:tgtEl>
+                                      </p:cBhvr>
+                                      <p:to x="100000" y="100000"/>
+                                    </p:animScale>
+                                    <p:animScale>
+                                      <p:cBhvr>
+                                        <p:cTn id="93" dur="26">
+                                          <p:stCondLst>
+                                            <p:cond delay="1642"/>
+                                          </p:stCondLst>
+                                        </p:cTn>
+                                        <p:tgtEl>
+                                          <p:spTgt spid="27"/>
+                                        </p:tgtEl>
+                                      </p:cBhvr>
+                                      <p:to x="100000" y="90000"/>
+                                    </p:animScale>
+                                    <p:animScale>
+                                      <p:cBhvr>
+                                        <p:cTn id="94" dur="166" decel="50000">
+                                          <p:stCondLst>
+                                            <p:cond delay="1668"/>
+                                          </p:stCondLst>
+                                        </p:cTn>
+                                        <p:tgtEl>
+                                          <p:spTgt spid="27"/>
+                                        </p:tgtEl>
+                                      </p:cBhvr>
+                                      <p:to x="100000" y="100000"/>
+                                    </p:animScale>
+                                    <p:animScale>
+                                      <p:cBhvr>
+                                        <p:cTn id="95" dur="26">
+                                          <p:stCondLst>
+                                            <p:cond delay="1808"/>
+                                          </p:stCondLst>
+                                        </p:cTn>
+                                        <p:tgtEl>
+                                          <p:spTgt spid="27"/>
+                                        </p:tgtEl>
+                                      </p:cBhvr>
+                                      <p:to x="100000" y="95000"/>
+                                    </p:animScale>
+                                    <p:animScale>
+                                      <p:cBhvr>
+                                        <p:cTn id="96" dur="166" decel="50000">
+                                          <p:stCondLst>
+                                            <p:cond delay="1834"/>
+                                          </p:stCondLst>
+                                        </p:cTn>
+                                        <p:tgtEl>
+                                          <p:spTgt spid="27"/>
+                                        </p:tgtEl>
+                                      </p:cBhvr>
+                                      <p:to x="100000" y="100000"/>
+                                    </p:animScale>
+                                  </p:childTnLst>
+                                </p:cTn>
+                              </p:par>
+                            </p:childTnLst>
+                          </p:cTn>
+                        </p:par>
+                      </p:childTnLst>
+                    </p:cTn>
+                  </p:par>
+                  <p:par>
+                    <p:cTn id="97" fill="hold">
+                      <p:stCondLst>
+                        <p:cond delay="indefinite"/>
+                      </p:stCondLst>
+                      <p:childTnLst>
+                        <p:par>
+                          <p:cTn id="98" fill="hold">
+                            <p:stCondLst>
+                              <p:cond delay="0"/>
+                            </p:stCondLst>
+                            <p:childTnLst>
+                              <p:par>
+                                <p:cTn id="99" presetID="2" presetClass="entr" presetSubtype="4" fill="hold" grpId="0" nodeType="clickEffect">
+                                  <p:stCondLst>
+                                    <p:cond delay="0"/>
+                                  </p:stCondLst>
+                                  <p:childTnLst>
+                                    <p:set>
+                                      <p:cBhvr>
+                                        <p:cTn id="100" dur="1" fill="hold">
+                                          <p:stCondLst>
+                                            <p:cond delay="0"/>
+                                          </p:stCondLst>
+                                        </p:cTn>
+                                        <p:tgtEl>
+                                          <p:spTgt spid="29"/>
+                                        </p:tgtEl>
+                                        <p:attrNameLst>
+                                          <p:attrName>style.visibility</p:attrName>
+                                        </p:attrNameLst>
+                                      </p:cBhvr>
+                                      <p:to>
+                                        <p:strVal val="visible"/>
+                                      </p:to>
+                                    </p:set>
+                                    <p:anim calcmode="lin" valueType="num">
+                                      <p:cBhvr additive="base">
+                                        <p:cTn id="101" dur="500" fill="hold"/>
+                                        <p:tgtEl>
+                                          <p:spTgt spid="29"/>
+                                        </p:tgtEl>
+                                        <p:attrNameLst>
+                                          <p:attrName>ppt_x</p:attrName>
+                                        </p:attrNameLst>
+                                      </p:cBhvr>
+                                      <p:tavLst>
+                                        <p:tav tm="0">
+                                          <p:val>
+                                            <p:strVal val="#ppt_x"/>
+                                          </p:val>
+                                        </p:tav>
+                                        <p:tav tm="100000">
+                                          <p:val>
+                                            <p:strVal val="#ppt_x"/>
+                                          </p:val>
+                                        </p:tav>
+                                      </p:tavLst>
+                                    </p:anim>
+                                    <p:anim calcmode="lin" valueType="num">
+                                      <p:cBhvr additive="base">
+                                        <p:cTn id="102" dur="500" fill="hold"/>
+                                        <p:tgtEl>
+                                          <p:spTgt spid="29"/>
+                                        </p:tgtEl>
+                                        <p:attrNameLst>
+                                          <p:attrName>ppt_y</p:attrName>
+                                        </p:attrNameLst>
+                                      </p:cBhvr>
+                                      <p:tavLst>
+                                        <p:tav tm="0">
+                                          <p:val>
+                                            <p:strVal val="1+#ppt_h/2"/>
+                                          </p:val>
+                                        </p:tav>
+                                        <p:tav tm="100000">
+                                          <p:val>
+                                            <p:strVal val="#ppt_y"/>
+                                          </p:val>
+                                        </p:tav>
+                                      </p:tavLst>
+                                    </p:anim>
+                                  </p:childTnLst>
+                                </p:cTn>
+                              </p:par>
+                              <p:par>
+                                <p:cTn id="103" presetID="2" presetClass="entr" presetSubtype="4" fill="hold" grpId="0" nodeType="withEffect">
+                                  <p:stCondLst>
+                                    <p:cond delay="0"/>
+                                  </p:stCondLst>
+                                  <p:childTnLst>
+                                    <p:set>
+                                      <p:cBhvr>
+                                        <p:cTn id="104" dur="1" fill="hold">
+                                          <p:stCondLst>
+                                            <p:cond delay="0"/>
+                                          </p:stCondLst>
+                                        </p:cTn>
+                                        <p:tgtEl>
+                                          <p:spTgt spid="28"/>
+                                        </p:tgtEl>
+                                        <p:attrNameLst>
+                                          <p:attrName>style.visibility</p:attrName>
+                                        </p:attrNameLst>
+                                      </p:cBhvr>
+                                      <p:to>
+                                        <p:strVal val="visible"/>
+                                      </p:to>
+                                    </p:set>
+                                    <p:anim calcmode="lin" valueType="num">
+                                      <p:cBhvr additive="base">
+                                        <p:cTn id="105" dur="500" fill="hold"/>
+                                        <p:tgtEl>
+                                          <p:spTgt spid="28"/>
+                                        </p:tgtEl>
+                                        <p:attrNameLst>
+                                          <p:attrName>ppt_x</p:attrName>
+                                        </p:attrNameLst>
+                                      </p:cBhvr>
+                                      <p:tavLst>
+                                        <p:tav tm="0">
+                                          <p:val>
+                                            <p:strVal val="#ppt_x"/>
+                                          </p:val>
+                                        </p:tav>
+                                        <p:tav tm="100000">
+                                          <p:val>
+                                            <p:strVal val="#ppt_x"/>
+                                          </p:val>
+                                        </p:tav>
+                                      </p:tavLst>
+                                    </p:anim>
+                                    <p:anim calcmode="lin" valueType="num">
+                                      <p:cBhvr additive="base">
+                                        <p:cTn id="106" dur="500" fill="hold"/>
+                                        <p:tgtEl>
+                                          <p:spTgt spid="28"/>
+                                        </p:tgtEl>
+                                        <p:attrNameLst>
+                                          <p:attrName>ppt_y</p:attrName>
+                                        </p:attrNameLst>
+                                      </p:cBhvr>
+                                      <p:tavLst>
+                                        <p:tav tm="0">
+                                          <p:val>
+                                            <p:strVal val="1+#ppt_h/2"/>
+                                          </p:val>
+                                        </p:tav>
+                                        <p:tav tm="100000">
+                                          <p:val>
+                                            <p:strVal val="#ppt_y"/>
+                                          </p:val>
+                                        </p:tav>
+                                      </p:tavLst>
+                                    </p:anim>
+                                  </p:childTnLst>
+                                </p:cTn>
+                              </p:par>
+                            </p:childTnLst>
+                          </p:cTn>
+                        </p:par>
+                      </p:childTnLst>
+                    </p:cTn>
+                  </p:par>
+                  <p:par>
+                    <p:cTn id="107" fill="hold">
+                      <p:stCondLst>
+                        <p:cond delay="indefinite"/>
+                      </p:stCondLst>
+                      <p:childTnLst>
+                        <p:par>
+                          <p:cTn id="108" fill="hold">
+                            <p:stCondLst>
+                              <p:cond delay="0"/>
+                            </p:stCondLst>
+                            <p:childTnLst>
+                              <p:par>
+                                <p:cTn id="109" presetID="1" presetClass="exit" presetSubtype="0" fill="hold" grpId="1" nodeType="clickEffect">
+                                  <p:stCondLst>
+                                    <p:cond delay="0"/>
+                                  </p:stCondLst>
+                                  <p:childTnLst>
+                                    <p:set>
+                                      <p:cBhvr>
+                                        <p:cTn id="110" dur="1" fill="hold">
+                                          <p:stCondLst>
+                                            <p:cond delay="0"/>
+                                          </p:stCondLst>
+                                        </p:cTn>
+                                        <p:tgtEl>
+                                          <p:spTgt spid="22"/>
+                                        </p:tgtEl>
+                                        <p:attrNameLst>
+                                          <p:attrName>style.visibility</p:attrName>
+                                        </p:attrNameLst>
+                                      </p:cBhvr>
+                                      <p:to>
+                                        <p:strVal val="hidden"/>
+                                      </p:to>
+                                    </p:set>
+                                  </p:childTnLst>
+                                </p:cTn>
+                              </p:par>
+                              <p:par>
+                                <p:cTn id="111" presetID="1" presetClass="exit" presetSubtype="0" fill="hold" grpId="1" nodeType="withEffect">
+                                  <p:stCondLst>
+                                    <p:cond delay="0"/>
+                                  </p:stCondLst>
+                                  <p:childTnLst>
+                                    <p:set>
+                                      <p:cBhvr>
+                                        <p:cTn id="112" dur="1" fill="hold">
+                                          <p:stCondLst>
+                                            <p:cond delay="0"/>
+                                          </p:stCondLst>
+                                        </p:cTn>
+                                        <p:tgtEl>
+                                          <p:spTgt spid="29"/>
+                                        </p:tgtEl>
+                                        <p:attrNameLst>
+                                          <p:attrName>style.visibility</p:attrName>
+                                        </p:attrNameLst>
+                                      </p:cBhvr>
+                                      <p:to>
+                                        <p:strVal val="hidden"/>
+                                      </p:to>
+                                    </p:set>
+                                  </p:childTnLst>
+                                </p:cTn>
+                              </p:par>
+                            </p:childTnLst>
+                          </p:cTn>
+                        </p:par>
+                      </p:childTnLst>
+                    </p:cTn>
+                  </p:par>
+                  <p:par>
+                    <p:cTn id="113" fill="hold">
+                      <p:stCondLst>
+                        <p:cond delay="indefinite"/>
+                      </p:stCondLst>
+                      <p:childTnLst>
+                        <p:par>
+                          <p:cTn id="114" fill="hold">
+                            <p:stCondLst>
+                              <p:cond delay="0"/>
+                            </p:stCondLst>
+                            <p:childTnLst>
+                              <p:par>
+                                <p:cTn id="115" presetID="6" presetClass="emph" presetSubtype="0" fill="hold" grpId="2" nodeType="clickEffect">
+                                  <p:stCondLst>
+                                    <p:cond delay="0"/>
+                                  </p:stCondLst>
+                                  <p:childTnLst>
+                                    <p:animScale>
+                                      <p:cBhvr>
+                                        <p:cTn id="116" dur="2000" fill="hold"/>
+                                        <p:tgtEl>
+                                          <p:spTgt spid="28"/>
+                                        </p:tgtEl>
+                                      </p:cBhvr>
+                                      <p:by x="150000" y="150000"/>
+                                    </p:animScale>
+                                  </p:childTnLst>
+                                </p:cTn>
+                              </p:par>
+                            </p:childTnLst>
+                          </p:cTn>
+                        </p:par>
+                      </p:childTnLst>
+                    </p:cTn>
+                  </p:par>
+                  <p:par>
+                    <p:cTn id="117" fill="hold">
+                      <p:stCondLst>
+                        <p:cond delay="indefinite"/>
+                      </p:stCondLst>
+                      <p:childTnLst>
+                        <p:par>
+                          <p:cTn id="118" fill="hold">
+                            <p:stCondLst>
+                              <p:cond delay="0"/>
+                            </p:stCondLst>
+                            <p:childTnLst>
+                              <p:par>
+                                <p:cTn id="119" presetID="1" presetClass="entr" presetSubtype="0" fill="hold" grpId="1" nodeType="clickEffect">
+                                  <p:stCondLst>
+                                    <p:cond delay="0"/>
+                                  </p:stCondLst>
+                                  <p:childTnLst>
+                                    <p:set>
+                                      <p:cBhvr>
+                                        <p:cTn id="120" dur="1" fill="hold">
+                                          <p:stCondLst>
+                                            <p:cond delay="0"/>
+                                          </p:stCondLst>
+                                        </p:cTn>
+                                        <p:tgtEl>
+                                          <p:spTgt spid="30"/>
+                                        </p:tgtEl>
+                                        <p:attrNameLst>
+                                          <p:attrName>style.visibility</p:attrName>
+                                        </p:attrNameLst>
+                                      </p:cBhvr>
+                                      <p:to>
+                                        <p:strVal val="visible"/>
+                                      </p:to>
+                                    </p:set>
+                                  </p:childTnLst>
+                                </p:cTn>
+                              </p:par>
+                            </p:childTnLst>
+                          </p:cTn>
+                        </p:par>
+                      </p:childTnLst>
+                    </p:cTn>
+                  </p:par>
+                  <p:par>
+                    <p:cTn id="121" fill="hold">
+                      <p:stCondLst>
+                        <p:cond delay="indefinite"/>
+                      </p:stCondLst>
+                      <p:childTnLst>
+                        <p:par>
+                          <p:cTn id="122" fill="hold">
+                            <p:stCondLst>
+                              <p:cond delay="0"/>
+                            </p:stCondLst>
+                            <p:childTnLst>
+                              <p:par>
+                                <p:cTn id="123" presetID="1" presetClass="exit" presetSubtype="0" fill="hold" grpId="0" nodeType="clickEffect">
+                                  <p:stCondLst>
+                                    <p:cond delay="0"/>
+                                  </p:stCondLst>
+                                  <p:childTnLst>
+                                    <p:set>
+                                      <p:cBhvr>
+                                        <p:cTn id="124" dur="1" fill="hold">
+                                          <p:stCondLst>
+                                            <p:cond delay="0"/>
+                                          </p:stCondLst>
+                                        </p:cTn>
+                                        <p:tgtEl>
+                                          <p:spTgt spid="30"/>
+                                        </p:tgtEl>
+                                        <p:attrNameLst>
+                                          <p:attrName>style.visibility</p:attrName>
+                                        </p:attrNameLst>
+                                      </p:cBhvr>
+                                      <p:to>
+                                        <p:strVal val="hidden"/>
+                                      </p:to>
+                                    </p:set>
+                                  </p:childTnLst>
+                                </p:cTn>
+                              </p:par>
+                            </p:childTnLst>
+                          </p:cTn>
+                        </p:par>
+                      </p:childTnLst>
+                    </p:cTn>
+                  </p:par>
+                  <p:par>
+                    <p:cTn id="125" fill="hold">
+                      <p:stCondLst>
+                        <p:cond delay="indefinite"/>
+                      </p:stCondLst>
+                      <p:childTnLst>
+                        <p:par>
+                          <p:cTn id="126" fill="hold">
+                            <p:stCondLst>
+                              <p:cond delay="0"/>
+                            </p:stCondLst>
+                            <p:childTnLst>
+                              <p:par>
+                                <p:cTn id="127" presetID="1" presetClass="exit" presetSubtype="0" fill="hold" grpId="1" nodeType="clickEffect">
+                                  <p:stCondLst>
+                                    <p:cond delay="0"/>
+                                  </p:stCondLst>
+                                  <p:childTnLst>
+                                    <p:set>
+                                      <p:cBhvr>
+                                        <p:cTn id="128" dur="1" fill="hold">
+                                          <p:stCondLst>
+                                            <p:cond delay="0"/>
+                                          </p:stCondLst>
+                                        </p:cTn>
+                                        <p:tgtEl>
+                                          <p:spTgt spid="28"/>
+                                        </p:tgtEl>
+                                        <p:attrNameLst>
+                                          <p:attrName>style.visibility</p:attrName>
+                                        </p:attrNameLst>
+                                      </p:cBhvr>
+                                      <p:to>
+                                        <p:strVal val="hidden"/>
+                                      </p:to>
+                                    </p:set>
+                                  </p:childTnLst>
+                                </p:cTn>
+                              </p:par>
+                            </p:childTnLst>
+                          </p:cTn>
+                        </p:par>
+                      </p:childTnLst>
+                    </p:cTn>
+                  </p:par>
+                </p:childTnLst>
+              </p:cTn>
+              <p:prevCondLst>
+                <p:cond evt="onPrev" delay="0">
+                  <p:tgtEl>
+                    <p:sldTgt/>
+                  </p:tgtEl>
+                </p:cond>
+              </p:prevCondLst>
+              <p:nextCondLst>
+                <p:cond evt="onNext" delay="0">
+                  <p:tgtEl>
+                    <p:sldTgt/>
+                  </p:tgtEl>
+                </p:cond>
+              </p:nextCondLst>
+            </p:seq>
+          </p:childTnLst>
+        </p:cTn>
+      </p:par>
+    </p:tnLst>
+    <p:bldLst>
+      <p:bldP spid="14" grpId="0" animBg="1"/>
+      <p:bldP spid="14" grpId="1" animBg="1"/>
+      <p:bldP spid="15" grpId="0" animBg="1"/>
+      <p:bldP spid="15" grpId="1" animBg="1"/>
+      <p:bldP spid="16" grpId="0" animBg="1"/>
+      <p:bldP spid="16" grpId="1" animBg="1"/>
+      <p:bldP spid="17" grpId="0" animBg="1"/>
+      <p:bldP spid="17" grpId="1" animBg="1"/>
+      <p:bldP spid="18" grpId="0" animBg="1"/>
+      <p:bldP spid="18" grpId="1" animBg="1"/>
+      <p:bldP spid="22" grpId="0" animBg="1"/>
+      <p:bldP spid="22" grpId="1" animBg="1"/>
+      <p:bldP spid="23" grpId="0" animBg="1"/>
+      <p:bldP spid="23" grpId="1" animBg="1"/>
+      <p:bldP spid="28" grpId="0" animBg="1"/>
+      <p:bldP spid="28" grpId="1" animBg="1"/>
+      <p:bldP spid="28" grpId="2" animBg="1"/>
+      <p:bldP spid="29" grpId="0" animBg="1"/>
+      <p:bldP spid="29" grpId="1" animBg="1"/>
+      <p:bldP spid="30" grpId="0" animBg="1"/>
+      <p:bldP spid="30" grpId="1" animBg="1"/>
+    </p:bldLst>
+  </p:timing>
+</p:sld>
+</file>
+
+<file path=ppt/slides/slide83.xml><?xml version="1.0" encoding="utf-8"?>
+<p:sld xmlns:a="http://schemas.openxmlformats.org/drawingml/2006/main" xmlns:r="http://schemas.openxmlformats.org/officeDocument/2006/relationships" xmlns:p="http://schemas.openxmlformats.org/presentationml/2006/main">
+  <p:cSld>
+    <p:spTree>
+      <p:nvGrpSpPr>
+        <p:cNvPr id="1" name=""/>
+        <p:cNvGrpSpPr/>
+        <p:nvPr/>
+      </p:nvGrpSpPr>
+      <p:grpSpPr>
+        <a:xfrm>
+          <a:off x="0" y="0"/>
+          <a:ext cx="0" cy="0"/>
+          <a:chOff x="0" y="0"/>
+          <a:chExt cx="0" cy="0"/>
+        </a:xfrm>
+      </p:grpSpPr>
+      <p:sp>
+        <p:nvSpPr>
+          <p:cNvPr id="2" name="Title 1"/>
+          <p:cNvSpPr>
+            <a:spLocks noGrp="1"/>
+          </p:cNvSpPr>
+          <p:nvPr>
+            <p:ph type="title"/>
+          </p:nvPr>
+        </p:nvSpPr>
+        <p:spPr>
+          <a:xfrm>
+            <a:off x="529053" y="0"/>
+            <a:ext cx="8596668" cy="461319"/>
+          </a:xfrm>
+        </p:spPr>
+        <p:txBody>
+          <a:bodyPr>
+            <a:normAutofit fontScale="90000"/>
+          </a:bodyPr>
+          <a:lstStyle/>
+          <a:p>
+            <a:r>
+              <a:rPr lang="en-IN" dirty="0" smtClean="0"/>
+              <a:t>Generic Types</a:t>
+            </a:r>
+            <a:endParaRPr lang="en-GB" dirty="0"/>
+          </a:p>
+        </p:txBody>
+      </p:sp>
+      <p:sp>
+        <p:nvSpPr>
+          <p:cNvPr id="3" name="Content Placeholder 2"/>
+          <p:cNvSpPr>
+            <a:spLocks noGrp="1"/>
+          </p:cNvSpPr>
+          <p:nvPr>
+            <p:ph idx="1"/>
+          </p:nvPr>
+        </p:nvSpPr>
+        <p:spPr>
+          <a:xfrm>
+            <a:off x="677334" y="560173"/>
+            <a:ext cx="8596668" cy="5481189"/>
+          </a:xfrm>
+        </p:spPr>
+        <p:txBody>
+          <a:bodyPr/>
+          <a:lstStyle/>
+          <a:p>
+            <a:r>
+              <a:rPr lang="en-IN" dirty="0" smtClean="0"/>
+              <a:t>In Simple language a generic type is a type which is connected to some other type and it is flexible about what that other type can be</a:t>
+            </a:r>
+          </a:p>
+          <a:p>
+            <a:r>
+              <a:rPr lang="en-IN" dirty="0" smtClean="0"/>
+              <a:t>Like an array is connected to other types and the other type can be string number </a:t>
+            </a:r>
+            <a:r>
+              <a:rPr lang="en-IN" dirty="0" err="1" smtClean="0"/>
+              <a:t>etc</a:t>
+            </a:r>
+            <a:r>
+              <a:rPr lang="en-IN" dirty="0" smtClean="0"/>
+              <a:t> </a:t>
+            </a:r>
+            <a:r>
+              <a:rPr lang="en-IN" dirty="0" err="1" smtClean="0"/>
+              <a:t>i.e</a:t>
+            </a:r>
+            <a:r>
+              <a:rPr lang="en-IN" dirty="0" smtClean="0"/>
+              <a:t> we can have an array of strings ,array of numbers </a:t>
+            </a:r>
+            <a:r>
+              <a:rPr lang="en-IN" dirty="0" err="1" smtClean="0"/>
+              <a:t>etc</a:t>
+            </a:r>
+            <a:endParaRPr lang="en-GB" dirty="0"/>
+          </a:p>
+        </p:txBody>
+      </p:sp>
+    </p:spTree>
+    <p:extLst>
+      <p:ext uri="{BB962C8B-B14F-4D97-AF65-F5344CB8AC3E}">
+        <p14:creationId xmlns:p14="http://schemas.microsoft.com/office/powerpoint/2010/main" val="1666940995"/>
+      </p:ext>
+    </p:extLst>
+  </p:cSld>
+  <p:clrMapOvr>
+    <a:masterClrMapping/>
+  </p:clrMapOvr>
+  <p:timing>
+    <p:tnLst>
+      <p:par>
+        <p:cTn id="1" dur="indefinite" restart="never" nodeType="tmRoot"/>
+      </p:par>
+    </p:tnLst>
+  </p:timing>
+</p:sld>
+</file>
+
+<file path=ppt/slides/slide84.xml><?xml version="1.0" encoding="utf-8"?>
 <p:sld xmlns:a="http://schemas.openxmlformats.org/drawingml/2006/main" xmlns:r="http://schemas.openxmlformats.org/officeDocument/2006/relationships" xmlns:p="http://schemas.openxmlformats.org/presentationml/2006/main">
   <p:cSld>
     <p:spTree>

--- a/PPT/TypeScriptv7.pptx
+++ b/PPT/TypeScriptv7.pptx
@@ -5,7 +5,7 @@
     <p:sldMasterId id="2147483660" r:id="rId1"/>
   </p:sldMasterIdLst>
   <p:notesMasterIdLst>
-    <p:notesMasterId r:id="rId86"/>
+    <p:notesMasterId r:id="rId92"/>
   </p:notesMasterIdLst>
   <p:sldIdLst>
     <p:sldId id="256" r:id="rId2"/>
@@ -90,8 +90,14 @@
     <p:sldId id="439" r:id="rId81"/>
     <p:sldId id="440" r:id="rId82"/>
     <p:sldId id="441" r:id="rId83"/>
-    <p:sldId id="438" r:id="rId84"/>
-    <p:sldId id="268" r:id="rId85"/>
+    <p:sldId id="442" r:id="rId84"/>
+    <p:sldId id="443" r:id="rId85"/>
+    <p:sldId id="444" r:id="rId86"/>
+    <p:sldId id="445" r:id="rId87"/>
+    <p:sldId id="446" r:id="rId88"/>
+    <p:sldId id="447" r:id="rId89"/>
+    <p:sldId id="438" r:id="rId90"/>
+    <p:sldId id="268" r:id="rId91"/>
   </p:sldIdLst>
   <p:sldSz cx="12192000" cy="6858000"/>
   <p:notesSz cx="6858000" cy="9144000"/>
@@ -280,7 +286,7 @@
           <a:p>
             <a:fld id="{39CD3BCA-8732-46CA-ADDD-C24F968DBEAF}" type="datetimeFigureOut">
               <a:rPr lang="en-GB" smtClean="0"/>
-              <a:t>21/06/2020</a:t>
+              <a:t>04/07/2020</a:t>
             </a:fld>
             <a:endParaRPr lang="en-GB"/>
           </a:p>
@@ -3556,7 +3562,6 @@
               <a:rPr lang="en-IN" dirty="0" smtClean="0"/>
               <a:t>(Click)</a:t>
             </a:r>
-            <a:endParaRPr lang="en-IN" dirty="0" smtClean="0"/>
           </a:p>
           <a:p>
             <a:r>
@@ -4579,7 +4584,10 @@
             <a:endParaRPr lang="en-IN" baseline="0" dirty="0" smtClean="0"/>
           </a:p>
           <a:p>
-            <a:endParaRPr lang="en-IN" baseline="0" dirty="0" smtClean="0"/>
+            <a:r>
+              <a:rPr lang="en-IN" baseline="0" dirty="0" smtClean="0"/>
+              <a:t>Show a demo using PromisesAndCallbacks.js till line 28</a:t>
+            </a:r>
           </a:p>
           <a:p>
             <a:endParaRPr lang="en-IN" baseline="0" dirty="0" smtClean="0"/>
@@ -4814,6 +4822,175 @@
     <p:extLst>
       <p:ext uri="{BB962C8B-B14F-4D97-AF65-F5344CB8AC3E}">
         <p14:creationId xmlns:p14="http://schemas.microsoft.com/office/powerpoint/2010/main" val="450739331"/>
+      </p:ext>
+    </p:extLst>
+  </p:cSld>
+  <p:clrMapOvr>
+    <a:masterClrMapping/>
+  </p:clrMapOvr>
+</p:notes>
+</file>
+
+<file path=ppt/notesSlides/notesSlide30.xml><?xml version="1.0" encoding="utf-8"?>
+<p:notes xmlns:a="http://schemas.openxmlformats.org/drawingml/2006/main" xmlns:r="http://schemas.openxmlformats.org/officeDocument/2006/relationships" xmlns:p="http://schemas.openxmlformats.org/presentationml/2006/main">
+  <p:cSld>
+    <p:spTree>
+      <p:nvGrpSpPr>
+        <p:cNvPr id="1" name=""/>
+        <p:cNvGrpSpPr/>
+        <p:nvPr/>
+      </p:nvGrpSpPr>
+      <p:grpSpPr>
+        <a:xfrm>
+          <a:off x="0" y="0"/>
+          <a:ext cx="0" cy="0"/>
+          <a:chOff x="0" y="0"/>
+          <a:chExt cx="0" cy="0"/>
+        </a:xfrm>
+      </p:grpSpPr>
+      <p:sp>
+        <p:nvSpPr>
+          <p:cNvPr id="2" name="Slide Image Placeholder 1"/>
+          <p:cNvSpPr>
+            <a:spLocks noGrp="1" noRot="1" noChangeAspect="1"/>
+          </p:cNvSpPr>
+          <p:nvPr>
+            <p:ph type="sldImg"/>
+          </p:nvPr>
+        </p:nvSpPr>
+        <p:spPr/>
+      </p:sp>
+      <p:sp>
+        <p:nvSpPr>
+          <p:cNvPr id="3" name="Notes Placeholder 2"/>
+          <p:cNvSpPr>
+            <a:spLocks noGrp="1"/>
+          </p:cNvSpPr>
+          <p:nvPr>
+            <p:ph type="body" idx="1"/>
+          </p:nvPr>
+        </p:nvSpPr>
+        <p:spPr/>
+        <p:txBody>
+          <a:bodyPr/>
+          <a:lstStyle/>
+          <a:p>
+            <a:r>
+              <a:rPr lang="en-GB" dirty="0" smtClean="0"/>
+              <a:t>Click</a:t>
+            </a:r>
+            <a:r>
+              <a:rPr lang="en-GB" baseline="0" dirty="0" smtClean="0"/>
+              <a:t> </a:t>
+            </a:r>
+          </a:p>
+          <a:p>
+            <a:r>
+              <a:rPr lang="en-GB" baseline="0" dirty="0" smtClean="0"/>
+              <a:t>If we have a code like this it becomes difficult to read and track.</a:t>
+            </a:r>
+          </a:p>
+          <a:p>
+            <a:r>
+              <a:rPr lang="en-GB" baseline="0" dirty="0" smtClean="0"/>
+              <a:t>click</a:t>
+            </a:r>
+          </a:p>
+          <a:p>
+            <a:r>
+              <a:rPr lang="en-GB" baseline="0" dirty="0" smtClean="0"/>
+              <a:t>This is sometimes referred to as  </a:t>
+            </a:r>
+            <a:r>
+              <a:rPr lang="en-GB" baseline="0" dirty="0" err="1" smtClean="0"/>
+              <a:t>callback</a:t>
+            </a:r>
+            <a:r>
+              <a:rPr lang="en-GB" baseline="0" dirty="0" smtClean="0"/>
+              <a:t> hell</a:t>
+            </a:r>
+          </a:p>
+          <a:p>
+            <a:r>
+              <a:rPr lang="en-GB" baseline="0" dirty="0" smtClean="0"/>
+              <a:t>Click</a:t>
+            </a:r>
+          </a:p>
+          <a:p>
+            <a:r>
+              <a:rPr lang="en-GB" baseline="0" dirty="0" smtClean="0"/>
+              <a:t>Thankfully </a:t>
+            </a:r>
+            <a:r>
+              <a:rPr lang="en-GB" baseline="0" dirty="0" err="1" smtClean="0"/>
+              <a:t>js</a:t>
+            </a:r>
+            <a:r>
+              <a:rPr lang="en-GB" baseline="0" dirty="0" smtClean="0"/>
+              <a:t> has a solution called as promises</a:t>
+            </a:r>
+          </a:p>
+          <a:p>
+            <a:r>
+              <a:rPr lang="en-GB" baseline="0" dirty="0" smtClean="0"/>
+              <a:t>In promises we use the then keyword to specify a dependent task as a </a:t>
+            </a:r>
+            <a:r>
+              <a:rPr lang="en-GB" baseline="0" dirty="0" err="1" smtClean="0"/>
+              <a:t>callback</a:t>
+            </a:r>
+            <a:r>
+              <a:rPr lang="en-GB" baseline="0" dirty="0" smtClean="0"/>
+              <a:t> rather than nesting it.</a:t>
+            </a:r>
+          </a:p>
+          <a:p>
+            <a:r>
+              <a:rPr lang="en-GB" baseline="0" dirty="0" smtClean="0"/>
+              <a:t>The concept is called promise chaining</a:t>
+            </a:r>
+          </a:p>
+          <a:p>
+            <a:endParaRPr lang="en-GB" baseline="0" dirty="0" smtClean="0"/>
+          </a:p>
+          <a:p>
+            <a:r>
+              <a:rPr lang="en-GB" baseline="0" dirty="0" smtClean="0"/>
+              <a:t>Lets take a look at this in code</a:t>
+            </a:r>
+          </a:p>
+          <a:p>
+            <a:endParaRPr lang="en-GB" dirty="0"/>
+          </a:p>
+        </p:txBody>
+      </p:sp>
+      <p:sp>
+        <p:nvSpPr>
+          <p:cNvPr id="4" name="Slide Number Placeholder 3"/>
+          <p:cNvSpPr>
+            <a:spLocks noGrp="1"/>
+          </p:cNvSpPr>
+          <p:nvPr>
+            <p:ph type="sldNum" sz="quarter" idx="10"/>
+          </p:nvPr>
+        </p:nvSpPr>
+        <p:spPr/>
+        <p:txBody>
+          <a:bodyPr/>
+          <a:lstStyle/>
+          <a:p>
+            <a:fld id="{D3B79ED6-4970-4D84-B25C-F520A9D9210C}" type="slidenum">
+              <a:rPr lang="en-GB" smtClean="0"/>
+              <a:t>83</a:t>
+            </a:fld>
+            <a:endParaRPr lang="en-GB"/>
+          </a:p>
+        </p:txBody>
+      </p:sp>
+    </p:spTree>
+    <p:extLst>
+      <p:ext uri="{BB962C8B-B14F-4D97-AF65-F5344CB8AC3E}">
+        <p14:creationId xmlns:p14="http://schemas.microsoft.com/office/powerpoint/2010/main" val="437613827"/>
       </p:ext>
     </p:extLst>
   </p:cSld>
@@ -7602,7 +7779,7 @@
           <a:p>
             <a:fld id="{D4BA8270-C9CF-44CA-BE5A-02C2BDCCEDE4}" type="datetimeFigureOut">
               <a:rPr lang="en-GB" smtClean="0"/>
-              <a:t>21/06/2020</a:t>
+              <a:t>04/07/2020</a:t>
             </a:fld>
             <a:endParaRPr lang="en-GB"/>
           </a:p>
@@ -7853,7 +8030,7 @@
           <a:p>
             <a:fld id="{D4BA8270-C9CF-44CA-BE5A-02C2BDCCEDE4}" type="datetimeFigureOut">
               <a:rPr lang="en-GB" smtClean="0"/>
-              <a:t>21/06/2020</a:t>
+              <a:t>04/07/2020</a:t>
             </a:fld>
             <a:endParaRPr lang="en-GB"/>
           </a:p>
@@ -8167,7 +8344,7 @@
           <a:p>
             <a:fld id="{D4BA8270-C9CF-44CA-BE5A-02C2BDCCEDE4}" type="datetimeFigureOut">
               <a:rPr lang="en-GB" smtClean="0"/>
-              <a:t>21/06/2020</a:t>
+              <a:t>04/07/2020</a:t>
             </a:fld>
             <a:endParaRPr lang="en-GB"/>
           </a:p>
@@ -8508,7 +8685,7 @@
           <a:p>
             <a:fld id="{D4BA8270-C9CF-44CA-BE5A-02C2BDCCEDE4}" type="datetimeFigureOut">
               <a:rPr lang="en-GB" smtClean="0"/>
-              <a:t>21/06/2020</a:t>
+              <a:t>04/07/2020</a:t>
             </a:fld>
             <a:endParaRPr lang="en-GB"/>
           </a:p>
@@ -8822,7 +8999,7 @@
           <a:p>
             <a:fld id="{D4BA8270-C9CF-44CA-BE5A-02C2BDCCEDE4}" type="datetimeFigureOut">
               <a:rPr lang="en-GB" smtClean="0"/>
-              <a:t>21/06/2020</a:t>
+              <a:t>04/07/2020</a:t>
             </a:fld>
             <a:endParaRPr lang="en-GB"/>
           </a:p>
@@ -9215,7 +9392,7 @@
           <a:p>
             <a:fld id="{D4BA8270-C9CF-44CA-BE5A-02C2BDCCEDE4}" type="datetimeFigureOut">
               <a:rPr lang="en-GB" smtClean="0"/>
-              <a:t>21/06/2020</a:t>
+              <a:t>04/07/2020</a:t>
             </a:fld>
             <a:endParaRPr lang="en-GB"/>
           </a:p>
@@ -9385,7 +9562,7 @@
           <a:p>
             <a:fld id="{D4BA8270-C9CF-44CA-BE5A-02C2BDCCEDE4}" type="datetimeFigureOut">
               <a:rPr lang="en-GB" smtClean="0"/>
-              <a:t>21/06/2020</a:t>
+              <a:t>04/07/2020</a:t>
             </a:fld>
             <a:endParaRPr lang="en-GB"/>
           </a:p>
@@ -9565,7 +9742,7 @@
           <a:p>
             <a:fld id="{D4BA8270-C9CF-44CA-BE5A-02C2BDCCEDE4}" type="datetimeFigureOut">
               <a:rPr lang="en-GB" smtClean="0"/>
-              <a:t>21/06/2020</a:t>
+              <a:t>04/07/2020</a:t>
             </a:fld>
             <a:endParaRPr lang="en-GB"/>
           </a:p>
@@ -9741,7 +9918,7 @@
           <a:p>
             <a:fld id="{D4BA8270-C9CF-44CA-BE5A-02C2BDCCEDE4}" type="datetimeFigureOut">
               <a:rPr lang="en-GB" smtClean="0"/>
-              <a:t>21/06/2020</a:t>
+              <a:t>04/07/2020</a:t>
             </a:fld>
             <a:endParaRPr lang="en-GB"/>
           </a:p>
@@ -9988,7 +10165,7 @@
           <a:p>
             <a:fld id="{D4BA8270-C9CF-44CA-BE5A-02C2BDCCEDE4}" type="datetimeFigureOut">
               <a:rPr lang="en-GB" smtClean="0"/>
-              <a:t>21/06/2020</a:t>
+              <a:t>04/07/2020</a:t>
             </a:fld>
             <a:endParaRPr lang="en-GB"/>
           </a:p>
@@ -10220,7 +10397,7 @@
           <a:p>
             <a:fld id="{D4BA8270-C9CF-44CA-BE5A-02C2BDCCEDE4}" type="datetimeFigureOut">
               <a:rPr lang="en-GB" smtClean="0"/>
-              <a:t>21/06/2020</a:t>
+              <a:t>04/07/2020</a:t>
             </a:fld>
             <a:endParaRPr lang="en-GB"/>
           </a:p>
@@ -10594,7 +10771,7 @@
           <a:p>
             <a:fld id="{D4BA8270-C9CF-44CA-BE5A-02C2BDCCEDE4}" type="datetimeFigureOut">
               <a:rPr lang="en-GB" smtClean="0"/>
-              <a:t>21/06/2020</a:t>
+              <a:t>04/07/2020</a:t>
             </a:fld>
             <a:endParaRPr lang="en-GB"/>
           </a:p>
@@ -10717,7 +10894,7 @@
           <a:p>
             <a:fld id="{D4BA8270-C9CF-44CA-BE5A-02C2BDCCEDE4}" type="datetimeFigureOut">
               <a:rPr lang="en-GB" smtClean="0"/>
-              <a:t>21/06/2020</a:t>
+              <a:t>04/07/2020</a:t>
             </a:fld>
             <a:endParaRPr lang="en-GB"/>
           </a:p>
@@ -10812,7 +10989,7 @@
           <a:p>
             <a:fld id="{D4BA8270-C9CF-44CA-BE5A-02C2BDCCEDE4}" type="datetimeFigureOut">
               <a:rPr lang="en-GB" smtClean="0"/>
-              <a:t>21/06/2020</a:t>
+              <a:t>04/07/2020</a:t>
             </a:fld>
             <a:endParaRPr lang="en-GB"/>
           </a:p>
@@ -11067,7 +11244,7 @@
           <a:p>
             <a:fld id="{D4BA8270-C9CF-44CA-BE5A-02C2BDCCEDE4}" type="datetimeFigureOut">
               <a:rPr lang="en-GB" smtClean="0"/>
-              <a:t>21/06/2020</a:t>
+              <a:t>04/07/2020</a:t>
             </a:fld>
             <a:endParaRPr lang="en-GB"/>
           </a:p>
@@ -11330,7 +11507,7 @@
           <a:p>
             <a:fld id="{D4BA8270-C9CF-44CA-BE5A-02C2BDCCEDE4}" type="datetimeFigureOut">
               <a:rPr lang="en-GB" smtClean="0"/>
-              <a:t>21/06/2020</a:t>
+              <a:t>04/07/2020</a:t>
             </a:fld>
             <a:endParaRPr lang="en-GB"/>
           </a:p>
@@ -12073,7 +12250,7 @@
           <a:p>
             <a:fld id="{D4BA8270-C9CF-44CA-BE5A-02C2BDCCEDE4}" type="datetimeFigureOut">
               <a:rPr lang="en-GB" smtClean="0"/>
-              <a:t>21/06/2020</a:t>
+              <a:t>04/07/2020</a:t>
             </a:fld>
             <a:endParaRPr lang="en-GB"/>
           </a:p>
@@ -30602,6 +30779,13 @@
   <p:clrMapOvr>
     <a:masterClrMapping/>
   </p:clrMapOvr>
+  <p:timing>
+    <p:tnLst>
+      <p:par>
+        <p:cTn id="1" dur="indefinite" restart="never" nodeType="tmRoot"/>
+      </p:par>
+    </p:tnLst>
+  </p:timing>
 </p:sld>
 </file>
 
@@ -32518,6 +32702,13 @@
   <p:clrMapOvr>
     <a:masterClrMapping/>
   </p:clrMapOvr>
+  <p:timing>
+    <p:tnLst>
+      <p:par>
+        <p:cTn id="1" dur="indefinite" restart="never" nodeType="tmRoot"/>
+      </p:par>
+    </p:tnLst>
+  </p:timing>
 </p:sld>
 </file>
 
@@ -32793,6 +32984,13 @@
   <p:clrMapOvr>
     <a:masterClrMapping/>
   </p:clrMapOvr>
+  <p:timing>
+    <p:tnLst>
+      <p:par>
+        <p:cTn id="1" dur="indefinite" restart="never" nodeType="tmRoot"/>
+      </p:par>
+    </p:tnLst>
+  </p:timing>
 </p:sld>
 </file>
 
@@ -33989,6 +34187,13 @@
   <p:clrMapOvr>
     <a:masterClrMapping/>
   </p:clrMapOvr>
+  <p:timing>
+    <p:tnLst>
+      <p:par>
+        <p:cTn id="1" dur="indefinite" restart="never" nodeType="tmRoot"/>
+      </p:par>
+    </p:tnLst>
+  </p:timing>
 </p:sld>
 </file>
 
@@ -34128,6 +34333,13 @@
   <p:clrMapOvr>
     <a:masterClrMapping/>
   </p:clrMapOvr>
+  <p:timing>
+    <p:tnLst>
+      <p:par>
+        <p:cTn id="1" dur="indefinite" restart="never" nodeType="tmRoot"/>
+      </p:par>
+    </p:tnLst>
+  </p:timing>
 </p:sld>
 </file>
 
@@ -34228,6 +34440,13 @@
   <p:clrMapOvr>
     <a:masterClrMapping/>
   </p:clrMapOvr>
+  <p:timing>
+    <p:tnLst>
+      <p:par>
+        <p:cTn id="1" dur="indefinite" restart="never" nodeType="tmRoot"/>
+      </p:par>
+    </p:tnLst>
+  </p:timing>
 </p:sld>
 </file>
 
@@ -34324,6 +34543,13 @@
   <p:clrMapOvr>
     <a:masterClrMapping/>
   </p:clrMapOvr>
+  <p:timing>
+    <p:tnLst>
+      <p:par>
+        <p:cTn id="1" dur="indefinite" restart="never" nodeType="tmRoot"/>
+      </p:par>
+    </p:tnLst>
+  </p:timing>
 </p:sld>
 </file>
 
@@ -34789,6 +35015,13 @@
   <p:clrMapOvr>
     <a:masterClrMapping/>
   </p:clrMapOvr>
+  <p:timing>
+    <p:tnLst>
+      <p:par>
+        <p:cTn id="1" dur="indefinite" restart="never" nodeType="tmRoot"/>
+      </p:par>
+    </p:tnLst>
+  </p:timing>
 </p:sld>
 </file>
 
@@ -36402,6 +36635,13 @@
   <p:clrMapOvr>
     <a:masterClrMapping/>
   </p:clrMapOvr>
+  <p:timing>
+    <p:tnLst>
+      <p:par>
+        <p:cTn id="1" dur="indefinite" restart="never" nodeType="tmRoot"/>
+      </p:par>
+    </p:tnLst>
+  </p:timing>
 </p:sld>
 </file>
 
@@ -36535,7 +36775,7 @@
           <p:nvPr>
             <p:extLst>
               <p:ext uri="{D42A27DB-BD31-4B8C-83A1-F6EECF244321}">
-                <p14:modId xmlns:p14="http://schemas.microsoft.com/office/powerpoint/2010/main" val="4257117673"/>
+                <p14:modId xmlns:p14="http://schemas.microsoft.com/office/powerpoint/2010/main" val="819884728"/>
               </p:ext>
             </p:extLst>
           </p:nvPr>
@@ -36548,7 +36788,7 @@
           <a:graphicData uri="http://schemas.openxmlformats.org/presentationml/2006/ole">
             <mc:AlternateContent xmlns:mc="http://schemas.openxmlformats.org/markup-compatibility/2006">
               <mc:Choice xmlns:v="urn:schemas-microsoft-com:vml" Requires="v">
-                <p:oleObj spid="_x0000_s1064" name="Документ" showAsIcon="1" r:id="rId3" imgW="914400" imgH="792360" progId="Word.Document.12">
+                <p:oleObj spid="_x0000_s1077" name="Документ" showAsIcon="1" r:id="rId3" imgW="914400" imgH="792360" progId="Word.Document.12">
                   <p:embed/>
                 </p:oleObj>
               </mc:Choice>
@@ -36593,6 +36833,13 @@
   <p:clrMapOvr>
     <a:masterClrMapping/>
   </p:clrMapOvr>
+  <p:timing>
+    <p:tnLst>
+      <p:par>
+        <p:cTn id="1" dur="indefinite" restart="never" nodeType="tmRoot"/>
+      </p:par>
+    </p:tnLst>
+  </p:timing>
 </p:sld>
 </file>
 
@@ -36698,6 +36945,13 @@
   <p:clrMapOvr>
     <a:masterClrMapping/>
   </p:clrMapOvr>
+  <p:timing>
+    <p:tnLst>
+      <p:par>
+        <p:cTn id="1" dur="indefinite" restart="never" nodeType="tmRoot"/>
+      </p:par>
+    </p:tnLst>
+  </p:timing>
 </p:sld>
 </file>
 
@@ -36824,6 +37078,13 @@
   <p:clrMapOvr>
     <a:masterClrMapping/>
   </p:clrMapOvr>
+  <p:timing>
+    <p:tnLst>
+      <p:par>
+        <p:cTn id="1" dur="indefinite" restart="never" nodeType="tmRoot"/>
+      </p:par>
+    </p:tnLst>
+  </p:timing>
 </p:sld>
 </file>
 
@@ -36942,6 +37203,13 @@
   <p:clrMapOvr>
     <a:masterClrMapping/>
   </p:clrMapOvr>
+  <p:timing>
+    <p:tnLst>
+      <p:par>
+        <p:cTn id="1" dur="indefinite" restart="never" nodeType="tmRoot"/>
+      </p:par>
+    </p:tnLst>
+  </p:timing>
 </p:sld>
 </file>
 
@@ -37048,6 +37316,13 @@
   <p:clrMapOvr>
     <a:masterClrMapping/>
   </p:clrMapOvr>
+  <p:timing>
+    <p:tnLst>
+      <p:par>
+        <p:cTn id="1" dur="indefinite" restart="never" nodeType="tmRoot"/>
+      </p:par>
+    </p:tnLst>
+  </p:timing>
 </p:sld>
 </file>
 
@@ -37190,6 +37465,13 @@
   <p:clrMapOvr>
     <a:masterClrMapping/>
   </p:clrMapOvr>
+  <p:timing>
+    <p:tnLst>
+      <p:par>
+        <p:cTn id="1" dur="indefinite" restart="never" nodeType="tmRoot"/>
+      </p:par>
+    </p:tnLst>
+  </p:timing>
 </p:sld>
 </file>
 
@@ -37618,6 +37900,13 @@
   <p:clrMapOvr>
     <a:masterClrMapping/>
   </p:clrMapOvr>
+  <p:timing>
+    <p:tnLst>
+      <p:par>
+        <p:cTn id="1" dur="indefinite" restart="never" nodeType="tmRoot"/>
+      </p:par>
+    </p:tnLst>
+  </p:timing>
 </p:sld>
 </file>
 
@@ -37758,6 +38047,13 @@
   <p:clrMapOvr>
     <a:masterClrMapping/>
   </p:clrMapOvr>
+  <p:timing>
+    <p:tnLst>
+      <p:par>
+        <p:cTn id="1" dur="indefinite" restart="never" nodeType="tmRoot"/>
+      </p:par>
+    </p:tnLst>
+  </p:timing>
 </p:sld>
 </file>
 
@@ -37864,6 +38160,13 @@
   <p:clrMapOvr>
     <a:masterClrMapping/>
   </p:clrMapOvr>
+  <p:timing>
+    <p:tnLst>
+      <p:par>
+        <p:cTn id="1" dur="indefinite" restart="never" nodeType="tmRoot"/>
+      </p:par>
+    </p:tnLst>
+  </p:timing>
 </p:sld>
 </file>
 
@@ -38002,6 +38305,13 @@
   <p:clrMapOvr>
     <a:masterClrMapping/>
   </p:clrMapOvr>
+  <p:timing>
+    <p:tnLst>
+      <p:par>
+        <p:cTn id="1" dur="indefinite" restart="never" nodeType="tmRoot"/>
+      </p:par>
+    </p:tnLst>
+  </p:timing>
 </p:sld>
 </file>
 
@@ -38118,6 +38428,13 @@
   <p:clrMapOvr>
     <a:masterClrMapping/>
   </p:clrMapOvr>
+  <p:timing>
+    <p:tnLst>
+      <p:par>
+        <p:cTn id="1" dur="indefinite" restart="never" nodeType="tmRoot"/>
+      </p:par>
+    </p:tnLst>
+  </p:timing>
 </p:sld>
 </file>
 
@@ -38226,6 +38543,13 @@
   <p:clrMapOvr>
     <a:masterClrMapping/>
   </p:clrMapOvr>
+  <p:timing>
+    <p:tnLst>
+      <p:par>
+        <p:cTn id="1" dur="indefinite" restart="never" nodeType="tmRoot"/>
+      </p:par>
+    </p:tnLst>
+  </p:timing>
 </p:sld>
 </file>
 
@@ -38328,6 +38652,13 @@
   <p:clrMapOvr>
     <a:masterClrMapping/>
   </p:clrMapOvr>
+  <p:timing>
+    <p:tnLst>
+      <p:par>
+        <p:cTn id="1" dur="indefinite" restart="never" nodeType="tmRoot"/>
+      </p:par>
+    </p:tnLst>
+  </p:timing>
 </p:sld>
 </file>
 
@@ -38466,6 +38797,13 @@
   <p:clrMapOvr>
     <a:masterClrMapping/>
   </p:clrMapOvr>
+  <p:timing>
+    <p:tnLst>
+      <p:par>
+        <p:cTn id="1" dur="indefinite" restart="never" nodeType="tmRoot"/>
+      </p:par>
+    </p:tnLst>
+  </p:timing>
 </p:sld>
 </file>
 
@@ -38630,6 +38968,13 @@
   <p:clrMapOvr>
     <a:masterClrMapping/>
   </p:clrMapOvr>
+  <p:timing>
+    <p:tnLst>
+      <p:par>
+        <p:cTn id="1" dur="indefinite" restart="never" nodeType="tmRoot"/>
+      </p:par>
+    </p:tnLst>
+  </p:timing>
 </p:sld>
 </file>
 
@@ -39881,6 +40226,13 @@
   <p:clrMapOvr>
     <a:masterClrMapping/>
   </p:clrMapOvr>
+  <p:timing>
+    <p:tnLst>
+      <p:par>
+        <p:cTn id="1" dur="indefinite" restart="never" nodeType="tmRoot"/>
+      </p:par>
+    </p:tnLst>
+  </p:timing>
 </p:sld>
 </file>
 
@@ -40112,6 +40464,13 @@
   <p:clrMapOvr>
     <a:masterClrMapping/>
   </p:clrMapOvr>
+  <p:timing>
+    <p:tnLst>
+      <p:par>
+        <p:cTn id="1" dur="indefinite" restart="never" nodeType="tmRoot"/>
+      </p:par>
+    </p:tnLst>
+  </p:timing>
 </p:sld>
 </file>
 
@@ -40226,6 +40585,13 @@
   <p:clrMapOvr>
     <a:masterClrMapping/>
   </p:clrMapOvr>
+  <p:timing>
+    <p:tnLst>
+      <p:par>
+        <p:cTn id="1" dur="indefinite" restart="never" nodeType="tmRoot"/>
+      </p:par>
+    </p:tnLst>
+  </p:timing>
 </p:sld>
 </file>
 
@@ -40337,6 +40703,13 @@
   <p:clrMapOvr>
     <a:masterClrMapping/>
   </p:clrMapOvr>
+  <p:timing>
+    <p:tnLst>
+      <p:par>
+        <p:cTn id="1" dur="indefinite" restart="never" nodeType="tmRoot"/>
+      </p:par>
+    </p:tnLst>
+  </p:timing>
 </p:sld>
 </file>
 
@@ -40504,6 +40877,13 @@
   <p:clrMapOvr>
     <a:masterClrMapping/>
   </p:clrMapOvr>
+  <p:timing>
+    <p:tnLst>
+      <p:par>
+        <p:cTn id="1" dur="indefinite" restart="never" nodeType="tmRoot"/>
+      </p:par>
+    </p:tnLst>
+  </p:timing>
 </p:sld>
 </file>
 
@@ -40603,6 +40983,13 @@
   <p:clrMapOvr>
     <a:masterClrMapping/>
   </p:clrMapOvr>
+  <p:timing>
+    <p:tnLst>
+      <p:par>
+        <p:cTn id="1" dur="indefinite" restart="never" nodeType="tmRoot"/>
+      </p:par>
+    </p:tnLst>
+  </p:timing>
 </p:sld>
 </file>
 
@@ -40718,6 +41105,13 @@
   <p:clrMapOvr>
     <a:masterClrMapping/>
   </p:clrMapOvr>
+  <p:timing>
+    <p:tnLst>
+      <p:par>
+        <p:cTn id="1" dur="indefinite" restart="never" nodeType="tmRoot"/>
+      </p:par>
+    </p:tnLst>
+  </p:timing>
 </p:sld>
 </file>
 
@@ -40906,6 +41300,13 @@
   <p:clrMapOvr>
     <a:masterClrMapping/>
   </p:clrMapOvr>
+  <p:timing>
+    <p:tnLst>
+      <p:par>
+        <p:cTn id="1" dur="indefinite" restart="never" nodeType="tmRoot"/>
+      </p:par>
+    </p:tnLst>
+  </p:timing>
 </p:sld>
 </file>
 
@@ -41016,6 +41417,13 @@
   <p:clrMapOvr>
     <a:masterClrMapping/>
   </p:clrMapOvr>
+  <p:timing>
+    <p:tnLst>
+      <p:par>
+        <p:cTn id="1" dur="indefinite" restart="never" nodeType="tmRoot"/>
+      </p:par>
+    </p:tnLst>
+  </p:timing>
 </p:sld>
 </file>
 
@@ -43175,7 +43583,6 @@
               <a:rPr lang="en-GB" dirty="0"/>
               <a:t>Asynchronous Code Execution </a:t>
             </a:r>
-            <a:endParaRPr lang="en-GB" dirty="0"/>
           </a:p>
         </p:txBody>
       </p:sp>
@@ -48648,6 +49055,1839 @@
 </file>
 
 <file path=ppt/slides/slide83.xml><?xml version="1.0" encoding="utf-8"?>
+<p:sld xmlns:a="http://schemas.openxmlformats.org/drawingml/2006/main" xmlns:r="http://schemas.openxmlformats.org/officeDocument/2006/relationships" xmlns:p="http://schemas.openxmlformats.org/presentationml/2006/main" showMasterSp="0">
+  <p:cSld>
+    <p:spTree>
+      <p:nvGrpSpPr>
+        <p:cNvPr id="1" name=""/>
+        <p:cNvGrpSpPr/>
+        <p:nvPr/>
+      </p:nvGrpSpPr>
+      <p:grpSpPr>
+        <a:xfrm>
+          <a:off x="0" y="0"/>
+          <a:ext cx="0" cy="0"/>
+          <a:chOff x="0" y="0"/>
+          <a:chExt cx="0" cy="0"/>
+        </a:xfrm>
+      </p:grpSpPr>
+      <p:sp>
+        <p:nvSpPr>
+          <p:cNvPr id="2" name="Title 1"/>
+          <p:cNvSpPr>
+            <a:spLocks noGrp="1"/>
+          </p:cNvSpPr>
+          <p:nvPr>
+            <p:ph type="title"/>
+          </p:nvPr>
+        </p:nvSpPr>
+        <p:spPr>
+          <a:xfrm>
+            <a:off x="830929" y="171514"/>
+            <a:ext cx="8596668" cy="717395"/>
+          </a:xfrm>
+        </p:spPr>
+        <p:txBody>
+          <a:bodyPr/>
+          <a:lstStyle/>
+          <a:p>
+            <a:r>
+              <a:rPr lang="en-IN" dirty="0" smtClean="0"/>
+              <a:t>Promises and Promise Chaining</a:t>
+            </a:r>
+            <a:endParaRPr lang="en-GB" dirty="0"/>
+          </a:p>
+        </p:txBody>
+      </p:sp>
+      <p:grpSp>
+        <p:nvGrpSpPr>
+          <p:cNvPr id="4" name="Group 3"/>
+          <p:cNvGrpSpPr/>
+          <p:nvPr/>
+        </p:nvGrpSpPr>
+        <p:grpSpPr>
+          <a:xfrm>
+            <a:off x="677333" y="1409096"/>
+            <a:ext cx="4463379" cy="3595390"/>
+            <a:chOff x="677334" y="1409095"/>
+            <a:chExt cx="3479999" cy="4292295"/>
+          </a:xfrm>
+        </p:grpSpPr>
+        <p:sp>
+          <p:nvSpPr>
+            <p:cNvPr id="5" name="Rectangle 4"/>
+            <p:cNvSpPr/>
+            <p:nvPr/>
+          </p:nvSpPr>
+          <p:spPr>
+            <a:xfrm>
+              <a:off x="677334" y="1409095"/>
+              <a:ext cx="3479999" cy="4292295"/>
+            </a:xfrm>
+            <a:prstGeom prst="rect">
+              <a:avLst/>
+            </a:prstGeom>
+            <a:solidFill>
+              <a:srgbClr val="F470EE">
+                <a:alpha val="30000"/>
+              </a:srgbClr>
+            </a:solidFill>
+          </p:spPr>
+          <p:style>
+            <a:lnRef idx="2">
+              <a:schemeClr val="accent1">
+                <a:shade val="50000"/>
+              </a:schemeClr>
+            </a:lnRef>
+            <a:fillRef idx="1">
+              <a:schemeClr val="accent1"/>
+            </a:fillRef>
+            <a:effectRef idx="0">
+              <a:schemeClr val="accent1"/>
+            </a:effectRef>
+            <a:fontRef idx="minor">
+              <a:schemeClr val="lt1"/>
+            </a:fontRef>
+          </p:style>
+          <p:txBody>
+            <a:bodyPr rtlCol="0" anchor="ctr"/>
+            <a:lstStyle/>
+            <a:p>
+              <a:endParaRPr lang="en-IN" dirty="0" smtClean="0">
+                <a:solidFill>
+                  <a:srgbClr val="7131A1"/>
+                </a:solidFill>
+              </a:endParaRPr>
+            </a:p>
+            <a:p>
+              <a:endParaRPr lang="en-IN" dirty="0">
+                <a:solidFill>
+                  <a:srgbClr val="7131A1"/>
+                </a:solidFill>
+              </a:endParaRPr>
+            </a:p>
+            <a:p>
+              <a:endParaRPr lang="en-IN" dirty="0" smtClean="0">
+                <a:solidFill>
+                  <a:srgbClr val="7131A1"/>
+                </a:solidFill>
+              </a:endParaRPr>
+            </a:p>
+            <a:p>
+              <a:endParaRPr lang="en-IN" sz="2400" dirty="0">
+                <a:solidFill>
+                  <a:srgbClr val="7131A1"/>
+                </a:solidFill>
+              </a:endParaRPr>
+            </a:p>
+            <a:p>
+              <a:r>
+                <a:rPr lang="en-IN" sz="2400" dirty="0" err="1" smtClean="0">
+                  <a:solidFill>
+                    <a:srgbClr val="7131A1"/>
+                  </a:solidFill>
+                </a:rPr>
+                <a:t>getCurrentPosition</a:t>
+              </a:r>
+              <a:r>
+                <a:rPr lang="en-IN" sz="2400" dirty="0" smtClean="0">
+                  <a:solidFill>
+                    <a:srgbClr val="7131A1"/>
+                  </a:solidFill>
+                </a:rPr>
+                <a:t>(() =&gt; {</a:t>
+              </a:r>
+            </a:p>
+            <a:p>
+              <a:r>
+                <a:rPr lang="en-IN" sz="2400" dirty="0" smtClean="0">
+                  <a:solidFill>
+                    <a:srgbClr val="7131A1"/>
+                  </a:solidFill>
+                </a:rPr>
+                <a:t>  </a:t>
+              </a:r>
+              <a:r>
+                <a:rPr lang="en-IN" sz="2400" dirty="0" err="1" smtClean="0">
+                  <a:solidFill>
+                    <a:srgbClr val="7131A1"/>
+                  </a:solidFill>
+                </a:rPr>
+                <a:t>setTimeout</a:t>
+              </a:r>
+              <a:r>
+                <a:rPr lang="en-IN" sz="2400" dirty="0" smtClean="0">
+                  <a:solidFill>
+                    <a:srgbClr val="7131A1"/>
+                  </a:solidFill>
+                </a:rPr>
+                <a:t>(() =&gt; {</a:t>
+              </a:r>
+            </a:p>
+            <a:p>
+              <a:r>
+                <a:rPr lang="en-IN" sz="2400" dirty="0" smtClean="0">
+                  <a:solidFill>
+                    <a:srgbClr val="7131A1"/>
+                  </a:solidFill>
+                </a:rPr>
+                <a:t>   </a:t>
+              </a:r>
+              <a:r>
+                <a:rPr lang="en-IN" sz="2400" dirty="0" err="1" smtClean="0">
+                  <a:solidFill>
+                    <a:srgbClr val="7131A1"/>
+                  </a:solidFill>
+                </a:rPr>
+                <a:t>doMoreAsyncStuff</a:t>
+              </a:r>
+              <a:r>
+                <a:rPr lang="en-IN" sz="2400" dirty="0" smtClean="0">
+                  <a:solidFill>
+                    <a:srgbClr val="7131A1"/>
+                  </a:solidFill>
+                </a:rPr>
+                <a:t>(() =&gt; {</a:t>
+              </a:r>
+            </a:p>
+            <a:p>
+              <a:r>
+                <a:rPr lang="en-IN" sz="2400" dirty="0" smtClean="0">
+                  <a:solidFill>
+                    <a:srgbClr val="7131A1"/>
+                  </a:solidFill>
+                </a:rPr>
+                <a:t>        …</a:t>
+              </a:r>
+              <a:endParaRPr lang="en-IN" sz="2400" dirty="0">
+                <a:solidFill>
+                  <a:srgbClr val="7131A1"/>
+                </a:solidFill>
+              </a:endParaRPr>
+            </a:p>
+            <a:p>
+              <a:r>
+                <a:rPr lang="en-IN" sz="2400" dirty="0" smtClean="0">
+                  <a:solidFill>
+                    <a:srgbClr val="7131A1"/>
+                  </a:solidFill>
+                </a:rPr>
+                <a:t>   });</a:t>
+              </a:r>
+              <a:endParaRPr lang="en-IN" sz="2400" dirty="0">
+                <a:solidFill>
+                  <a:srgbClr val="7131A1"/>
+                </a:solidFill>
+              </a:endParaRPr>
+            </a:p>
+            <a:p>
+              <a:r>
+                <a:rPr lang="en-IN" sz="2400" dirty="0" smtClean="0">
+                  <a:solidFill>
+                    <a:srgbClr val="7131A1"/>
+                  </a:solidFill>
+                </a:rPr>
+                <a:t>  }, 1000);</a:t>
+              </a:r>
+            </a:p>
+            <a:p>
+              <a:r>
+                <a:rPr lang="en-IN" sz="2400" dirty="0" smtClean="0">
+                  <a:solidFill>
+                    <a:srgbClr val="7131A1"/>
+                  </a:solidFill>
+                </a:rPr>
+                <a:t>}, ….);</a:t>
+              </a:r>
+              <a:endParaRPr lang="en-IN" sz="2400" dirty="0">
+                <a:solidFill>
+                  <a:srgbClr val="7131A1"/>
+                </a:solidFill>
+              </a:endParaRPr>
+            </a:p>
+            <a:p>
+              <a:endParaRPr lang="en-IN" dirty="0" smtClean="0">
+                <a:solidFill>
+                  <a:srgbClr val="7131A1"/>
+                </a:solidFill>
+              </a:endParaRPr>
+            </a:p>
+            <a:p>
+              <a:endParaRPr lang="en-GB" dirty="0">
+                <a:solidFill>
+                  <a:srgbClr val="7131A1"/>
+                </a:solidFill>
+              </a:endParaRPr>
+            </a:p>
+          </p:txBody>
+        </p:sp>
+        <p:sp>
+          <p:nvSpPr>
+            <p:cNvPr id="6" name="Rectangle 5"/>
+            <p:cNvSpPr/>
+            <p:nvPr/>
+          </p:nvSpPr>
+          <p:spPr>
+            <a:xfrm>
+              <a:off x="677334" y="1409095"/>
+              <a:ext cx="3479999" cy="663191"/>
+            </a:xfrm>
+            <a:prstGeom prst="rect">
+              <a:avLst/>
+            </a:prstGeom>
+            <a:solidFill>
+              <a:srgbClr val="7131A1"/>
+            </a:solidFill>
+          </p:spPr>
+          <p:style>
+            <a:lnRef idx="2">
+              <a:schemeClr val="accent1">
+                <a:shade val="50000"/>
+              </a:schemeClr>
+            </a:lnRef>
+            <a:fillRef idx="1">
+              <a:schemeClr val="accent1"/>
+            </a:fillRef>
+            <a:effectRef idx="0">
+              <a:schemeClr val="accent1"/>
+            </a:effectRef>
+            <a:fontRef idx="minor">
+              <a:schemeClr val="lt1"/>
+            </a:fontRef>
+          </p:style>
+          <p:txBody>
+            <a:bodyPr rtlCol="0" anchor="ctr"/>
+            <a:lstStyle/>
+            <a:p>
+              <a:pPr algn="ctr"/>
+              <a:r>
+                <a:rPr lang="en-IN" dirty="0" smtClean="0"/>
+                <a:t>Promises</a:t>
+              </a:r>
+              <a:endParaRPr lang="en-GB" dirty="0"/>
+            </a:p>
+          </p:txBody>
+        </p:sp>
+      </p:grpSp>
+      <p:sp>
+        <p:nvSpPr>
+          <p:cNvPr id="7" name="Rectangle 6"/>
+          <p:cNvSpPr/>
+          <p:nvPr/>
+        </p:nvSpPr>
+        <p:spPr>
+          <a:xfrm>
+            <a:off x="830929" y="5524673"/>
+            <a:ext cx="3104941" cy="320182"/>
+          </a:xfrm>
+          <a:prstGeom prst="rect">
+            <a:avLst/>
+          </a:prstGeom>
+          <a:solidFill>
+            <a:schemeClr val="accent3"/>
+          </a:solidFill>
+        </p:spPr>
+        <p:style>
+          <a:lnRef idx="2">
+            <a:schemeClr val="accent1">
+              <a:shade val="50000"/>
+            </a:schemeClr>
+          </a:lnRef>
+          <a:fillRef idx="1">
+            <a:schemeClr val="accent1"/>
+          </a:fillRef>
+          <a:effectRef idx="0">
+            <a:schemeClr val="accent1"/>
+          </a:effectRef>
+          <a:fontRef idx="minor">
+            <a:schemeClr val="lt1"/>
+          </a:fontRef>
+        </p:style>
+        <p:txBody>
+          <a:bodyPr rtlCol="0" anchor="ctr"/>
+          <a:lstStyle/>
+          <a:p>
+            <a:pPr algn="ctr"/>
+            <a:r>
+              <a:rPr lang="en-IN" dirty="0" err="1" smtClean="0"/>
+              <a:t>Callback</a:t>
+            </a:r>
+            <a:r>
+              <a:rPr lang="en-IN" dirty="0" smtClean="0"/>
+              <a:t> Hell</a:t>
+            </a:r>
+            <a:endParaRPr lang="en-GB" dirty="0"/>
+          </a:p>
+        </p:txBody>
+      </p:sp>
+      <p:sp>
+        <p:nvSpPr>
+          <p:cNvPr id="8" name="Down Arrow 7"/>
+          <p:cNvSpPr/>
+          <p:nvPr/>
+        </p:nvSpPr>
+        <p:spPr>
+          <a:xfrm>
+            <a:off x="2125133" y="4855808"/>
+            <a:ext cx="364068" cy="766059"/>
+          </a:xfrm>
+          <a:prstGeom prst="downArrow">
+            <a:avLst/>
+          </a:prstGeom>
+          <a:solidFill>
+            <a:schemeClr val="accent3"/>
+          </a:solidFill>
+        </p:spPr>
+        <p:style>
+          <a:lnRef idx="2">
+            <a:schemeClr val="accent1">
+              <a:shade val="50000"/>
+            </a:schemeClr>
+          </a:lnRef>
+          <a:fillRef idx="1">
+            <a:schemeClr val="accent1"/>
+          </a:fillRef>
+          <a:effectRef idx="0">
+            <a:schemeClr val="accent1"/>
+          </a:effectRef>
+          <a:fontRef idx="minor">
+            <a:schemeClr val="lt1"/>
+          </a:fontRef>
+        </p:style>
+        <p:txBody>
+          <a:bodyPr rtlCol="0" anchor="ctr"/>
+          <a:lstStyle/>
+          <a:p>
+            <a:pPr algn="ctr"/>
+            <a:endParaRPr lang="en-GB"/>
+          </a:p>
+        </p:txBody>
+      </p:sp>
+      <p:grpSp>
+        <p:nvGrpSpPr>
+          <p:cNvPr id="10" name="Group 9"/>
+          <p:cNvGrpSpPr/>
+          <p:nvPr/>
+        </p:nvGrpSpPr>
+        <p:grpSpPr>
+          <a:xfrm>
+            <a:off x="6311589" y="1326995"/>
+            <a:ext cx="5031914" cy="3899913"/>
+            <a:chOff x="6311589" y="1326995"/>
+            <a:chExt cx="5031914" cy="3899913"/>
+          </a:xfrm>
+        </p:grpSpPr>
+        <p:sp>
+          <p:nvSpPr>
+            <p:cNvPr id="3" name="Rectangle 2"/>
+            <p:cNvSpPr/>
+            <p:nvPr/>
+          </p:nvSpPr>
+          <p:spPr>
+            <a:xfrm>
+              <a:off x="6311589" y="1326995"/>
+              <a:ext cx="5031913" cy="603405"/>
+            </a:xfrm>
+            <a:prstGeom prst="rect">
+              <a:avLst/>
+            </a:prstGeom>
+            <a:solidFill>
+              <a:schemeClr val="accent3"/>
+            </a:solidFill>
+          </p:spPr>
+          <p:style>
+            <a:lnRef idx="2">
+              <a:schemeClr val="accent1">
+                <a:shade val="50000"/>
+              </a:schemeClr>
+            </a:lnRef>
+            <a:fillRef idx="1">
+              <a:schemeClr val="accent1"/>
+            </a:fillRef>
+            <a:effectRef idx="0">
+              <a:schemeClr val="accent1"/>
+            </a:effectRef>
+            <a:fontRef idx="minor">
+              <a:schemeClr val="lt1"/>
+            </a:fontRef>
+          </p:style>
+          <p:txBody>
+            <a:bodyPr rtlCol="0" anchor="ctr"/>
+            <a:lstStyle/>
+            <a:p>
+              <a:pPr algn="ctr"/>
+              <a:r>
+                <a:rPr lang="en-GB" dirty="0" smtClean="0"/>
+                <a:t>Promises</a:t>
+              </a:r>
+              <a:endParaRPr lang="en-GB" dirty="0"/>
+            </a:p>
+          </p:txBody>
+        </p:sp>
+        <p:sp>
+          <p:nvSpPr>
+            <p:cNvPr id="9" name="Rectangle 8"/>
+            <p:cNvSpPr/>
+            <p:nvPr/>
+          </p:nvSpPr>
+          <p:spPr>
+            <a:xfrm>
+              <a:off x="6314303" y="1930400"/>
+              <a:ext cx="5029200" cy="3296508"/>
+            </a:xfrm>
+            <a:prstGeom prst="rect">
+              <a:avLst/>
+            </a:prstGeom>
+            <a:solidFill>
+              <a:schemeClr val="accent3">
+                <a:lumMod val="20000"/>
+                <a:lumOff val="80000"/>
+              </a:schemeClr>
+            </a:solidFill>
+          </p:spPr>
+          <p:style>
+            <a:lnRef idx="2">
+              <a:schemeClr val="accent1">
+                <a:shade val="50000"/>
+              </a:schemeClr>
+            </a:lnRef>
+            <a:fillRef idx="1">
+              <a:schemeClr val="accent1"/>
+            </a:fillRef>
+            <a:effectRef idx="0">
+              <a:schemeClr val="accent1"/>
+            </a:effectRef>
+            <a:fontRef idx="minor">
+              <a:schemeClr val="lt1"/>
+            </a:fontRef>
+          </p:style>
+          <p:txBody>
+            <a:bodyPr rtlCol="0" anchor="ctr"/>
+            <a:lstStyle/>
+            <a:p>
+              <a:pPr algn="ctr"/>
+              <a:r>
+                <a:rPr lang="en-GB" sz="2400" dirty="0" err="1" smtClean="0">
+                  <a:solidFill>
+                    <a:schemeClr val="accent3"/>
+                  </a:solidFill>
+                </a:rPr>
+                <a:t>someAsyncTask</a:t>
+              </a:r>
+              <a:r>
+                <a:rPr lang="en-GB" sz="2400" dirty="0" smtClean="0">
+                  <a:solidFill>
+                    <a:schemeClr val="accent3"/>
+                  </a:solidFill>
+                </a:rPr>
+                <a:t>()</a:t>
+              </a:r>
+            </a:p>
+            <a:p>
+              <a:pPr algn="ctr"/>
+              <a:r>
+                <a:rPr lang="en-GB" sz="2400" dirty="0" smtClean="0">
+                  <a:solidFill>
+                    <a:schemeClr val="accent3"/>
+                  </a:solidFill>
+                </a:rPr>
+                <a:t>.then(() =&gt; {</a:t>
+              </a:r>
+            </a:p>
+            <a:p>
+              <a:pPr algn="ctr"/>
+              <a:r>
+                <a:rPr lang="en-GB" sz="2400" dirty="0" smtClean="0">
+                  <a:solidFill>
+                    <a:schemeClr val="accent3"/>
+                  </a:solidFill>
+                </a:rPr>
+                <a:t>Return </a:t>
+              </a:r>
+              <a:r>
+                <a:rPr lang="en-GB" sz="2400" dirty="0" err="1" smtClean="0">
+                  <a:solidFill>
+                    <a:schemeClr val="accent3"/>
+                  </a:solidFill>
+                </a:rPr>
+                <a:t>anotherTask</a:t>
+              </a:r>
+              <a:r>
+                <a:rPr lang="en-GB" sz="2400" dirty="0" smtClean="0">
+                  <a:solidFill>
+                    <a:schemeClr val="accent3"/>
+                  </a:solidFill>
+                </a:rPr>
+                <a:t>();</a:t>
+              </a:r>
+              <a:endParaRPr lang="en-GB" sz="2400" dirty="0">
+                <a:solidFill>
+                  <a:schemeClr val="accent3"/>
+                </a:solidFill>
+              </a:endParaRPr>
+            </a:p>
+            <a:p>
+              <a:pPr algn="ctr"/>
+              <a:r>
+                <a:rPr lang="en-GB" sz="2400" dirty="0" smtClean="0">
+                  <a:solidFill>
+                    <a:schemeClr val="accent3"/>
+                  </a:solidFill>
+                </a:rPr>
+                <a:t>})</a:t>
+              </a:r>
+            </a:p>
+            <a:p>
+              <a:pPr algn="ctr"/>
+              <a:r>
+                <a:rPr lang="en-GB" sz="2400" dirty="0" smtClean="0">
+                  <a:solidFill>
+                    <a:schemeClr val="accent3"/>
+                  </a:solidFill>
+                </a:rPr>
+                <a:t>.then(()=&gt;{</a:t>
+              </a:r>
+            </a:p>
+            <a:p>
+              <a:pPr algn="ctr"/>
+              <a:r>
+                <a:rPr lang="en-GB" sz="2400" dirty="0" smtClean="0">
+                  <a:solidFill>
+                    <a:schemeClr val="accent3"/>
+                  </a:solidFill>
+                </a:rPr>
+                <a:t>Return </a:t>
+              </a:r>
+              <a:r>
+                <a:rPr lang="en-GB" sz="2400" dirty="0" err="1" smtClean="0">
+                  <a:solidFill>
+                    <a:schemeClr val="accent3"/>
+                  </a:solidFill>
+                </a:rPr>
+                <a:t>yetAnotherTask</a:t>
+              </a:r>
+              <a:r>
+                <a:rPr lang="en-GB" sz="2400" dirty="0" smtClean="0">
+                  <a:solidFill>
+                    <a:schemeClr val="accent3"/>
+                  </a:solidFill>
+                </a:rPr>
+                <a:t>();</a:t>
+              </a:r>
+              <a:endParaRPr lang="en-GB" sz="2400" dirty="0">
+                <a:solidFill>
+                  <a:schemeClr val="accent3"/>
+                </a:solidFill>
+              </a:endParaRPr>
+            </a:p>
+            <a:p>
+              <a:pPr algn="ctr"/>
+              <a:r>
+                <a:rPr lang="en-GB" sz="2400" dirty="0" smtClean="0">
+                  <a:solidFill>
+                    <a:schemeClr val="accent3"/>
+                  </a:solidFill>
+                </a:rPr>
+                <a:t>})</a:t>
+              </a:r>
+            </a:p>
+            <a:p>
+              <a:pPr algn="ctr"/>
+              <a:r>
+                <a:rPr lang="en-GB" sz="2400" dirty="0" smtClean="0">
+                  <a:solidFill>
+                    <a:schemeClr val="accent3"/>
+                  </a:solidFill>
+                </a:rPr>
+                <a:t>.then(….);</a:t>
+              </a:r>
+              <a:endParaRPr lang="en-GB" sz="2400" dirty="0">
+                <a:solidFill>
+                  <a:schemeClr val="accent3"/>
+                </a:solidFill>
+              </a:endParaRPr>
+            </a:p>
+          </p:txBody>
+        </p:sp>
+      </p:grpSp>
+    </p:spTree>
+    <p:extLst>
+      <p:ext uri="{BB962C8B-B14F-4D97-AF65-F5344CB8AC3E}">
+        <p14:creationId xmlns:p14="http://schemas.microsoft.com/office/powerpoint/2010/main" val="1812304556"/>
+      </p:ext>
+    </p:extLst>
+  </p:cSld>
+  <p:clrMapOvr>
+    <a:masterClrMapping/>
+  </p:clrMapOvr>
+  <p:timing>
+    <p:tnLst>
+      <p:par>
+        <p:cTn id="1" dur="indefinite" restart="never" nodeType="tmRoot">
+          <p:childTnLst>
+            <p:seq concurrent="1" nextAc="seek">
+              <p:cTn id="2" dur="indefinite" nodeType="mainSeq">
+                <p:childTnLst>
+                  <p:par>
+                    <p:cTn id="3" fill="hold">
+                      <p:stCondLst>
+                        <p:cond delay="indefinite"/>
+                      </p:stCondLst>
+                      <p:childTnLst>
+                        <p:par>
+                          <p:cTn id="4" fill="hold">
+                            <p:stCondLst>
+                              <p:cond delay="0"/>
+                            </p:stCondLst>
+                            <p:childTnLst>
+                              <p:par>
+                                <p:cTn id="5" presetID="2" presetClass="entr" presetSubtype="4" fill="hold" nodeType="clickEffect">
+                                  <p:stCondLst>
+                                    <p:cond delay="0"/>
+                                  </p:stCondLst>
+                                  <p:childTnLst>
+                                    <p:set>
+                                      <p:cBhvr>
+                                        <p:cTn id="6" dur="1" fill="hold">
+                                          <p:stCondLst>
+                                            <p:cond delay="0"/>
+                                          </p:stCondLst>
+                                        </p:cTn>
+                                        <p:tgtEl>
+                                          <p:spTgt spid="4"/>
+                                        </p:tgtEl>
+                                        <p:attrNameLst>
+                                          <p:attrName>style.visibility</p:attrName>
+                                        </p:attrNameLst>
+                                      </p:cBhvr>
+                                      <p:to>
+                                        <p:strVal val="visible"/>
+                                      </p:to>
+                                    </p:set>
+                                    <p:anim calcmode="lin" valueType="num">
+                                      <p:cBhvr additive="base">
+                                        <p:cTn id="7" dur="500" fill="hold"/>
+                                        <p:tgtEl>
+                                          <p:spTgt spid="4"/>
+                                        </p:tgtEl>
+                                        <p:attrNameLst>
+                                          <p:attrName>ppt_x</p:attrName>
+                                        </p:attrNameLst>
+                                      </p:cBhvr>
+                                      <p:tavLst>
+                                        <p:tav tm="0">
+                                          <p:val>
+                                            <p:strVal val="#ppt_x"/>
+                                          </p:val>
+                                        </p:tav>
+                                        <p:tav tm="100000">
+                                          <p:val>
+                                            <p:strVal val="#ppt_x"/>
+                                          </p:val>
+                                        </p:tav>
+                                      </p:tavLst>
+                                    </p:anim>
+                                    <p:anim calcmode="lin" valueType="num">
+                                      <p:cBhvr additive="base">
+                                        <p:cTn id="8" dur="500" fill="hold"/>
+                                        <p:tgtEl>
+                                          <p:spTgt spid="4"/>
+                                        </p:tgtEl>
+                                        <p:attrNameLst>
+                                          <p:attrName>ppt_y</p:attrName>
+                                        </p:attrNameLst>
+                                      </p:cBhvr>
+                                      <p:tavLst>
+                                        <p:tav tm="0">
+                                          <p:val>
+                                            <p:strVal val="1+#ppt_h/2"/>
+                                          </p:val>
+                                        </p:tav>
+                                        <p:tav tm="100000">
+                                          <p:val>
+                                            <p:strVal val="#ppt_y"/>
+                                          </p:val>
+                                        </p:tav>
+                                      </p:tavLst>
+                                    </p:anim>
+                                  </p:childTnLst>
+                                </p:cTn>
+                              </p:par>
+                            </p:childTnLst>
+                          </p:cTn>
+                        </p:par>
+                      </p:childTnLst>
+                    </p:cTn>
+                  </p:par>
+                  <p:par>
+                    <p:cTn id="9" fill="hold">
+                      <p:stCondLst>
+                        <p:cond delay="indefinite"/>
+                      </p:stCondLst>
+                      <p:childTnLst>
+                        <p:par>
+                          <p:cTn id="10" fill="hold">
+                            <p:stCondLst>
+                              <p:cond delay="0"/>
+                            </p:stCondLst>
+                            <p:childTnLst>
+                              <p:par>
+                                <p:cTn id="11" presetID="2" presetClass="entr" presetSubtype="4" fill="hold" grpId="0" nodeType="clickEffect">
+                                  <p:stCondLst>
+                                    <p:cond delay="0"/>
+                                  </p:stCondLst>
+                                  <p:childTnLst>
+                                    <p:set>
+                                      <p:cBhvr>
+                                        <p:cTn id="12" dur="1" fill="hold">
+                                          <p:stCondLst>
+                                            <p:cond delay="0"/>
+                                          </p:stCondLst>
+                                        </p:cTn>
+                                        <p:tgtEl>
+                                          <p:spTgt spid="8"/>
+                                        </p:tgtEl>
+                                        <p:attrNameLst>
+                                          <p:attrName>style.visibility</p:attrName>
+                                        </p:attrNameLst>
+                                      </p:cBhvr>
+                                      <p:to>
+                                        <p:strVal val="visible"/>
+                                      </p:to>
+                                    </p:set>
+                                    <p:anim calcmode="lin" valueType="num">
+                                      <p:cBhvr additive="base">
+                                        <p:cTn id="13" dur="500" fill="hold"/>
+                                        <p:tgtEl>
+                                          <p:spTgt spid="8"/>
+                                        </p:tgtEl>
+                                        <p:attrNameLst>
+                                          <p:attrName>ppt_x</p:attrName>
+                                        </p:attrNameLst>
+                                      </p:cBhvr>
+                                      <p:tavLst>
+                                        <p:tav tm="0">
+                                          <p:val>
+                                            <p:strVal val="#ppt_x"/>
+                                          </p:val>
+                                        </p:tav>
+                                        <p:tav tm="100000">
+                                          <p:val>
+                                            <p:strVal val="#ppt_x"/>
+                                          </p:val>
+                                        </p:tav>
+                                      </p:tavLst>
+                                    </p:anim>
+                                    <p:anim calcmode="lin" valueType="num">
+                                      <p:cBhvr additive="base">
+                                        <p:cTn id="14" dur="500" fill="hold"/>
+                                        <p:tgtEl>
+                                          <p:spTgt spid="8"/>
+                                        </p:tgtEl>
+                                        <p:attrNameLst>
+                                          <p:attrName>ppt_y</p:attrName>
+                                        </p:attrNameLst>
+                                      </p:cBhvr>
+                                      <p:tavLst>
+                                        <p:tav tm="0">
+                                          <p:val>
+                                            <p:strVal val="1+#ppt_h/2"/>
+                                          </p:val>
+                                        </p:tav>
+                                        <p:tav tm="100000">
+                                          <p:val>
+                                            <p:strVal val="#ppt_y"/>
+                                          </p:val>
+                                        </p:tav>
+                                      </p:tavLst>
+                                    </p:anim>
+                                  </p:childTnLst>
+                                </p:cTn>
+                              </p:par>
+                              <p:par>
+                                <p:cTn id="15" presetID="2" presetClass="entr" presetSubtype="4" fill="hold" grpId="0" nodeType="withEffect">
+                                  <p:stCondLst>
+                                    <p:cond delay="0"/>
+                                  </p:stCondLst>
+                                  <p:childTnLst>
+                                    <p:set>
+                                      <p:cBhvr>
+                                        <p:cTn id="16" dur="1" fill="hold">
+                                          <p:stCondLst>
+                                            <p:cond delay="0"/>
+                                          </p:stCondLst>
+                                        </p:cTn>
+                                        <p:tgtEl>
+                                          <p:spTgt spid="7"/>
+                                        </p:tgtEl>
+                                        <p:attrNameLst>
+                                          <p:attrName>style.visibility</p:attrName>
+                                        </p:attrNameLst>
+                                      </p:cBhvr>
+                                      <p:to>
+                                        <p:strVal val="visible"/>
+                                      </p:to>
+                                    </p:set>
+                                    <p:anim calcmode="lin" valueType="num">
+                                      <p:cBhvr additive="base">
+                                        <p:cTn id="17" dur="500" fill="hold"/>
+                                        <p:tgtEl>
+                                          <p:spTgt spid="7"/>
+                                        </p:tgtEl>
+                                        <p:attrNameLst>
+                                          <p:attrName>ppt_x</p:attrName>
+                                        </p:attrNameLst>
+                                      </p:cBhvr>
+                                      <p:tavLst>
+                                        <p:tav tm="0">
+                                          <p:val>
+                                            <p:strVal val="#ppt_x"/>
+                                          </p:val>
+                                        </p:tav>
+                                        <p:tav tm="100000">
+                                          <p:val>
+                                            <p:strVal val="#ppt_x"/>
+                                          </p:val>
+                                        </p:tav>
+                                      </p:tavLst>
+                                    </p:anim>
+                                    <p:anim calcmode="lin" valueType="num">
+                                      <p:cBhvr additive="base">
+                                        <p:cTn id="18" dur="500" fill="hold"/>
+                                        <p:tgtEl>
+                                          <p:spTgt spid="7"/>
+                                        </p:tgtEl>
+                                        <p:attrNameLst>
+                                          <p:attrName>ppt_y</p:attrName>
+                                        </p:attrNameLst>
+                                      </p:cBhvr>
+                                      <p:tavLst>
+                                        <p:tav tm="0">
+                                          <p:val>
+                                            <p:strVal val="1+#ppt_h/2"/>
+                                          </p:val>
+                                        </p:tav>
+                                        <p:tav tm="100000">
+                                          <p:val>
+                                            <p:strVal val="#ppt_y"/>
+                                          </p:val>
+                                        </p:tav>
+                                      </p:tavLst>
+                                    </p:anim>
+                                  </p:childTnLst>
+                                </p:cTn>
+                              </p:par>
+                            </p:childTnLst>
+                          </p:cTn>
+                        </p:par>
+                      </p:childTnLst>
+                    </p:cTn>
+                  </p:par>
+                  <p:par>
+                    <p:cTn id="19" fill="hold">
+                      <p:stCondLst>
+                        <p:cond delay="indefinite"/>
+                      </p:stCondLst>
+                      <p:childTnLst>
+                        <p:par>
+                          <p:cTn id="20" fill="hold">
+                            <p:stCondLst>
+                              <p:cond delay="0"/>
+                            </p:stCondLst>
+                            <p:childTnLst>
+                              <p:par>
+                                <p:cTn id="21" presetID="2" presetClass="entr" presetSubtype="4" fill="hold" nodeType="clickEffect">
+                                  <p:stCondLst>
+                                    <p:cond delay="0"/>
+                                  </p:stCondLst>
+                                  <p:childTnLst>
+                                    <p:set>
+                                      <p:cBhvr>
+                                        <p:cTn id="22" dur="1" fill="hold">
+                                          <p:stCondLst>
+                                            <p:cond delay="0"/>
+                                          </p:stCondLst>
+                                        </p:cTn>
+                                        <p:tgtEl>
+                                          <p:spTgt spid="10"/>
+                                        </p:tgtEl>
+                                        <p:attrNameLst>
+                                          <p:attrName>style.visibility</p:attrName>
+                                        </p:attrNameLst>
+                                      </p:cBhvr>
+                                      <p:to>
+                                        <p:strVal val="visible"/>
+                                      </p:to>
+                                    </p:set>
+                                    <p:anim calcmode="lin" valueType="num">
+                                      <p:cBhvr additive="base">
+                                        <p:cTn id="23" dur="500" fill="hold"/>
+                                        <p:tgtEl>
+                                          <p:spTgt spid="10"/>
+                                        </p:tgtEl>
+                                        <p:attrNameLst>
+                                          <p:attrName>ppt_x</p:attrName>
+                                        </p:attrNameLst>
+                                      </p:cBhvr>
+                                      <p:tavLst>
+                                        <p:tav tm="0">
+                                          <p:val>
+                                            <p:strVal val="#ppt_x"/>
+                                          </p:val>
+                                        </p:tav>
+                                        <p:tav tm="100000">
+                                          <p:val>
+                                            <p:strVal val="#ppt_x"/>
+                                          </p:val>
+                                        </p:tav>
+                                      </p:tavLst>
+                                    </p:anim>
+                                    <p:anim calcmode="lin" valueType="num">
+                                      <p:cBhvr additive="base">
+                                        <p:cTn id="24" dur="500" fill="hold"/>
+                                        <p:tgtEl>
+                                          <p:spTgt spid="10"/>
+                                        </p:tgtEl>
+                                        <p:attrNameLst>
+                                          <p:attrName>ppt_y</p:attrName>
+                                        </p:attrNameLst>
+                                      </p:cBhvr>
+                                      <p:tavLst>
+                                        <p:tav tm="0">
+                                          <p:val>
+                                            <p:strVal val="1+#ppt_h/2"/>
+                                          </p:val>
+                                        </p:tav>
+                                        <p:tav tm="100000">
+                                          <p:val>
+                                            <p:strVal val="#ppt_y"/>
+                                          </p:val>
+                                        </p:tav>
+                                      </p:tavLst>
+                                    </p:anim>
+                                  </p:childTnLst>
+                                </p:cTn>
+                              </p:par>
+                            </p:childTnLst>
+                          </p:cTn>
+                        </p:par>
+                      </p:childTnLst>
+                    </p:cTn>
+                  </p:par>
+                </p:childTnLst>
+              </p:cTn>
+              <p:prevCondLst>
+                <p:cond evt="onPrev" delay="0">
+                  <p:tgtEl>
+                    <p:sldTgt/>
+                  </p:tgtEl>
+                </p:cond>
+              </p:prevCondLst>
+              <p:nextCondLst>
+                <p:cond evt="onNext" delay="0">
+                  <p:tgtEl>
+                    <p:sldTgt/>
+                  </p:tgtEl>
+                </p:cond>
+              </p:nextCondLst>
+            </p:seq>
+          </p:childTnLst>
+        </p:cTn>
+      </p:par>
+    </p:tnLst>
+    <p:bldLst>
+      <p:bldP spid="7" grpId="0" animBg="1"/>
+      <p:bldP spid="8" grpId="0" animBg="1"/>
+    </p:bldLst>
+  </p:timing>
+</p:sld>
+</file>
+
+<file path=ppt/slides/slide84.xml><?xml version="1.0" encoding="utf-8"?>
+<p:sld xmlns:a="http://schemas.openxmlformats.org/drawingml/2006/main" xmlns:r="http://schemas.openxmlformats.org/officeDocument/2006/relationships" xmlns:p="http://schemas.openxmlformats.org/presentationml/2006/main">
+  <p:cSld>
+    <p:spTree>
+      <p:nvGrpSpPr>
+        <p:cNvPr id="1" name=""/>
+        <p:cNvGrpSpPr/>
+        <p:nvPr/>
+      </p:nvGrpSpPr>
+      <p:grpSpPr>
+        <a:xfrm>
+          <a:off x="0" y="0"/>
+          <a:ext cx="0" cy="0"/>
+          <a:chOff x="0" y="0"/>
+          <a:chExt cx="0" cy="0"/>
+        </a:xfrm>
+      </p:grpSpPr>
+      <p:sp>
+        <p:nvSpPr>
+          <p:cNvPr id="2" name="Title 1"/>
+          <p:cNvSpPr>
+            <a:spLocks noGrp="1"/>
+          </p:cNvSpPr>
+          <p:nvPr>
+            <p:ph type="title"/>
+          </p:nvPr>
+        </p:nvSpPr>
+        <p:spPr>
+          <a:xfrm>
+            <a:off x="677334" y="85493"/>
+            <a:ext cx="8596668" cy="628185"/>
+          </a:xfrm>
+        </p:spPr>
+        <p:txBody>
+          <a:bodyPr>
+            <a:normAutofit fontScale="90000"/>
+          </a:bodyPr>
+          <a:lstStyle/>
+          <a:p>
+            <a:r>
+              <a:rPr lang="en-GB" dirty="0" smtClean="0"/>
+              <a:t>Promise </a:t>
+            </a:r>
+            <a:r>
+              <a:rPr lang="en-GB" dirty="0"/>
+              <a:t>E</a:t>
+            </a:r>
+            <a:r>
+              <a:rPr lang="en-GB" dirty="0" smtClean="0"/>
+              <a:t>rror Handling</a:t>
+            </a:r>
+            <a:endParaRPr lang="en-GB" dirty="0"/>
+          </a:p>
+        </p:txBody>
+      </p:sp>
+      <p:sp>
+        <p:nvSpPr>
+          <p:cNvPr id="3" name="Content Placeholder 2"/>
+          <p:cNvSpPr>
+            <a:spLocks noGrp="1"/>
+          </p:cNvSpPr>
+          <p:nvPr>
+            <p:ph idx="1"/>
+          </p:nvPr>
+        </p:nvSpPr>
+        <p:spPr>
+          <a:xfrm>
+            <a:off x="677334" y="903249"/>
+            <a:ext cx="8596668" cy="5776331"/>
+          </a:xfrm>
+        </p:spPr>
+        <p:txBody>
+          <a:bodyPr>
+            <a:normAutofit/>
+          </a:bodyPr>
+          <a:lstStyle/>
+          <a:p>
+            <a:r>
+              <a:rPr lang="en-GB" dirty="0" smtClean="0"/>
+              <a:t>There can be errors in a promise</a:t>
+            </a:r>
+          </a:p>
+          <a:p>
+            <a:r>
+              <a:rPr lang="en-GB" dirty="0" smtClean="0"/>
+              <a:t>Promises provide us with a graceful way of handling that</a:t>
+            </a:r>
+          </a:p>
+          <a:p>
+            <a:r>
+              <a:rPr lang="en-GB" dirty="0" smtClean="0"/>
+              <a:t>We can use a catch method in our promise call and a reject method </a:t>
+            </a:r>
+            <a:r>
+              <a:rPr lang="en-GB" dirty="0" err="1" smtClean="0"/>
+              <a:t>callback</a:t>
+            </a:r>
+            <a:r>
+              <a:rPr lang="en-GB" dirty="0" smtClean="0"/>
+              <a:t> while creating a </a:t>
+            </a:r>
+            <a:r>
+              <a:rPr lang="en-GB" dirty="0" smtClean="0"/>
+              <a:t>promise</a:t>
+            </a:r>
+          </a:p>
+          <a:p>
+            <a:r>
+              <a:rPr lang="en-GB" dirty="0" smtClean="0"/>
+              <a:t>The catch method can be added anywhere in the chain</a:t>
+            </a:r>
+            <a:endParaRPr lang="en-GB" dirty="0" smtClean="0"/>
+          </a:p>
+          <a:p>
+            <a:r>
+              <a:rPr lang="en-GB" dirty="0" smtClean="0"/>
+              <a:t>The position of catch in our promise chain makes a big </a:t>
+            </a:r>
+            <a:r>
+              <a:rPr lang="en-GB" dirty="0" smtClean="0"/>
+              <a:t>difference</a:t>
+            </a:r>
+          </a:p>
+          <a:p>
+            <a:r>
+              <a:rPr lang="en-GB" dirty="0" smtClean="0"/>
+              <a:t>A catch block catches any errors or rejections that happen anywhere in the promise chain prior to the catch block</a:t>
+            </a:r>
+          </a:p>
+          <a:p>
+            <a:r>
+              <a:rPr lang="en-GB" dirty="0" smtClean="0"/>
+              <a:t>So if an error occurs in a promise chain all subsequent then blocks will be skipped until it reaches a catch block and any then blocks after the catch will work normally.</a:t>
+            </a:r>
+          </a:p>
+          <a:p>
+            <a:r>
+              <a:rPr lang="en-GB" dirty="0" smtClean="0"/>
+              <a:t>If we want to cancel the promise chain if an errors occur anywhere in the promise chain we have to move the catch block to the end of promise chain.</a:t>
+            </a:r>
+          </a:p>
+          <a:p>
+            <a:r>
+              <a:rPr lang="en-GB" dirty="0" smtClean="0"/>
+              <a:t>We can also return data from a catch block</a:t>
+            </a:r>
+          </a:p>
+          <a:p>
+            <a:r>
+              <a:rPr lang="en-GB" dirty="0" smtClean="0"/>
+              <a:t>We can also have multiple catch blocks at different places in the promise chain</a:t>
+            </a:r>
+            <a:endParaRPr lang="en-GB" dirty="0"/>
+          </a:p>
+        </p:txBody>
+      </p:sp>
+    </p:spTree>
+    <p:extLst>
+      <p:ext uri="{BB962C8B-B14F-4D97-AF65-F5344CB8AC3E}">
+        <p14:creationId xmlns:p14="http://schemas.microsoft.com/office/powerpoint/2010/main" val="580490893"/>
+      </p:ext>
+    </p:extLst>
+  </p:cSld>
+  <p:clrMapOvr>
+    <a:masterClrMapping/>
+  </p:clrMapOvr>
+</p:sld>
+</file>
+
+<file path=ppt/slides/slide85.xml><?xml version="1.0" encoding="utf-8"?>
+<p:sld xmlns:a="http://schemas.openxmlformats.org/drawingml/2006/main" xmlns:r="http://schemas.openxmlformats.org/officeDocument/2006/relationships" xmlns:p="http://schemas.openxmlformats.org/presentationml/2006/main">
+  <p:cSld>
+    <p:spTree>
+      <p:nvGrpSpPr>
+        <p:cNvPr id="1" name=""/>
+        <p:cNvGrpSpPr/>
+        <p:nvPr/>
+      </p:nvGrpSpPr>
+      <p:grpSpPr>
+        <a:xfrm>
+          <a:off x="0" y="0"/>
+          <a:ext cx="0" cy="0"/>
+          <a:chOff x="0" y="0"/>
+          <a:chExt cx="0" cy="0"/>
+        </a:xfrm>
+      </p:grpSpPr>
+      <p:sp>
+        <p:nvSpPr>
+          <p:cNvPr id="2" name="Title 1"/>
+          <p:cNvSpPr>
+            <a:spLocks noGrp="1"/>
+          </p:cNvSpPr>
+          <p:nvPr>
+            <p:ph type="title"/>
+          </p:nvPr>
+        </p:nvSpPr>
+        <p:spPr>
+          <a:xfrm>
+            <a:off x="755393" y="152400"/>
+            <a:ext cx="8596668" cy="639337"/>
+          </a:xfrm>
+        </p:spPr>
+        <p:txBody>
+          <a:bodyPr>
+            <a:normAutofit fontScale="90000"/>
+          </a:bodyPr>
+          <a:lstStyle/>
+          <a:p>
+            <a:r>
+              <a:rPr lang="en-GB" dirty="0" err="1" smtClean="0"/>
+              <a:t>Async</a:t>
+            </a:r>
+            <a:r>
+              <a:rPr lang="en-GB" dirty="0" smtClean="0"/>
+              <a:t> Await</a:t>
+            </a:r>
+            <a:endParaRPr lang="en-GB" dirty="0"/>
+          </a:p>
+        </p:txBody>
+      </p:sp>
+      <p:sp>
+        <p:nvSpPr>
+          <p:cNvPr id="3" name="Content Placeholder 2"/>
+          <p:cNvSpPr>
+            <a:spLocks noGrp="1"/>
+          </p:cNvSpPr>
+          <p:nvPr>
+            <p:ph idx="1"/>
+          </p:nvPr>
+        </p:nvSpPr>
+        <p:spPr>
+          <a:xfrm>
+            <a:off x="677334" y="959005"/>
+            <a:ext cx="8596668" cy="5082357"/>
+          </a:xfrm>
+        </p:spPr>
+        <p:txBody>
+          <a:bodyPr/>
+          <a:lstStyle/>
+          <a:p>
+            <a:r>
+              <a:rPr lang="en-GB" dirty="0" err="1" smtClean="0"/>
+              <a:t>Async</a:t>
+            </a:r>
+            <a:r>
+              <a:rPr lang="en-GB" dirty="0" smtClean="0"/>
+              <a:t> await is a way to write </a:t>
+            </a:r>
+            <a:r>
+              <a:rPr lang="en-GB" dirty="0" err="1" smtClean="0"/>
+              <a:t>async</a:t>
+            </a:r>
+            <a:r>
+              <a:rPr lang="en-GB" dirty="0" smtClean="0"/>
+              <a:t> code in modern </a:t>
+            </a:r>
+            <a:r>
+              <a:rPr lang="en-GB" dirty="0" err="1" smtClean="0"/>
+              <a:t>js</a:t>
+            </a:r>
+            <a:r>
+              <a:rPr lang="en-GB" dirty="0" smtClean="0"/>
+              <a:t> .</a:t>
+            </a:r>
+          </a:p>
+          <a:p>
+            <a:r>
+              <a:rPr lang="en-GB" dirty="0" smtClean="0"/>
+              <a:t>It also depends on promises but gives us a </a:t>
+            </a:r>
+            <a:r>
+              <a:rPr lang="en-GB" dirty="0" err="1" smtClean="0"/>
+              <a:t>consixe</a:t>
+            </a:r>
+            <a:r>
+              <a:rPr lang="en-GB" dirty="0" smtClean="0"/>
+              <a:t> way to write </a:t>
+            </a:r>
+            <a:r>
+              <a:rPr lang="en-GB" dirty="0" err="1" smtClean="0"/>
+              <a:t>async</a:t>
+            </a:r>
+            <a:r>
+              <a:rPr lang="en-GB" dirty="0" smtClean="0"/>
+              <a:t> code.</a:t>
+            </a:r>
+          </a:p>
+          <a:p>
+            <a:r>
+              <a:rPr lang="en-GB" dirty="0" smtClean="0"/>
+              <a:t>This can only be used with functions</a:t>
+            </a:r>
+          </a:p>
+          <a:p>
+            <a:r>
+              <a:rPr lang="en-GB" dirty="0" smtClean="0"/>
+              <a:t>We can add </a:t>
+            </a:r>
+            <a:r>
+              <a:rPr lang="en-GB" dirty="0" err="1" smtClean="0"/>
+              <a:t>async</a:t>
+            </a:r>
+            <a:r>
+              <a:rPr lang="en-GB" dirty="0" smtClean="0"/>
+              <a:t> keyword in front of a function to make it </a:t>
+            </a:r>
+            <a:r>
+              <a:rPr lang="en-GB" dirty="0" err="1" smtClean="0"/>
+              <a:t>async</a:t>
+            </a:r>
+            <a:r>
+              <a:rPr lang="en-GB" dirty="0" smtClean="0"/>
+              <a:t>.</a:t>
+            </a:r>
+          </a:p>
+          <a:p>
+            <a:r>
+              <a:rPr lang="en-GB" dirty="0" err="1" smtClean="0"/>
+              <a:t>Async</a:t>
+            </a:r>
+            <a:r>
+              <a:rPr lang="en-GB" dirty="0" smtClean="0"/>
+              <a:t> functions automatically return a promise</a:t>
+            </a:r>
+          </a:p>
+          <a:p>
+            <a:r>
+              <a:rPr lang="en-GB" dirty="0" smtClean="0"/>
+              <a:t>Instead of a then call we use the await keyword that waits for a promise to resolve or reject</a:t>
+            </a:r>
+          </a:p>
+          <a:p>
+            <a:r>
+              <a:rPr lang="en-GB" dirty="0" err="1" smtClean="0"/>
+              <a:t>Js</a:t>
+            </a:r>
+            <a:r>
+              <a:rPr lang="en-GB" dirty="0" smtClean="0"/>
+              <a:t> internally converts the await call to a .then call</a:t>
+            </a:r>
+          </a:p>
+          <a:p>
+            <a:endParaRPr lang="en-GB" dirty="0"/>
+          </a:p>
+        </p:txBody>
+      </p:sp>
+    </p:spTree>
+    <p:extLst>
+      <p:ext uri="{BB962C8B-B14F-4D97-AF65-F5344CB8AC3E}">
+        <p14:creationId xmlns:p14="http://schemas.microsoft.com/office/powerpoint/2010/main" val="2848388990"/>
+      </p:ext>
+    </p:extLst>
+  </p:cSld>
+  <p:clrMapOvr>
+    <a:masterClrMapping/>
+  </p:clrMapOvr>
+</p:sld>
+</file>
+
+<file path=ppt/slides/slide86.xml><?xml version="1.0" encoding="utf-8"?>
+<p:sld xmlns:a="http://schemas.openxmlformats.org/drawingml/2006/main" xmlns:r="http://schemas.openxmlformats.org/officeDocument/2006/relationships" xmlns:p="http://schemas.openxmlformats.org/presentationml/2006/main">
+  <p:cSld>
+    <p:spTree>
+      <p:nvGrpSpPr>
+        <p:cNvPr id="1" name=""/>
+        <p:cNvGrpSpPr/>
+        <p:nvPr/>
+      </p:nvGrpSpPr>
+      <p:grpSpPr>
+        <a:xfrm>
+          <a:off x="0" y="0"/>
+          <a:ext cx="0" cy="0"/>
+          <a:chOff x="0" y="0"/>
+          <a:chExt cx="0" cy="0"/>
+        </a:xfrm>
+      </p:grpSpPr>
+      <p:sp>
+        <p:nvSpPr>
+          <p:cNvPr id="2" name="Title 1"/>
+          <p:cNvSpPr>
+            <a:spLocks noGrp="1"/>
+          </p:cNvSpPr>
+          <p:nvPr>
+            <p:ph type="title"/>
+          </p:nvPr>
+        </p:nvSpPr>
+        <p:spPr>
+          <a:xfrm>
+            <a:off x="409705" y="118946"/>
+            <a:ext cx="8596668" cy="583580"/>
+          </a:xfrm>
+        </p:spPr>
+        <p:txBody>
+          <a:bodyPr>
+            <a:normAutofit fontScale="90000"/>
+          </a:bodyPr>
+          <a:lstStyle/>
+          <a:p>
+            <a:r>
+              <a:rPr lang="en-GB" dirty="0"/>
+              <a:t> </a:t>
+            </a:r>
+            <a:r>
+              <a:rPr lang="en-GB" dirty="0" err="1" smtClean="0"/>
+              <a:t>Async</a:t>
+            </a:r>
+            <a:r>
+              <a:rPr lang="en-GB" dirty="0" smtClean="0"/>
+              <a:t>/await </a:t>
+            </a:r>
+            <a:r>
+              <a:rPr lang="en-GB" dirty="0"/>
+              <a:t>&amp; Error Handling</a:t>
+            </a:r>
+            <a:endParaRPr lang="en-GB" dirty="0"/>
+          </a:p>
+        </p:txBody>
+      </p:sp>
+      <p:sp>
+        <p:nvSpPr>
+          <p:cNvPr id="3" name="Content Placeholder 2"/>
+          <p:cNvSpPr>
+            <a:spLocks noGrp="1"/>
+          </p:cNvSpPr>
+          <p:nvPr>
+            <p:ph idx="1"/>
+          </p:nvPr>
+        </p:nvSpPr>
+        <p:spPr>
+          <a:xfrm>
+            <a:off x="677334" y="814039"/>
+            <a:ext cx="8596668" cy="5227323"/>
+          </a:xfrm>
+        </p:spPr>
+        <p:txBody>
+          <a:bodyPr/>
+          <a:lstStyle/>
+          <a:p>
+            <a:r>
+              <a:rPr lang="en-GB" dirty="0" smtClean="0"/>
+              <a:t>Await always moves on to the next line as long as the previous line resolves</a:t>
+            </a:r>
+          </a:p>
+          <a:p>
+            <a:r>
+              <a:rPr lang="en-GB" dirty="0" smtClean="0"/>
+              <a:t>To handle errors with </a:t>
+            </a:r>
+            <a:r>
+              <a:rPr lang="en-GB" dirty="0" err="1" smtClean="0"/>
+              <a:t>async</a:t>
+            </a:r>
+            <a:r>
+              <a:rPr lang="en-GB" dirty="0" smtClean="0"/>
+              <a:t> await we can use the normal try catch block</a:t>
+            </a:r>
+          </a:p>
+          <a:p>
+            <a:r>
+              <a:rPr lang="en-GB" dirty="0" smtClean="0"/>
+              <a:t>Note : everything in an </a:t>
+            </a:r>
+            <a:r>
+              <a:rPr lang="en-GB" dirty="0" err="1" smtClean="0"/>
+              <a:t>async</a:t>
+            </a:r>
+            <a:r>
+              <a:rPr lang="en-GB" dirty="0" smtClean="0"/>
+              <a:t> function executes after one another so if there is some code in the function which is not a promise </a:t>
+            </a:r>
+            <a:r>
+              <a:rPr lang="en-GB" dirty="0" err="1" smtClean="0"/>
+              <a:t>js</a:t>
+            </a:r>
+            <a:r>
+              <a:rPr lang="en-GB" dirty="0" smtClean="0"/>
+              <a:t> will automatically wrap that into a then() call.</a:t>
+            </a:r>
+          </a:p>
+          <a:p>
+            <a:r>
+              <a:rPr lang="en-GB" dirty="0" err="1" smtClean="0"/>
+              <a:t>Async</a:t>
+            </a:r>
+            <a:r>
+              <a:rPr lang="en-GB" dirty="0" smtClean="0"/>
+              <a:t> await is available only with functions</a:t>
+            </a:r>
+          </a:p>
+          <a:p>
+            <a:endParaRPr lang="en-GB" dirty="0"/>
+          </a:p>
+        </p:txBody>
+      </p:sp>
+    </p:spTree>
+    <p:extLst>
+      <p:ext uri="{BB962C8B-B14F-4D97-AF65-F5344CB8AC3E}">
+        <p14:creationId xmlns:p14="http://schemas.microsoft.com/office/powerpoint/2010/main" val="1861805423"/>
+      </p:ext>
+    </p:extLst>
+  </p:cSld>
+  <p:clrMapOvr>
+    <a:masterClrMapping/>
+  </p:clrMapOvr>
+</p:sld>
+</file>
+
+<file path=ppt/slides/slide87.xml><?xml version="1.0" encoding="utf-8"?>
+<p:sld xmlns:a="http://schemas.openxmlformats.org/drawingml/2006/main" xmlns:r="http://schemas.openxmlformats.org/officeDocument/2006/relationships" xmlns:p="http://schemas.openxmlformats.org/presentationml/2006/main">
+  <p:cSld>
+    <p:spTree>
+      <p:nvGrpSpPr>
+        <p:cNvPr id="1" name=""/>
+        <p:cNvGrpSpPr/>
+        <p:nvPr/>
+      </p:nvGrpSpPr>
+      <p:grpSpPr>
+        <a:xfrm>
+          <a:off x="0" y="0"/>
+          <a:ext cx="0" cy="0"/>
+          <a:chOff x="0" y="0"/>
+          <a:chExt cx="0" cy="0"/>
+        </a:xfrm>
+      </p:grpSpPr>
+      <p:sp>
+        <p:nvSpPr>
+          <p:cNvPr id="2" name="Title 1"/>
+          <p:cNvSpPr>
+            <a:spLocks noGrp="1"/>
+          </p:cNvSpPr>
+          <p:nvPr>
+            <p:ph type="title"/>
+          </p:nvPr>
+        </p:nvSpPr>
+        <p:spPr>
+          <a:xfrm>
+            <a:off x="677334" y="118947"/>
+            <a:ext cx="8596668" cy="605883"/>
+          </a:xfrm>
+        </p:spPr>
+        <p:txBody>
+          <a:bodyPr>
+            <a:normAutofit fontScale="90000"/>
+          </a:bodyPr>
+          <a:lstStyle/>
+          <a:p>
+            <a:r>
+              <a:rPr lang="en-GB" dirty="0" err="1"/>
+              <a:t>Promise.all</a:t>
+            </a:r>
+            <a:r>
+              <a:rPr lang="en-GB" dirty="0"/>
+              <a:t>(), </a:t>
+            </a:r>
+            <a:r>
+              <a:rPr lang="en-GB" dirty="0" err="1"/>
+              <a:t>Promise.race</a:t>
+            </a:r>
+            <a:r>
+              <a:rPr lang="en-GB" dirty="0"/>
+              <a:t>() etc.</a:t>
+            </a:r>
+            <a:endParaRPr lang="en-GB" dirty="0"/>
+          </a:p>
+        </p:txBody>
+      </p:sp>
+      <p:sp>
+        <p:nvSpPr>
+          <p:cNvPr id="3" name="Content Placeholder 2"/>
+          <p:cNvSpPr>
+            <a:spLocks noGrp="1"/>
+          </p:cNvSpPr>
+          <p:nvPr>
+            <p:ph idx="1"/>
+          </p:nvPr>
+        </p:nvSpPr>
+        <p:spPr>
+          <a:xfrm>
+            <a:off x="677334" y="914400"/>
+            <a:ext cx="8596668" cy="5126963"/>
+          </a:xfrm>
+        </p:spPr>
+        <p:txBody>
+          <a:bodyPr/>
+          <a:lstStyle/>
+          <a:p>
+            <a:r>
+              <a:rPr lang="en-GB" dirty="0" smtClean="0"/>
+              <a:t>Race is a static method of Promise class it takes in an array of promises as an argument and returns a promise which is fastest from the array.</a:t>
+            </a:r>
+          </a:p>
+          <a:p>
+            <a:r>
+              <a:rPr lang="en-GB" dirty="0" smtClean="0"/>
+              <a:t>They will all be kicked off at the same time and the data from the one  which resolves first will be handled by the subsequent then call</a:t>
+            </a:r>
+          </a:p>
+          <a:p>
+            <a:r>
+              <a:rPr lang="en-GB" dirty="0"/>
+              <a:t>If we have a bunch of promises we want all f them to finish before </a:t>
+            </a:r>
+            <a:r>
+              <a:rPr lang="en-GB" dirty="0" smtClean="0"/>
+              <a:t>doing something we can do this by using static method </a:t>
+            </a:r>
+            <a:r>
+              <a:rPr lang="en-GB" dirty="0" err="1" smtClean="0"/>
+              <a:t>Promise.all</a:t>
+            </a:r>
+            <a:r>
+              <a:rPr lang="en-GB" dirty="0" smtClean="0"/>
+              <a:t>().</a:t>
+            </a:r>
+          </a:p>
+          <a:p>
+            <a:r>
+              <a:rPr lang="en-IN" dirty="0" smtClean="0"/>
+              <a:t>It takes in an array of promises and waits for all of them to resolve then returns the combined data of all promises as an array which can be handled in a subsequent then call as .all also returns a promise.</a:t>
+            </a:r>
+          </a:p>
+          <a:p>
+            <a:r>
+              <a:rPr lang="en-IN" dirty="0" smtClean="0"/>
+              <a:t>If one of the promise fails all others are cancelled and an error is returned which can be handled with a catch block</a:t>
+            </a:r>
+          </a:p>
+          <a:p>
+            <a:r>
+              <a:rPr lang="en-IN" dirty="0" smtClean="0"/>
+              <a:t>We can also wait for all resolved or all rejected using </a:t>
+            </a:r>
+            <a:r>
+              <a:rPr lang="en-IN" dirty="0" err="1" smtClean="0"/>
+              <a:t>Promise.allSettled</a:t>
+            </a:r>
+            <a:r>
+              <a:rPr lang="en-IN" dirty="0" smtClean="0"/>
+              <a:t>().This returns objects with result of </a:t>
+            </a:r>
+            <a:r>
+              <a:rPr lang="en-IN" dirty="0" err="1" smtClean="0"/>
+              <a:t>indivisual</a:t>
+            </a:r>
+            <a:r>
+              <a:rPr lang="en-IN" dirty="0" smtClean="0"/>
+              <a:t> promises with there state </a:t>
+            </a:r>
+            <a:r>
+              <a:rPr lang="en-IN" dirty="0" err="1" smtClean="0"/>
+              <a:t>etc.It</a:t>
+            </a:r>
+            <a:r>
+              <a:rPr lang="en-IN" dirty="0" smtClean="0"/>
+              <a:t> also takes in an array of promises returns a promise.</a:t>
+            </a:r>
+          </a:p>
+          <a:p>
+            <a:endParaRPr lang="en-GB" dirty="0"/>
+          </a:p>
+        </p:txBody>
+      </p:sp>
+    </p:spTree>
+    <p:extLst>
+      <p:ext uri="{BB962C8B-B14F-4D97-AF65-F5344CB8AC3E}">
+        <p14:creationId xmlns:p14="http://schemas.microsoft.com/office/powerpoint/2010/main" val="231877344"/>
+      </p:ext>
+    </p:extLst>
+  </p:cSld>
+  <p:clrMapOvr>
+    <a:masterClrMapping/>
+  </p:clrMapOvr>
+</p:sld>
+</file>
+
+<file path=ppt/slides/slide88.xml><?xml version="1.0" encoding="utf-8"?>
+<p:sld xmlns:a="http://schemas.openxmlformats.org/drawingml/2006/main" xmlns:r="http://schemas.openxmlformats.org/officeDocument/2006/relationships" xmlns:p="http://schemas.openxmlformats.org/presentationml/2006/main">
+  <p:cSld>
+    <p:spTree>
+      <p:nvGrpSpPr>
+        <p:cNvPr id="1" name=""/>
+        <p:cNvGrpSpPr/>
+        <p:nvPr/>
+      </p:nvGrpSpPr>
+      <p:grpSpPr>
+        <a:xfrm>
+          <a:off x="0" y="0"/>
+          <a:ext cx="0" cy="0"/>
+          <a:chOff x="0" y="0"/>
+          <a:chExt cx="0" cy="0"/>
+        </a:xfrm>
+      </p:grpSpPr>
+      <p:sp>
+        <p:nvSpPr>
+          <p:cNvPr id="2" name="Title 1"/>
+          <p:cNvSpPr>
+            <a:spLocks noGrp="1"/>
+          </p:cNvSpPr>
+          <p:nvPr>
+            <p:ph type="title"/>
+          </p:nvPr>
+        </p:nvSpPr>
+        <p:spPr/>
+        <p:txBody>
+          <a:bodyPr/>
+          <a:lstStyle/>
+          <a:p>
+            <a:r>
+              <a:rPr lang="en-IN" dirty="0" smtClean="0"/>
+              <a:t>Important Links</a:t>
+            </a:r>
+            <a:endParaRPr lang="en-GB" dirty="0"/>
+          </a:p>
+        </p:txBody>
+      </p:sp>
+      <p:sp>
+        <p:nvSpPr>
+          <p:cNvPr id="3" name="Content Placeholder 2"/>
+          <p:cNvSpPr>
+            <a:spLocks noGrp="1"/>
+          </p:cNvSpPr>
+          <p:nvPr>
+            <p:ph idx="1"/>
+          </p:nvPr>
+        </p:nvSpPr>
+        <p:spPr/>
+        <p:txBody>
+          <a:bodyPr/>
+          <a:lstStyle/>
+          <a:p>
+            <a:r>
+              <a:rPr lang="en-IN" dirty="0" err="1" smtClean="0"/>
+              <a:t>Js</a:t>
+            </a:r>
+            <a:r>
+              <a:rPr lang="en-IN" dirty="0" smtClean="0"/>
+              <a:t> Promises : </a:t>
+            </a:r>
+            <a:r>
+              <a:rPr lang="en-GB" dirty="0">
+                <a:hlinkClick r:id="rId2"/>
+              </a:rPr>
+              <a:t>https://web.dev/promises</a:t>
+            </a:r>
+            <a:r>
+              <a:rPr lang="en-GB" dirty="0" smtClean="0">
+                <a:hlinkClick r:id="rId2"/>
+              </a:rPr>
+              <a:t>/</a:t>
+            </a:r>
+            <a:endParaRPr lang="en-GB" dirty="0" smtClean="0"/>
+          </a:p>
+          <a:p>
+            <a:r>
+              <a:rPr lang="en-IN" dirty="0" err="1" smtClean="0"/>
+              <a:t>Async</a:t>
+            </a:r>
+            <a:r>
+              <a:rPr lang="en-IN" dirty="0" smtClean="0"/>
+              <a:t>/await :- </a:t>
+            </a:r>
+            <a:r>
+              <a:rPr lang="en-GB">
+                <a:hlinkClick r:id="rId3"/>
+              </a:rPr>
+              <a:t>https://developer.mozilla.org/en-US/docs/Web/JavaScript/Reference/Statements/async_function</a:t>
+            </a:r>
+            <a:endParaRPr lang="en-GB"/>
+          </a:p>
+        </p:txBody>
+      </p:sp>
+    </p:spTree>
+    <p:extLst>
+      <p:ext uri="{BB962C8B-B14F-4D97-AF65-F5344CB8AC3E}">
+        <p14:creationId xmlns:p14="http://schemas.microsoft.com/office/powerpoint/2010/main" val="3337929344"/>
+      </p:ext>
+    </p:extLst>
+  </p:cSld>
+  <p:clrMapOvr>
+    <a:masterClrMapping/>
+  </p:clrMapOvr>
+</p:sld>
+</file>
+
+<file path=ppt/slides/slide89.xml><?xml version="1.0" encoding="utf-8"?>
 <p:sld xmlns:a="http://schemas.openxmlformats.org/drawingml/2006/main" xmlns:r="http://schemas.openxmlformats.org/officeDocument/2006/relationships" xmlns:p="http://schemas.openxmlformats.org/presentationml/2006/main">
   <p:cSld>
     <p:spTree>
@@ -48752,76 +50992,6 @@
     <p:extLst>
       <p:ext uri="{BB962C8B-B14F-4D97-AF65-F5344CB8AC3E}">
         <p14:creationId xmlns:p14="http://schemas.microsoft.com/office/powerpoint/2010/main" val="1666940995"/>
-      </p:ext>
-    </p:extLst>
-  </p:cSld>
-  <p:clrMapOvr>
-    <a:masterClrMapping/>
-  </p:clrMapOvr>
-  <p:timing>
-    <p:tnLst>
-      <p:par>
-        <p:cTn id="1" dur="indefinite" restart="never" nodeType="tmRoot"/>
-      </p:par>
-    </p:tnLst>
-  </p:timing>
-</p:sld>
-</file>
-
-<file path=ppt/slides/slide84.xml><?xml version="1.0" encoding="utf-8"?>
-<p:sld xmlns:a="http://schemas.openxmlformats.org/drawingml/2006/main" xmlns:r="http://schemas.openxmlformats.org/officeDocument/2006/relationships" xmlns:p="http://schemas.openxmlformats.org/presentationml/2006/main">
-  <p:cSld>
-    <p:spTree>
-      <p:nvGrpSpPr>
-        <p:cNvPr id="1" name=""/>
-        <p:cNvGrpSpPr/>
-        <p:nvPr/>
-      </p:nvGrpSpPr>
-      <p:grpSpPr>
-        <a:xfrm>
-          <a:off x="0" y="0"/>
-          <a:ext cx="0" cy="0"/>
-          <a:chOff x="0" y="0"/>
-          <a:chExt cx="0" cy="0"/>
-        </a:xfrm>
-      </p:grpSpPr>
-      <p:sp>
-        <p:nvSpPr>
-          <p:cNvPr id="3" name="Content Placeholder 2"/>
-          <p:cNvSpPr>
-            <a:spLocks noGrp="1"/>
-          </p:cNvSpPr>
-          <p:nvPr>
-            <p:ph idx="1"/>
-          </p:nvPr>
-        </p:nvSpPr>
-        <p:spPr>
-          <a:xfrm>
-            <a:off x="3163860" y="2754147"/>
-            <a:ext cx="8596668" cy="3880773"/>
-          </a:xfrm>
-        </p:spPr>
-        <p:txBody>
-          <a:bodyPr>
-            <a:normAutofit/>
-          </a:bodyPr>
-          <a:lstStyle/>
-          <a:p>
-            <a:pPr marL="0" indent="0">
-              <a:buNone/>
-            </a:pPr>
-            <a:r>
-              <a:rPr lang="en-IN" sz="5400" b="1" smtClean="0"/>
-              <a:t>Thanks!!!!!</a:t>
-            </a:r>
-            <a:endParaRPr lang="en-GB" sz="5400" b="1" dirty="0"/>
-          </a:p>
-        </p:txBody>
-      </p:sp>
-    </p:spTree>
-    <p:extLst>
-      <p:ext uri="{BB962C8B-B14F-4D97-AF65-F5344CB8AC3E}">
-        <p14:creationId xmlns:p14="http://schemas.microsoft.com/office/powerpoint/2010/main" val="3977684842"/>
       </p:ext>
     </p:extLst>
   </p:cSld>
@@ -49343,6 +51513,76 @@
     <p:extLst>
       <p:ext uri="{BB962C8B-B14F-4D97-AF65-F5344CB8AC3E}">
         <p14:creationId xmlns:p14="http://schemas.microsoft.com/office/powerpoint/2010/main" val="374944684"/>
+      </p:ext>
+    </p:extLst>
+  </p:cSld>
+  <p:clrMapOvr>
+    <a:masterClrMapping/>
+  </p:clrMapOvr>
+  <p:timing>
+    <p:tnLst>
+      <p:par>
+        <p:cTn id="1" dur="indefinite" restart="never" nodeType="tmRoot"/>
+      </p:par>
+    </p:tnLst>
+  </p:timing>
+</p:sld>
+</file>
+
+<file path=ppt/slides/slide90.xml><?xml version="1.0" encoding="utf-8"?>
+<p:sld xmlns:a="http://schemas.openxmlformats.org/drawingml/2006/main" xmlns:r="http://schemas.openxmlformats.org/officeDocument/2006/relationships" xmlns:p="http://schemas.openxmlformats.org/presentationml/2006/main">
+  <p:cSld>
+    <p:spTree>
+      <p:nvGrpSpPr>
+        <p:cNvPr id="1" name=""/>
+        <p:cNvGrpSpPr/>
+        <p:nvPr/>
+      </p:nvGrpSpPr>
+      <p:grpSpPr>
+        <a:xfrm>
+          <a:off x="0" y="0"/>
+          <a:ext cx="0" cy="0"/>
+          <a:chOff x="0" y="0"/>
+          <a:chExt cx="0" cy="0"/>
+        </a:xfrm>
+      </p:grpSpPr>
+      <p:sp>
+        <p:nvSpPr>
+          <p:cNvPr id="3" name="Content Placeholder 2"/>
+          <p:cNvSpPr>
+            <a:spLocks noGrp="1"/>
+          </p:cNvSpPr>
+          <p:nvPr>
+            <p:ph idx="1"/>
+          </p:nvPr>
+        </p:nvSpPr>
+        <p:spPr>
+          <a:xfrm>
+            <a:off x="3163860" y="2754147"/>
+            <a:ext cx="8596668" cy="3880773"/>
+          </a:xfrm>
+        </p:spPr>
+        <p:txBody>
+          <a:bodyPr>
+            <a:normAutofit/>
+          </a:bodyPr>
+          <a:lstStyle/>
+          <a:p>
+            <a:pPr marL="0" indent="0">
+              <a:buNone/>
+            </a:pPr>
+            <a:r>
+              <a:rPr lang="en-IN" sz="5400" b="1" smtClean="0"/>
+              <a:t>Thanks!!!!!</a:t>
+            </a:r>
+            <a:endParaRPr lang="en-GB" sz="5400" b="1" dirty="0"/>
+          </a:p>
+        </p:txBody>
+      </p:sp>
+    </p:spTree>
+    <p:extLst>
+      <p:ext uri="{BB962C8B-B14F-4D97-AF65-F5344CB8AC3E}">
+        <p14:creationId xmlns:p14="http://schemas.microsoft.com/office/powerpoint/2010/main" val="3977684842"/>
       </p:ext>
     </p:extLst>
   </p:cSld>

--- a/PPT/TypeScriptv7.pptx
+++ b/PPT/TypeScriptv7.pptx
@@ -5,7 +5,7 @@
     <p:sldMasterId id="2147483660" r:id="rId1"/>
   </p:sldMasterIdLst>
   <p:notesMasterIdLst>
-    <p:notesMasterId r:id="rId92"/>
+    <p:notesMasterId r:id="rId97"/>
   </p:notesMasterIdLst>
   <p:sldIdLst>
     <p:sldId id="256" r:id="rId2"/>
@@ -97,7 +97,12 @@
     <p:sldId id="446" r:id="rId88"/>
     <p:sldId id="447" r:id="rId89"/>
     <p:sldId id="438" r:id="rId90"/>
-    <p:sldId id="268" r:id="rId91"/>
+    <p:sldId id="448" r:id="rId91"/>
+    <p:sldId id="449" r:id="rId92"/>
+    <p:sldId id="450" r:id="rId93"/>
+    <p:sldId id="451" r:id="rId94"/>
+    <p:sldId id="452" r:id="rId95"/>
+    <p:sldId id="268" r:id="rId96"/>
   </p:sldIdLst>
   <p:sldSz cx="12192000" cy="6858000"/>
   <p:notesSz cx="6858000" cy="9144000"/>
@@ -286,7 +291,7 @@
           <a:p>
             <a:fld id="{39CD3BCA-8732-46CA-ADDD-C24F968DBEAF}" type="datetimeFigureOut">
               <a:rPr lang="en-GB" smtClean="0"/>
-              <a:t>04/07/2020</a:t>
+              <a:t>05/07/2020</a:t>
             </a:fld>
             <a:endParaRPr lang="en-GB"/>
           </a:p>
@@ -7779,7 +7784,7 @@
           <a:p>
             <a:fld id="{D4BA8270-C9CF-44CA-BE5A-02C2BDCCEDE4}" type="datetimeFigureOut">
               <a:rPr lang="en-GB" smtClean="0"/>
-              <a:t>04/07/2020</a:t>
+              <a:t>05/07/2020</a:t>
             </a:fld>
             <a:endParaRPr lang="en-GB"/>
           </a:p>
@@ -8030,7 +8035,7 @@
           <a:p>
             <a:fld id="{D4BA8270-C9CF-44CA-BE5A-02C2BDCCEDE4}" type="datetimeFigureOut">
               <a:rPr lang="en-GB" smtClean="0"/>
-              <a:t>04/07/2020</a:t>
+              <a:t>05/07/2020</a:t>
             </a:fld>
             <a:endParaRPr lang="en-GB"/>
           </a:p>
@@ -8344,7 +8349,7 @@
           <a:p>
             <a:fld id="{D4BA8270-C9CF-44CA-BE5A-02C2BDCCEDE4}" type="datetimeFigureOut">
               <a:rPr lang="en-GB" smtClean="0"/>
-              <a:t>04/07/2020</a:t>
+              <a:t>05/07/2020</a:t>
             </a:fld>
             <a:endParaRPr lang="en-GB"/>
           </a:p>
@@ -8685,7 +8690,7 @@
           <a:p>
             <a:fld id="{D4BA8270-C9CF-44CA-BE5A-02C2BDCCEDE4}" type="datetimeFigureOut">
               <a:rPr lang="en-GB" smtClean="0"/>
-              <a:t>04/07/2020</a:t>
+              <a:t>05/07/2020</a:t>
             </a:fld>
             <a:endParaRPr lang="en-GB"/>
           </a:p>
@@ -8999,7 +9004,7 @@
           <a:p>
             <a:fld id="{D4BA8270-C9CF-44CA-BE5A-02C2BDCCEDE4}" type="datetimeFigureOut">
               <a:rPr lang="en-GB" smtClean="0"/>
-              <a:t>04/07/2020</a:t>
+              <a:t>05/07/2020</a:t>
             </a:fld>
             <a:endParaRPr lang="en-GB"/>
           </a:p>
@@ -9392,7 +9397,7 @@
           <a:p>
             <a:fld id="{D4BA8270-C9CF-44CA-BE5A-02C2BDCCEDE4}" type="datetimeFigureOut">
               <a:rPr lang="en-GB" smtClean="0"/>
-              <a:t>04/07/2020</a:t>
+              <a:t>05/07/2020</a:t>
             </a:fld>
             <a:endParaRPr lang="en-GB"/>
           </a:p>
@@ -9562,7 +9567,7 @@
           <a:p>
             <a:fld id="{D4BA8270-C9CF-44CA-BE5A-02C2BDCCEDE4}" type="datetimeFigureOut">
               <a:rPr lang="en-GB" smtClean="0"/>
-              <a:t>04/07/2020</a:t>
+              <a:t>05/07/2020</a:t>
             </a:fld>
             <a:endParaRPr lang="en-GB"/>
           </a:p>
@@ -9742,7 +9747,7 @@
           <a:p>
             <a:fld id="{D4BA8270-C9CF-44CA-BE5A-02C2BDCCEDE4}" type="datetimeFigureOut">
               <a:rPr lang="en-GB" smtClean="0"/>
-              <a:t>04/07/2020</a:t>
+              <a:t>05/07/2020</a:t>
             </a:fld>
             <a:endParaRPr lang="en-GB"/>
           </a:p>
@@ -9918,7 +9923,7 @@
           <a:p>
             <a:fld id="{D4BA8270-C9CF-44CA-BE5A-02C2BDCCEDE4}" type="datetimeFigureOut">
               <a:rPr lang="en-GB" smtClean="0"/>
-              <a:t>04/07/2020</a:t>
+              <a:t>05/07/2020</a:t>
             </a:fld>
             <a:endParaRPr lang="en-GB"/>
           </a:p>
@@ -10165,7 +10170,7 @@
           <a:p>
             <a:fld id="{D4BA8270-C9CF-44CA-BE5A-02C2BDCCEDE4}" type="datetimeFigureOut">
               <a:rPr lang="en-GB" smtClean="0"/>
-              <a:t>04/07/2020</a:t>
+              <a:t>05/07/2020</a:t>
             </a:fld>
             <a:endParaRPr lang="en-GB"/>
           </a:p>
@@ -10397,7 +10402,7 @@
           <a:p>
             <a:fld id="{D4BA8270-C9CF-44CA-BE5A-02C2BDCCEDE4}" type="datetimeFigureOut">
               <a:rPr lang="en-GB" smtClean="0"/>
-              <a:t>04/07/2020</a:t>
+              <a:t>05/07/2020</a:t>
             </a:fld>
             <a:endParaRPr lang="en-GB"/>
           </a:p>
@@ -10771,7 +10776,7 @@
           <a:p>
             <a:fld id="{D4BA8270-C9CF-44CA-BE5A-02C2BDCCEDE4}" type="datetimeFigureOut">
               <a:rPr lang="en-GB" smtClean="0"/>
-              <a:t>04/07/2020</a:t>
+              <a:t>05/07/2020</a:t>
             </a:fld>
             <a:endParaRPr lang="en-GB"/>
           </a:p>
@@ -10894,7 +10899,7 @@
           <a:p>
             <a:fld id="{D4BA8270-C9CF-44CA-BE5A-02C2BDCCEDE4}" type="datetimeFigureOut">
               <a:rPr lang="en-GB" smtClean="0"/>
-              <a:t>04/07/2020</a:t>
+              <a:t>05/07/2020</a:t>
             </a:fld>
             <a:endParaRPr lang="en-GB"/>
           </a:p>
@@ -10989,7 +10994,7 @@
           <a:p>
             <a:fld id="{D4BA8270-C9CF-44CA-BE5A-02C2BDCCEDE4}" type="datetimeFigureOut">
               <a:rPr lang="en-GB" smtClean="0"/>
-              <a:t>04/07/2020</a:t>
+              <a:t>05/07/2020</a:t>
             </a:fld>
             <a:endParaRPr lang="en-GB"/>
           </a:p>
@@ -11244,7 +11249,7 @@
           <a:p>
             <a:fld id="{D4BA8270-C9CF-44CA-BE5A-02C2BDCCEDE4}" type="datetimeFigureOut">
               <a:rPr lang="en-GB" smtClean="0"/>
-              <a:t>04/07/2020</a:t>
+              <a:t>05/07/2020</a:t>
             </a:fld>
             <a:endParaRPr lang="en-GB"/>
           </a:p>
@@ -11507,7 +11512,7 @@
           <a:p>
             <a:fld id="{D4BA8270-C9CF-44CA-BE5A-02C2BDCCEDE4}" type="datetimeFigureOut">
               <a:rPr lang="en-GB" smtClean="0"/>
-              <a:t>04/07/2020</a:t>
+              <a:t>05/07/2020</a:t>
             </a:fld>
             <a:endParaRPr lang="en-GB"/>
           </a:p>
@@ -12250,7 +12255,7 @@
           <a:p>
             <a:fld id="{D4BA8270-C9CF-44CA-BE5A-02C2BDCCEDE4}" type="datetimeFigureOut">
               <a:rPr lang="en-GB" smtClean="0"/>
-              <a:t>04/07/2020</a:t>
+              <a:t>05/07/2020</a:t>
             </a:fld>
             <a:endParaRPr lang="en-GB"/>
           </a:p>
@@ -36788,7 +36793,7 @@
           <a:graphicData uri="http://schemas.openxmlformats.org/presentationml/2006/ole">
             <mc:AlternateContent xmlns:mc="http://schemas.openxmlformats.org/markup-compatibility/2006">
               <mc:Choice xmlns:v="urn:schemas-microsoft-com:vml" Requires="v">
-                <p:oleObj spid="_x0000_s1077" name="Документ" showAsIcon="1" r:id="rId3" imgW="914400" imgH="792360" progId="Word.Document.12">
+                <p:oleObj spid="_x0000_s1080" name="Документ" showAsIcon="1" r:id="rId3" imgW="914400" imgH="792360" progId="Word.Document.12">
                   <p:embed/>
                 </p:oleObj>
               </mc:Choice>
@@ -50202,11 +50207,7 @@
             </a:r>
             <a:r>
               <a:rPr lang="en-GB" dirty="0" smtClean="0"/>
-              <a:t> while creating a </a:t>
-            </a:r>
-            <a:r>
-              <a:rPr lang="en-GB" dirty="0" smtClean="0"/>
-              <a:t>promise</a:t>
+              <a:t> while creating a promise</a:t>
             </a:r>
           </a:p>
           <a:p>
@@ -50214,16 +50215,11 @@
               <a:rPr lang="en-GB" dirty="0" smtClean="0"/>
               <a:t>The catch method can be added anywhere in the chain</a:t>
             </a:r>
-            <a:endParaRPr lang="en-GB" dirty="0" smtClean="0"/>
           </a:p>
           <a:p>
             <a:r>
               <a:rPr lang="en-GB" dirty="0" smtClean="0"/>
-              <a:t>The position of catch in our promise chain makes a big </a:t>
-            </a:r>
-            <a:r>
-              <a:rPr lang="en-GB" dirty="0" smtClean="0"/>
-              <a:t>difference</a:t>
+              <a:t>The position of catch in our promise chain makes a big difference</a:t>
             </a:r>
           </a:p>
           <a:p>
@@ -50517,7 +50513,6 @@
               <a:rPr lang="en-GB" dirty="0"/>
               <a:t>&amp; Error Handling</a:t>
             </a:r>
-            <a:endParaRPr lang="en-GB" dirty="0"/>
           </a:p>
         </p:txBody>
       </p:sp>
@@ -50665,7 +50660,6 @@
               <a:rPr lang="en-GB" dirty="0"/>
               <a:t>() etc.</a:t>
             </a:r>
-            <a:endParaRPr lang="en-GB" dirty="0"/>
           </a:p>
         </p:txBody>
       </p:sp>
@@ -50928,7 +50922,11 @@
           <a:p>
             <a:r>
               <a:rPr lang="en-IN" dirty="0" smtClean="0"/>
-              <a:t>Generic Types</a:t>
+              <a:t>Generic </a:t>
+            </a:r>
+            <a:r>
+              <a:rPr lang="en-IN" dirty="0" smtClean="0"/>
+              <a:t>Types and Built in Generic Types</a:t>
             </a:r>
             <a:endParaRPr lang="en-GB" dirty="0"/>
           </a:p>
@@ -50983,6 +50981,13 @@
             <a:r>
               <a:rPr lang="en-IN" dirty="0" err="1" smtClean="0"/>
               <a:t>etc</a:t>
+            </a:r>
+            <a:endParaRPr lang="en-IN" dirty="0" smtClean="0"/>
+          </a:p>
+          <a:p>
+            <a:r>
+              <a:rPr lang="en-IN" dirty="0" smtClean="0"/>
+              <a:t>Another built in generic type is Promises </a:t>
             </a:r>
             <a:endParaRPr lang="en-GB" dirty="0"/>
           </a:p>
@@ -51530,6 +51535,686 @@
 </file>
 
 <file path=ppt/slides/slide90.xml><?xml version="1.0" encoding="utf-8"?>
+<p:sld xmlns:a="http://schemas.openxmlformats.org/drawingml/2006/main" xmlns:r="http://schemas.openxmlformats.org/officeDocument/2006/relationships" xmlns:p="http://schemas.openxmlformats.org/presentationml/2006/main">
+  <p:cSld>
+    <p:spTree>
+      <p:nvGrpSpPr>
+        <p:cNvPr id="1" name=""/>
+        <p:cNvGrpSpPr/>
+        <p:nvPr/>
+      </p:nvGrpSpPr>
+      <p:grpSpPr>
+        <a:xfrm>
+          <a:off x="0" y="0"/>
+          <a:ext cx="0" cy="0"/>
+          <a:chOff x="0" y="0"/>
+          <a:chExt cx="0" cy="0"/>
+        </a:xfrm>
+      </p:grpSpPr>
+      <p:sp>
+        <p:nvSpPr>
+          <p:cNvPr id="2" name="Title 1"/>
+          <p:cNvSpPr>
+            <a:spLocks noGrp="1"/>
+          </p:cNvSpPr>
+          <p:nvPr>
+            <p:ph type="title"/>
+          </p:nvPr>
+        </p:nvSpPr>
+        <p:spPr>
+          <a:xfrm>
+            <a:off x="855753" y="185854"/>
+            <a:ext cx="8596668" cy="628185"/>
+          </a:xfrm>
+        </p:spPr>
+        <p:txBody>
+          <a:bodyPr>
+            <a:normAutofit fontScale="90000"/>
+          </a:bodyPr>
+          <a:lstStyle/>
+          <a:p>
+            <a:r>
+              <a:rPr lang="en-GB" dirty="0"/>
+              <a:t>Creating a Generic Function</a:t>
+            </a:r>
+            <a:endParaRPr lang="en-GB" dirty="0"/>
+          </a:p>
+        </p:txBody>
+      </p:sp>
+      <p:sp>
+        <p:nvSpPr>
+          <p:cNvPr id="3" name="Content Placeholder 2"/>
+          <p:cNvSpPr>
+            <a:spLocks noGrp="1"/>
+          </p:cNvSpPr>
+          <p:nvPr>
+            <p:ph idx="1"/>
+          </p:nvPr>
+        </p:nvSpPr>
+        <p:spPr>
+          <a:xfrm>
+            <a:off x="677334" y="814039"/>
+            <a:ext cx="8596668" cy="5227323"/>
+          </a:xfrm>
+        </p:spPr>
+        <p:txBody>
+          <a:bodyPr/>
+          <a:lstStyle/>
+          <a:p>
+            <a:r>
+              <a:rPr lang="en-IN" dirty="0" smtClean="0"/>
+              <a:t>We can create a generic class or function</a:t>
+            </a:r>
+          </a:p>
+          <a:p>
+            <a:r>
+              <a:rPr lang="en-IN" dirty="0"/>
+              <a:t>To create a generic function we have to </a:t>
+            </a:r>
+            <a:r>
+              <a:rPr lang="en-IN" dirty="0" smtClean="0"/>
+              <a:t>declare </a:t>
+            </a:r>
+            <a:r>
+              <a:rPr lang="en-IN" dirty="0"/>
+              <a:t>the type </a:t>
+            </a:r>
+            <a:r>
+              <a:rPr lang="en-IN" dirty="0" smtClean="0"/>
+              <a:t>arguments it uses typically we represent them with capital Alphabets and by convention start with T</a:t>
+            </a:r>
+          </a:p>
+          <a:p>
+            <a:r>
+              <a:rPr lang="en-IN" dirty="0" smtClean="0"/>
+              <a:t>Syntax:</a:t>
+            </a:r>
+          </a:p>
+          <a:p>
+            <a:pPr lvl="1"/>
+            <a:r>
+              <a:rPr lang="en-IN" dirty="0"/>
+              <a:t>f</a:t>
+            </a:r>
+            <a:r>
+              <a:rPr lang="en-IN" dirty="0" smtClean="0"/>
+              <a:t>unction </a:t>
+            </a:r>
+            <a:r>
+              <a:rPr lang="en-IN" dirty="0" err="1" smtClean="0"/>
+              <a:t>functionName</a:t>
+            </a:r>
+            <a:r>
+              <a:rPr lang="en-IN" dirty="0" smtClean="0"/>
+              <a:t>&lt;T,U&gt;(</a:t>
+            </a:r>
+            <a:r>
+              <a:rPr lang="en-IN" dirty="0" err="1" smtClean="0"/>
+              <a:t>objA:T,objB:U</a:t>
+            </a:r>
+            <a:r>
+              <a:rPr lang="en-IN" dirty="0" smtClean="0"/>
+              <a:t>) { function body}</a:t>
+            </a:r>
+          </a:p>
+          <a:p>
+            <a:r>
+              <a:rPr lang="en-IN" dirty="0" smtClean="0"/>
+              <a:t>In above syntax we are telling t that the function will get two arguments or types T and U.</a:t>
+            </a:r>
+          </a:p>
+          <a:p>
+            <a:r>
+              <a:rPr lang="en-IN" dirty="0" smtClean="0"/>
+              <a:t>T and U are resolved when the function is actually called with some real data</a:t>
+            </a:r>
+          </a:p>
+          <a:p>
+            <a:r>
+              <a:rPr lang="en-IN" dirty="0" smtClean="0"/>
+              <a:t>Before using the Types we need to explicitly declare them after the method name in &lt;&gt;.</a:t>
+            </a:r>
+          </a:p>
+          <a:p>
+            <a:r>
+              <a:rPr lang="en-IN" dirty="0" smtClean="0"/>
+              <a:t>Ts can then use this information to infer the types of the </a:t>
+            </a:r>
+            <a:r>
+              <a:rPr lang="en-IN" dirty="0" err="1" smtClean="0"/>
+              <a:t>arguments,return</a:t>
+            </a:r>
+            <a:r>
+              <a:rPr lang="en-IN" dirty="0" smtClean="0"/>
+              <a:t> type </a:t>
+            </a:r>
+            <a:r>
+              <a:rPr lang="en-IN" dirty="0" err="1" smtClean="0"/>
+              <a:t>etc</a:t>
+            </a:r>
+            <a:r>
+              <a:rPr lang="en-IN" dirty="0" smtClean="0"/>
+              <a:t> for better type checking</a:t>
+            </a:r>
+            <a:endParaRPr lang="en-IN" dirty="0"/>
+          </a:p>
+          <a:p>
+            <a:endParaRPr lang="en-GB" dirty="0"/>
+          </a:p>
+        </p:txBody>
+      </p:sp>
+    </p:spTree>
+    <p:extLst>
+      <p:ext uri="{BB962C8B-B14F-4D97-AF65-F5344CB8AC3E}">
+        <p14:creationId xmlns:p14="http://schemas.microsoft.com/office/powerpoint/2010/main" val="2551178353"/>
+      </p:ext>
+    </p:extLst>
+  </p:cSld>
+  <p:clrMapOvr>
+    <a:masterClrMapping/>
+  </p:clrMapOvr>
+</p:sld>
+</file>
+
+<file path=ppt/slides/slide91.xml><?xml version="1.0" encoding="utf-8"?>
+<p:sld xmlns:a="http://schemas.openxmlformats.org/drawingml/2006/main" xmlns:r="http://schemas.openxmlformats.org/officeDocument/2006/relationships" xmlns:p="http://schemas.openxmlformats.org/presentationml/2006/main">
+  <p:cSld>
+    <p:spTree>
+      <p:nvGrpSpPr>
+        <p:cNvPr id="1" name=""/>
+        <p:cNvGrpSpPr/>
+        <p:nvPr/>
+      </p:nvGrpSpPr>
+      <p:grpSpPr>
+        <a:xfrm>
+          <a:off x="0" y="0"/>
+          <a:ext cx="0" cy="0"/>
+          <a:chOff x="0" y="0"/>
+          <a:chExt cx="0" cy="0"/>
+        </a:xfrm>
+      </p:grpSpPr>
+      <p:sp>
+        <p:nvSpPr>
+          <p:cNvPr id="2" name="Title 1"/>
+          <p:cNvSpPr>
+            <a:spLocks noGrp="1"/>
+          </p:cNvSpPr>
+          <p:nvPr>
+            <p:ph type="title"/>
+          </p:nvPr>
+        </p:nvSpPr>
+        <p:spPr>
+          <a:xfrm>
+            <a:off x="677334" y="152400"/>
+            <a:ext cx="8596668" cy="650488"/>
+          </a:xfrm>
+        </p:spPr>
+        <p:txBody>
+          <a:bodyPr/>
+          <a:lstStyle/>
+          <a:p>
+            <a:r>
+              <a:rPr lang="en-IN" dirty="0" smtClean="0"/>
+              <a:t>Type constraints</a:t>
+            </a:r>
+            <a:endParaRPr lang="en-GB" dirty="0"/>
+          </a:p>
+        </p:txBody>
+      </p:sp>
+      <p:sp>
+        <p:nvSpPr>
+          <p:cNvPr id="3" name="Content Placeholder 2"/>
+          <p:cNvSpPr>
+            <a:spLocks noGrp="1"/>
+          </p:cNvSpPr>
+          <p:nvPr>
+            <p:ph idx="1"/>
+          </p:nvPr>
+        </p:nvSpPr>
+        <p:spPr>
+          <a:xfrm>
+            <a:off x="677334" y="925551"/>
+            <a:ext cx="8596668" cy="5115811"/>
+          </a:xfrm>
+        </p:spPr>
+        <p:txBody>
+          <a:bodyPr/>
+          <a:lstStyle/>
+          <a:p>
+            <a:r>
+              <a:rPr lang="en-IN" dirty="0" smtClean="0"/>
+              <a:t>Sometimes we want to restrict the types that can be assigned to type arguments.</a:t>
+            </a:r>
+          </a:p>
+          <a:p>
+            <a:r>
+              <a:rPr lang="en-IN" dirty="0" smtClean="0"/>
+              <a:t>We can do this by using type constraints using the extends keyword</a:t>
+            </a:r>
+          </a:p>
+          <a:p>
+            <a:r>
+              <a:rPr lang="en-IN" dirty="0" smtClean="0"/>
+              <a:t>For example &lt;T extends object&gt; which means that T can be any type of Object </a:t>
+            </a:r>
+          </a:p>
+          <a:p>
+            <a:r>
+              <a:rPr lang="en-IN" dirty="0" smtClean="0"/>
+              <a:t>We can set any constraints like object ,string any custom type any union type </a:t>
+            </a:r>
+            <a:r>
+              <a:rPr lang="en-IN" dirty="0" err="1" smtClean="0"/>
+              <a:t>etc</a:t>
+            </a:r>
+            <a:endParaRPr lang="en-GB" dirty="0"/>
+          </a:p>
+        </p:txBody>
+      </p:sp>
+    </p:spTree>
+    <p:extLst>
+      <p:ext uri="{BB962C8B-B14F-4D97-AF65-F5344CB8AC3E}">
+        <p14:creationId xmlns:p14="http://schemas.microsoft.com/office/powerpoint/2010/main" val="632704484"/>
+      </p:ext>
+    </p:extLst>
+  </p:cSld>
+  <p:clrMapOvr>
+    <a:masterClrMapping/>
+  </p:clrMapOvr>
+</p:sld>
+</file>
+
+<file path=ppt/slides/slide92.xml><?xml version="1.0" encoding="utf-8"?>
+<p:sld xmlns:a="http://schemas.openxmlformats.org/drawingml/2006/main" xmlns:r="http://schemas.openxmlformats.org/officeDocument/2006/relationships" xmlns:p="http://schemas.openxmlformats.org/presentationml/2006/main">
+  <p:cSld>
+    <p:spTree>
+      <p:nvGrpSpPr>
+        <p:cNvPr id="1" name=""/>
+        <p:cNvGrpSpPr/>
+        <p:nvPr/>
+      </p:nvGrpSpPr>
+      <p:grpSpPr>
+        <a:xfrm>
+          <a:off x="0" y="0"/>
+          <a:ext cx="0" cy="0"/>
+          <a:chOff x="0" y="0"/>
+          <a:chExt cx="0" cy="0"/>
+        </a:xfrm>
+      </p:grpSpPr>
+      <p:sp>
+        <p:nvSpPr>
+          <p:cNvPr id="2" name="Title 1"/>
+          <p:cNvSpPr>
+            <a:spLocks noGrp="1"/>
+          </p:cNvSpPr>
+          <p:nvPr>
+            <p:ph type="title"/>
+          </p:nvPr>
+        </p:nvSpPr>
+        <p:spPr>
+          <a:xfrm>
+            <a:off x="677334" y="141249"/>
+            <a:ext cx="8596668" cy="605883"/>
+          </a:xfrm>
+        </p:spPr>
+        <p:txBody>
+          <a:bodyPr>
+            <a:normAutofit fontScale="90000"/>
+          </a:bodyPr>
+          <a:lstStyle/>
+          <a:p>
+            <a:r>
+              <a:rPr lang="en-GB" dirty="0"/>
+              <a:t>The "</a:t>
+            </a:r>
+            <a:r>
+              <a:rPr lang="en-GB" dirty="0" err="1"/>
+              <a:t>keyof</a:t>
+            </a:r>
+            <a:r>
+              <a:rPr lang="en-GB" dirty="0"/>
+              <a:t>" Constraint</a:t>
+            </a:r>
+            <a:endParaRPr lang="en-GB" dirty="0"/>
+          </a:p>
+        </p:txBody>
+      </p:sp>
+      <p:sp>
+        <p:nvSpPr>
+          <p:cNvPr id="3" name="Content Placeholder 2"/>
+          <p:cNvSpPr>
+            <a:spLocks noGrp="1"/>
+          </p:cNvSpPr>
+          <p:nvPr>
+            <p:ph idx="1"/>
+          </p:nvPr>
+        </p:nvSpPr>
+        <p:spPr>
+          <a:xfrm>
+            <a:off x="677334" y="1126273"/>
+            <a:ext cx="8596668" cy="4915089"/>
+          </a:xfrm>
+        </p:spPr>
+        <p:txBody>
+          <a:bodyPr/>
+          <a:lstStyle/>
+          <a:p>
+            <a:r>
+              <a:rPr lang="en-IN" dirty="0" err="1" smtClean="0"/>
+              <a:t>keyOf</a:t>
+            </a:r>
+            <a:r>
+              <a:rPr lang="en-IN" dirty="0" smtClean="0"/>
+              <a:t> is a special type of type constraint that can be used to verify if a type is a key of another type</a:t>
+            </a:r>
+          </a:p>
+          <a:p>
+            <a:r>
+              <a:rPr lang="en-IN" dirty="0" smtClean="0"/>
+              <a:t>For example</a:t>
+            </a:r>
+          </a:p>
+          <a:p>
+            <a:r>
+              <a:rPr lang="en-IN" dirty="0" smtClean="0"/>
+              <a:t>&lt;T extends </a:t>
+            </a:r>
+            <a:r>
+              <a:rPr lang="en-IN" dirty="0" err="1" smtClean="0"/>
+              <a:t>Object,U</a:t>
+            </a:r>
+            <a:r>
+              <a:rPr lang="en-IN" dirty="0" smtClean="0"/>
+              <a:t> extends </a:t>
+            </a:r>
+            <a:r>
+              <a:rPr lang="en-GB" dirty="0" err="1" smtClean="0"/>
+              <a:t>keyof</a:t>
+            </a:r>
+            <a:r>
+              <a:rPr lang="en-GB" dirty="0" smtClean="0"/>
+              <a:t> T&gt;</a:t>
+            </a:r>
+            <a:endParaRPr lang="en-GB" dirty="0"/>
+          </a:p>
+        </p:txBody>
+      </p:sp>
+    </p:spTree>
+    <p:extLst>
+      <p:ext uri="{BB962C8B-B14F-4D97-AF65-F5344CB8AC3E}">
+        <p14:creationId xmlns:p14="http://schemas.microsoft.com/office/powerpoint/2010/main" val="3797593908"/>
+      </p:ext>
+    </p:extLst>
+  </p:cSld>
+  <p:clrMapOvr>
+    <a:masterClrMapping/>
+  </p:clrMapOvr>
+</p:sld>
+</file>
+
+<file path=ppt/slides/slide93.xml><?xml version="1.0" encoding="utf-8"?>
+<p:sld xmlns:a="http://schemas.openxmlformats.org/drawingml/2006/main" xmlns:r="http://schemas.openxmlformats.org/officeDocument/2006/relationships" xmlns:p="http://schemas.openxmlformats.org/presentationml/2006/main">
+  <p:cSld>
+    <p:spTree>
+      <p:nvGrpSpPr>
+        <p:cNvPr id="1" name=""/>
+        <p:cNvGrpSpPr/>
+        <p:nvPr/>
+      </p:nvGrpSpPr>
+      <p:grpSpPr>
+        <a:xfrm>
+          <a:off x="0" y="0"/>
+          <a:ext cx="0" cy="0"/>
+          <a:chOff x="0" y="0"/>
+          <a:chExt cx="0" cy="0"/>
+        </a:xfrm>
+      </p:grpSpPr>
+      <p:sp>
+        <p:nvSpPr>
+          <p:cNvPr id="2" name="Title 1"/>
+          <p:cNvSpPr>
+            <a:spLocks noGrp="1"/>
+          </p:cNvSpPr>
+          <p:nvPr>
+            <p:ph type="title"/>
+          </p:nvPr>
+        </p:nvSpPr>
+        <p:spPr>
+          <a:xfrm>
+            <a:off x="677334" y="84667"/>
+            <a:ext cx="8596668" cy="533400"/>
+          </a:xfrm>
+        </p:spPr>
+        <p:txBody>
+          <a:bodyPr>
+            <a:normAutofit fontScale="90000"/>
+          </a:bodyPr>
+          <a:lstStyle/>
+          <a:p>
+            <a:r>
+              <a:rPr lang="en-IN" dirty="0" smtClean="0"/>
+              <a:t>Generic Classes</a:t>
+            </a:r>
+            <a:endParaRPr lang="en-GB" dirty="0"/>
+          </a:p>
+        </p:txBody>
+      </p:sp>
+      <p:sp>
+        <p:nvSpPr>
+          <p:cNvPr id="3" name="Content Placeholder 2"/>
+          <p:cNvSpPr>
+            <a:spLocks noGrp="1"/>
+          </p:cNvSpPr>
+          <p:nvPr>
+            <p:ph idx="1"/>
+          </p:nvPr>
+        </p:nvSpPr>
+        <p:spPr>
+          <a:xfrm>
+            <a:off x="677334" y="618067"/>
+            <a:ext cx="8596668" cy="5423295"/>
+          </a:xfrm>
+        </p:spPr>
+        <p:txBody>
+          <a:bodyPr/>
+          <a:lstStyle/>
+          <a:p>
+            <a:r>
+              <a:rPr lang="en-IN" dirty="0" smtClean="0"/>
+              <a:t>We can create classes that work with generics in </a:t>
+            </a:r>
+            <a:r>
+              <a:rPr lang="en-IN" dirty="0" err="1" smtClean="0"/>
+              <a:t>ts</a:t>
+            </a:r>
+            <a:endParaRPr lang="en-IN" dirty="0" smtClean="0"/>
+          </a:p>
+          <a:p>
+            <a:r>
+              <a:rPr lang="en-IN" dirty="0" smtClean="0"/>
+              <a:t>To declare a generic type with classes it is specified in &lt;T&gt; right after the class name</a:t>
+            </a:r>
+          </a:p>
+          <a:p>
+            <a:r>
+              <a:rPr lang="en-IN" dirty="0" smtClean="0"/>
+              <a:t>We can then use this type  inside the class as a type for properties ,as a method parameter or return type.</a:t>
+            </a:r>
+          </a:p>
+          <a:p>
+            <a:r>
+              <a:rPr lang="en-IN" dirty="0" smtClean="0"/>
+              <a:t>We can also add more Type parameters at method level just like we did with functions</a:t>
+            </a:r>
+            <a:endParaRPr lang="en-GB" dirty="0"/>
+          </a:p>
+        </p:txBody>
+      </p:sp>
+    </p:spTree>
+    <p:extLst>
+      <p:ext uri="{BB962C8B-B14F-4D97-AF65-F5344CB8AC3E}">
+        <p14:creationId xmlns:p14="http://schemas.microsoft.com/office/powerpoint/2010/main" val="4141822573"/>
+      </p:ext>
+    </p:extLst>
+  </p:cSld>
+  <p:clrMapOvr>
+    <a:masterClrMapping/>
+  </p:clrMapOvr>
+</p:sld>
+</file>
+
+<file path=ppt/slides/slide94.xml><?xml version="1.0" encoding="utf-8"?>
+<p:sld xmlns:a="http://schemas.openxmlformats.org/drawingml/2006/main" xmlns:r="http://schemas.openxmlformats.org/officeDocument/2006/relationships" xmlns:p="http://schemas.openxmlformats.org/presentationml/2006/main">
+  <p:cSld>
+    <p:spTree>
+      <p:nvGrpSpPr>
+        <p:cNvPr id="1" name=""/>
+        <p:cNvGrpSpPr/>
+        <p:nvPr/>
+      </p:nvGrpSpPr>
+      <p:grpSpPr>
+        <a:xfrm>
+          <a:off x="0" y="0"/>
+          <a:ext cx="0" cy="0"/>
+          <a:chOff x="0" y="0"/>
+          <a:chExt cx="0" cy="0"/>
+        </a:xfrm>
+      </p:grpSpPr>
+      <p:sp>
+        <p:nvSpPr>
+          <p:cNvPr id="2" name="Title 1"/>
+          <p:cNvSpPr>
+            <a:spLocks noGrp="1"/>
+          </p:cNvSpPr>
+          <p:nvPr>
+            <p:ph type="title"/>
+          </p:nvPr>
+        </p:nvSpPr>
+        <p:spPr>
+          <a:xfrm>
+            <a:off x="677334" y="609600"/>
+            <a:ext cx="8596668" cy="694267"/>
+          </a:xfrm>
+        </p:spPr>
+        <p:txBody>
+          <a:bodyPr/>
+          <a:lstStyle/>
+          <a:p>
+            <a:r>
+              <a:rPr lang="en-IN" dirty="0" smtClean="0"/>
+              <a:t>Generic utilities in TS</a:t>
+            </a:r>
+            <a:endParaRPr lang="en-GB" dirty="0"/>
+          </a:p>
+        </p:txBody>
+      </p:sp>
+      <p:sp>
+        <p:nvSpPr>
+          <p:cNvPr id="3" name="Content Placeholder 2"/>
+          <p:cNvSpPr>
+            <a:spLocks noGrp="1"/>
+          </p:cNvSpPr>
+          <p:nvPr>
+            <p:ph idx="1"/>
+          </p:nvPr>
+        </p:nvSpPr>
+        <p:spPr>
+          <a:xfrm>
+            <a:off x="677334" y="1303867"/>
+            <a:ext cx="8596668" cy="4737495"/>
+          </a:xfrm>
+        </p:spPr>
+        <p:txBody>
+          <a:bodyPr/>
+          <a:lstStyle/>
+          <a:p>
+            <a:r>
+              <a:rPr lang="en-IN" dirty="0" smtClean="0"/>
+              <a:t>There are some utilities based on Generics in Ts some of them are :</a:t>
+            </a:r>
+          </a:p>
+          <a:p>
+            <a:pPr lvl="1"/>
+            <a:r>
+              <a:rPr lang="en-IN" dirty="0" smtClean="0"/>
+              <a:t>Partial&lt;T&gt;</a:t>
+            </a:r>
+          </a:p>
+          <a:p>
+            <a:pPr lvl="1"/>
+            <a:r>
+              <a:rPr lang="en-IN" dirty="0" err="1" smtClean="0"/>
+              <a:t>Readonly</a:t>
+            </a:r>
+            <a:r>
+              <a:rPr lang="en-IN" dirty="0" smtClean="0"/>
+              <a:t>&lt;T&gt;</a:t>
+            </a:r>
+          </a:p>
+          <a:p>
+            <a:pPr lvl="1"/>
+            <a:r>
+              <a:rPr lang="en-IN" dirty="0" smtClean="0"/>
+              <a:t>Record&lt;T&gt;</a:t>
+            </a:r>
+          </a:p>
+          <a:p>
+            <a:r>
+              <a:rPr lang="en-IN" dirty="0" smtClean="0"/>
+              <a:t> The complete list can be found at:  </a:t>
+            </a:r>
+            <a:r>
+              <a:rPr lang="en-GB" dirty="0" smtClean="0">
+                <a:hlinkClick r:id="rId2"/>
+              </a:rPr>
+              <a:t>https</a:t>
+            </a:r>
+            <a:r>
+              <a:rPr lang="en-GB" dirty="0">
+                <a:hlinkClick r:id="rId2"/>
+              </a:rPr>
+              <a:t>://</a:t>
+            </a:r>
+            <a:r>
+              <a:rPr lang="en-GB" dirty="0" smtClean="0">
+                <a:hlinkClick r:id="rId2"/>
+              </a:rPr>
+              <a:t>www.typescriptlang.org/docs/handbook/utility-types.html</a:t>
+            </a:r>
+            <a:endParaRPr lang="en-GB" dirty="0" smtClean="0"/>
+          </a:p>
+          <a:p>
+            <a:r>
+              <a:rPr lang="en-IN" dirty="0" smtClean="0"/>
+              <a:t>Generics Reference : </a:t>
+            </a:r>
+            <a:r>
+              <a:rPr lang="en-GB" dirty="0">
+                <a:hlinkClick r:id="rId3"/>
+              </a:rPr>
+              <a:t>https://www.typescriptlang.org/docs/handbook/generics.html</a:t>
+            </a:r>
+            <a:endParaRPr lang="en-GB" dirty="0" smtClean="0"/>
+          </a:p>
+          <a:p>
+            <a:endParaRPr lang="en-GB" dirty="0"/>
+          </a:p>
+        </p:txBody>
+      </p:sp>
+    </p:spTree>
+    <p:extLst>
+      <p:ext uri="{BB962C8B-B14F-4D97-AF65-F5344CB8AC3E}">
+        <p14:creationId xmlns:p14="http://schemas.microsoft.com/office/powerpoint/2010/main" val="85773098"/>
+      </p:ext>
+    </p:extLst>
+  </p:cSld>
+  <p:clrMapOvr>
+    <a:masterClrMapping/>
+  </p:clrMapOvr>
+</p:sld>
+</file>
+
+<file path=ppt/slides/slide95.xml><?xml version="1.0" encoding="utf-8"?>
 <p:sld xmlns:a="http://schemas.openxmlformats.org/drawingml/2006/main" xmlns:r="http://schemas.openxmlformats.org/officeDocument/2006/relationships" xmlns:p="http://schemas.openxmlformats.org/presentationml/2006/main">
   <p:cSld>
     <p:spTree>
